--- a/src/main/resources/docs/表单登陆认证、spring-security原理图.pptx
+++ b/src/main/resources/docs/表单登陆认证、spring-security原理图.pptx
@@ -6,13 +6,15 @@
     <p:sldMasterId id="2147483660" r:id="rId2"/>
   </p:sldMasterIdLst>
   <p:notesMasterIdLst>
-    <p:notesMasterId r:id="rId7"/>
+    <p:notesMasterId r:id="rId9"/>
   </p:notesMasterIdLst>
   <p:sldIdLst>
     <p:sldId id="258" r:id="rId3"/>
     <p:sldId id="261" r:id="rId4"/>
     <p:sldId id="263" r:id="rId5"/>
     <p:sldId id="264" r:id="rId6"/>
+    <p:sldId id="266" r:id="rId7"/>
+    <p:sldId id="265" r:id="rId8"/>
   </p:sldIdLst>
   <p:sldSz cx="12192000" cy="6858000"/>
   <p:notesSz cx="6858000" cy="9144000"/>
@@ -201,7 +203,7 @@
           <a:p>
             <a:fld id="{D2A48B96-639E-45A3-A0BA-2464DFDB1FAA}" type="datetimeFigureOut">
               <a:rPr lang="zh-CN" altLang="en-US" smtClean="0"/>
-              <a:t>2019/7/2</a:t>
+              <a:t>2019/7/15</a:t>
             </a:fld>
             <a:endParaRPr lang="zh-CN" altLang="en-US"/>
           </a:p>
@@ -592,7 +594,7 @@
           <a:p>
             <a:fld id="{D96F5486-16C2-4901-8944-7ACDDDAAE09D}" type="datetimeFigureOut">
               <a:rPr lang="zh-CN" altLang="en-US" smtClean="0"/>
-              <a:t>2019/7/2</a:t>
+              <a:t>2019/7/15</a:t>
             </a:fld>
             <a:endParaRPr lang="zh-CN" altLang="en-US"/>
           </a:p>
@@ -755,7 +757,7 @@
           <a:p>
             <a:fld id="{D96F5486-16C2-4901-8944-7ACDDDAAE09D}" type="datetimeFigureOut">
               <a:rPr lang="zh-CN" altLang="en-US" smtClean="0"/>
-              <a:t>2019/7/2</a:t>
+              <a:t>2019/7/15</a:t>
             </a:fld>
             <a:endParaRPr lang="zh-CN" altLang="en-US"/>
           </a:p>
@@ -928,7 +930,7 @@
           <a:p>
             <a:fld id="{D96F5486-16C2-4901-8944-7ACDDDAAE09D}" type="datetimeFigureOut">
               <a:rPr lang="zh-CN" altLang="en-US" smtClean="0"/>
-              <a:t>2019/7/2</a:t>
+              <a:t>2019/7/15</a:t>
             </a:fld>
             <a:endParaRPr lang="zh-CN" altLang="en-US"/>
           </a:p>
@@ -1113,7 +1115,7 @@
           <a:p>
             <a:fld id="{D96F5486-16C2-4901-8944-7ACDDDAAE09D}" type="datetimeFigureOut">
               <a:rPr lang="zh-CN" altLang="en-US" smtClean="0"/>
-              <a:t>2019/7/2</a:t>
+              <a:t>2019/7/15</a:t>
             </a:fld>
             <a:endParaRPr lang="zh-CN" altLang="en-US"/>
           </a:p>
@@ -1276,7 +1278,7 @@
           <a:p>
             <a:fld id="{D96F5486-16C2-4901-8944-7ACDDDAAE09D}" type="datetimeFigureOut">
               <a:rPr lang="zh-CN" altLang="en-US" smtClean="0"/>
-              <a:t>2019/7/2</a:t>
+              <a:t>2019/7/15</a:t>
             </a:fld>
             <a:endParaRPr lang="zh-CN" altLang="en-US"/>
           </a:p>
@@ -1516,7 +1518,7 @@
           <a:p>
             <a:fld id="{D96F5486-16C2-4901-8944-7ACDDDAAE09D}" type="datetimeFigureOut">
               <a:rPr lang="zh-CN" altLang="en-US" smtClean="0"/>
-              <a:t>2019/7/2</a:t>
+              <a:t>2019/7/15</a:t>
             </a:fld>
             <a:endParaRPr lang="zh-CN" altLang="en-US"/>
           </a:p>
@@ -1740,7 +1742,7 @@
           <a:p>
             <a:fld id="{D96F5486-16C2-4901-8944-7ACDDDAAE09D}" type="datetimeFigureOut">
               <a:rPr lang="zh-CN" altLang="en-US" smtClean="0"/>
-              <a:t>2019/7/2</a:t>
+              <a:t>2019/7/15</a:t>
             </a:fld>
             <a:endParaRPr lang="zh-CN" altLang="en-US"/>
           </a:p>
@@ -2099,7 +2101,7 @@
           <a:p>
             <a:fld id="{D96F5486-16C2-4901-8944-7ACDDDAAE09D}" type="datetimeFigureOut">
               <a:rPr lang="zh-CN" altLang="en-US" smtClean="0"/>
-              <a:t>2019/7/2</a:t>
+              <a:t>2019/7/15</a:t>
             </a:fld>
             <a:endParaRPr lang="zh-CN" altLang="en-US"/>
           </a:p>
@@ -2211,7 +2213,7 @@
           <a:p>
             <a:fld id="{D96F5486-16C2-4901-8944-7ACDDDAAE09D}" type="datetimeFigureOut">
               <a:rPr lang="zh-CN" altLang="en-US" smtClean="0"/>
-              <a:t>2019/7/2</a:t>
+              <a:t>2019/7/15</a:t>
             </a:fld>
             <a:endParaRPr lang="zh-CN" altLang="en-US"/>
           </a:p>
@@ -2301,7 +2303,7 @@
           <a:p>
             <a:fld id="{D96F5486-16C2-4901-8944-7ACDDDAAE09D}" type="datetimeFigureOut">
               <a:rPr lang="zh-CN" altLang="en-US" smtClean="0"/>
-              <a:t>2019/7/2</a:t>
+              <a:t>2019/7/15</a:t>
             </a:fld>
             <a:endParaRPr lang="zh-CN" altLang="en-US"/>
           </a:p>
@@ -2571,7 +2573,7 @@
           <a:p>
             <a:fld id="{D96F5486-16C2-4901-8944-7ACDDDAAE09D}" type="datetimeFigureOut">
               <a:rPr lang="zh-CN" altLang="en-US" smtClean="0"/>
-              <a:t>2019/7/2</a:t>
+              <a:t>2019/7/15</a:t>
             </a:fld>
             <a:endParaRPr lang="zh-CN" altLang="en-US"/>
           </a:p>
@@ -2734,7 +2736,7 @@
           <a:p>
             <a:fld id="{D96F5486-16C2-4901-8944-7ACDDDAAE09D}" type="datetimeFigureOut">
               <a:rPr lang="zh-CN" altLang="en-US" smtClean="0"/>
-              <a:t>2019/7/2</a:t>
+              <a:t>2019/7/15</a:t>
             </a:fld>
             <a:endParaRPr lang="zh-CN" altLang="en-US"/>
           </a:p>
@@ -2981,7 +2983,7 @@
           <a:p>
             <a:fld id="{D96F5486-16C2-4901-8944-7ACDDDAAE09D}" type="datetimeFigureOut">
               <a:rPr lang="zh-CN" altLang="en-US" smtClean="0"/>
-              <a:t>2019/7/2</a:t>
+              <a:t>2019/7/15</a:t>
             </a:fld>
             <a:endParaRPr lang="zh-CN" altLang="en-US"/>
           </a:p>
@@ -3144,7 +3146,7 @@
           <a:p>
             <a:fld id="{D96F5486-16C2-4901-8944-7ACDDDAAE09D}" type="datetimeFigureOut">
               <a:rPr lang="zh-CN" altLang="en-US" smtClean="0"/>
-              <a:t>2019/7/2</a:t>
+              <a:t>2019/7/15</a:t>
             </a:fld>
             <a:endParaRPr lang="zh-CN" altLang="en-US"/>
           </a:p>
@@ -3317,7 +3319,7 @@
           <a:p>
             <a:fld id="{D96F5486-16C2-4901-8944-7ACDDDAAE09D}" type="datetimeFigureOut">
               <a:rPr lang="zh-CN" altLang="en-US" smtClean="0"/>
-              <a:t>2019/7/2</a:t>
+              <a:t>2019/7/15</a:t>
             </a:fld>
             <a:endParaRPr lang="zh-CN" altLang="en-US"/>
           </a:p>
@@ -3557,7 +3559,7 @@
           <a:p>
             <a:fld id="{D96F5486-16C2-4901-8944-7ACDDDAAE09D}" type="datetimeFigureOut">
               <a:rPr lang="zh-CN" altLang="en-US" smtClean="0"/>
-              <a:t>2019/7/2</a:t>
+              <a:t>2019/7/15</a:t>
             </a:fld>
             <a:endParaRPr lang="zh-CN" altLang="en-US"/>
           </a:p>
@@ -3781,7 +3783,7 @@
           <a:p>
             <a:fld id="{D96F5486-16C2-4901-8944-7ACDDDAAE09D}" type="datetimeFigureOut">
               <a:rPr lang="zh-CN" altLang="en-US" smtClean="0"/>
-              <a:t>2019/7/2</a:t>
+              <a:t>2019/7/15</a:t>
             </a:fld>
             <a:endParaRPr lang="zh-CN" altLang="en-US"/>
           </a:p>
@@ -4140,7 +4142,7 @@
           <a:p>
             <a:fld id="{D96F5486-16C2-4901-8944-7ACDDDAAE09D}" type="datetimeFigureOut">
               <a:rPr lang="zh-CN" altLang="en-US" smtClean="0"/>
-              <a:t>2019/7/2</a:t>
+              <a:t>2019/7/15</a:t>
             </a:fld>
             <a:endParaRPr lang="zh-CN" altLang="en-US"/>
           </a:p>
@@ -4252,7 +4254,7 @@
           <a:p>
             <a:fld id="{D96F5486-16C2-4901-8944-7ACDDDAAE09D}" type="datetimeFigureOut">
               <a:rPr lang="zh-CN" altLang="en-US" smtClean="0"/>
-              <a:t>2019/7/2</a:t>
+              <a:t>2019/7/15</a:t>
             </a:fld>
             <a:endParaRPr lang="zh-CN" altLang="en-US"/>
           </a:p>
@@ -4342,7 +4344,7 @@
           <a:p>
             <a:fld id="{D96F5486-16C2-4901-8944-7ACDDDAAE09D}" type="datetimeFigureOut">
               <a:rPr lang="zh-CN" altLang="en-US" smtClean="0"/>
-              <a:t>2019/7/2</a:t>
+              <a:t>2019/7/15</a:t>
             </a:fld>
             <a:endParaRPr lang="zh-CN" altLang="en-US"/>
           </a:p>
@@ -4612,7 +4614,7 @@
           <a:p>
             <a:fld id="{D96F5486-16C2-4901-8944-7ACDDDAAE09D}" type="datetimeFigureOut">
               <a:rPr lang="zh-CN" altLang="en-US" smtClean="0"/>
-              <a:t>2019/7/2</a:t>
+              <a:t>2019/7/15</a:t>
             </a:fld>
             <a:endParaRPr lang="zh-CN" altLang="en-US"/>
           </a:p>
@@ -4859,7 +4861,7 @@
           <a:p>
             <a:fld id="{D96F5486-16C2-4901-8944-7ACDDDAAE09D}" type="datetimeFigureOut">
               <a:rPr lang="zh-CN" altLang="en-US" smtClean="0"/>
-              <a:t>2019/7/2</a:t>
+              <a:t>2019/7/15</a:t>
             </a:fld>
             <a:endParaRPr lang="zh-CN" altLang="en-US"/>
           </a:p>
@@ -5065,7 +5067,7 @@
           <a:p>
             <a:fld id="{D96F5486-16C2-4901-8944-7ACDDDAAE09D}" type="datetimeFigureOut">
               <a:rPr lang="zh-CN" altLang="en-US" smtClean="0"/>
-              <a:t>2019/7/2</a:t>
+              <a:t>2019/7/15</a:t>
             </a:fld>
             <a:endParaRPr lang="zh-CN" altLang="en-US"/>
           </a:p>
@@ -5598,7 +5600,7 @@
           <a:p>
             <a:fld id="{D96F5486-16C2-4901-8944-7ACDDDAAE09D}" type="datetimeFigureOut">
               <a:rPr lang="zh-CN" altLang="en-US" smtClean="0"/>
-              <a:t>2019/7/2</a:t>
+              <a:t>2019/7/15</a:t>
             </a:fld>
             <a:endParaRPr lang="zh-CN" altLang="en-US"/>
           </a:p>
@@ -9401,6 +9403,2086 @@
 </p:sld>
 </file>
 
+<file path=ppt/slides/slide5.xml><?xml version="1.0" encoding="utf-8"?>
+<p:sld xmlns:a="http://schemas.openxmlformats.org/drawingml/2006/main" xmlns:r="http://schemas.openxmlformats.org/officeDocument/2006/relationships" xmlns:p="http://schemas.openxmlformats.org/presentationml/2006/main">
+  <p:cSld>
+    <p:spTree>
+      <p:nvGrpSpPr>
+        <p:cNvPr id="1" name=""/>
+        <p:cNvGrpSpPr/>
+        <p:nvPr/>
+      </p:nvGrpSpPr>
+      <p:grpSpPr>
+        <a:xfrm>
+          <a:off x="0" y="0"/>
+          <a:ext cx="0" cy="0"/>
+          <a:chOff x="0" y="0"/>
+          <a:chExt cx="0" cy="0"/>
+        </a:xfrm>
+      </p:grpSpPr>
+      <p:sp>
+        <p:nvSpPr>
+          <p:cNvPr id="5" name="文本框 4"/>
+          <p:cNvSpPr txBox="1"/>
+          <p:nvPr/>
+        </p:nvSpPr>
+        <p:spPr>
+          <a:xfrm>
+            <a:off x="1114910" y="1976717"/>
+            <a:ext cx="2725420" cy="368300"/>
+          </a:xfrm>
+          <a:prstGeom prst="rect">
+            <a:avLst/>
+          </a:prstGeom>
+          <a:noFill/>
+        </p:spPr>
+        <p:txBody>
+          <a:bodyPr wrap="none" rtlCol="0" anchor="t">
+            <a:spAutoFit/>
+          </a:bodyPr>
+          <a:lstStyle/>
+          <a:p>
+            <a:pPr algn="ctr"/>
+            <a:r>
+              <a:rPr lang="zh-CN" altLang="en-US" b="1" dirty="0">
+                <a:sym typeface="+mn-ea"/>
+              </a:rPr>
+              <a:t>ValidateCodeController</a:t>
+            </a:r>
+          </a:p>
+        </p:txBody>
+      </p:sp>
+      <p:sp>
+        <p:nvSpPr>
+          <p:cNvPr id="4" name="矩形 3"/>
+          <p:cNvSpPr/>
+          <p:nvPr/>
+        </p:nvSpPr>
+        <p:spPr>
+          <a:xfrm>
+            <a:off x="1287064" y="2455140"/>
+            <a:ext cx="3829685" cy="2900465"/>
+          </a:xfrm>
+          <a:prstGeom prst="rect">
+            <a:avLst/>
+          </a:prstGeom>
+        </p:spPr>
+        <p:style>
+          <a:lnRef idx="2">
+            <a:schemeClr val="accent1">
+              <a:shade val="50000"/>
+            </a:schemeClr>
+          </a:lnRef>
+          <a:fillRef idx="1">
+            <a:schemeClr val="accent1"/>
+          </a:fillRef>
+          <a:effectRef idx="0">
+            <a:schemeClr val="accent1"/>
+          </a:effectRef>
+          <a:fontRef idx="minor">
+            <a:schemeClr val="lt1"/>
+          </a:fontRef>
+        </p:style>
+        <p:txBody>
+          <a:bodyPr rtlCol="0" anchor="t" anchorCtr="0"/>
+          <a:lstStyle/>
+          <a:p>
+            <a:pPr algn="l">
+              <a:lnSpc>
+                <a:spcPct val="100000"/>
+              </a:lnSpc>
+            </a:pPr>
+            <a:r>
+              <a:rPr lang="zh-CN" altLang="en-US" dirty="0"/>
+              <a:t>createImageCode</a:t>
+            </a:r>
+          </a:p>
+          <a:p>
+            <a:pPr algn="l">
+              <a:lnSpc>
+                <a:spcPct val="100000"/>
+              </a:lnSpc>
+            </a:pPr>
+            <a:r>
+              <a:rPr lang="en-US" altLang="zh-CN" dirty="0"/>
+              <a:t>1.</a:t>
+            </a:r>
+            <a:r>
+              <a:rPr lang="zh-CN" altLang="en-US" dirty="0"/>
+              <a:t>生成图形验证码对象</a:t>
+            </a:r>
+          </a:p>
+          <a:p>
+            <a:pPr algn="l">
+              <a:lnSpc>
+                <a:spcPct val="100000"/>
+              </a:lnSpc>
+            </a:pPr>
+            <a:r>
+              <a:rPr lang="en-US" altLang="zh-CN" dirty="0"/>
+              <a:t>2.</a:t>
+            </a:r>
+            <a:r>
+              <a:rPr lang="zh-CN" altLang="en-US" dirty="0"/>
+              <a:t>将图形验证码对象写入</a:t>
+            </a:r>
+            <a:r>
+              <a:rPr lang="en-US" altLang="zh-CN" dirty="0"/>
+              <a:t>session</a:t>
+            </a:r>
+          </a:p>
+          <a:p>
+            <a:pPr algn="l">
+              <a:lnSpc>
+                <a:spcPct val="100000"/>
+              </a:lnSpc>
+            </a:pPr>
+            <a:r>
+              <a:rPr lang="en-US" altLang="zh-CN" dirty="0"/>
+              <a:t>3.</a:t>
+            </a:r>
+            <a:r>
+              <a:rPr lang="zh-CN" altLang="en-US" dirty="0"/>
+              <a:t>将图形验证码返回给用户</a:t>
+            </a:r>
+            <a:endParaRPr lang="en-US" altLang="zh-CN" dirty="0"/>
+          </a:p>
+          <a:p>
+            <a:pPr algn="l">
+              <a:lnSpc>
+                <a:spcPct val="100000"/>
+              </a:lnSpc>
+            </a:pPr>
+            <a:endParaRPr lang="en-US" altLang="zh-CN" dirty="0"/>
+          </a:p>
+          <a:p>
+            <a:pPr algn="l">
+              <a:lnSpc>
+                <a:spcPct val="100000"/>
+              </a:lnSpc>
+            </a:pPr>
+            <a:endParaRPr lang="en-US" altLang="zh-CN" dirty="0"/>
+          </a:p>
+          <a:p>
+            <a:pPr algn="l">
+              <a:lnSpc>
+                <a:spcPct val="100000"/>
+              </a:lnSpc>
+            </a:pPr>
+            <a:r>
+              <a:rPr lang="zh-CN" altLang="en-US" dirty="0">
+                <a:sym typeface="+mn-ea"/>
+              </a:rPr>
+              <a:t>create</a:t>
+            </a:r>
+            <a:r>
+              <a:rPr lang="en-US" altLang="zh-CN" dirty="0" err="1">
+                <a:sym typeface="+mn-ea"/>
+              </a:rPr>
+              <a:t>Sms</a:t>
+            </a:r>
+            <a:r>
+              <a:rPr lang="zh-CN" altLang="en-US" dirty="0">
+                <a:sym typeface="+mn-ea"/>
+              </a:rPr>
+              <a:t>Code</a:t>
+            </a:r>
+            <a:endParaRPr lang="zh-CN" altLang="en-US" dirty="0"/>
+          </a:p>
+          <a:p>
+            <a:pPr algn="l">
+              <a:lnSpc>
+                <a:spcPct val="100000"/>
+              </a:lnSpc>
+            </a:pPr>
+            <a:r>
+              <a:rPr lang="en-US" altLang="zh-CN" dirty="0">
+                <a:sym typeface="+mn-ea"/>
+              </a:rPr>
+              <a:t>1.</a:t>
+            </a:r>
+            <a:r>
+              <a:rPr lang="zh-CN" altLang="en-US" dirty="0">
+                <a:sym typeface="+mn-ea"/>
+              </a:rPr>
+              <a:t>生成短信验证码对象</a:t>
+            </a:r>
+            <a:endParaRPr lang="zh-CN" altLang="en-US" dirty="0"/>
+          </a:p>
+          <a:p>
+            <a:pPr algn="l">
+              <a:lnSpc>
+                <a:spcPct val="100000"/>
+              </a:lnSpc>
+            </a:pPr>
+            <a:r>
+              <a:rPr lang="en-US" altLang="zh-CN" dirty="0">
+                <a:sym typeface="+mn-ea"/>
+              </a:rPr>
+              <a:t>2.</a:t>
+            </a:r>
+            <a:r>
+              <a:rPr lang="zh-CN" altLang="en-US" dirty="0">
+                <a:sym typeface="+mn-ea"/>
+              </a:rPr>
+              <a:t>将短信验证码对象写入</a:t>
+            </a:r>
+            <a:r>
+              <a:rPr lang="en-US" altLang="zh-CN" dirty="0">
+                <a:sym typeface="+mn-ea"/>
+              </a:rPr>
+              <a:t>session</a:t>
+            </a:r>
+            <a:endParaRPr lang="en-US" altLang="zh-CN" dirty="0"/>
+          </a:p>
+          <a:p>
+            <a:pPr algn="l">
+              <a:lnSpc>
+                <a:spcPct val="100000"/>
+              </a:lnSpc>
+            </a:pPr>
+            <a:r>
+              <a:rPr lang="en-US" altLang="zh-CN" dirty="0">
+                <a:sym typeface="+mn-ea"/>
+              </a:rPr>
+              <a:t>3.</a:t>
+            </a:r>
+            <a:r>
+              <a:rPr lang="zh-CN" altLang="en-US" dirty="0">
+                <a:sym typeface="+mn-ea"/>
+              </a:rPr>
+              <a:t>将短信验证码返回给用户</a:t>
+            </a:r>
+            <a:endParaRPr lang="en-US" altLang="zh-CN" dirty="0"/>
+          </a:p>
+          <a:p>
+            <a:pPr algn="l">
+              <a:lnSpc>
+                <a:spcPct val="100000"/>
+              </a:lnSpc>
+            </a:pPr>
+            <a:endParaRPr lang="en-US" altLang="zh-CN" dirty="0"/>
+          </a:p>
+          <a:p>
+            <a:pPr algn="l">
+              <a:lnSpc>
+                <a:spcPct val="100000"/>
+              </a:lnSpc>
+            </a:pPr>
+            <a:endParaRPr lang="en-US" altLang="zh-CN" dirty="0"/>
+          </a:p>
+        </p:txBody>
+      </p:sp>
+      <p:cxnSp>
+        <p:nvCxnSpPr>
+          <p:cNvPr id="3" name="直接箭头连接符 2">
+            <a:extLst>
+              <a:ext uri="{FF2B5EF4-FFF2-40B4-BE49-F238E27FC236}">
+                <a16:creationId xmlns:a16="http://schemas.microsoft.com/office/drawing/2014/main" id="{3F628D85-685F-41B0-8002-B3F2FFAD4ECC}"/>
+              </a:ext>
+            </a:extLst>
+          </p:cNvPr>
+          <p:cNvCxnSpPr>
+            <a:cxnSpLocks/>
+            <a:endCxn id="18" idx="1"/>
+          </p:cNvCxnSpPr>
+          <p:nvPr/>
+        </p:nvCxnSpPr>
+        <p:spPr>
+          <a:xfrm>
+            <a:off x="3593054" y="2945517"/>
+            <a:ext cx="2276543" cy="963709"/>
+          </a:xfrm>
+          <a:prstGeom prst="straightConnector1">
+            <a:avLst/>
+          </a:prstGeom>
+          <a:ln>
+            <a:tailEnd type="triangle"/>
+          </a:ln>
+        </p:spPr>
+        <p:style>
+          <a:lnRef idx="3">
+            <a:schemeClr val="accent2"/>
+          </a:lnRef>
+          <a:fillRef idx="0">
+            <a:schemeClr val="accent2"/>
+          </a:fillRef>
+          <a:effectRef idx="2">
+            <a:schemeClr val="accent2"/>
+          </a:effectRef>
+          <a:fontRef idx="minor">
+            <a:schemeClr val="tx1"/>
+          </a:fontRef>
+        </p:style>
+      </p:cxnSp>
+      <p:sp>
+        <p:nvSpPr>
+          <p:cNvPr id="16" name="矩形 15">
+            <a:extLst>
+              <a:ext uri="{FF2B5EF4-FFF2-40B4-BE49-F238E27FC236}">
+                <a16:creationId xmlns:a16="http://schemas.microsoft.com/office/drawing/2014/main" id="{518FB3A0-D876-45AB-B480-6C0D64D6DC62}"/>
+              </a:ext>
+            </a:extLst>
+          </p:cNvPr>
+          <p:cNvSpPr/>
+          <p:nvPr/>
+        </p:nvSpPr>
+        <p:spPr>
+          <a:xfrm>
+            <a:off x="5664963" y="3273194"/>
+            <a:ext cx="2637260" cy="369332"/>
+          </a:xfrm>
+          <a:prstGeom prst="rect">
+            <a:avLst/>
+          </a:prstGeom>
+        </p:spPr>
+        <p:txBody>
+          <a:bodyPr wrap="none">
+            <a:spAutoFit/>
+          </a:bodyPr>
+          <a:lstStyle/>
+          <a:p>
+            <a:r>
+              <a:rPr lang="en-US" altLang="zh-CN" b="1" dirty="0" err="1"/>
+              <a:t>ValidateCodeGenerator</a:t>
+            </a:r>
+            <a:endParaRPr lang="zh-CN" altLang="en-US" b="1" dirty="0"/>
+          </a:p>
+        </p:txBody>
+      </p:sp>
+      <p:sp>
+        <p:nvSpPr>
+          <p:cNvPr id="18" name="矩形 17">
+            <a:extLst>
+              <a:ext uri="{FF2B5EF4-FFF2-40B4-BE49-F238E27FC236}">
+                <a16:creationId xmlns:a16="http://schemas.microsoft.com/office/drawing/2014/main" id="{042666C7-CF01-4997-85D0-0568C2378908}"/>
+              </a:ext>
+            </a:extLst>
+          </p:cNvPr>
+          <p:cNvSpPr/>
+          <p:nvPr/>
+        </p:nvSpPr>
+        <p:spPr>
+          <a:xfrm>
+            <a:off x="5869597" y="3642526"/>
+            <a:ext cx="2277110" cy="533400"/>
+          </a:xfrm>
+          <a:prstGeom prst="rect">
+            <a:avLst/>
+          </a:prstGeom>
+        </p:spPr>
+        <p:style>
+          <a:lnRef idx="2">
+            <a:schemeClr val="accent1">
+              <a:shade val="50000"/>
+            </a:schemeClr>
+          </a:lnRef>
+          <a:fillRef idx="1">
+            <a:schemeClr val="accent1"/>
+          </a:fillRef>
+          <a:effectRef idx="0">
+            <a:schemeClr val="accent1"/>
+          </a:effectRef>
+          <a:fontRef idx="minor">
+            <a:schemeClr val="lt1"/>
+          </a:fontRef>
+        </p:style>
+        <p:txBody>
+          <a:bodyPr rtlCol="0" anchor="ctr" anchorCtr="0"/>
+          <a:lstStyle/>
+          <a:p>
+            <a:pPr algn="l">
+              <a:lnSpc>
+                <a:spcPct val="100000"/>
+              </a:lnSpc>
+            </a:pPr>
+            <a:r>
+              <a:rPr lang="en-US" altLang="zh-CN" dirty="0"/>
+              <a:t>generate</a:t>
+            </a:r>
+          </a:p>
+        </p:txBody>
+      </p:sp>
+      <p:sp>
+        <p:nvSpPr>
+          <p:cNvPr id="21" name="矩形 20">
+            <a:extLst>
+              <a:ext uri="{FF2B5EF4-FFF2-40B4-BE49-F238E27FC236}">
+                <a16:creationId xmlns:a16="http://schemas.microsoft.com/office/drawing/2014/main" id="{BC98D29A-D6B8-46D1-8D83-379F88DAA888}"/>
+              </a:ext>
+            </a:extLst>
+          </p:cNvPr>
+          <p:cNvSpPr/>
+          <p:nvPr/>
+        </p:nvSpPr>
+        <p:spPr>
+          <a:xfrm>
+            <a:off x="9044637" y="2455140"/>
+            <a:ext cx="2277110" cy="533400"/>
+          </a:xfrm>
+          <a:prstGeom prst="rect">
+            <a:avLst/>
+          </a:prstGeom>
+        </p:spPr>
+        <p:style>
+          <a:lnRef idx="2">
+            <a:schemeClr val="accent1">
+              <a:shade val="50000"/>
+            </a:schemeClr>
+          </a:lnRef>
+          <a:fillRef idx="1">
+            <a:schemeClr val="accent1"/>
+          </a:fillRef>
+          <a:effectRef idx="0">
+            <a:schemeClr val="accent1"/>
+          </a:effectRef>
+          <a:fontRef idx="minor">
+            <a:schemeClr val="lt1"/>
+          </a:fontRef>
+        </p:style>
+        <p:txBody>
+          <a:bodyPr rtlCol="0" anchor="ctr" anchorCtr="0"/>
+          <a:lstStyle/>
+          <a:p>
+            <a:pPr algn="l">
+              <a:lnSpc>
+                <a:spcPct val="100000"/>
+              </a:lnSpc>
+            </a:pPr>
+            <a:r>
+              <a:rPr lang="en-US" altLang="zh-CN" dirty="0"/>
+              <a:t>generate</a:t>
+            </a:r>
+          </a:p>
+        </p:txBody>
+      </p:sp>
+      <p:sp>
+        <p:nvSpPr>
+          <p:cNvPr id="22" name="矩形 21">
+            <a:extLst>
+              <a:ext uri="{FF2B5EF4-FFF2-40B4-BE49-F238E27FC236}">
+                <a16:creationId xmlns:a16="http://schemas.microsoft.com/office/drawing/2014/main" id="{2AA33210-20EA-48CC-B137-97988B268B89}"/>
+              </a:ext>
+            </a:extLst>
+          </p:cNvPr>
+          <p:cNvSpPr/>
+          <p:nvPr/>
+        </p:nvSpPr>
+        <p:spPr>
+          <a:xfrm>
+            <a:off x="8991132" y="2062412"/>
+            <a:ext cx="2436886" cy="369332"/>
+          </a:xfrm>
+          <a:prstGeom prst="rect">
+            <a:avLst/>
+          </a:prstGeom>
+        </p:spPr>
+        <p:txBody>
+          <a:bodyPr wrap="none">
+            <a:spAutoFit/>
+          </a:bodyPr>
+          <a:lstStyle/>
+          <a:p>
+            <a:r>
+              <a:rPr lang="en-US" altLang="zh-CN" b="1" dirty="0" err="1"/>
+              <a:t>ImageCodeGenerator</a:t>
+            </a:r>
+            <a:endParaRPr lang="zh-CN" altLang="en-US" b="1" dirty="0"/>
+          </a:p>
+        </p:txBody>
+      </p:sp>
+      <p:sp>
+        <p:nvSpPr>
+          <p:cNvPr id="23" name="矩形 22">
+            <a:extLst>
+              <a:ext uri="{FF2B5EF4-FFF2-40B4-BE49-F238E27FC236}">
+                <a16:creationId xmlns:a16="http://schemas.microsoft.com/office/drawing/2014/main" id="{43E3B9E2-3157-46A3-9B39-BE6D803C3187}"/>
+              </a:ext>
+            </a:extLst>
+          </p:cNvPr>
+          <p:cNvSpPr/>
+          <p:nvPr/>
+        </p:nvSpPr>
+        <p:spPr>
+          <a:xfrm>
+            <a:off x="9044637" y="4822205"/>
+            <a:ext cx="2277110" cy="533400"/>
+          </a:xfrm>
+          <a:prstGeom prst="rect">
+            <a:avLst/>
+          </a:prstGeom>
+        </p:spPr>
+        <p:style>
+          <a:lnRef idx="2">
+            <a:schemeClr val="accent1">
+              <a:shade val="50000"/>
+            </a:schemeClr>
+          </a:lnRef>
+          <a:fillRef idx="1">
+            <a:schemeClr val="accent1"/>
+          </a:fillRef>
+          <a:effectRef idx="0">
+            <a:schemeClr val="accent1"/>
+          </a:effectRef>
+          <a:fontRef idx="minor">
+            <a:schemeClr val="lt1"/>
+          </a:fontRef>
+        </p:style>
+        <p:txBody>
+          <a:bodyPr rtlCol="0" anchor="ctr" anchorCtr="0"/>
+          <a:lstStyle/>
+          <a:p>
+            <a:pPr algn="l">
+              <a:lnSpc>
+                <a:spcPct val="100000"/>
+              </a:lnSpc>
+            </a:pPr>
+            <a:r>
+              <a:rPr lang="en-US" altLang="zh-CN" dirty="0"/>
+              <a:t>generate</a:t>
+            </a:r>
+          </a:p>
+        </p:txBody>
+      </p:sp>
+      <p:sp>
+        <p:nvSpPr>
+          <p:cNvPr id="26" name="矩形 25">
+            <a:extLst>
+              <a:ext uri="{FF2B5EF4-FFF2-40B4-BE49-F238E27FC236}">
+                <a16:creationId xmlns:a16="http://schemas.microsoft.com/office/drawing/2014/main" id="{3FC4AC55-1A58-49E8-810D-6D9EA62718A1}"/>
+              </a:ext>
+            </a:extLst>
+          </p:cNvPr>
+          <p:cNvSpPr/>
+          <p:nvPr/>
+        </p:nvSpPr>
+        <p:spPr>
+          <a:xfrm>
+            <a:off x="8991132" y="4498683"/>
+            <a:ext cx="2210862" cy="369332"/>
+          </a:xfrm>
+          <a:prstGeom prst="rect">
+            <a:avLst/>
+          </a:prstGeom>
+        </p:spPr>
+        <p:txBody>
+          <a:bodyPr wrap="none">
+            <a:spAutoFit/>
+          </a:bodyPr>
+          <a:lstStyle/>
+          <a:p>
+            <a:r>
+              <a:rPr lang="en-US" altLang="zh-CN" b="1" dirty="0" err="1"/>
+              <a:t>SmsCodeGenerator</a:t>
+            </a:r>
+            <a:endParaRPr lang="zh-CN" altLang="en-US" b="1" dirty="0"/>
+          </a:p>
+        </p:txBody>
+      </p:sp>
+      <p:cxnSp>
+        <p:nvCxnSpPr>
+          <p:cNvPr id="27" name="直接箭头连接符 26">
+            <a:extLst>
+              <a:ext uri="{FF2B5EF4-FFF2-40B4-BE49-F238E27FC236}">
+                <a16:creationId xmlns:a16="http://schemas.microsoft.com/office/drawing/2014/main" id="{371C33A7-A329-425B-A342-6631D12A93B8}"/>
+              </a:ext>
+            </a:extLst>
+          </p:cNvPr>
+          <p:cNvCxnSpPr>
+            <a:cxnSpLocks/>
+            <a:endCxn id="18" idx="1"/>
+          </p:cNvCxnSpPr>
+          <p:nvPr/>
+        </p:nvCxnSpPr>
+        <p:spPr>
+          <a:xfrm flipV="1">
+            <a:off x="3689873" y="3909226"/>
+            <a:ext cx="2179724" cy="636032"/>
+          </a:xfrm>
+          <a:prstGeom prst="straightConnector1">
+            <a:avLst/>
+          </a:prstGeom>
+          <a:ln>
+            <a:tailEnd type="triangle"/>
+          </a:ln>
+        </p:spPr>
+        <p:style>
+          <a:lnRef idx="3">
+            <a:schemeClr val="dk1"/>
+          </a:lnRef>
+          <a:fillRef idx="0">
+            <a:schemeClr val="dk1"/>
+          </a:fillRef>
+          <a:effectRef idx="2">
+            <a:schemeClr val="dk1"/>
+          </a:effectRef>
+          <a:fontRef idx="minor">
+            <a:schemeClr val="tx1"/>
+          </a:fontRef>
+        </p:style>
+      </p:cxnSp>
+      <p:cxnSp>
+        <p:nvCxnSpPr>
+          <p:cNvPr id="31" name="直接箭头连接符 30">
+            <a:extLst>
+              <a:ext uri="{FF2B5EF4-FFF2-40B4-BE49-F238E27FC236}">
+                <a16:creationId xmlns:a16="http://schemas.microsoft.com/office/drawing/2014/main" id="{3B7915F8-0D37-4C75-B5CA-7B7E572F7C9D}"/>
+              </a:ext>
+            </a:extLst>
+          </p:cNvPr>
+          <p:cNvCxnSpPr>
+            <a:cxnSpLocks/>
+            <a:stCxn id="18" idx="3"/>
+            <a:endCxn id="21" idx="1"/>
+          </p:cNvCxnSpPr>
+          <p:nvPr/>
+        </p:nvCxnSpPr>
+        <p:spPr>
+          <a:xfrm flipV="1">
+            <a:off x="8146707" y="2721840"/>
+            <a:ext cx="897930" cy="1187386"/>
+          </a:xfrm>
+          <a:prstGeom prst="straightConnector1">
+            <a:avLst/>
+          </a:prstGeom>
+          <a:ln>
+            <a:tailEnd type="triangle"/>
+          </a:ln>
+        </p:spPr>
+        <p:style>
+          <a:lnRef idx="3">
+            <a:schemeClr val="accent2"/>
+          </a:lnRef>
+          <a:fillRef idx="0">
+            <a:schemeClr val="accent2"/>
+          </a:fillRef>
+          <a:effectRef idx="2">
+            <a:schemeClr val="accent2"/>
+          </a:effectRef>
+          <a:fontRef idx="minor">
+            <a:schemeClr val="tx1"/>
+          </a:fontRef>
+        </p:style>
+      </p:cxnSp>
+      <p:cxnSp>
+        <p:nvCxnSpPr>
+          <p:cNvPr id="34" name="直接箭头连接符 33">
+            <a:extLst>
+              <a:ext uri="{FF2B5EF4-FFF2-40B4-BE49-F238E27FC236}">
+                <a16:creationId xmlns:a16="http://schemas.microsoft.com/office/drawing/2014/main" id="{729B0628-EC68-4139-9322-D2C579DA2E3F}"/>
+              </a:ext>
+            </a:extLst>
+          </p:cNvPr>
+          <p:cNvCxnSpPr>
+            <a:cxnSpLocks/>
+            <a:stCxn id="18" idx="3"/>
+            <a:endCxn id="23" idx="1"/>
+          </p:cNvCxnSpPr>
+          <p:nvPr/>
+        </p:nvCxnSpPr>
+        <p:spPr>
+          <a:xfrm>
+            <a:off x="8146707" y="3909226"/>
+            <a:ext cx="897930" cy="1179679"/>
+          </a:xfrm>
+          <a:prstGeom prst="straightConnector1">
+            <a:avLst/>
+          </a:prstGeom>
+          <a:ln>
+            <a:tailEnd type="triangle"/>
+          </a:ln>
+        </p:spPr>
+        <p:style>
+          <a:lnRef idx="3">
+            <a:schemeClr val="dk1"/>
+          </a:lnRef>
+          <a:fillRef idx="0">
+            <a:schemeClr val="dk1"/>
+          </a:fillRef>
+          <a:effectRef idx="2">
+            <a:schemeClr val="dk1"/>
+          </a:effectRef>
+          <a:fontRef idx="minor">
+            <a:schemeClr val="tx1"/>
+          </a:fontRef>
+        </p:style>
+      </p:cxnSp>
+      <p:sp>
+        <p:nvSpPr>
+          <p:cNvPr id="43" name="矩形: 圆角 42">
+            <a:extLst>
+              <a:ext uri="{FF2B5EF4-FFF2-40B4-BE49-F238E27FC236}">
+                <a16:creationId xmlns:a16="http://schemas.microsoft.com/office/drawing/2014/main" id="{330F5973-1D89-446C-A687-29D2E4E813B1}"/>
+              </a:ext>
+            </a:extLst>
+          </p:cNvPr>
+          <p:cNvSpPr/>
+          <p:nvPr/>
+        </p:nvSpPr>
+        <p:spPr>
+          <a:xfrm>
+            <a:off x="839096" y="1280160"/>
+            <a:ext cx="10908255" cy="4625788"/>
+          </a:xfrm>
+          <a:prstGeom prst="roundRect">
+            <a:avLst/>
+          </a:prstGeom>
+          <a:noFill/>
+          <a:ln>
+            <a:solidFill>
+              <a:schemeClr val="tx1"/>
+            </a:solidFill>
+          </a:ln>
+        </p:spPr>
+        <p:style>
+          <a:lnRef idx="2">
+            <a:schemeClr val="accent1">
+              <a:shade val="50000"/>
+            </a:schemeClr>
+          </a:lnRef>
+          <a:fillRef idx="1">
+            <a:schemeClr val="accent1"/>
+          </a:fillRef>
+          <a:effectRef idx="0">
+            <a:schemeClr val="accent1"/>
+          </a:effectRef>
+          <a:fontRef idx="minor">
+            <a:schemeClr val="lt1"/>
+          </a:fontRef>
+        </p:style>
+        <p:txBody>
+          <a:bodyPr rtlCol="0" anchor="ctr"/>
+          <a:lstStyle/>
+          <a:p>
+            <a:pPr algn="ctr"/>
+            <a:endParaRPr lang="zh-CN" altLang="en-US" dirty="0"/>
+          </a:p>
+        </p:txBody>
+      </p:sp>
+    </p:spTree>
+  </p:cSld>
+  <p:clrMapOvr>
+    <a:masterClrMapping/>
+  </p:clrMapOvr>
+</p:sld>
+</file>
+
+<file path=ppt/slides/slide6.xml><?xml version="1.0" encoding="utf-8"?>
+<p:sld xmlns:a="http://schemas.openxmlformats.org/drawingml/2006/main" xmlns:r="http://schemas.openxmlformats.org/officeDocument/2006/relationships" xmlns:p="http://schemas.openxmlformats.org/presentationml/2006/main">
+  <p:cSld>
+    <p:spTree>
+      <p:nvGrpSpPr>
+        <p:cNvPr id="1" name=""/>
+        <p:cNvGrpSpPr/>
+        <p:nvPr/>
+      </p:nvGrpSpPr>
+      <p:grpSpPr>
+        <a:xfrm>
+          <a:off x="0" y="0"/>
+          <a:ext cx="0" cy="0"/>
+          <a:chOff x="0" y="0"/>
+          <a:chExt cx="0" cy="0"/>
+        </a:xfrm>
+      </p:grpSpPr>
+      <p:sp>
+        <p:nvSpPr>
+          <p:cNvPr id="4" name="矩形 3"/>
+          <p:cNvSpPr/>
+          <p:nvPr/>
+        </p:nvSpPr>
+        <p:spPr>
+          <a:xfrm>
+            <a:off x="4176166" y="673620"/>
+            <a:ext cx="3012237" cy="622935"/>
+          </a:xfrm>
+          <a:prstGeom prst="rect">
+            <a:avLst/>
+          </a:prstGeom>
+        </p:spPr>
+        <p:style>
+          <a:lnRef idx="2">
+            <a:schemeClr val="accent1">
+              <a:shade val="50000"/>
+            </a:schemeClr>
+          </a:lnRef>
+          <a:fillRef idx="1">
+            <a:schemeClr val="accent1"/>
+          </a:fillRef>
+          <a:effectRef idx="0">
+            <a:schemeClr val="accent1"/>
+          </a:effectRef>
+          <a:fontRef idx="minor">
+            <a:schemeClr val="lt1"/>
+          </a:fontRef>
+        </p:style>
+        <p:txBody>
+          <a:bodyPr rtlCol="0" anchor="ctr"/>
+          <a:lstStyle/>
+          <a:p>
+            <a:pPr algn="l"/>
+            <a:r>
+              <a:rPr lang="zh-CN" altLang="en-US"/>
+              <a:t>createCode</a:t>
+            </a:r>
+          </a:p>
+        </p:txBody>
+      </p:sp>
+      <p:sp>
+        <p:nvSpPr>
+          <p:cNvPr id="5" name="矩形 4"/>
+          <p:cNvSpPr/>
+          <p:nvPr/>
+        </p:nvSpPr>
+        <p:spPr>
+          <a:xfrm>
+            <a:off x="4180932" y="1822626"/>
+            <a:ext cx="3012236" cy="622935"/>
+          </a:xfrm>
+          <a:prstGeom prst="rect">
+            <a:avLst/>
+          </a:prstGeom>
+        </p:spPr>
+        <p:style>
+          <a:lnRef idx="2">
+            <a:schemeClr val="accent1">
+              <a:shade val="50000"/>
+            </a:schemeClr>
+          </a:lnRef>
+          <a:fillRef idx="1">
+            <a:schemeClr val="accent1"/>
+          </a:fillRef>
+          <a:effectRef idx="0">
+            <a:schemeClr val="accent1"/>
+          </a:effectRef>
+          <a:fontRef idx="minor">
+            <a:schemeClr val="lt1"/>
+          </a:fontRef>
+        </p:style>
+        <p:txBody>
+          <a:bodyPr rtlCol="0" anchor="ctr"/>
+          <a:lstStyle/>
+          <a:p>
+            <a:pPr algn="l"/>
+            <a:r>
+              <a:rPr lang="zh-CN" altLang="en-US" dirty="0">
+                <a:sym typeface="+mn-ea"/>
+              </a:rPr>
+              <a:t>createCode</a:t>
+            </a:r>
+            <a:endParaRPr lang="zh-CN" altLang="en-US" dirty="0"/>
+          </a:p>
+        </p:txBody>
+      </p:sp>
+      <p:sp>
+        <p:nvSpPr>
+          <p:cNvPr id="6" name="矩形 5"/>
+          <p:cNvSpPr/>
+          <p:nvPr/>
+        </p:nvSpPr>
+        <p:spPr>
+          <a:xfrm>
+            <a:off x="3485141" y="2962626"/>
+            <a:ext cx="4408789" cy="1858058"/>
+          </a:xfrm>
+          <a:prstGeom prst="rect">
+            <a:avLst/>
+          </a:prstGeom>
+        </p:spPr>
+        <p:style>
+          <a:lnRef idx="2">
+            <a:schemeClr val="accent1">
+              <a:shade val="50000"/>
+            </a:schemeClr>
+          </a:lnRef>
+          <a:fillRef idx="1">
+            <a:schemeClr val="accent1"/>
+          </a:fillRef>
+          <a:effectRef idx="0">
+            <a:schemeClr val="accent1"/>
+          </a:effectRef>
+          <a:fontRef idx="minor">
+            <a:schemeClr val="lt1"/>
+          </a:fontRef>
+        </p:style>
+        <p:txBody>
+          <a:bodyPr rtlCol="0" anchor="t" anchorCtr="0"/>
+          <a:lstStyle/>
+          <a:p>
+            <a:pPr algn="l"/>
+            <a:r>
+              <a:rPr lang="zh-CN" altLang="en-US" dirty="0">
+                <a:sym typeface="+mn-ea"/>
+              </a:rPr>
+              <a:t>createCode</a:t>
+            </a:r>
+          </a:p>
+          <a:p>
+            <a:pPr algn="l"/>
+            <a:endParaRPr lang="en-US" altLang="zh-CN" dirty="0"/>
+          </a:p>
+        </p:txBody>
+      </p:sp>
+      <p:sp>
+        <p:nvSpPr>
+          <p:cNvPr id="8" name="矩形 7"/>
+          <p:cNvSpPr/>
+          <p:nvPr/>
+        </p:nvSpPr>
+        <p:spPr>
+          <a:xfrm>
+            <a:off x="3601874" y="3569701"/>
+            <a:ext cx="4177982" cy="1026214"/>
+          </a:xfrm>
+          <a:prstGeom prst="rect">
+            <a:avLst/>
+          </a:prstGeom>
+          <a:solidFill>
+            <a:schemeClr val="accent6">
+              <a:lumMod val="60000"/>
+              <a:lumOff val="40000"/>
+            </a:schemeClr>
+          </a:solidFill>
+        </p:spPr>
+        <p:style>
+          <a:lnRef idx="2">
+            <a:schemeClr val="accent1">
+              <a:shade val="50000"/>
+            </a:schemeClr>
+          </a:lnRef>
+          <a:fillRef idx="1">
+            <a:schemeClr val="accent1"/>
+          </a:fillRef>
+          <a:effectRef idx="0">
+            <a:schemeClr val="accent1"/>
+          </a:effectRef>
+          <a:fontRef idx="minor">
+            <a:schemeClr val="lt1"/>
+          </a:fontRef>
+        </p:style>
+        <p:txBody>
+          <a:bodyPr rtlCol="0" anchor="t" anchorCtr="0"/>
+          <a:lstStyle/>
+          <a:p>
+            <a:pPr algn="l"/>
+            <a:r>
+              <a:rPr lang="en-US" altLang="zh-CN" dirty="0"/>
+              <a:t>g</a:t>
+            </a:r>
+            <a:r>
+              <a:rPr lang="zh-CN" altLang="en-US" dirty="0"/>
+              <a:t>enerate </a:t>
+            </a:r>
+            <a:r>
+              <a:rPr lang="en-US" altLang="zh-CN" dirty="0">
+                <a:sym typeface="Wingdings" panose="05000000000000000000" pitchFamily="2" charset="2"/>
+              </a:rPr>
+              <a:t></a:t>
+            </a:r>
+            <a:r>
+              <a:rPr lang="zh-CN" altLang="en-US" dirty="0">
+                <a:sym typeface="Wingdings" panose="05000000000000000000" pitchFamily="2" charset="2"/>
+              </a:rPr>
+              <a:t>通过类型查找执行相关逻辑</a:t>
+            </a:r>
+            <a:endParaRPr lang="zh-CN" altLang="en-US" dirty="0"/>
+          </a:p>
+          <a:p>
+            <a:r>
+              <a:rPr lang="en-US" altLang="zh-CN" dirty="0"/>
+              <a:t>save </a:t>
+            </a:r>
+            <a:r>
+              <a:rPr lang="en-US" altLang="zh-CN" dirty="0">
+                <a:sym typeface="Wingdings" panose="05000000000000000000" pitchFamily="2" charset="2"/>
+              </a:rPr>
+              <a:t></a:t>
+            </a:r>
+            <a:r>
+              <a:rPr lang="zh-CN" altLang="en-US" dirty="0">
+                <a:sym typeface="Wingdings" panose="05000000000000000000" pitchFamily="2" charset="2"/>
+              </a:rPr>
+              <a:t>通用方法</a:t>
+            </a:r>
+            <a:endParaRPr lang="en-US" altLang="zh-CN" dirty="0"/>
+          </a:p>
+          <a:p>
+            <a:r>
+              <a:rPr lang="en-US" altLang="zh-CN" dirty="0"/>
+              <a:t>send</a:t>
+            </a:r>
+            <a:r>
+              <a:rPr lang="en-US" altLang="zh-CN" dirty="0">
+                <a:sym typeface="Wingdings" panose="05000000000000000000" pitchFamily="2" charset="2"/>
+              </a:rPr>
+              <a:t></a:t>
+            </a:r>
+            <a:r>
+              <a:rPr lang="zh-CN" altLang="en-US" dirty="0">
+                <a:sym typeface="Wingdings" panose="05000000000000000000" pitchFamily="2" charset="2"/>
+              </a:rPr>
+              <a:t>抽象方法</a:t>
+            </a:r>
+            <a:endParaRPr lang="en-US" altLang="zh-CN" dirty="0"/>
+          </a:p>
+        </p:txBody>
+      </p:sp>
+      <p:sp>
+        <p:nvSpPr>
+          <p:cNvPr id="11" name="文本框 10"/>
+          <p:cNvSpPr txBox="1"/>
+          <p:nvPr/>
+        </p:nvSpPr>
+        <p:spPr>
+          <a:xfrm>
+            <a:off x="1448099" y="760933"/>
+            <a:ext cx="2697480" cy="368300"/>
+          </a:xfrm>
+          <a:prstGeom prst="rect">
+            <a:avLst/>
+          </a:prstGeom>
+          <a:noFill/>
+        </p:spPr>
+        <p:txBody>
+          <a:bodyPr wrap="none" rtlCol="0" anchor="t">
+            <a:spAutoFit/>
+          </a:bodyPr>
+          <a:lstStyle/>
+          <a:p>
+            <a:r>
+              <a:rPr lang="zh-CN" altLang="en-US" dirty="0">
+                <a:sym typeface="+mn-ea"/>
+              </a:rPr>
+              <a:t>ValidateCodeController</a:t>
+            </a:r>
+            <a:endParaRPr lang="zh-CN" altLang="en-US" dirty="0"/>
+          </a:p>
+        </p:txBody>
+      </p:sp>
+      <p:sp>
+        <p:nvSpPr>
+          <p:cNvPr id="12" name="文本框 11"/>
+          <p:cNvSpPr txBox="1"/>
+          <p:nvPr/>
+        </p:nvSpPr>
+        <p:spPr>
+          <a:xfrm>
+            <a:off x="1505249" y="1929177"/>
+            <a:ext cx="2583180" cy="368300"/>
+          </a:xfrm>
+          <a:prstGeom prst="rect">
+            <a:avLst/>
+          </a:prstGeom>
+          <a:noFill/>
+        </p:spPr>
+        <p:txBody>
+          <a:bodyPr wrap="none" rtlCol="0" anchor="t">
+            <a:spAutoFit/>
+          </a:bodyPr>
+          <a:lstStyle/>
+          <a:p>
+            <a:r>
+              <a:rPr lang="zh-CN" altLang="en-US" dirty="0">
+                <a:sym typeface="+mn-ea"/>
+              </a:rPr>
+              <a:t>ValidateCodeProcessor</a:t>
+            </a:r>
+            <a:endParaRPr lang="zh-CN" altLang="en-US" dirty="0"/>
+          </a:p>
+        </p:txBody>
+      </p:sp>
+      <p:sp>
+        <p:nvSpPr>
+          <p:cNvPr id="13" name="文本框 12"/>
+          <p:cNvSpPr txBox="1"/>
+          <p:nvPr/>
+        </p:nvSpPr>
+        <p:spPr>
+          <a:xfrm>
+            <a:off x="152818" y="3441744"/>
+            <a:ext cx="3294492" cy="646331"/>
+          </a:xfrm>
+          <a:prstGeom prst="rect">
+            <a:avLst/>
+          </a:prstGeom>
+          <a:noFill/>
+        </p:spPr>
+        <p:txBody>
+          <a:bodyPr wrap="none" rtlCol="0" anchor="t">
+            <a:spAutoFit/>
+          </a:bodyPr>
+          <a:lstStyle/>
+          <a:p>
+            <a:r>
+              <a:rPr lang="en-US" altLang="zh-CN" dirty="0" err="1">
+                <a:sym typeface="+mn-ea"/>
+              </a:rPr>
+              <a:t>AbstractValidateCodeProcessor</a:t>
+            </a:r>
+            <a:endParaRPr lang="en-US" altLang="zh-CN" dirty="0">
+              <a:sym typeface="+mn-ea"/>
+            </a:endParaRPr>
+          </a:p>
+          <a:p>
+            <a:r>
+              <a:rPr lang="zh-CN" altLang="en-US" dirty="0">
+                <a:sym typeface="+mn-ea"/>
+              </a:rPr>
+              <a:t>（模板）</a:t>
+            </a:r>
+            <a:endParaRPr lang="zh-CN" altLang="en-US" dirty="0"/>
+          </a:p>
+        </p:txBody>
+      </p:sp>
+      <p:cxnSp>
+        <p:nvCxnSpPr>
+          <p:cNvPr id="3" name="直接箭头连接符 2">
+            <a:extLst>
+              <a:ext uri="{FF2B5EF4-FFF2-40B4-BE49-F238E27FC236}">
+                <a16:creationId xmlns:a16="http://schemas.microsoft.com/office/drawing/2014/main" id="{D2DB31AF-4789-48C6-B84D-A5F46E162B3E}"/>
+              </a:ext>
+            </a:extLst>
+          </p:cNvPr>
+          <p:cNvCxnSpPr>
+            <a:cxnSpLocks/>
+            <a:stCxn id="4" idx="2"/>
+            <a:endCxn id="5" idx="0"/>
+          </p:cNvCxnSpPr>
+          <p:nvPr/>
+        </p:nvCxnSpPr>
+        <p:spPr>
+          <a:xfrm>
+            <a:off x="5682285" y="1296555"/>
+            <a:ext cx="4765" cy="526071"/>
+          </a:xfrm>
+          <a:prstGeom prst="straightConnector1">
+            <a:avLst/>
+          </a:prstGeom>
+          <a:ln>
+            <a:tailEnd type="triangle"/>
+          </a:ln>
+        </p:spPr>
+        <p:style>
+          <a:lnRef idx="1">
+            <a:schemeClr val="accent1"/>
+          </a:lnRef>
+          <a:fillRef idx="0">
+            <a:schemeClr val="accent1"/>
+          </a:fillRef>
+          <a:effectRef idx="0">
+            <a:schemeClr val="accent1"/>
+          </a:effectRef>
+          <a:fontRef idx="minor">
+            <a:schemeClr val="tx1"/>
+          </a:fontRef>
+        </p:style>
+      </p:cxnSp>
+      <p:cxnSp>
+        <p:nvCxnSpPr>
+          <p:cNvPr id="16" name="直接箭头连接符 15">
+            <a:extLst>
+              <a:ext uri="{FF2B5EF4-FFF2-40B4-BE49-F238E27FC236}">
+                <a16:creationId xmlns:a16="http://schemas.microsoft.com/office/drawing/2014/main" id="{B1324D89-F22F-472F-B4B9-46C1A127153E}"/>
+              </a:ext>
+            </a:extLst>
+          </p:cNvPr>
+          <p:cNvCxnSpPr>
+            <a:cxnSpLocks/>
+            <a:stCxn id="5" idx="2"/>
+            <a:endCxn id="6" idx="0"/>
+          </p:cNvCxnSpPr>
+          <p:nvPr/>
+        </p:nvCxnSpPr>
+        <p:spPr>
+          <a:xfrm>
+            <a:off x="5687050" y="2445561"/>
+            <a:ext cx="2486" cy="517065"/>
+          </a:xfrm>
+          <a:prstGeom prst="straightConnector1">
+            <a:avLst/>
+          </a:prstGeom>
+          <a:ln>
+            <a:tailEnd type="triangle"/>
+          </a:ln>
+        </p:spPr>
+        <p:style>
+          <a:lnRef idx="1">
+            <a:schemeClr val="accent1"/>
+          </a:lnRef>
+          <a:fillRef idx="0">
+            <a:schemeClr val="accent1"/>
+          </a:fillRef>
+          <a:effectRef idx="0">
+            <a:schemeClr val="accent1"/>
+          </a:effectRef>
+          <a:fontRef idx="minor">
+            <a:schemeClr val="tx1"/>
+          </a:fontRef>
+        </p:style>
+      </p:cxnSp>
+      <p:sp>
+        <p:nvSpPr>
+          <p:cNvPr id="26" name="矩形 25">
+            <a:extLst>
+              <a:ext uri="{FF2B5EF4-FFF2-40B4-BE49-F238E27FC236}">
+                <a16:creationId xmlns:a16="http://schemas.microsoft.com/office/drawing/2014/main" id="{3E9BDF39-374D-4DB6-900A-E4C83350F311}"/>
+              </a:ext>
+            </a:extLst>
+          </p:cNvPr>
+          <p:cNvSpPr/>
+          <p:nvPr/>
+        </p:nvSpPr>
+        <p:spPr>
+          <a:xfrm>
+            <a:off x="8508583" y="3020490"/>
+            <a:ext cx="1941647" cy="622935"/>
+          </a:xfrm>
+          <a:prstGeom prst="rect">
+            <a:avLst/>
+          </a:prstGeom>
+        </p:spPr>
+        <p:style>
+          <a:lnRef idx="2">
+            <a:schemeClr val="accent1">
+              <a:shade val="50000"/>
+            </a:schemeClr>
+          </a:lnRef>
+          <a:fillRef idx="1">
+            <a:schemeClr val="accent1"/>
+          </a:fillRef>
+          <a:effectRef idx="0">
+            <a:schemeClr val="accent1"/>
+          </a:effectRef>
+          <a:fontRef idx="minor">
+            <a:schemeClr val="lt1"/>
+          </a:fontRef>
+        </p:style>
+        <p:txBody>
+          <a:bodyPr rtlCol="0" anchor="ctr"/>
+          <a:lstStyle/>
+          <a:p>
+            <a:r>
+              <a:rPr lang="en-US" altLang="zh-CN" dirty="0"/>
+              <a:t>g</a:t>
+            </a:r>
+            <a:r>
+              <a:rPr lang="zh-CN" altLang="en-US" dirty="0"/>
+              <a:t>enerate</a:t>
+            </a:r>
+          </a:p>
+        </p:txBody>
+      </p:sp>
+      <p:cxnSp>
+        <p:nvCxnSpPr>
+          <p:cNvPr id="30" name="直接箭头连接符 29">
+            <a:extLst>
+              <a:ext uri="{FF2B5EF4-FFF2-40B4-BE49-F238E27FC236}">
+                <a16:creationId xmlns:a16="http://schemas.microsoft.com/office/drawing/2014/main" id="{AF780DA6-9703-468B-A9C3-1FF16146131C}"/>
+              </a:ext>
+            </a:extLst>
+          </p:cNvPr>
+          <p:cNvCxnSpPr>
+            <a:cxnSpLocks/>
+            <a:endCxn id="26" idx="1"/>
+          </p:cNvCxnSpPr>
+          <p:nvPr/>
+        </p:nvCxnSpPr>
+        <p:spPr>
+          <a:xfrm flipV="1">
+            <a:off x="7644615" y="3331958"/>
+            <a:ext cx="863968" cy="412850"/>
+          </a:xfrm>
+          <a:prstGeom prst="straightConnector1">
+            <a:avLst/>
+          </a:prstGeom>
+          <a:ln>
+            <a:tailEnd type="triangle"/>
+          </a:ln>
+        </p:spPr>
+        <p:style>
+          <a:lnRef idx="1">
+            <a:schemeClr val="accent1"/>
+          </a:lnRef>
+          <a:fillRef idx="0">
+            <a:schemeClr val="accent1"/>
+          </a:fillRef>
+          <a:effectRef idx="0">
+            <a:schemeClr val="accent1"/>
+          </a:effectRef>
+          <a:fontRef idx="minor">
+            <a:schemeClr val="tx1"/>
+          </a:fontRef>
+        </p:style>
+      </p:cxnSp>
+      <p:sp>
+        <p:nvSpPr>
+          <p:cNvPr id="38" name="矩形 37">
+            <a:extLst>
+              <a:ext uri="{FF2B5EF4-FFF2-40B4-BE49-F238E27FC236}">
+                <a16:creationId xmlns:a16="http://schemas.microsoft.com/office/drawing/2014/main" id="{BF53501A-1C38-4B6B-B08E-7667318ACCC3}"/>
+              </a:ext>
+            </a:extLst>
+          </p:cNvPr>
+          <p:cNvSpPr/>
+          <p:nvPr/>
+        </p:nvSpPr>
+        <p:spPr>
+          <a:xfrm>
+            <a:off x="2354489" y="5621405"/>
+            <a:ext cx="2499908" cy="622935"/>
+          </a:xfrm>
+          <a:prstGeom prst="rect">
+            <a:avLst/>
+          </a:prstGeom>
+        </p:spPr>
+        <p:style>
+          <a:lnRef idx="2">
+            <a:schemeClr val="accent1">
+              <a:shade val="50000"/>
+            </a:schemeClr>
+          </a:lnRef>
+          <a:fillRef idx="1">
+            <a:schemeClr val="accent1"/>
+          </a:fillRef>
+          <a:effectRef idx="0">
+            <a:schemeClr val="accent1"/>
+          </a:effectRef>
+          <a:fontRef idx="minor">
+            <a:schemeClr val="lt1"/>
+          </a:fontRef>
+        </p:style>
+        <p:txBody>
+          <a:bodyPr rtlCol="0" anchor="ctr"/>
+          <a:lstStyle/>
+          <a:p>
+            <a:pPr algn="l"/>
+            <a:r>
+              <a:rPr lang="en-US" altLang="zh-CN" dirty="0">
+                <a:sym typeface="+mn-ea"/>
+              </a:rPr>
+              <a:t>send</a:t>
+            </a:r>
+            <a:endParaRPr lang="zh-CN" altLang="en-US" dirty="0"/>
+          </a:p>
+        </p:txBody>
+      </p:sp>
+      <p:cxnSp>
+        <p:nvCxnSpPr>
+          <p:cNvPr id="40" name="直接箭头连接符 39">
+            <a:extLst>
+              <a:ext uri="{FF2B5EF4-FFF2-40B4-BE49-F238E27FC236}">
+                <a16:creationId xmlns:a16="http://schemas.microsoft.com/office/drawing/2014/main" id="{3B8FCC40-FA2D-4C16-9039-2D608FA232D6}"/>
+              </a:ext>
+            </a:extLst>
+          </p:cNvPr>
+          <p:cNvCxnSpPr>
+            <a:cxnSpLocks/>
+            <a:endCxn id="38" idx="0"/>
+          </p:cNvCxnSpPr>
+          <p:nvPr/>
+        </p:nvCxnSpPr>
+        <p:spPr>
+          <a:xfrm flipH="1">
+            <a:off x="3604443" y="4362450"/>
+            <a:ext cx="950738" cy="1258955"/>
+          </a:xfrm>
+          <a:prstGeom prst="straightConnector1">
+            <a:avLst/>
+          </a:prstGeom>
+          <a:ln>
+            <a:tailEnd type="triangle"/>
+          </a:ln>
+        </p:spPr>
+        <p:style>
+          <a:lnRef idx="3">
+            <a:schemeClr val="accent2"/>
+          </a:lnRef>
+          <a:fillRef idx="0">
+            <a:schemeClr val="accent2"/>
+          </a:fillRef>
+          <a:effectRef idx="2">
+            <a:schemeClr val="accent2"/>
+          </a:effectRef>
+          <a:fontRef idx="minor">
+            <a:schemeClr val="tx1"/>
+          </a:fontRef>
+        </p:style>
+      </p:cxnSp>
+      <p:sp>
+        <p:nvSpPr>
+          <p:cNvPr id="42" name="矩形 41">
+            <a:extLst>
+              <a:ext uri="{FF2B5EF4-FFF2-40B4-BE49-F238E27FC236}">
+                <a16:creationId xmlns:a16="http://schemas.microsoft.com/office/drawing/2014/main" id="{2A45AD00-7F55-4059-9C4D-AFBB2D992496}"/>
+              </a:ext>
+            </a:extLst>
+          </p:cNvPr>
+          <p:cNvSpPr/>
+          <p:nvPr/>
+        </p:nvSpPr>
+        <p:spPr>
+          <a:xfrm>
+            <a:off x="152818" y="5748206"/>
+            <a:ext cx="2292615" cy="369332"/>
+          </a:xfrm>
+          <a:prstGeom prst="rect">
+            <a:avLst/>
+          </a:prstGeom>
+        </p:spPr>
+        <p:txBody>
+          <a:bodyPr wrap="none">
+            <a:spAutoFit/>
+          </a:bodyPr>
+          <a:lstStyle/>
+          <a:p>
+            <a:r>
+              <a:rPr lang="en-US" altLang="zh-CN" dirty="0" err="1">
+                <a:solidFill>
+                  <a:schemeClr val="accent2"/>
+                </a:solidFill>
+              </a:rPr>
+              <a:t>ImageCodeProcessor</a:t>
+            </a:r>
+            <a:endParaRPr lang="zh-CN" altLang="en-US" dirty="0">
+              <a:solidFill>
+                <a:schemeClr val="accent2"/>
+              </a:solidFill>
+            </a:endParaRPr>
+          </a:p>
+        </p:txBody>
+      </p:sp>
+      <p:sp>
+        <p:nvSpPr>
+          <p:cNvPr id="44" name="矩形 43">
+            <a:extLst>
+              <a:ext uri="{FF2B5EF4-FFF2-40B4-BE49-F238E27FC236}">
+                <a16:creationId xmlns:a16="http://schemas.microsoft.com/office/drawing/2014/main" id="{915D899E-18E6-4F50-BBE5-3D1E4A3AE828}"/>
+              </a:ext>
+            </a:extLst>
+          </p:cNvPr>
+          <p:cNvSpPr/>
+          <p:nvPr/>
+        </p:nvSpPr>
+        <p:spPr>
+          <a:xfrm>
+            <a:off x="6225096" y="5621405"/>
+            <a:ext cx="2499908" cy="622935"/>
+          </a:xfrm>
+          <a:prstGeom prst="rect">
+            <a:avLst/>
+          </a:prstGeom>
+        </p:spPr>
+        <p:style>
+          <a:lnRef idx="2">
+            <a:schemeClr val="accent1">
+              <a:shade val="50000"/>
+            </a:schemeClr>
+          </a:lnRef>
+          <a:fillRef idx="1">
+            <a:schemeClr val="accent1"/>
+          </a:fillRef>
+          <a:effectRef idx="0">
+            <a:schemeClr val="accent1"/>
+          </a:effectRef>
+          <a:fontRef idx="minor">
+            <a:schemeClr val="lt1"/>
+          </a:fontRef>
+        </p:style>
+        <p:txBody>
+          <a:bodyPr rtlCol="0" anchor="ctr"/>
+          <a:lstStyle/>
+          <a:p>
+            <a:pPr algn="l"/>
+            <a:r>
+              <a:rPr lang="en-US" altLang="zh-CN" dirty="0">
+                <a:sym typeface="+mn-ea"/>
+              </a:rPr>
+              <a:t>send</a:t>
+            </a:r>
+            <a:endParaRPr lang="zh-CN" altLang="en-US" dirty="0"/>
+          </a:p>
+        </p:txBody>
+      </p:sp>
+      <p:cxnSp>
+        <p:nvCxnSpPr>
+          <p:cNvPr id="46" name="直接箭头连接符 45">
+            <a:extLst>
+              <a:ext uri="{FF2B5EF4-FFF2-40B4-BE49-F238E27FC236}">
+                <a16:creationId xmlns:a16="http://schemas.microsoft.com/office/drawing/2014/main" id="{D271EB22-D03A-4B32-8938-EF1446C5E3DE}"/>
+              </a:ext>
+            </a:extLst>
+          </p:cNvPr>
+          <p:cNvCxnSpPr>
+            <a:cxnSpLocks/>
+            <a:endCxn id="44" idx="0"/>
+          </p:cNvCxnSpPr>
+          <p:nvPr/>
+        </p:nvCxnSpPr>
+        <p:spPr>
+          <a:xfrm>
+            <a:off x="6011348" y="4284955"/>
+            <a:ext cx="1463702" cy="1336450"/>
+          </a:xfrm>
+          <a:prstGeom prst="straightConnector1">
+            <a:avLst/>
+          </a:prstGeom>
+          <a:ln>
+            <a:tailEnd type="triangle"/>
+          </a:ln>
+        </p:spPr>
+        <p:style>
+          <a:lnRef idx="3">
+            <a:schemeClr val="dk1"/>
+          </a:lnRef>
+          <a:fillRef idx="0">
+            <a:schemeClr val="dk1"/>
+          </a:fillRef>
+          <a:effectRef idx="2">
+            <a:schemeClr val="dk1"/>
+          </a:effectRef>
+          <a:fontRef idx="minor">
+            <a:schemeClr val="tx1"/>
+          </a:fontRef>
+        </p:style>
+      </p:cxnSp>
+      <p:sp>
+        <p:nvSpPr>
+          <p:cNvPr id="52" name="矩形 51">
+            <a:extLst>
+              <a:ext uri="{FF2B5EF4-FFF2-40B4-BE49-F238E27FC236}">
+                <a16:creationId xmlns:a16="http://schemas.microsoft.com/office/drawing/2014/main" id="{D2D6E1D2-E65D-40E4-A6A6-A08F9B4DB0A6}"/>
+              </a:ext>
+            </a:extLst>
+          </p:cNvPr>
+          <p:cNvSpPr/>
+          <p:nvPr/>
+        </p:nvSpPr>
+        <p:spPr>
+          <a:xfrm>
+            <a:off x="8682129" y="5844150"/>
+            <a:ext cx="2081019" cy="369332"/>
+          </a:xfrm>
+          <a:prstGeom prst="rect">
+            <a:avLst/>
+          </a:prstGeom>
+        </p:spPr>
+        <p:txBody>
+          <a:bodyPr wrap="none">
+            <a:spAutoFit/>
+          </a:bodyPr>
+          <a:lstStyle/>
+          <a:p>
+            <a:r>
+              <a:rPr lang="en-US" altLang="zh-CN" dirty="0" err="1"/>
+              <a:t>SmsCodeProcessor</a:t>
+            </a:r>
+            <a:endParaRPr lang="zh-CN" altLang="en-US" dirty="0"/>
+          </a:p>
+        </p:txBody>
+      </p:sp>
+      <p:sp>
+        <p:nvSpPr>
+          <p:cNvPr id="60" name="矩形 59">
+            <a:extLst>
+              <a:ext uri="{FF2B5EF4-FFF2-40B4-BE49-F238E27FC236}">
+                <a16:creationId xmlns:a16="http://schemas.microsoft.com/office/drawing/2014/main" id="{30D46339-1A87-419D-845A-C8B63B9EAF2A}"/>
+              </a:ext>
+            </a:extLst>
+          </p:cNvPr>
+          <p:cNvSpPr/>
+          <p:nvPr/>
+        </p:nvSpPr>
+        <p:spPr>
+          <a:xfrm>
+            <a:off x="7939606" y="2639872"/>
+            <a:ext cx="2510624" cy="369332"/>
+          </a:xfrm>
+          <a:prstGeom prst="rect">
+            <a:avLst/>
+          </a:prstGeom>
+        </p:spPr>
+        <p:txBody>
+          <a:bodyPr wrap="none">
+            <a:spAutoFit/>
+          </a:bodyPr>
+          <a:lstStyle/>
+          <a:p>
+            <a:r>
+              <a:rPr lang="en-US" altLang="zh-CN" dirty="0" err="1"/>
+              <a:t>ValidateCodeGenerator</a:t>
+            </a:r>
+            <a:endParaRPr lang="zh-CN" altLang="en-US" dirty="0"/>
+          </a:p>
+        </p:txBody>
+      </p:sp>
+      <p:sp>
+        <p:nvSpPr>
+          <p:cNvPr id="64" name="矩形 63">
+            <a:extLst>
+              <a:ext uri="{FF2B5EF4-FFF2-40B4-BE49-F238E27FC236}">
+                <a16:creationId xmlns:a16="http://schemas.microsoft.com/office/drawing/2014/main" id="{5C2A5E7E-0BAD-493A-93AB-9FAF8AD24CCA}"/>
+              </a:ext>
+            </a:extLst>
+          </p:cNvPr>
+          <p:cNvSpPr/>
+          <p:nvPr/>
+        </p:nvSpPr>
+        <p:spPr>
+          <a:xfrm>
+            <a:off x="9872770" y="1052408"/>
+            <a:ext cx="1722834" cy="622935"/>
+          </a:xfrm>
+          <a:prstGeom prst="rect">
+            <a:avLst/>
+          </a:prstGeom>
+        </p:spPr>
+        <p:style>
+          <a:lnRef idx="2">
+            <a:schemeClr val="accent1">
+              <a:shade val="50000"/>
+            </a:schemeClr>
+          </a:lnRef>
+          <a:fillRef idx="1">
+            <a:schemeClr val="accent1"/>
+          </a:fillRef>
+          <a:effectRef idx="0">
+            <a:schemeClr val="accent1"/>
+          </a:effectRef>
+          <a:fontRef idx="minor">
+            <a:schemeClr val="lt1"/>
+          </a:fontRef>
+        </p:style>
+        <p:txBody>
+          <a:bodyPr rtlCol="0" anchor="ctr"/>
+          <a:lstStyle/>
+          <a:p>
+            <a:r>
+              <a:rPr lang="en-US" altLang="zh-CN" dirty="0"/>
+              <a:t>g</a:t>
+            </a:r>
+            <a:r>
+              <a:rPr lang="zh-CN" altLang="en-US" dirty="0"/>
+              <a:t>enerate</a:t>
+            </a:r>
+          </a:p>
+        </p:txBody>
+      </p:sp>
+      <p:sp>
+        <p:nvSpPr>
+          <p:cNvPr id="65" name="矩形 64">
+            <a:extLst>
+              <a:ext uri="{FF2B5EF4-FFF2-40B4-BE49-F238E27FC236}">
+                <a16:creationId xmlns:a16="http://schemas.microsoft.com/office/drawing/2014/main" id="{607781B2-99A6-4AD5-98D6-B7FAFE1389C0}"/>
+              </a:ext>
+            </a:extLst>
+          </p:cNvPr>
+          <p:cNvSpPr/>
+          <p:nvPr/>
+        </p:nvSpPr>
+        <p:spPr>
+          <a:xfrm>
+            <a:off x="9285488" y="541045"/>
+            <a:ext cx="2329484" cy="369332"/>
+          </a:xfrm>
+          <a:prstGeom prst="rect">
+            <a:avLst/>
+          </a:prstGeom>
+        </p:spPr>
+        <p:txBody>
+          <a:bodyPr wrap="none">
+            <a:spAutoFit/>
+          </a:bodyPr>
+          <a:lstStyle/>
+          <a:p>
+            <a:r>
+              <a:rPr lang="en-US" altLang="zh-CN" dirty="0" err="1">
+                <a:solidFill>
+                  <a:schemeClr val="accent2"/>
+                </a:solidFill>
+              </a:rPr>
+              <a:t>ImageCodeGenerator</a:t>
+            </a:r>
+            <a:endParaRPr lang="zh-CN" altLang="en-US" dirty="0">
+              <a:solidFill>
+                <a:schemeClr val="accent2"/>
+              </a:solidFill>
+            </a:endParaRPr>
+          </a:p>
+        </p:txBody>
+      </p:sp>
+      <p:sp>
+        <p:nvSpPr>
+          <p:cNvPr id="67" name="矩形 66">
+            <a:extLst>
+              <a:ext uri="{FF2B5EF4-FFF2-40B4-BE49-F238E27FC236}">
+                <a16:creationId xmlns:a16="http://schemas.microsoft.com/office/drawing/2014/main" id="{784B1E82-F556-467A-A91A-92B789BA1FDC}"/>
+              </a:ext>
+            </a:extLst>
+          </p:cNvPr>
+          <p:cNvSpPr/>
+          <p:nvPr/>
+        </p:nvSpPr>
+        <p:spPr>
+          <a:xfrm>
+            <a:off x="9760826" y="5190316"/>
+            <a:ext cx="2117887" cy="369332"/>
+          </a:xfrm>
+          <a:prstGeom prst="rect">
+            <a:avLst/>
+          </a:prstGeom>
+        </p:spPr>
+        <p:txBody>
+          <a:bodyPr wrap="none">
+            <a:spAutoFit/>
+          </a:bodyPr>
+          <a:lstStyle/>
+          <a:p>
+            <a:r>
+              <a:rPr lang="en-US" altLang="zh-CN" dirty="0" err="1"/>
+              <a:t>SmsCodeGenerator</a:t>
+            </a:r>
+            <a:endParaRPr lang="zh-CN" altLang="en-US" dirty="0"/>
+          </a:p>
+        </p:txBody>
+      </p:sp>
+      <p:sp>
+        <p:nvSpPr>
+          <p:cNvPr id="68" name="矩形 67">
+            <a:extLst>
+              <a:ext uri="{FF2B5EF4-FFF2-40B4-BE49-F238E27FC236}">
+                <a16:creationId xmlns:a16="http://schemas.microsoft.com/office/drawing/2014/main" id="{CCB8B6B7-03C3-4BC3-9766-7C0236A7BF4D}"/>
+              </a:ext>
+            </a:extLst>
+          </p:cNvPr>
+          <p:cNvSpPr/>
+          <p:nvPr/>
+        </p:nvSpPr>
+        <p:spPr>
+          <a:xfrm>
+            <a:off x="9879773" y="4509216"/>
+            <a:ext cx="1722834" cy="622935"/>
+          </a:xfrm>
+          <a:prstGeom prst="rect">
+            <a:avLst/>
+          </a:prstGeom>
+        </p:spPr>
+        <p:style>
+          <a:lnRef idx="2">
+            <a:schemeClr val="accent1">
+              <a:shade val="50000"/>
+            </a:schemeClr>
+          </a:lnRef>
+          <a:fillRef idx="1">
+            <a:schemeClr val="accent1"/>
+          </a:fillRef>
+          <a:effectRef idx="0">
+            <a:schemeClr val="accent1"/>
+          </a:effectRef>
+          <a:fontRef idx="minor">
+            <a:schemeClr val="lt1"/>
+          </a:fontRef>
+        </p:style>
+        <p:txBody>
+          <a:bodyPr rtlCol="0" anchor="ctr"/>
+          <a:lstStyle/>
+          <a:p>
+            <a:r>
+              <a:rPr lang="en-US" altLang="zh-CN" dirty="0"/>
+              <a:t>g</a:t>
+            </a:r>
+            <a:r>
+              <a:rPr lang="zh-CN" altLang="en-US" dirty="0"/>
+              <a:t>enerate</a:t>
+            </a:r>
+          </a:p>
+        </p:txBody>
+      </p:sp>
+      <p:cxnSp>
+        <p:nvCxnSpPr>
+          <p:cNvPr id="69" name="直接箭头连接符 68">
+            <a:extLst>
+              <a:ext uri="{FF2B5EF4-FFF2-40B4-BE49-F238E27FC236}">
+                <a16:creationId xmlns:a16="http://schemas.microsoft.com/office/drawing/2014/main" id="{50858277-F256-418C-99E0-995C50FF3EBF}"/>
+              </a:ext>
+            </a:extLst>
+          </p:cNvPr>
+          <p:cNvCxnSpPr>
+            <a:cxnSpLocks/>
+            <a:stCxn id="26" idx="2"/>
+            <a:endCxn id="68" idx="1"/>
+          </p:cNvCxnSpPr>
+          <p:nvPr/>
+        </p:nvCxnSpPr>
+        <p:spPr>
+          <a:xfrm>
+            <a:off x="9479407" y="3643425"/>
+            <a:ext cx="400366" cy="1177259"/>
+          </a:xfrm>
+          <a:prstGeom prst="straightConnector1">
+            <a:avLst/>
+          </a:prstGeom>
+          <a:ln>
+            <a:tailEnd type="triangle"/>
+          </a:ln>
+        </p:spPr>
+        <p:style>
+          <a:lnRef idx="3">
+            <a:schemeClr val="dk1"/>
+          </a:lnRef>
+          <a:fillRef idx="0">
+            <a:schemeClr val="dk1"/>
+          </a:fillRef>
+          <a:effectRef idx="2">
+            <a:schemeClr val="dk1"/>
+          </a:effectRef>
+          <a:fontRef idx="minor">
+            <a:schemeClr val="tx1"/>
+          </a:fontRef>
+        </p:style>
+      </p:cxnSp>
+      <p:cxnSp>
+        <p:nvCxnSpPr>
+          <p:cNvPr id="75" name="直接箭头连接符 74">
+            <a:extLst>
+              <a:ext uri="{FF2B5EF4-FFF2-40B4-BE49-F238E27FC236}">
+                <a16:creationId xmlns:a16="http://schemas.microsoft.com/office/drawing/2014/main" id="{73F01D13-5C54-4B12-9A04-38BC9FAD524D}"/>
+              </a:ext>
+            </a:extLst>
+          </p:cNvPr>
+          <p:cNvCxnSpPr>
+            <a:cxnSpLocks/>
+            <a:stCxn id="26" idx="3"/>
+            <a:endCxn id="64" idx="2"/>
+          </p:cNvCxnSpPr>
+          <p:nvPr/>
+        </p:nvCxnSpPr>
+        <p:spPr>
+          <a:xfrm flipV="1">
+            <a:off x="10450230" y="1675343"/>
+            <a:ext cx="283957" cy="1656615"/>
+          </a:xfrm>
+          <a:prstGeom prst="straightConnector1">
+            <a:avLst/>
+          </a:prstGeom>
+          <a:ln>
+            <a:tailEnd type="triangle"/>
+          </a:ln>
+        </p:spPr>
+        <p:style>
+          <a:lnRef idx="3">
+            <a:schemeClr val="accent2"/>
+          </a:lnRef>
+          <a:fillRef idx="0">
+            <a:schemeClr val="accent2"/>
+          </a:fillRef>
+          <a:effectRef idx="2">
+            <a:schemeClr val="accent2"/>
+          </a:effectRef>
+          <a:fontRef idx="minor">
+            <a:schemeClr val="tx1"/>
+          </a:fontRef>
+        </p:style>
+      </p:cxnSp>
+      <p:sp>
+        <p:nvSpPr>
+          <p:cNvPr id="83" name="文本框 82">
+            <a:extLst>
+              <a:ext uri="{FF2B5EF4-FFF2-40B4-BE49-F238E27FC236}">
+                <a16:creationId xmlns:a16="http://schemas.microsoft.com/office/drawing/2014/main" id="{B1B5C335-6EE7-47F1-A137-805877D92773}"/>
+              </a:ext>
+            </a:extLst>
+          </p:cNvPr>
+          <p:cNvSpPr txBox="1"/>
+          <p:nvPr/>
+        </p:nvSpPr>
+        <p:spPr>
+          <a:xfrm>
+            <a:off x="3980974" y="5001559"/>
+            <a:ext cx="1800493" cy="369332"/>
+          </a:xfrm>
+          <a:prstGeom prst="rect">
+            <a:avLst/>
+          </a:prstGeom>
+          <a:noFill/>
+        </p:spPr>
+        <p:txBody>
+          <a:bodyPr wrap="none" rtlCol="0">
+            <a:spAutoFit/>
+          </a:bodyPr>
+          <a:lstStyle/>
+          <a:p>
+            <a:r>
+              <a:rPr lang="zh-CN" altLang="en-US" dirty="0">
+                <a:solidFill>
+                  <a:schemeClr val="accent2"/>
+                </a:solidFill>
+              </a:rPr>
+              <a:t>图形验证码发送</a:t>
+            </a:r>
+          </a:p>
+        </p:txBody>
+      </p:sp>
+      <p:sp>
+        <p:nvSpPr>
+          <p:cNvPr id="84" name="文本框 83">
+            <a:extLst>
+              <a:ext uri="{FF2B5EF4-FFF2-40B4-BE49-F238E27FC236}">
+                <a16:creationId xmlns:a16="http://schemas.microsoft.com/office/drawing/2014/main" id="{7293B380-E81D-4A8B-B313-4C3A69E59049}"/>
+              </a:ext>
+            </a:extLst>
+          </p:cNvPr>
+          <p:cNvSpPr txBox="1"/>
+          <p:nvPr/>
+        </p:nvSpPr>
+        <p:spPr>
+          <a:xfrm>
+            <a:off x="8872156" y="1950504"/>
+            <a:ext cx="1800493" cy="369332"/>
+          </a:xfrm>
+          <a:prstGeom prst="rect">
+            <a:avLst/>
+          </a:prstGeom>
+          <a:noFill/>
+        </p:spPr>
+        <p:txBody>
+          <a:bodyPr wrap="none" rtlCol="0">
+            <a:spAutoFit/>
+          </a:bodyPr>
+          <a:lstStyle/>
+          <a:p>
+            <a:r>
+              <a:rPr lang="zh-CN" altLang="en-US" dirty="0">
+                <a:solidFill>
+                  <a:schemeClr val="accent2"/>
+                </a:solidFill>
+              </a:rPr>
+              <a:t>图形验证码生成</a:t>
+            </a:r>
+          </a:p>
+        </p:txBody>
+      </p:sp>
+      <p:sp>
+        <p:nvSpPr>
+          <p:cNvPr id="85" name="矩形 84">
+            <a:extLst>
+              <a:ext uri="{FF2B5EF4-FFF2-40B4-BE49-F238E27FC236}">
+                <a16:creationId xmlns:a16="http://schemas.microsoft.com/office/drawing/2014/main" id="{ECEC51EE-36F6-42E5-AD71-73ADD17E69ED}"/>
+              </a:ext>
+            </a:extLst>
+          </p:cNvPr>
+          <p:cNvSpPr/>
+          <p:nvPr/>
+        </p:nvSpPr>
+        <p:spPr>
+          <a:xfrm>
+            <a:off x="7071663" y="4894446"/>
+            <a:ext cx="1800493" cy="369332"/>
+          </a:xfrm>
+          <a:prstGeom prst="rect">
+            <a:avLst/>
+          </a:prstGeom>
+        </p:spPr>
+        <p:txBody>
+          <a:bodyPr wrap="none">
+            <a:spAutoFit/>
+          </a:bodyPr>
+          <a:lstStyle/>
+          <a:p>
+            <a:r>
+              <a:rPr lang="zh-CN" altLang="en-US" dirty="0"/>
+              <a:t>短信验证码发送</a:t>
+            </a:r>
+          </a:p>
+        </p:txBody>
+      </p:sp>
+      <p:sp>
+        <p:nvSpPr>
+          <p:cNvPr id="86" name="矩形 85">
+            <a:extLst>
+              <a:ext uri="{FF2B5EF4-FFF2-40B4-BE49-F238E27FC236}">
+                <a16:creationId xmlns:a16="http://schemas.microsoft.com/office/drawing/2014/main" id="{7114FFE1-DAD6-4DAA-AA92-B4A30CDAA909}"/>
+              </a:ext>
+            </a:extLst>
+          </p:cNvPr>
+          <p:cNvSpPr/>
+          <p:nvPr/>
+        </p:nvSpPr>
+        <p:spPr>
+          <a:xfrm>
+            <a:off x="9732853" y="3954893"/>
+            <a:ext cx="1800493" cy="369332"/>
+          </a:xfrm>
+          <a:prstGeom prst="rect">
+            <a:avLst/>
+          </a:prstGeom>
+        </p:spPr>
+        <p:txBody>
+          <a:bodyPr wrap="none">
+            <a:spAutoFit/>
+          </a:bodyPr>
+          <a:lstStyle/>
+          <a:p>
+            <a:r>
+              <a:rPr lang="zh-CN" altLang="en-US" dirty="0"/>
+              <a:t>短信验证码生成</a:t>
+            </a:r>
+          </a:p>
+        </p:txBody>
+      </p:sp>
+      <p:sp>
+        <p:nvSpPr>
+          <p:cNvPr id="103" name="矩形 102">
+            <a:extLst>
+              <a:ext uri="{FF2B5EF4-FFF2-40B4-BE49-F238E27FC236}">
+                <a16:creationId xmlns:a16="http://schemas.microsoft.com/office/drawing/2014/main" id="{B2C18526-D504-4259-BDCC-60AA43687543}"/>
+              </a:ext>
+            </a:extLst>
+          </p:cNvPr>
+          <p:cNvSpPr/>
+          <p:nvPr/>
+        </p:nvSpPr>
+        <p:spPr>
+          <a:xfrm>
+            <a:off x="152818" y="541045"/>
+            <a:ext cx="11725895" cy="5775910"/>
+          </a:xfrm>
+          <a:prstGeom prst="rect">
+            <a:avLst/>
+          </a:prstGeom>
+          <a:noFill/>
+        </p:spPr>
+        <p:style>
+          <a:lnRef idx="2">
+            <a:schemeClr val="accent1">
+              <a:shade val="50000"/>
+            </a:schemeClr>
+          </a:lnRef>
+          <a:fillRef idx="1">
+            <a:schemeClr val="accent1"/>
+          </a:fillRef>
+          <a:effectRef idx="0">
+            <a:schemeClr val="accent1"/>
+          </a:effectRef>
+          <a:fontRef idx="minor">
+            <a:schemeClr val="lt1"/>
+          </a:fontRef>
+        </p:style>
+        <p:txBody>
+          <a:bodyPr rtlCol="0" anchor="ctr"/>
+          <a:lstStyle/>
+          <a:p>
+            <a:pPr algn="ctr"/>
+            <a:endParaRPr lang="zh-CN" altLang="en-US"/>
+          </a:p>
+        </p:txBody>
+      </p:sp>
+    </p:spTree>
+  </p:cSld>
+  <p:clrMapOvr>
+    <a:masterClrMapping/>
+  </p:clrMapOvr>
+</p:sld>
+</file>
+
 <file path=ppt/theme/theme1.xml><?xml version="1.0" encoding="utf-8"?>
 <a:theme xmlns:a="http://schemas.openxmlformats.org/drawingml/2006/main" name="Office 主题​​">
   <a:themeElements>
@@ -9409,7 +11491,7 @@
         <a:sysClr val="windowText" lastClr="000000"/>
       </a:dk1>
       <a:lt1>
-        <a:sysClr val="window" lastClr="FFFFFF"/>
+        <a:sysClr val="window" lastClr="CCE8CF"/>
       </a:lt1>
       <a:dk2>
         <a:srgbClr val="44546A"/>
@@ -9670,7 +11752,7 @@
         <a:sysClr val="windowText" lastClr="000000"/>
       </a:dk1>
       <a:lt1>
-        <a:sysClr val="window" lastClr="FFFFFF"/>
+        <a:sysClr val="window" lastClr="CCE8CF"/>
       </a:lt1>
       <a:dk2>
         <a:srgbClr val="44546A"/>
@@ -9931,7 +12013,7 @@
         <a:sysClr val="windowText" lastClr="000000"/>
       </a:dk1>
       <a:lt1>
-        <a:sysClr val="window" lastClr="FFFFFF"/>
+        <a:sysClr val="window" lastClr="CCE8CF"/>
       </a:lt1>
       <a:dk2>
         <a:srgbClr val="44546A"/>

--- a/src/main/resources/docs/表单登陆认证、spring-security原理图.pptx
+++ b/src/main/resources/docs/表单登陆认证、spring-security原理图.pptx
@@ -3,18 +3,20 @@
 <p:presentation xmlns:a="http://schemas.openxmlformats.org/drawingml/2006/main" xmlns:r="http://schemas.openxmlformats.org/officeDocument/2006/relationships" xmlns:p="http://schemas.openxmlformats.org/presentationml/2006/main">
   <p:sldMasterIdLst>
     <p:sldMasterId id="2147483648" r:id="rId1"/>
-    <p:sldMasterId id="2147483660" r:id="rId2"/>
+    <p:sldMasterId id="2147483660" r:id="rId3"/>
   </p:sldMasterIdLst>
   <p:notesMasterIdLst>
-    <p:notesMasterId r:id="rId9"/>
+    <p:notesMasterId r:id="rId12"/>
   </p:notesMasterIdLst>
   <p:sldIdLst>
-    <p:sldId id="258" r:id="rId3"/>
-    <p:sldId id="261" r:id="rId4"/>
-    <p:sldId id="263" r:id="rId5"/>
-    <p:sldId id="264" r:id="rId6"/>
-    <p:sldId id="266" r:id="rId7"/>
-    <p:sldId id="265" r:id="rId8"/>
+    <p:sldId id="258" r:id="rId4"/>
+    <p:sldId id="261" r:id="rId5"/>
+    <p:sldId id="263" r:id="rId6"/>
+    <p:sldId id="264" r:id="rId7"/>
+    <p:sldId id="266" r:id="rId8"/>
+    <p:sldId id="265" r:id="rId9"/>
+    <p:sldId id="270" r:id="rId10"/>
+    <p:sldId id="268" r:id="rId11"/>
   </p:sldIdLst>
   <p:sldSz cx="12192000" cy="6858000"/>
   <p:notesSz cx="6858000" cy="9144000"/>
@@ -113,11 +115,6 @@
       </a:defRPr>
     </a:lvl9pPr>
   </p:defaultTextStyle>
-  <p:extLst>
-    <p:ext uri="{EFAFB233-063F-42B5-8137-9DF3F51BA10A}">
-      <p15:sldGuideLst xmlns:p15="http://schemas.microsoft.com/office/powerpoint/2012/main"/>
-    </p:ext>
-  </p:extLst>
 </p:presentation>
 </file>
 
@@ -203,7 +200,6 @@
           <a:p>
             <a:fld id="{D2A48B96-639E-45A3-A0BA-2464DFDB1FAA}" type="datetimeFigureOut">
               <a:rPr lang="zh-CN" altLang="en-US" smtClean="0"/>
-              <a:t>2019/7/15</a:t>
             </a:fld>
             <a:endParaRPr lang="zh-CN" altLang="en-US"/>
           </a:p>
@@ -270,6 +266,7 @@
               <a:rPr lang="zh-CN" altLang="en-US"/>
               <a:t>单击此处编辑母版文本样式</a:t>
             </a:r>
+            <a:endParaRPr lang="zh-CN" altLang="en-US"/>
           </a:p>
           <a:p>
             <a:pPr lvl="1"/>
@@ -277,6 +274,7 @@
               <a:rPr lang="zh-CN" altLang="en-US"/>
               <a:t>第二级</a:t>
             </a:r>
+            <a:endParaRPr lang="zh-CN" altLang="en-US"/>
           </a:p>
           <a:p>
             <a:pPr lvl="2"/>
@@ -284,6 +282,7 @@
               <a:rPr lang="zh-CN" altLang="en-US"/>
               <a:t>第三级</a:t>
             </a:r>
+            <a:endParaRPr lang="zh-CN" altLang="en-US"/>
           </a:p>
           <a:p>
             <a:pPr lvl="3"/>
@@ -291,6 +290,7 @@
               <a:rPr lang="zh-CN" altLang="en-US"/>
               <a:t>第四级</a:t>
             </a:r>
+            <a:endParaRPr lang="zh-CN" altLang="en-US"/>
           </a:p>
           <a:p>
             <a:pPr lvl="4"/>
@@ -298,6 +298,7 @@
               <a:rPr lang="zh-CN" altLang="en-US"/>
               <a:t>第五级</a:t>
             </a:r>
+            <a:endParaRPr lang="zh-CN" altLang="en-US"/>
           </a:p>
         </p:txBody>
       </p:sp>
@@ -361,7 +362,6 @@
           <a:p>
             <a:fld id="{A6837353-30EB-4A48-80EB-173D804AEFBD}" type="slidenum">
               <a:rPr lang="zh-CN" altLang="en-US" smtClean="0"/>
-              <a:t>‹#›</a:t>
             </a:fld>
             <a:endParaRPr lang="zh-CN" altLang="en-US"/>
           </a:p>
@@ -510,6 +510,7 @@
               <a:rPr lang="zh-CN" altLang="en-US"/>
               <a:t>单击此处编辑母版标题样式</a:t>
             </a:r>
+            <a:endParaRPr lang="zh-CN" altLang="en-US"/>
           </a:p>
         </p:txBody>
       </p:sp>
@@ -574,6 +575,7 @@
               <a:rPr lang="zh-CN" altLang="en-US"/>
               <a:t>单击此处编辑母版副标题样式</a:t>
             </a:r>
+            <a:endParaRPr lang="zh-CN" altLang="en-US"/>
           </a:p>
         </p:txBody>
       </p:sp>
@@ -594,7 +596,6 @@
           <a:p>
             <a:fld id="{D96F5486-16C2-4901-8944-7ACDDDAAE09D}" type="datetimeFigureOut">
               <a:rPr lang="zh-CN" altLang="en-US" smtClean="0"/>
-              <a:t>2019/7/15</a:t>
             </a:fld>
             <a:endParaRPr lang="zh-CN" altLang="en-US"/>
           </a:p>
@@ -636,7 +637,6 @@
           <a:p>
             <a:fld id="{58AB1745-11A7-4016-818B-4B2639D76C27}" type="slidenum">
               <a:rPr lang="zh-CN" altLang="en-US" smtClean="0"/>
-              <a:t>‹#›</a:t>
             </a:fld>
             <a:endParaRPr lang="zh-CN" altLang="en-US"/>
           </a:p>
@@ -686,6 +686,7 @@
               <a:rPr lang="zh-CN" altLang="en-US"/>
               <a:t>单击此处编辑母版标题样式</a:t>
             </a:r>
+            <a:endParaRPr lang="zh-CN" altLang="en-US"/>
           </a:p>
         </p:txBody>
       </p:sp>
@@ -709,6 +710,7 @@
               <a:rPr lang="zh-CN" altLang="en-US"/>
               <a:t>单击此处编辑母版文本样式</a:t>
             </a:r>
+            <a:endParaRPr lang="zh-CN" altLang="en-US"/>
           </a:p>
           <a:p>
             <a:pPr lvl="1"/>
@@ -716,6 +718,7 @@
               <a:rPr lang="zh-CN" altLang="en-US"/>
               <a:t>二级</a:t>
             </a:r>
+            <a:endParaRPr lang="zh-CN" altLang="en-US"/>
           </a:p>
           <a:p>
             <a:pPr lvl="2"/>
@@ -723,6 +726,7 @@
               <a:rPr lang="zh-CN" altLang="en-US"/>
               <a:t>三级</a:t>
             </a:r>
+            <a:endParaRPr lang="zh-CN" altLang="en-US"/>
           </a:p>
           <a:p>
             <a:pPr lvl="3"/>
@@ -730,6 +734,7 @@
               <a:rPr lang="zh-CN" altLang="en-US"/>
               <a:t>四级</a:t>
             </a:r>
+            <a:endParaRPr lang="zh-CN" altLang="en-US"/>
           </a:p>
           <a:p>
             <a:pPr lvl="4"/>
@@ -737,6 +742,7 @@
               <a:rPr lang="zh-CN" altLang="en-US"/>
               <a:t>五级</a:t>
             </a:r>
+            <a:endParaRPr lang="zh-CN" altLang="en-US"/>
           </a:p>
         </p:txBody>
       </p:sp>
@@ -757,7 +763,6 @@
           <a:p>
             <a:fld id="{D96F5486-16C2-4901-8944-7ACDDDAAE09D}" type="datetimeFigureOut">
               <a:rPr lang="zh-CN" altLang="en-US" smtClean="0"/>
-              <a:t>2019/7/15</a:t>
             </a:fld>
             <a:endParaRPr lang="zh-CN" altLang="en-US"/>
           </a:p>
@@ -799,7 +804,6 @@
           <a:p>
             <a:fld id="{58AB1745-11A7-4016-818B-4B2639D76C27}" type="slidenum">
               <a:rPr lang="zh-CN" altLang="en-US" smtClean="0"/>
-              <a:t>‹#›</a:t>
             </a:fld>
             <a:endParaRPr lang="zh-CN" altLang="en-US"/>
           </a:p>
@@ -854,6 +858,7 @@
               <a:rPr lang="zh-CN" altLang="en-US"/>
               <a:t>单击此处编辑母版标题样式</a:t>
             </a:r>
+            <a:endParaRPr lang="zh-CN" altLang="en-US"/>
           </a:p>
         </p:txBody>
       </p:sp>
@@ -882,6 +887,7 @@
               <a:rPr lang="zh-CN" altLang="en-US"/>
               <a:t>单击此处编辑母版文本样式</a:t>
             </a:r>
+            <a:endParaRPr lang="zh-CN" altLang="en-US"/>
           </a:p>
           <a:p>
             <a:pPr lvl="1"/>
@@ -889,6 +895,7 @@
               <a:rPr lang="zh-CN" altLang="en-US"/>
               <a:t>二级</a:t>
             </a:r>
+            <a:endParaRPr lang="zh-CN" altLang="en-US"/>
           </a:p>
           <a:p>
             <a:pPr lvl="2"/>
@@ -896,6 +903,7 @@
               <a:rPr lang="zh-CN" altLang="en-US"/>
               <a:t>三级</a:t>
             </a:r>
+            <a:endParaRPr lang="zh-CN" altLang="en-US"/>
           </a:p>
           <a:p>
             <a:pPr lvl="3"/>
@@ -903,6 +911,7 @@
               <a:rPr lang="zh-CN" altLang="en-US"/>
               <a:t>四级</a:t>
             </a:r>
+            <a:endParaRPr lang="zh-CN" altLang="en-US"/>
           </a:p>
           <a:p>
             <a:pPr lvl="4"/>
@@ -910,6 +919,7 @@
               <a:rPr lang="zh-CN" altLang="en-US"/>
               <a:t>五级</a:t>
             </a:r>
+            <a:endParaRPr lang="zh-CN" altLang="en-US"/>
           </a:p>
         </p:txBody>
       </p:sp>
@@ -930,7 +940,6 @@
           <a:p>
             <a:fld id="{D96F5486-16C2-4901-8944-7ACDDDAAE09D}" type="datetimeFigureOut">
               <a:rPr lang="zh-CN" altLang="en-US" smtClean="0"/>
-              <a:t>2019/7/15</a:t>
             </a:fld>
             <a:endParaRPr lang="zh-CN" altLang="en-US"/>
           </a:p>
@@ -972,7 +981,6 @@
           <a:p>
             <a:fld id="{58AB1745-11A7-4016-818B-4B2639D76C27}" type="slidenum">
               <a:rPr lang="zh-CN" altLang="en-US" smtClean="0"/>
-              <a:t>‹#›</a:t>
             </a:fld>
             <a:endParaRPr lang="zh-CN" altLang="en-US"/>
           </a:p>
@@ -1031,6 +1039,7 @@
               <a:rPr lang="zh-CN" altLang="en-US"/>
               <a:t>单击此处编辑母版标题样式</a:t>
             </a:r>
+            <a:endParaRPr lang="zh-CN" altLang="en-US"/>
           </a:p>
         </p:txBody>
       </p:sp>
@@ -1095,6 +1104,7 @@
               <a:rPr lang="zh-CN" altLang="en-US"/>
               <a:t>单击此处编辑母版副标题样式</a:t>
             </a:r>
+            <a:endParaRPr lang="zh-CN" altLang="en-US"/>
           </a:p>
         </p:txBody>
       </p:sp>
@@ -1115,7 +1125,6 @@
           <a:p>
             <a:fld id="{D96F5486-16C2-4901-8944-7ACDDDAAE09D}" type="datetimeFigureOut">
               <a:rPr lang="zh-CN" altLang="en-US" smtClean="0"/>
-              <a:t>2019/7/15</a:t>
             </a:fld>
             <a:endParaRPr lang="zh-CN" altLang="en-US"/>
           </a:p>
@@ -1157,7 +1166,6 @@
           <a:p>
             <a:fld id="{58AB1745-11A7-4016-818B-4B2639D76C27}" type="slidenum">
               <a:rPr lang="zh-CN" altLang="en-US" smtClean="0"/>
-              <a:t>‹#›</a:t>
             </a:fld>
             <a:endParaRPr lang="zh-CN" altLang="en-US"/>
           </a:p>
@@ -1207,6 +1215,7 @@
               <a:rPr lang="zh-CN" altLang="en-US"/>
               <a:t>单击此处编辑母版标题样式</a:t>
             </a:r>
+            <a:endParaRPr lang="zh-CN" altLang="en-US"/>
           </a:p>
         </p:txBody>
       </p:sp>
@@ -1230,6 +1239,7 @@
               <a:rPr lang="zh-CN" altLang="en-US"/>
               <a:t>单击此处编辑母版文本样式</a:t>
             </a:r>
+            <a:endParaRPr lang="zh-CN" altLang="en-US"/>
           </a:p>
           <a:p>
             <a:pPr lvl="1"/>
@@ -1237,6 +1247,7 @@
               <a:rPr lang="zh-CN" altLang="en-US"/>
               <a:t>二级</a:t>
             </a:r>
+            <a:endParaRPr lang="zh-CN" altLang="en-US"/>
           </a:p>
           <a:p>
             <a:pPr lvl="2"/>
@@ -1244,6 +1255,7 @@
               <a:rPr lang="zh-CN" altLang="en-US"/>
               <a:t>三级</a:t>
             </a:r>
+            <a:endParaRPr lang="zh-CN" altLang="en-US"/>
           </a:p>
           <a:p>
             <a:pPr lvl="3"/>
@@ -1251,6 +1263,7 @@
               <a:rPr lang="zh-CN" altLang="en-US"/>
               <a:t>四级</a:t>
             </a:r>
+            <a:endParaRPr lang="zh-CN" altLang="en-US"/>
           </a:p>
           <a:p>
             <a:pPr lvl="4"/>
@@ -1258,6 +1271,7 @@
               <a:rPr lang="zh-CN" altLang="en-US"/>
               <a:t>五级</a:t>
             </a:r>
+            <a:endParaRPr lang="zh-CN" altLang="en-US"/>
           </a:p>
         </p:txBody>
       </p:sp>
@@ -1278,7 +1292,6 @@
           <a:p>
             <a:fld id="{D96F5486-16C2-4901-8944-7ACDDDAAE09D}" type="datetimeFigureOut">
               <a:rPr lang="zh-CN" altLang="en-US" smtClean="0"/>
-              <a:t>2019/7/15</a:t>
             </a:fld>
             <a:endParaRPr lang="zh-CN" altLang="en-US"/>
           </a:p>
@@ -1320,7 +1333,6 @@
           <a:p>
             <a:fld id="{58AB1745-11A7-4016-818B-4B2639D76C27}" type="slidenum">
               <a:rPr lang="zh-CN" altLang="en-US" smtClean="0"/>
-              <a:t>‹#›</a:t>
             </a:fld>
             <a:endParaRPr lang="zh-CN" altLang="en-US"/>
           </a:p>
@@ -1379,6 +1391,7 @@
               <a:rPr lang="zh-CN" altLang="en-US"/>
               <a:t>单击此处编辑母版标题样式</a:t>
             </a:r>
+            <a:endParaRPr lang="zh-CN" altLang="en-US"/>
           </a:p>
         </p:txBody>
       </p:sp>
@@ -1498,6 +1511,7 @@
               <a:rPr lang="zh-CN" altLang="en-US"/>
               <a:t>单击此处编辑母版文本样式</a:t>
             </a:r>
+            <a:endParaRPr lang="zh-CN" altLang="en-US"/>
           </a:p>
         </p:txBody>
       </p:sp>
@@ -1518,7 +1532,6 @@
           <a:p>
             <a:fld id="{D96F5486-16C2-4901-8944-7ACDDDAAE09D}" type="datetimeFigureOut">
               <a:rPr lang="zh-CN" altLang="en-US" smtClean="0"/>
-              <a:t>2019/7/15</a:t>
             </a:fld>
             <a:endParaRPr lang="zh-CN" altLang="en-US"/>
           </a:p>
@@ -1560,7 +1573,6 @@
           <a:p>
             <a:fld id="{58AB1745-11A7-4016-818B-4B2639D76C27}" type="slidenum">
               <a:rPr lang="zh-CN" altLang="en-US" smtClean="0"/>
-              <a:t>‹#›</a:t>
             </a:fld>
             <a:endParaRPr lang="zh-CN" altLang="en-US"/>
           </a:p>
@@ -1610,6 +1622,7 @@
               <a:rPr lang="zh-CN" altLang="en-US"/>
               <a:t>单击此处编辑母版标题样式</a:t>
             </a:r>
+            <a:endParaRPr lang="zh-CN" altLang="en-US"/>
           </a:p>
         </p:txBody>
       </p:sp>
@@ -1638,6 +1651,7 @@
               <a:rPr lang="zh-CN" altLang="en-US"/>
               <a:t>单击此处编辑母版文本样式</a:t>
             </a:r>
+            <a:endParaRPr lang="zh-CN" altLang="en-US"/>
           </a:p>
           <a:p>
             <a:pPr lvl="1"/>
@@ -1645,6 +1659,7 @@
               <a:rPr lang="zh-CN" altLang="en-US"/>
               <a:t>二级</a:t>
             </a:r>
+            <a:endParaRPr lang="zh-CN" altLang="en-US"/>
           </a:p>
           <a:p>
             <a:pPr lvl="2"/>
@@ -1652,6 +1667,7 @@
               <a:rPr lang="zh-CN" altLang="en-US"/>
               <a:t>三级</a:t>
             </a:r>
+            <a:endParaRPr lang="zh-CN" altLang="en-US"/>
           </a:p>
           <a:p>
             <a:pPr lvl="3"/>
@@ -1659,6 +1675,7 @@
               <a:rPr lang="zh-CN" altLang="en-US"/>
               <a:t>四级</a:t>
             </a:r>
+            <a:endParaRPr lang="zh-CN" altLang="en-US"/>
           </a:p>
           <a:p>
             <a:pPr lvl="4"/>
@@ -1666,6 +1683,7 @@
               <a:rPr lang="zh-CN" altLang="en-US"/>
               <a:t>五级</a:t>
             </a:r>
+            <a:endParaRPr lang="zh-CN" altLang="en-US"/>
           </a:p>
         </p:txBody>
       </p:sp>
@@ -1694,6 +1712,7 @@
               <a:rPr lang="zh-CN" altLang="en-US"/>
               <a:t>单击此处编辑母版文本样式</a:t>
             </a:r>
+            <a:endParaRPr lang="zh-CN" altLang="en-US"/>
           </a:p>
           <a:p>
             <a:pPr lvl="1"/>
@@ -1701,6 +1720,7 @@
               <a:rPr lang="zh-CN" altLang="en-US"/>
               <a:t>二级</a:t>
             </a:r>
+            <a:endParaRPr lang="zh-CN" altLang="en-US"/>
           </a:p>
           <a:p>
             <a:pPr lvl="2"/>
@@ -1708,6 +1728,7 @@
               <a:rPr lang="zh-CN" altLang="en-US"/>
               <a:t>三级</a:t>
             </a:r>
+            <a:endParaRPr lang="zh-CN" altLang="en-US"/>
           </a:p>
           <a:p>
             <a:pPr lvl="3"/>
@@ -1715,6 +1736,7 @@
               <a:rPr lang="zh-CN" altLang="en-US"/>
               <a:t>四级</a:t>
             </a:r>
+            <a:endParaRPr lang="zh-CN" altLang="en-US"/>
           </a:p>
           <a:p>
             <a:pPr lvl="4"/>
@@ -1722,6 +1744,7 @@
               <a:rPr lang="zh-CN" altLang="en-US"/>
               <a:t>五级</a:t>
             </a:r>
+            <a:endParaRPr lang="zh-CN" altLang="en-US"/>
           </a:p>
         </p:txBody>
       </p:sp>
@@ -1742,7 +1765,6 @@
           <a:p>
             <a:fld id="{D96F5486-16C2-4901-8944-7ACDDDAAE09D}" type="datetimeFigureOut">
               <a:rPr lang="zh-CN" altLang="en-US" smtClean="0"/>
-              <a:t>2019/7/15</a:t>
             </a:fld>
             <a:endParaRPr lang="zh-CN" altLang="en-US"/>
           </a:p>
@@ -1784,7 +1806,6 @@
           <a:p>
             <a:fld id="{58AB1745-11A7-4016-818B-4B2639D76C27}" type="slidenum">
               <a:rPr lang="zh-CN" altLang="en-US" smtClean="0"/>
-              <a:t>‹#›</a:t>
             </a:fld>
             <a:endParaRPr lang="zh-CN" altLang="en-US"/>
           </a:p>
@@ -1839,6 +1860,7 @@
               <a:rPr lang="zh-CN" altLang="en-US"/>
               <a:t>单击此处编辑母版标题样式</a:t>
             </a:r>
+            <a:endParaRPr lang="zh-CN" altLang="en-US"/>
           </a:p>
         </p:txBody>
       </p:sp>
@@ -1904,6 +1926,7 @@
               <a:rPr lang="zh-CN" altLang="en-US"/>
               <a:t>单击此处编辑母版文本样式</a:t>
             </a:r>
+            <a:endParaRPr lang="zh-CN" altLang="en-US"/>
           </a:p>
         </p:txBody>
       </p:sp>
@@ -1932,6 +1955,7 @@
               <a:rPr lang="zh-CN" altLang="en-US"/>
               <a:t>单击此处编辑母版文本样式</a:t>
             </a:r>
+            <a:endParaRPr lang="zh-CN" altLang="en-US"/>
           </a:p>
           <a:p>
             <a:pPr lvl="1"/>
@@ -1939,6 +1963,7 @@
               <a:rPr lang="zh-CN" altLang="en-US"/>
               <a:t>二级</a:t>
             </a:r>
+            <a:endParaRPr lang="zh-CN" altLang="en-US"/>
           </a:p>
           <a:p>
             <a:pPr lvl="2"/>
@@ -1946,6 +1971,7 @@
               <a:rPr lang="zh-CN" altLang="en-US"/>
               <a:t>三级</a:t>
             </a:r>
+            <a:endParaRPr lang="zh-CN" altLang="en-US"/>
           </a:p>
           <a:p>
             <a:pPr lvl="3"/>
@@ -1953,6 +1979,7 @@
               <a:rPr lang="zh-CN" altLang="en-US"/>
               <a:t>四级</a:t>
             </a:r>
+            <a:endParaRPr lang="zh-CN" altLang="en-US"/>
           </a:p>
           <a:p>
             <a:pPr lvl="4"/>
@@ -1960,6 +1987,7 @@
               <a:rPr lang="zh-CN" altLang="en-US"/>
               <a:t>五级</a:t>
             </a:r>
+            <a:endParaRPr lang="zh-CN" altLang="en-US"/>
           </a:p>
         </p:txBody>
       </p:sp>
@@ -2025,6 +2053,7 @@
               <a:rPr lang="zh-CN" altLang="en-US"/>
               <a:t>单击此处编辑母版文本样式</a:t>
             </a:r>
+            <a:endParaRPr lang="zh-CN" altLang="en-US"/>
           </a:p>
         </p:txBody>
       </p:sp>
@@ -2053,6 +2082,7 @@
               <a:rPr lang="zh-CN" altLang="en-US"/>
               <a:t>单击此处编辑母版文本样式</a:t>
             </a:r>
+            <a:endParaRPr lang="zh-CN" altLang="en-US"/>
           </a:p>
           <a:p>
             <a:pPr lvl="1"/>
@@ -2060,6 +2090,7 @@
               <a:rPr lang="zh-CN" altLang="en-US"/>
               <a:t>二级</a:t>
             </a:r>
+            <a:endParaRPr lang="zh-CN" altLang="en-US"/>
           </a:p>
           <a:p>
             <a:pPr lvl="2"/>
@@ -2067,6 +2098,7 @@
               <a:rPr lang="zh-CN" altLang="en-US"/>
               <a:t>三级</a:t>
             </a:r>
+            <a:endParaRPr lang="zh-CN" altLang="en-US"/>
           </a:p>
           <a:p>
             <a:pPr lvl="3"/>
@@ -2074,6 +2106,7 @@
               <a:rPr lang="zh-CN" altLang="en-US"/>
               <a:t>四级</a:t>
             </a:r>
+            <a:endParaRPr lang="zh-CN" altLang="en-US"/>
           </a:p>
           <a:p>
             <a:pPr lvl="4"/>
@@ -2081,6 +2114,7 @@
               <a:rPr lang="zh-CN" altLang="en-US"/>
               <a:t>五级</a:t>
             </a:r>
+            <a:endParaRPr lang="zh-CN" altLang="en-US"/>
           </a:p>
         </p:txBody>
       </p:sp>
@@ -2101,7 +2135,6 @@
           <a:p>
             <a:fld id="{D96F5486-16C2-4901-8944-7ACDDDAAE09D}" type="datetimeFigureOut">
               <a:rPr lang="zh-CN" altLang="en-US" smtClean="0"/>
-              <a:t>2019/7/15</a:t>
             </a:fld>
             <a:endParaRPr lang="zh-CN" altLang="en-US"/>
           </a:p>
@@ -2143,7 +2176,6 @@
           <a:p>
             <a:fld id="{58AB1745-11A7-4016-818B-4B2639D76C27}" type="slidenum">
               <a:rPr lang="zh-CN" altLang="en-US" smtClean="0"/>
-              <a:t>‹#›</a:t>
             </a:fld>
             <a:endParaRPr lang="zh-CN" altLang="en-US"/>
           </a:p>
@@ -2193,6 +2225,7 @@
               <a:rPr lang="zh-CN" altLang="en-US"/>
               <a:t>单击此处编辑母版标题样式</a:t>
             </a:r>
+            <a:endParaRPr lang="zh-CN" altLang="en-US"/>
           </a:p>
         </p:txBody>
       </p:sp>
@@ -2213,7 +2246,6 @@
           <a:p>
             <a:fld id="{D96F5486-16C2-4901-8944-7ACDDDAAE09D}" type="datetimeFigureOut">
               <a:rPr lang="zh-CN" altLang="en-US" smtClean="0"/>
-              <a:t>2019/7/15</a:t>
             </a:fld>
             <a:endParaRPr lang="zh-CN" altLang="en-US"/>
           </a:p>
@@ -2255,7 +2287,6 @@
           <a:p>
             <a:fld id="{58AB1745-11A7-4016-818B-4B2639D76C27}" type="slidenum">
               <a:rPr lang="zh-CN" altLang="en-US" smtClean="0"/>
-              <a:t>‹#›</a:t>
             </a:fld>
             <a:endParaRPr lang="zh-CN" altLang="en-US"/>
           </a:p>
@@ -2303,7 +2334,6 @@
           <a:p>
             <a:fld id="{D96F5486-16C2-4901-8944-7ACDDDAAE09D}" type="datetimeFigureOut">
               <a:rPr lang="zh-CN" altLang="en-US" smtClean="0"/>
-              <a:t>2019/7/15</a:t>
             </a:fld>
             <a:endParaRPr lang="zh-CN" altLang="en-US"/>
           </a:p>
@@ -2345,7 +2375,6 @@
           <a:p>
             <a:fld id="{58AB1745-11A7-4016-818B-4B2639D76C27}" type="slidenum">
               <a:rPr lang="zh-CN" altLang="en-US" smtClean="0"/>
-              <a:t>‹#›</a:t>
             </a:fld>
             <a:endParaRPr lang="zh-CN" altLang="en-US"/>
           </a:p>
@@ -2404,6 +2433,7 @@
               <a:rPr lang="zh-CN" altLang="en-US"/>
               <a:t>单击此处编辑母版标题样式</a:t>
             </a:r>
+            <a:endParaRPr lang="zh-CN" altLang="en-US"/>
           </a:p>
         </p:txBody>
       </p:sp>
@@ -2460,6 +2490,7 @@
               <a:rPr lang="zh-CN" altLang="en-US"/>
               <a:t>单击此处编辑母版文本样式</a:t>
             </a:r>
+            <a:endParaRPr lang="zh-CN" altLang="en-US"/>
           </a:p>
           <a:p>
             <a:pPr lvl="1"/>
@@ -2467,6 +2498,7 @@
               <a:rPr lang="zh-CN" altLang="en-US"/>
               <a:t>二级</a:t>
             </a:r>
+            <a:endParaRPr lang="zh-CN" altLang="en-US"/>
           </a:p>
           <a:p>
             <a:pPr lvl="2"/>
@@ -2474,6 +2506,7 @@
               <a:rPr lang="zh-CN" altLang="en-US"/>
               <a:t>三级</a:t>
             </a:r>
+            <a:endParaRPr lang="zh-CN" altLang="en-US"/>
           </a:p>
           <a:p>
             <a:pPr lvl="3"/>
@@ -2481,6 +2514,7 @@
               <a:rPr lang="zh-CN" altLang="en-US"/>
               <a:t>四级</a:t>
             </a:r>
+            <a:endParaRPr lang="zh-CN" altLang="en-US"/>
           </a:p>
           <a:p>
             <a:pPr lvl="4"/>
@@ -2488,6 +2522,7 @@
               <a:rPr lang="zh-CN" altLang="en-US"/>
               <a:t>五级</a:t>
             </a:r>
+            <a:endParaRPr lang="zh-CN" altLang="en-US"/>
           </a:p>
         </p:txBody>
       </p:sp>
@@ -2553,6 +2588,7 @@
               <a:rPr lang="zh-CN" altLang="en-US"/>
               <a:t>单击此处编辑母版文本样式</a:t>
             </a:r>
+            <a:endParaRPr lang="zh-CN" altLang="en-US"/>
           </a:p>
         </p:txBody>
       </p:sp>
@@ -2573,7 +2609,6 @@
           <a:p>
             <a:fld id="{D96F5486-16C2-4901-8944-7ACDDDAAE09D}" type="datetimeFigureOut">
               <a:rPr lang="zh-CN" altLang="en-US" smtClean="0"/>
-              <a:t>2019/7/15</a:t>
             </a:fld>
             <a:endParaRPr lang="zh-CN" altLang="en-US"/>
           </a:p>
@@ -2615,7 +2650,6 @@
           <a:p>
             <a:fld id="{58AB1745-11A7-4016-818B-4B2639D76C27}" type="slidenum">
               <a:rPr lang="zh-CN" altLang="en-US" smtClean="0"/>
-              <a:t>‹#›</a:t>
             </a:fld>
             <a:endParaRPr lang="zh-CN" altLang="en-US"/>
           </a:p>
@@ -2665,6 +2699,7 @@
               <a:rPr lang="zh-CN" altLang="en-US"/>
               <a:t>单击此处编辑母版标题样式</a:t>
             </a:r>
+            <a:endParaRPr lang="zh-CN" altLang="en-US"/>
           </a:p>
         </p:txBody>
       </p:sp>
@@ -2688,6 +2723,7 @@
               <a:rPr lang="zh-CN" altLang="en-US"/>
               <a:t>单击此处编辑母版文本样式</a:t>
             </a:r>
+            <a:endParaRPr lang="zh-CN" altLang="en-US"/>
           </a:p>
           <a:p>
             <a:pPr lvl="1"/>
@@ -2695,6 +2731,7 @@
               <a:rPr lang="zh-CN" altLang="en-US"/>
               <a:t>二级</a:t>
             </a:r>
+            <a:endParaRPr lang="zh-CN" altLang="en-US"/>
           </a:p>
           <a:p>
             <a:pPr lvl="2"/>
@@ -2702,6 +2739,7 @@
               <a:rPr lang="zh-CN" altLang="en-US"/>
               <a:t>三级</a:t>
             </a:r>
+            <a:endParaRPr lang="zh-CN" altLang="en-US"/>
           </a:p>
           <a:p>
             <a:pPr lvl="3"/>
@@ -2709,6 +2747,7 @@
               <a:rPr lang="zh-CN" altLang="en-US"/>
               <a:t>四级</a:t>
             </a:r>
+            <a:endParaRPr lang="zh-CN" altLang="en-US"/>
           </a:p>
           <a:p>
             <a:pPr lvl="4"/>
@@ -2716,6 +2755,7 @@
               <a:rPr lang="zh-CN" altLang="en-US"/>
               <a:t>五级</a:t>
             </a:r>
+            <a:endParaRPr lang="zh-CN" altLang="en-US"/>
           </a:p>
         </p:txBody>
       </p:sp>
@@ -2736,7 +2776,6 @@
           <a:p>
             <a:fld id="{D96F5486-16C2-4901-8944-7ACDDDAAE09D}" type="datetimeFigureOut">
               <a:rPr lang="zh-CN" altLang="en-US" smtClean="0"/>
-              <a:t>2019/7/15</a:t>
             </a:fld>
             <a:endParaRPr lang="zh-CN" altLang="en-US"/>
           </a:p>
@@ -2778,7 +2817,6 @@
           <a:p>
             <a:fld id="{58AB1745-11A7-4016-818B-4B2639D76C27}" type="slidenum">
               <a:rPr lang="zh-CN" altLang="en-US" smtClean="0"/>
-              <a:t>‹#›</a:t>
             </a:fld>
             <a:endParaRPr lang="zh-CN" altLang="en-US"/>
           </a:p>
@@ -2837,6 +2875,7 @@
               <a:rPr lang="zh-CN" altLang="en-US"/>
               <a:t>单击此处编辑母版标题样式</a:t>
             </a:r>
+            <a:endParaRPr lang="zh-CN" altLang="en-US"/>
           </a:p>
         </p:txBody>
       </p:sp>
@@ -2963,6 +3002,7 @@
               <a:rPr lang="zh-CN" altLang="en-US"/>
               <a:t>单击此处编辑母版文本样式</a:t>
             </a:r>
+            <a:endParaRPr lang="zh-CN" altLang="en-US"/>
           </a:p>
         </p:txBody>
       </p:sp>
@@ -2983,7 +3023,6 @@
           <a:p>
             <a:fld id="{D96F5486-16C2-4901-8944-7ACDDDAAE09D}" type="datetimeFigureOut">
               <a:rPr lang="zh-CN" altLang="en-US" smtClean="0"/>
-              <a:t>2019/7/15</a:t>
             </a:fld>
             <a:endParaRPr lang="zh-CN" altLang="en-US"/>
           </a:p>
@@ -3025,7 +3064,6 @@
           <a:p>
             <a:fld id="{58AB1745-11A7-4016-818B-4B2639D76C27}" type="slidenum">
               <a:rPr lang="zh-CN" altLang="en-US" smtClean="0"/>
-              <a:t>‹#›</a:t>
             </a:fld>
             <a:endParaRPr lang="zh-CN" altLang="en-US"/>
           </a:p>
@@ -3075,6 +3113,7 @@
               <a:rPr lang="zh-CN" altLang="en-US"/>
               <a:t>单击此处编辑母版标题样式</a:t>
             </a:r>
+            <a:endParaRPr lang="zh-CN" altLang="en-US"/>
           </a:p>
         </p:txBody>
       </p:sp>
@@ -3098,6 +3137,7 @@
               <a:rPr lang="zh-CN" altLang="en-US"/>
               <a:t>单击此处编辑母版文本样式</a:t>
             </a:r>
+            <a:endParaRPr lang="zh-CN" altLang="en-US"/>
           </a:p>
           <a:p>
             <a:pPr lvl="1"/>
@@ -3105,6 +3145,7 @@
               <a:rPr lang="zh-CN" altLang="en-US"/>
               <a:t>二级</a:t>
             </a:r>
+            <a:endParaRPr lang="zh-CN" altLang="en-US"/>
           </a:p>
           <a:p>
             <a:pPr lvl="2"/>
@@ -3112,6 +3153,7 @@
               <a:rPr lang="zh-CN" altLang="en-US"/>
               <a:t>三级</a:t>
             </a:r>
+            <a:endParaRPr lang="zh-CN" altLang="en-US"/>
           </a:p>
           <a:p>
             <a:pPr lvl="3"/>
@@ -3119,6 +3161,7 @@
               <a:rPr lang="zh-CN" altLang="en-US"/>
               <a:t>四级</a:t>
             </a:r>
+            <a:endParaRPr lang="zh-CN" altLang="en-US"/>
           </a:p>
           <a:p>
             <a:pPr lvl="4"/>
@@ -3126,6 +3169,7 @@
               <a:rPr lang="zh-CN" altLang="en-US"/>
               <a:t>五级</a:t>
             </a:r>
+            <a:endParaRPr lang="zh-CN" altLang="en-US"/>
           </a:p>
         </p:txBody>
       </p:sp>
@@ -3146,7 +3190,6 @@
           <a:p>
             <a:fld id="{D96F5486-16C2-4901-8944-7ACDDDAAE09D}" type="datetimeFigureOut">
               <a:rPr lang="zh-CN" altLang="en-US" smtClean="0"/>
-              <a:t>2019/7/15</a:t>
             </a:fld>
             <a:endParaRPr lang="zh-CN" altLang="en-US"/>
           </a:p>
@@ -3188,7 +3231,6 @@
           <a:p>
             <a:fld id="{58AB1745-11A7-4016-818B-4B2639D76C27}" type="slidenum">
               <a:rPr lang="zh-CN" altLang="en-US" smtClean="0"/>
-              <a:t>‹#›</a:t>
             </a:fld>
             <a:endParaRPr lang="zh-CN" altLang="en-US"/>
           </a:p>
@@ -3243,6 +3285,7 @@
               <a:rPr lang="zh-CN" altLang="en-US"/>
               <a:t>单击此处编辑母版标题样式</a:t>
             </a:r>
+            <a:endParaRPr lang="zh-CN" altLang="en-US"/>
           </a:p>
         </p:txBody>
       </p:sp>
@@ -3271,6 +3314,7 @@
               <a:rPr lang="zh-CN" altLang="en-US"/>
               <a:t>单击此处编辑母版文本样式</a:t>
             </a:r>
+            <a:endParaRPr lang="zh-CN" altLang="en-US"/>
           </a:p>
           <a:p>
             <a:pPr lvl="1"/>
@@ -3278,6 +3322,7 @@
               <a:rPr lang="zh-CN" altLang="en-US"/>
               <a:t>二级</a:t>
             </a:r>
+            <a:endParaRPr lang="zh-CN" altLang="en-US"/>
           </a:p>
           <a:p>
             <a:pPr lvl="2"/>
@@ -3285,6 +3330,7 @@
               <a:rPr lang="zh-CN" altLang="en-US"/>
               <a:t>三级</a:t>
             </a:r>
+            <a:endParaRPr lang="zh-CN" altLang="en-US"/>
           </a:p>
           <a:p>
             <a:pPr lvl="3"/>
@@ -3292,6 +3338,7 @@
               <a:rPr lang="zh-CN" altLang="en-US"/>
               <a:t>四级</a:t>
             </a:r>
+            <a:endParaRPr lang="zh-CN" altLang="en-US"/>
           </a:p>
           <a:p>
             <a:pPr lvl="4"/>
@@ -3299,6 +3346,7 @@
               <a:rPr lang="zh-CN" altLang="en-US"/>
               <a:t>五级</a:t>
             </a:r>
+            <a:endParaRPr lang="zh-CN" altLang="en-US"/>
           </a:p>
         </p:txBody>
       </p:sp>
@@ -3319,7 +3367,6 @@
           <a:p>
             <a:fld id="{D96F5486-16C2-4901-8944-7ACDDDAAE09D}" type="datetimeFigureOut">
               <a:rPr lang="zh-CN" altLang="en-US" smtClean="0"/>
-              <a:t>2019/7/15</a:t>
             </a:fld>
             <a:endParaRPr lang="zh-CN" altLang="en-US"/>
           </a:p>
@@ -3361,7 +3408,6 @@
           <a:p>
             <a:fld id="{58AB1745-11A7-4016-818B-4B2639D76C27}" type="slidenum">
               <a:rPr lang="zh-CN" altLang="en-US" smtClean="0"/>
-              <a:t>‹#›</a:t>
             </a:fld>
             <a:endParaRPr lang="zh-CN" altLang="en-US"/>
           </a:p>
@@ -3420,6 +3466,7 @@
               <a:rPr lang="zh-CN" altLang="en-US"/>
               <a:t>单击此处编辑母版标题样式</a:t>
             </a:r>
+            <a:endParaRPr lang="zh-CN" altLang="en-US"/>
           </a:p>
         </p:txBody>
       </p:sp>
@@ -3539,6 +3586,7 @@
               <a:rPr lang="zh-CN" altLang="en-US"/>
               <a:t>单击此处编辑母版文本样式</a:t>
             </a:r>
+            <a:endParaRPr lang="zh-CN" altLang="en-US"/>
           </a:p>
         </p:txBody>
       </p:sp>
@@ -3559,7 +3607,6 @@
           <a:p>
             <a:fld id="{D96F5486-16C2-4901-8944-7ACDDDAAE09D}" type="datetimeFigureOut">
               <a:rPr lang="zh-CN" altLang="en-US" smtClean="0"/>
-              <a:t>2019/7/15</a:t>
             </a:fld>
             <a:endParaRPr lang="zh-CN" altLang="en-US"/>
           </a:p>
@@ -3601,7 +3648,6 @@
           <a:p>
             <a:fld id="{58AB1745-11A7-4016-818B-4B2639D76C27}" type="slidenum">
               <a:rPr lang="zh-CN" altLang="en-US" smtClean="0"/>
-              <a:t>‹#›</a:t>
             </a:fld>
             <a:endParaRPr lang="zh-CN" altLang="en-US"/>
           </a:p>
@@ -3651,6 +3697,7 @@
               <a:rPr lang="zh-CN" altLang="en-US"/>
               <a:t>单击此处编辑母版标题样式</a:t>
             </a:r>
+            <a:endParaRPr lang="zh-CN" altLang="en-US"/>
           </a:p>
         </p:txBody>
       </p:sp>
@@ -3679,6 +3726,7 @@
               <a:rPr lang="zh-CN" altLang="en-US"/>
               <a:t>单击此处编辑母版文本样式</a:t>
             </a:r>
+            <a:endParaRPr lang="zh-CN" altLang="en-US"/>
           </a:p>
           <a:p>
             <a:pPr lvl="1"/>
@@ -3686,6 +3734,7 @@
               <a:rPr lang="zh-CN" altLang="en-US"/>
               <a:t>二级</a:t>
             </a:r>
+            <a:endParaRPr lang="zh-CN" altLang="en-US"/>
           </a:p>
           <a:p>
             <a:pPr lvl="2"/>
@@ -3693,6 +3742,7 @@
               <a:rPr lang="zh-CN" altLang="en-US"/>
               <a:t>三级</a:t>
             </a:r>
+            <a:endParaRPr lang="zh-CN" altLang="en-US"/>
           </a:p>
           <a:p>
             <a:pPr lvl="3"/>
@@ -3700,6 +3750,7 @@
               <a:rPr lang="zh-CN" altLang="en-US"/>
               <a:t>四级</a:t>
             </a:r>
+            <a:endParaRPr lang="zh-CN" altLang="en-US"/>
           </a:p>
           <a:p>
             <a:pPr lvl="4"/>
@@ -3707,6 +3758,7 @@
               <a:rPr lang="zh-CN" altLang="en-US"/>
               <a:t>五级</a:t>
             </a:r>
+            <a:endParaRPr lang="zh-CN" altLang="en-US"/>
           </a:p>
         </p:txBody>
       </p:sp>
@@ -3735,6 +3787,7 @@
               <a:rPr lang="zh-CN" altLang="en-US"/>
               <a:t>单击此处编辑母版文本样式</a:t>
             </a:r>
+            <a:endParaRPr lang="zh-CN" altLang="en-US"/>
           </a:p>
           <a:p>
             <a:pPr lvl="1"/>
@@ -3742,6 +3795,7 @@
               <a:rPr lang="zh-CN" altLang="en-US"/>
               <a:t>二级</a:t>
             </a:r>
+            <a:endParaRPr lang="zh-CN" altLang="en-US"/>
           </a:p>
           <a:p>
             <a:pPr lvl="2"/>
@@ -3749,6 +3803,7 @@
               <a:rPr lang="zh-CN" altLang="en-US"/>
               <a:t>三级</a:t>
             </a:r>
+            <a:endParaRPr lang="zh-CN" altLang="en-US"/>
           </a:p>
           <a:p>
             <a:pPr lvl="3"/>
@@ -3756,6 +3811,7 @@
               <a:rPr lang="zh-CN" altLang="en-US"/>
               <a:t>四级</a:t>
             </a:r>
+            <a:endParaRPr lang="zh-CN" altLang="en-US"/>
           </a:p>
           <a:p>
             <a:pPr lvl="4"/>
@@ -3763,6 +3819,7 @@
               <a:rPr lang="zh-CN" altLang="en-US"/>
               <a:t>五级</a:t>
             </a:r>
+            <a:endParaRPr lang="zh-CN" altLang="en-US"/>
           </a:p>
         </p:txBody>
       </p:sp>
@@ -3783,7 +3840,6 @@
           <a:p>
             <a:fld id="{D96F5486-16C2-4901-8944-7ACDDDAAE09D}" type="datetimeFigureOut">
               <a:rPr lang="zh-CN" altLang="en-US" smtClean="0"/>
-              <a:t>2019/7/15</a:t>
             </a:fld>
             <a:endParaRPr lang="zh-CN" altLang="en-US"/>
           </a:p>
@@ -3825,7 +3881,6 @@
           <a:p>
             <a:fld id="{58AB1745-11A7-4016-818B-4B2639D76C27}" type="slidenum">
               <a:rPr lang="zh-CN" altLang="en-US" smtClean="0"/>
-              <a:t>‹#›</a:t>
             </a:fld>
             <a:endParaRPr lang="zh-CN" altLang="en-US"/>
           </a:p>
@@ -3880,6 +3935,7 @@
               <a:rPr lang="zh-CN" altLang="en-US"/>
               <a:t>单击此处编辑母版标题样式</a:t>
             </a:r>
+            <a:endParaRPr lang="zh-CN" altLang="en-US"/>
           </a:p>
         </p:txBody>
       </p:sp>
@@ -3945,6 +4001,7 @@
               <a:rPr lang="zh-CN" altLang="en-US"/>
               <a:t>单击此处编辑母版文本样式</a:t>
             </a:r>
+            <a:endParaRPr lang="zh-CN" altLang="en-US"/>
           </a:p>
         </p:txBody>
       </p:sp>
@@ -3973,6 +4030,7 @@
               <a:rPr lang="zh-CN" altLang="en-US"/>
               <a:t>单击此处编辑母版文本样式</a:t>
             </a:r>
+            <a:endParaRPr lang="zh-CN" altLang="en-US"/>
           </a:p>
           <a:p>
             <a:pPr lvl="1"/>
@@ -3980,6 +4038,7 @@
               <a:rPr lang="zh-CN" altLang="en-US"/>
               <a:t>二级</a:t>
             </a:r>
+            <a:endParaRPr lang="zh-CN" altLang="en-US"/>
           </a:p>
           <a:p>
             <a:pPr lvl="2"/>
@@ -3987,6 +4046,7 @@
               <a:rPr lang="zh-CN" altLang="en-US"/>
               <a:t>三级</a:t>
             </a:r>
+            <a:endParaRPr lang="zh-CN" altLang="en-US"/>
           </a:p>
           <a:p>
             <a:pPr lvl="3"/>
@@ -3994,6 +4054,7 @@
               <a:rPr lang="zh-CN" altLang="en-US"/>
               <a:t>四级</a:t>
             </a:r>
+            <a:endParaRPr lang="zh-CN" altLang="en-US"/>
           </a:p>
           <a:p>
             <a:pPr lvl="4"/>
@@ -4001,6 +4062,7 @@
               <a:rPr lang="zh-CN" altLang="en-US"/>
               <a:t>五级</a:t>
             </a:r>
+            <a:endParaRPr lang="zh-CN" altLang="en-US"/>
           </a:p>
         </p:txBody>
       </p:sp>
@@ -4066,6 +4128,7 @@
               <a:rPr lang="zh-CN" altLang="en-US"/>
               <a:t>单击此处编辑母版文本样式</a:t>
             </a:r>
+            <a:endParaRPr lang="zh-CN" altLang="en-US"/>
           </a:p>
         </p:txBody>
       </p:sp>
@@ -4094,6 +4157,7 @@
               <a:rPr lang="zh-CN" altLang="en-US"/>
               <a:t>单击此处编辑母版文本样式</a:t>
             </a:r>
+            <a:endParaRPr lang="zh-CN" altLang="en-US"/>
           </a:p>
           <a:p>
             <a:pPr lvl="1"/>
@@ -4101,6 +4165,7 @@
               <a:rPr lang="zh-CN" altLang="en-US"/>
               <a:t>二级</a:t>
             </a:r>
+            <a:endParaRPr lang="zh-CN" altLang="en-US"/>
           </a:p>
           <a:p>
             <a:pPr lvl="2"/>
@@ -4108,6 +4173,7 @@
               <a:rPr lang="zh-CN" altLang="en-US"/>
               <a:t>三级</a:t>
             </a:r>
+            <a:endParaRPr lang="zh-CN" altLang="en-US"/>
           </a:p>
           <a:p>
             <a:pPr lvl="3"/>
@@ -4115,6 +4181,7 @@
               <a:rPr lang="zh-CN" altLang="en-US"/>
               <a:t>四级</a:t>
             </a:r>
+            <a:endParaRPr lang="zh-CN" altLang="en-US"/>
           </a:p>
           <a:p>
             <a:pPr lvl="4"/>
@@ -4122,6 +4189,7 @@
               <a:rPr lang="zh-CN" altLang="en-US"/>
               <a:t>五级</a:t>
             </a:r>
+            <a:endParaRPr lang="zh-CN" altLang="en-US"/>
           </a:p>
         </p:txBody>
       </p:sp>
@@ -4142,7 +4210,6 @@
           <a:p>
             <a:fld id="{D96F5486-16C2-4901-8944-7ACDDDAAE09D}" type="datetimeFigureOut">
               <a:rPr lang="zh-CN" altLang="en-US" smtClean="0"/>
-              <a:t>2019/7/15</a:t>
             </a:fld>
             <a:endParaRPr lang="zh-CN" altLang="en-US"/>
           </a:p>
@@ -4184,7 +4251,6 @@
           <a:p>
             <a:fld id="{58AB1745-11A7-4016-818B-4B2639D76C27}" type="slidenum">
               <a:rPr lang="zh-CN" altLang="en-US" smtClean="0"/>
-              <a:t>‹#›</a:t>
             </a:fld>
             <a:endParaRPr lang="zh-CN" altLang="en-US"/>
           </a:p>
@@ -4234,6 +4300,7 @@
               <a:rPr lang="zh-CN" altLang="en-US"/>
               <a:t>单击此处编辑母版标题样式</a:t>
             </a:r>
+            <a:endParaRPr lang="zh-CN" altLang="en-US"/>
           </a:p>
         </p:txBody>
       </p:sp>
@@ -4254,7 +4321,6 @@
           <a:p>
             <a:fld id="{D96F5486-16C2-4901-8944-7ACDDDAAE09D}" type="datetimeFigureOut">
               <a:rPr lang="zh-CN" altLang="en-US" smtClean="0"/>
-              <a:t>2019/7/15</a:t>
             </a:fld>
             <a:endParaRPr lang="zh-CN" altLang="en-US"/>
           </a:p>
@@ -4296,7 +4362,6 @@
           <a:p>
             <a:fld id="{58AB1745-11A7-4016-818B-4B2639D76C27}" type="slidenum">
               <a:rPr lang="zh-CN" altLang="en-US" smtClean="0"/>
-              <a:t>‹#›</a:t>
             </a:fld>
             <a:endParaRPr lang="zh-CN" altLang="en-US"/>
           </a:p>
@@ -4344,7 +4409,6 @@
           <a:p>
             <a:fld id="{D96F5486-16C2-4901-8944-7ACDDDAAE09D}" type="datetimeFigureOut">
               <a:rPr lang="zh-CN" altLang="en-US" smtClean="0"/>
-              <a:t>2019/7/15</a:t>
             </a:fld>
             <a:endParaRPr lang="zh-CN" altLang="en-US"/>
           </a:p>
@@ -4386,7 +4450,6 @@
           <a:p>
             <a:fld id="{58AB1745-11A7-4016-818B-4B2639D76C27}" type="slidenum">
               <a:rPr lang="zh-CN" altLang="en-US" smtClean="0"/>
-              <a:t>‹#›</a:t>
             </a:fld>
             <a:endParaRPr lang="zh-CN" altLang="en-US"/>
           </a:p>
@@ -4445,6 +4508,7 @@
               <a:rPr lang="zh-CN" altLang="en-US"/>
               <a:t>单击此处编辑母版标题样式</a:t>
             </a:r>
+            <a:endParaRPr lang="zh-CN" altLang="en-US"/>
           </a:p>
         </p:txBody>
       </p:sp>
@@ -4501,6 +4565,7 @@
               <a:rPr lang="zh-CN" altLang="en-US"/>
               <a:t>单击此处编辑母版文本样式</a:t>
             </a:r>
+            <a:endParaRPr lang="zh-CN" altLang="en-US"/>
           </a:p>
           <a:p>
             <a:pPr lvl="1"/>
@@ -4508,6 +4573,7 @@
               <a:rPr lang="zh-CN" altLang="en-US"/>
               <a:t>二级</a:t>
             </a:r>
+            <a:endParaRPr lang="zh-CN" altLang="en-US"/>
           </a:p>
           <a:p>
             <a:pPr lvl="2"/>
@@ -4515,6 +4581,7 @@
               <a:rPr lang="zh-CN" altLang="en-US"/>
               <a:t>三级</a:t>
             </a:r>
+            <a:endParaRPr lang="zh-CN" altLang="en-US"/>
           </a:p>
           <a:p>
             <a:pPr lvl="3"/>
@@ -4522,6 +4589,7 @@
               <a:rPr lang="zh-CN" altLang="en-US"/>
               <a:t>四级</a:t>
             </a:r>
+            <a:endParaRPr lang="zh-CN" altLang="en-US"/>
           </a:p>
           <a:p>
             <a:pPr lvl="4"/>
@@ -4529,6 +4597,7 @@
               <a:rPr lang="zh-CN" altLang="en-US"/>
               <a:t>五级</a:t>
             </a:r>
+            <a:endParaRPr lang="zh-CN" altLang="en-US"/>
           </a:p>
         </p:txBody>
       </p:sp>
@@ -4594,6 +4663,7 @@
               <a:rPr lang="zh-CN" altLang="en-US"/>
               <a:t>单击此处编辑母版文本样式</a:t>
             </a:r>
+            <a:endParaRPr lang="zh-CN" altLang="en-US"/>
           </a:p>
         </p:txBody>
       </p:sp>
@@ -4614,7 +4684,6 @@
           <a:p>
             <a:fld id="{D96F5486-16C2-4901-8944-7ACDDDAAE09D}" type="datetimeFigureOut">
               <a:rPr lang="zh-CN" altLang="en-US" smtClean="0"/>
-              <a:t>2019/7/15</a:t>
             </a:fld>
             <a:endParaRPr lang="zh-CN" altLang="en-US"/>
           </a:p>
@@ -4656,7 +4725,6 @@
           <a:p>
             <a:fld id="{58AB1745-11A7-4016-818B-4B2639D76C27}" type="slidenum">
               <a:rPr lang="zh-CN" altLang="en-US" smtClean="0"/>
-              <a:t>‹#›</a:t>
             </a:fld>
             <a:endParaRPr lang="zh-CN" altLang="en-US"/>
           </a:p>
@@ -4715,6 +4783,7 @@
               <a:rPr lang="zh-CN" altLang="en-US"/>
               <a:t>单击此处编辑母版标题样式</a:t>
             </a:r>
+            <a:endParaRPr lang="zh-CN" altLang="en-US"/>
           </a:p>
         </p:txBody>
       </p:sp>
@@ -4841,6 +4910,7 @@
               <a:rPr lang="zh-CN" altLang="en-US"/>
               <a:t>单击此处编辑母版文本样式</a:t>
             </a:r>
+            <a:endParaRPr lang="zh-CN" altLang="en-US"/>
           </a:p>
         </p:txBody>
       </p:sp>
@@ -4861,7 +4931,6 @@
           <a:p>
             <a:fld id="{D96F5486-16C2-4901-8944-7ACDDDAAE09D}" type="datetimeFigureOut">
               <a:rPr lang="zh-CN" altLang="en-US" smtClean="0"/>
-              <a:t>2019/7/15</a:t>
             </a:fld>
             <a:endParaRPr lang="zh-CN" altLang="en-US"/>
           </a:p>
@@ -4903,7 +4972,6 @@
           <a:p>
             <a:fld id="{58AB1745-11A7-4016-818B-4B2639D76C27}" type="slidenum">
               <a:rPr lang="zh-CN" altLang="en-US" smtClean="0"/>
-              <a:t>‹#›</a:t>
             </a:fld>
             <a:endParaRPr lang="zh-CN" altLang="en-US"/>
           </a:p>
@@ -4968,6 +5036,7 @@
               <a:rPr lang="zh-CN" altLang="en-US"/>
               <a:t>单击此处编辑母版标题样式</a:t>
             </a:r>
+            <a:endParaRPr lang="zh-CN" altLang="en-US"/>
           </a:p>
         </p:txBody>
       </p:sp>
@@ -5001,6 +5070,7 @@
               <a:rPr lang="zh-CN" altLang="en-US"/>
               <a:t>单击此处编辑母版文本样式</a:t>
             </a:r>
+            <a:endParaRPr lang="zh-CN" altLang="en-US"/>
           </a:p>
           <a:p>
             <a:pPr lvl="1"/>
@@ -5008,6 +5078,7 @@
               <a:rPr lang="zh-CN" altLang="en-US"/>
               <a:t>二级</a:t>
             </a:r>
+            <a:endParaRPr lang="zh-CN" altLang="en-US"/>
           </a:p>
           <a:p>
             <a:pPr lvl="2"/>
@@ -5015,6 +5086,7 @@
               <a:rPr lang="zh-CN" altLang="en-US"/>
               <a:t>三级</a:t>
             </a:r>
+            <a:endParaRPr lang="zh-CN" altLang="en-US"/>
           </a:p>
           <a:p>
             <a:pPr lvl="3"/>
@@ -5022,6 +5094,7 @@
               <a:rPr lang="zh-CN" altLang="en-US"/>
               <a:t>四级</a:t>
             </a:r>
+            <a:endParaRPr lang="zh-CN" altLang="en-US"/>
           </a:p>
           <a:p>
             <a:pPr lvl="4"/>
@@ -5029,6 +5102,7 @@
               <a:rPr lang="zh-CN" altLang="en-US"/>
               <a:t>五级</a:t>
             </a:r>
+            <a:endParaRPr lang="zh-CN" altLang="en-US"/>
           </a:p>
         </p:txBody>
       </p:sp>
@@ -5067,7 +5141,6 @@
           <a:p>
             <a:fld id="{D96F5486-16C2-4901-8944-7ACDDDAAE09D}" type="datetimeFigureOut">
               <a:rPr lang="zh-CN" altLang="en-US" smtClean="0"/>
-              <a:t>2019/7/15</a:t>
             </a:fld>
             <a:endParaRPr lang="zh-CN" altLang="en-US"/>
           </a:p>
@@ -5145,7 +5218,6 @@
           <a:p>
             <a:fld id="{58AB1745-11A7-4016-818B-4B2639D76C27}" type="slidenum">
               <a:rPr lang="zh-CN" altLang="en-US" smtClean="0"/>
-              <a:t>‹#›</a:t>
             </a:fld>
             <a:endParaRPr lang="zh-CN" altLang="en-US"/>
           </a:p>
@@ -5501,6 +5573,7 @@
               <a:rPr lang="zh-CN" altLang="en-US"/>
               <a:t>单击此处编辑母版标题样式</a:t>
             </a:r>
+            <a:endParaRPr lang="zh-CN" altLang="en-US"/>
           </a:p>
         </p:txBody>
       </p:sp>
@@ -5534,6 +5607,7 @@
               <a:rPr lang="zh-CN" altLang="en-US"/>
               <a:t>单击此处编辑母版文本样式</a:t>
             </a:r>
+            <a:endParaRPr lang="zh-CN" altLang="en-US"/>
           </a:p>
           <a:p>
             <a:pPr lvl="1"/>
@@ -5541,6 +5615,7 @@
               <a:rPr lang="zh-CN" altLang="en-US"/>
               <a:t>二级</a:t>
             </a:r>
+            <a:endParaRPr lang="zh-CN" altLang="en-US"/>
           </a:p>
           <a:p>
             <a:pPr lvl="2"/>
@@ -5548,6 +5623,7 @@
               <a:rPr lang="zh-CN" altLang="en-US"/>
               <a:t>三级</a:t>
             </a:r>
+            <a:endParaRPr lang="zh-CN" altLang="en-US"/>
           </a:p>
           <a:p>
             <a:pPr lvl="3"/>
@@ -5555,6 +5631,7 @@
               <a:rPr lang="zh-CN" altLang="en-US"/>
               <a:t>四级</a:t>
             </a:r>
+            <a:endParaRPr lang="zh-CN" altLang="en-US"/>
           </a:p>
           <a:p>
             <a:pPr lvl="4"/>
@@ -5562,6 +5639,7 @@
               <a:rPr lang="zh-CN" altLang="en-US"/>
               <a:t>五级</a:t>
             </a:r>
+            <a:endParaRPr lang="zh-CN" altLang="en-US"/>
           </a:p>
         </p:txBody>
       </p:sp>
@@ -5600,7 +5678,6 @@
           <a:p>
             <a:fld id="{D96F5486-16C2-4901-8944-7ACDDDAAE09D}" type="datetimeFigureOut">
               <a:rPr lang="zh-CN" altLang="en-US" smtClean="0"/>
-              <a:t>2019/7/15</a:t>
             </a:fld>
             <a:endParaRPr lang="zh-CN" altLang="en-US"/>
           </a:p>
@@ -5678,7 +5755,6 @@
           <a:p>
             <a:fld id="{58AB1745-11A7-4016-818B-4B2639D76C27}" type="slidenum">
               <a:rPr lang="zh-CN" altLang="en-US" smtClean="0"/>
-              <a:t>‹#›</a:t>
             </a:fld>
             <a:endParaRPr lang="zh-CN" altLang="en-US"/>
           </a:p>
@@ -6055,8 +6131,8 @@
         </p:nvSpPr>
         <p:spPr>
           <a:xfrm>
-            <a:off x="858816" y="2340259"/>
-            <a:ext cx="4336319" cy="609600"/>
+            <a:off x="686435" y="2339975"/>
+            <a:ext cx="4681855" cy="609600"/>
           </a:xfrm>
           <a:prstGeom prst="rect">
             <a:avLst/>
@@ -6104,8 +6180,8 @@
         </p:nvSpPr>
         <p:spPr>
           <a:xfrm>
-            <a:off x="980087" y="3349253"/>
-            <a:ext cx="4093781" cy="609600"/>
+            <a:off x="789940" y="3348990"/>
+            <a:ext cx="4473575" cy="609600"/>
           </a:xfrm>
           <a:prstGeom prst="rect">
             <a:avLst/>
@@ -6153,8 +6229,8 @@
         </p:nvSpPr>
         <p:spPr>
           <a:xfrm>
-            <a:off x="1777774" y="4358248"/>
-            <a:ext cx="2498404" cy="609600"/>
+            <a:off x="1637665" y="4379595"/>
+            <a:ext cx="2780030" cy="609600"/>
           </a:xfrm>
           <a:prstGeom prst="rect">
             <a:avLst/>
@@ -6197,8 +6273,8 @@
         </p:nvSpPr>
         <p:spPr>
           <a:xfrm>
-            <a:off x="2070156" y="5367243"/>
-            <a:ext cx="1913641" cy="609600"/>
+            <a:off x="2017395" y="5367020"/>
+            <a:ext cx="2020570" cy="609600"/>
           </a:xfrm>
           <a:prstGeom prst="rect">
             <a:avLst/>
@@ -6290,8 +6366,8 @@
         </p:nvSpPr>
         <p:spPr>
           <a:xfrm>
-            <a:off x="6242745" y="3355506"/>
-            <a:ext cx="2978801" cy="609600"/>
+            <a:off x="6096635" y="3348990"/>
+            <a:ext cx="3270885" cy="609600"/>
           </a:xfrm>
           <a:prstGeom prst="rect">
             <a:avLst/>
@@ -6440,7 +6516,7 @@
         <p:spPr>
           <a:xfrm>
             <a:off x="3026978" y="1898823"/>
-            <a:ext cx="0" cy="441325"/>
+            <a:ext cx="635" cy="441325"/>
           </a:xfrm>
           <a:prstGeom prst="straightConnector1">
             <a:avLst/>
@@ -6474,9 +6550,9 @@
           <p:nvPr/>
         </p:nvCxnSpPr>
         <p:spPr>
-          <a:xfrm>
+          <a:xfrm flipH="1">
             <a:off x="3026976" y="2949859"/>
-            <a:ext cx="2" cy="399394"/>
+            <a:ext cx="635" cy="399415"/>
           </a:xfrm>
           <a:prstGeom prst="straightConnector1">
             <a:avLst/>
@@ -6510,9 +6586,9 @@
           <p:nvPr/>
         </p:nvCxnSpPr>
         <p:spPr>
-          <a:xfrm flipH="1">
-            <a:off x="3026976" y="3958853"/>
-            <a:ext cx="2" cy="399395"/>
+          <a:xfrm>
+            <a:off x="3026978" y="3958853"/>
+            <a:ext cx="635" cy="421005"/>
           </a:xfrm>
           <a:prstGeom prst="straightConnector1">
             <a:avLst/>
@@ -6547,8 +6623,8 @@
         </p:nvCxnSpPr>
         <p:spPr>
           <a:xfrm>
-            <a:off x="3026976" y="4967848"/>
-            <a:ext cx="1" cy="399395"/>
+            <a:off x="3027611" y="4989438"/>
+            <a:ext cx="0" cy="377825"/>
           </a:xfrm>
           <a:prstGeom prst="straightConnector1">
             <a:avLst/>
@@ -6582,9 +6658,9 @@
           <p:nvPr/>
         </p:nvCxnSpPr>
         <p:spPr>
-          <a:xfrm flipH="1" flipV="1">
-            <a:off x="7732142" y="2939335"/>
-            <a:ext cx="4" cy="416171"/>
+          <a:xfrm flipV="1">
+            <a:off x="7732146" y="2939581"/>
+            <a:ext cx="0" cy="409575"/>
           </a:xfrm>
           <a:prstGeom prst="straightConnector1">
             <a:avLst/>
@@ -6655,8 +6731,8 @@
         </p:nvCxnSpPr>
         <p:spPr>
           <a:xfrm flipV="1">
-            <a:off x="7732630" y="3965116"/>
-            <a:ext cx="0" cy="414655"/>
+            <a:off x="7732630" y="3958766"/>
+            <a:ext cx="0" cy="421005"/>
           </a:xfrm>
           <a:prstGeom prst="straightConnector1">
             <a:avLst/>
@@ -6773,8 +6849,8 @@
         </p:nvCxnSpPr>
         <p:spPr>
           <a:xfrm>
-            <a:off x="3983797" y="5672043"/>
-            <a:ext cx="1362306" cy="0"/>
+            <a:off x="4037772" y="5672043"/>
+            <a:ext cx="1308100" cy="0"/>
           </a:xfrm>
           <a:prstGeom prst="straightConnector1">
             <a:avLst/>
@@ -7122,6 +7198,7 @@
               <a:rPr lang="zh-CN" altLang="en-US" b="1" dirty="0"/>
               <a:t>。。。</a:t>
             </a:r>
+            <a:endParaRPr lang="zh-CN" altLang="en-US" b="1" dirty="0"/>
           </a:p>
         </p:txBody>
       </p:sp>
@@ -7372,6 +7449,7 @@
               <a:rPr lang="zh-CN" altLang="en-US" b="1" dirty="0"/>
               <a:t>。。。</a:t>
             </a:r>
+            <a:endParaRPr lang="zh-CN" altLang="en-US" b="1" dirty="0"/>
           </a:p>
         </p:txBody>
       </p:sp>
@@ -7552,8 +7630,8 @@
         </p:nvSpPr>
         <p:spPr>
           <a:xfrm>
-            <a:off x="706983" y="2919410"/>
-            <a:ext cx="3379304" cy="1145880"/>
+            <a:off x="706755" y="2919095"/>
+            <a:ext cx="3670935" cy="1146175"/>
           </a:xfrm>
           <a:prstGeom prst="roundRect">
             <a:avLst/>
@@ -7601,6 +7679,7 @@
               <a:rPr lang="zh-CN" altLang="en-US" dirty="0"/>
               <a:t>的配置类</a:t>
             </a:r>
+            <a:endParaRPr lang="zh-CN" altLang="en-US" dirty="0"/>
           </a:p>
         </p:txBody>
       </p:sp>
@@ -7803,6 +7882,7 @@
               <a:rPr lang="zh-CN" altLang="en-US" dirty="0"/>
               <a:t>服务</a:t>
             </a:r>
+            <a:endParaRPr lang="zh-CN" altLang="en-US" dirty="0"/>
           </a:p>
         </p:txBody>
       </p:sp>
@@ -8092,6 +8172,9 @@
               </a:rPr>
               <a:t>返回时校验SecurityContextHolder中是否有securityContext，有则放入session</a:t>
             </a:r>
+            <a:endParaRPr lang="zh-CN" altLang="en-US" sz="1300" b="1" dirty="0">
+              <a:sym typeface="+mn-ea"/>
+            </a:endParaRPr>
           </a:p>
           <a:p>
             <a:pPr algn="l"/>
@@ -8141,6 +8224,7 @@
               <a:rPr lang="zh-CN" altLang="en-US" sz="1300" b="1" dirty="0"/>
               <a:t>从而实现了认证信息在多个请求中共享的目的</a:t>
             </a:r>
+            <a:endParaRPr lang="zh-CN" altLang="en-US" sz="1300" b="1" dirty="0"/>
           </a:p>
           <a:p>
             <a:pPr algn="l"/>
@@ -8354,6 +8438,7 @@
               <a:rPr lang="zh-CN" altLang="zh-CN"/>
               <a:t>认证成功</a:t>
             </a:r>
+            <a:endParaRPr lang="zh-CN" altLang="zh-CN"/>
           </a:p>
         </p:txBody>
       </p:sp>
@@ -8426,6 +8511,7 @@
               <a:rPr lang="zh-CN" altLang="en-US"/>
               <a:t>请求发起者</a:t>
             </a:r>
+            <a:endParaRPr lang="zh-CN" altLang="en-US"/>
           </a:p>
         </p:txBody>
       </p:sp>
@@ -8459,6 +8545,11 @@
               </a:rPr>
               <a:t>认证请求</a:t>
             </a:r>
+            <a:endParaRPr lang="zh-CN" altLang="en-US">
+              <a:solidFill>
+                <a:schemeClr val="accent5"/>
+              </a:solidFill>
+            </a:endParaRPr>
           </a:p>
         </p:txBody>
       </p:sp>
@@ -8574,6 +8665,11 @@
               </a:rPr>
               <a:t>字符串</a:t>
             </a:r>
+            <a:endParaRPr lang="zh-CN" altLang="en-US">
+              <a:solidFill>
+                <a:schemeClr val="accent2"/>
+              </a:solidFill>
+            </a:endParaRPr>
           </a:p>
         </p:txBody>
       </p:sp>
@@ -8636,6 +8732,7 @@
               <a:rPr lang="zh-CN" altLang="en-US"/>
               <a:t>其他请求</a:t>
             </a:r>
+            <a:endParaRPr lang="zh-CN" altLang="en-US"/>
           </a:p>
         </p:txBody>
       </p:sp>
@@ -8793,6 +8890,9 @@
               </a:rPr>
               <a:t>返回时校验SecurityContextHolder中是否有securityContext，有则放入session</a:t>
             </a:r>
+            <a:endParaRPr lang="zh-CN" altLang="en-US" sz="1300" b="1" dirty="0">
+              <a:sym typeface="+mn-ea"/>
+            </a:endParaRPr>
           </a:p>
           <a:p>
             <a:pPr algn="l"/>
@@ -8850,6 +8950,7 @@
               <a:rPr lang="zh-CN" altLang="en-US" sz="1300" b="1" dirty="0"/>
               <a:t>从而实现了认证信息在多个请求中共享的目的</a:t>
             </a:r>
+            <a:endParaRPr lang="zh-CN" altLang="en-US" sz="1300" b="1" dirty="0"/>
           </a:p>
           <a:p>
             <a:pPr algn="l"/>
@@ -9014,6 +9115,11 @@
               </a:rPr>
               <a:t>重定向到引发认证的请求上去</a:t>
             </a:r>
+            <a:endParaRPr lang="zh-CN" altLang="en-US" b="1" dirty="0">
+              <a:solidFill>
+                <a:schemeClr val="accent2"/>
+              </a:solidFill>
+            </a:endParaRPr>
           </a:p>
         </p:txBody>
       </p:sp>
@@ -9043,6 +9149,7 @@
               <a:rPr lang="zh-CN" altLang="zh-CN"/>
               <a:t>认证成功</a:t>
             </a:r>
+            <a:endParaRPr lang="zh-CN" altLang="zh-CN"/>
           </a:p>
         </p:txBody>
       </p:sp>
@@ -9115,6 +9222,7 @@
               <a:rPr lang="zh-CN" altLang="en-US"/>
               <a:t>请求发起者</a:t>
             </a:r>
+            <a:endParaRPr lang="zh-CN" altLang="en-US"/>
           </a:p>
         </p:txBody>
       </p:sp>
@@ -9148,6 +9256,11 @@
               </a:rPr>
               <a:t>认证请求</a:t>
             </a:r>
+            <a:endParaRPr lang="zh-CN" altLang="en-US">
+              <a:solidFill>
+                <a:schemeClr val="accent5"/>
+              </a:solidFill>
+            </a:endParaRPr>
           </a:p>
         </p:txBody>
       </p:sp>
@@ -9254,6 +9367,11 @@
               </a:rPr>
               <a:t>重定向之前会先穿过</a:t>
             </a:r>
+            <a:endParaRPr lang="zh-CN" altLang="en-US" sz="1400">
+              <a:solidFill>
+                <a:schemeClr val="accent2"/>
+              </a:solidFill>
+            </a:endParaRPr>
           </a:p>
           <a:p>
             <a:endParaRPr lang="en-US" altLang="zh-CN" sz="1400" b="1" dirty="0" err="1">
@@ -9273,6 +9391,12 @@
               </a:rPr>
               <a:t>SecurityContextPersistence</a:t>
             </a:r>
+            <a:endParaRPr lang="en-US" altLang="zh-CN" sz="1400" b="1" dirty="0" err="1">
+              <a:solidFill>
+                <a:schemeClr val="accent2"/>
+              </a:solidFill>
+              <a:sym typeface="+mn-ea"/>
+            </a:endParaRPr>
           </a:p>
           <a:p>
             <a:r>
@@ -9284,6 +9408,12 @@
               </a:rPr>
               <a:t>Filter</a:t>
             </a:r>
+            <a:endParaRPr lang="en-US" altLang="zh-CN" sz="1400" b="1" dirty="0" err="1">
+              <a:solidFill>
+                <a:schemeClr val="accent2"/>
+              </a:solidFill>
+              <a:sym typeface="+mn-ea"/>
+            </a:endParaRPr>
           </a:p>
         </p:txBody>
       </p:sp>
@@ -9346,6 +9476,7 @@
               <a:rPr lang="zh-CN" altLang="en-US"/>
               <a:t>重定向后的请求</a:t>
             </a:r>
+            <a:endParaRPr lang="zh-CN" altLang="en-US"/>
           </a:p>
           <a:p>
             <a:endParaRPr lang="zh-CN" altLang="en-US"/>
@@ -9359,6 +9490,11 @@
               </a:rPr>
               <a:t>以及其他请求</a:t>
             </a:r>
+            <a:endParaRPr lang="zh-CN" altLang="en-US">
+              <a:solidFill>
+                <a:srgbClr val="FF33CC"/>
+              </a:solidFill>
+            </a:endParaRPr>
           </a:p>
         </p:txBody>
       </p:sp>
@@ -9449,6 +9585,9 @@
               </a:rPr>
               <a:t>ValidateCodeController</a:t>
             </a:r>
+            <a:endParaRPr lang="zh-CN" altLang="en-US" b="1" dirty="0">
+              <a:sym typeface="+mn-ea"/>
+            </a:endParaRPr>
           </a:p>
         </p:txBody>
       </p:sp>
@@ -9496,6 +9635,7 @@
               <a:rPr lang="zh-CN" altLang="en-US" dirty="0"/>
               <a:t>createImageCode</a:t>
             </a:r>
+            <a:endParaRPr lang="zh-CN" altLang="en-US" dirty="0"/>
           </a:p>
           <a:p>
             <a:pPr algn="l">
@@ -9511,6 +9651,7 @@
               <a:rPr lang="zh-CN" altLang="en-US" dirty="0"/>
               <a:t>生成图形验证码对象</a:t>
             </a:r>
+            <a:endParaRPr lang="zh-CN" altLang="en-US" dirty="0"/>
           </a:p>
           <a:p>
             <a:pPr algn="l">
@@ -9530,6 +9671,7 @@
               <a:rPr lang="en-US" altLang="zh-CN" dirty="0"/>
               <a:t>session</a:t>
             </a:r>
+            <a:endParaRPr lang="en-US" altLang="zh-CN" dirty="0"/>
           </a:p>
           <a:p>
             <a:pPr algn="l">
@@ -9675,15 +9817,8 @@
       </p:sp>
       <p:cxnSp>
         <p:nvCxnSpPr>
-          <p:cNvPr id="3" name="直接箭头连接符 2">
-            <a:extLst>
-              <a:ext uri="{FF2B5EF4-FFF2-40B4-BE49-F238E27FC236}">
-                <a16:creationId xmlns:a16="http://schemas.microsoft.com/office/drawing/2014/main" id="{3F628D85-685F-41B0-8002-B3F2FFAD4ECC}"/>
-              </a:ext>
-            </a:extLst>
-          </p:cNvPr>
+          <p:cNvPr id="3" name="直接箭头连接符 2"/>
           <p:cNvCxnSpPr>
-            <a:cxnSpLocks/>
             <a:endCxn id="18" idx="1"/>
           </p:cNvCxnSpPr>
           <p:nvPr/>
@@ -9717,13 +9852,7 @@
       </p:cxnSp>
       <p:sp>
         <p:nvSpPr>
-          <p:cNvPr id="16" name="矩形 15">
-            <a:extLst>
-              <a:ext uri="{FF2B5EF4-FFF2-40B4-BE49-F238E27FC236}">
-                <a16:creationId xmlns:a16="http://schemas.microsoft.com/office/drawing/2014/main" id="{518FB3A0-D876-45AB-B480-6C0D64D6DC62}"/>
-              </a:ext>
-            </a:extLst>
-          </p:cNvPr>
+          <p:cNvPr id="16" name="矩形 15"/>
           <p:cNvSpPr/>
           <p:nvPr/>
         </p:nvSpPr>
@@ -9752,13 +9881,7 @@
       </p:sp>
       <p:sp>
         <p:nvSpPr>
-          <p:cNvPr id="18" name="矩形 17">
-            <a:extLst>
-              <a:ext uri="{FF2B5EF4-FFF2-40B4-BE49-F238E27FC236}">
-                <a16:creationId xmlns:a16="http://schemas.microsoft.com/office/drawing/2014/main" id="{042666C7-CF01-4997-85D0-0568C2378908}"/>
-              </a:ext>
-            </a:extLst>
-          </p:cNvPr>
+          <p:cNvPr id="18" name="矩形 17"/>
           <p:cNvSpPr/>
           <p:nvPr/>
         </p:nvSpPr>
@@ -9800,18 +9923,13 @@
               <a:rPr lang="en-US" altLang="zh-CN" dirty="0"/>
               <a:t>generate</a:t>
             </a:r>
-          </a:p>
-        </p:txBody>
-      </p:sp>
-      <p:sp>
-        <p:nvSpPr>
-          <p:cNvPr id="21" name="矩形 20">
-            <a:extLst>
-              <a:ext uri="{FF2B5EF4-FFF2-40B4-BE49-F238E27FC236}">
-                <a16:creationId xmlns:a16="http://schemas.microsoft.com/office/drawing/2014/main" id="{BC98D29A-D6B8-46D1-8D83-379F88DAA888}"/>
-              </a:ext>
-            </a:extLst>
-          </p:cNvPr>
+            <a:endParaRPr lang="en-US" altLang="zh-CN" dirty="0"/>
+          </a:p>
+        </p:txBody>
+      </p:sp>
+      <p:sp>
+        <p:nvSpPr>
+          <p:cNvPr id="21" name="矩形 20"/>
           <p:cNvSpPr/>
           <p:nvPr/>
         </p:nvSpPr>
@@ -9853,18 +9971,13 @@
               <a:rPr lang="en-US" altLang="zh-CN" dirty="0"/>
               <a:t>generate</a:t>
             </a:r>
-          </a:p>
-        </p:txBody>
-      </p:sp>
-      <p:sp>
-        <p:nvSpPr>
-          <p:cNvPr id="22" name="矩形 21">
-            <a:extLst>
-              <a:ext uri="{FF2B5EF4-FFF2-40B4-BE49-F238E27FC236}">
-                <a16:creationId xmlns:a16="http://schemas.microsoft.com/office/drawing/2014/main" id="{2AA33210-20EA-48CC-B137-97988B268B89}"/>
-              </a:ext>
-            </a:extLst>
-          </p:cNvPr>
+            <a:endParaRPr lang="en-US" altLang="zh-CN" dirty="0"/>
+          </a:p>
+        </p:txBody>
+      </p:sp>
+      <p:sp>
+        <p:nvSpPr>
+          <p:cNvPr id="22" name="矩形 21"/>
           <p:cNvSpPr/>
           <p:nvPr/>
         </p:nvSpPr>
@@ -9893,13 +10006,7 @@
       </p:sp>
       <p:sp>
         <p:nvSpPr>
-          <p:cNvPr id="23" name="矩形 22">
-            <a:extLst>
-              <a:ext uri="{FF2B5EF4-FFF2-40B4-BE49-F238E27FC236}">
-                <a16:creationId xmlns:a16="http://schemas.microsoft.com/office/drawing/2014/main" id="{43E3B9E2-3157-46A3-9B39-BE6D803C3187}"/>
-              </a:ext>
-            </a:extLst>
-          </p:cNvPr>
+          <p:cNvPr id="23" name="矩形 22"/>
           <p:cNvSpPr/>
           <p:nvPr/>
         </p:nvSpPr>
@@ -9941,18 +10048,13 @@
               <a:rPr lang="en-US" altLang="zh-CN" dirty="0"/>
               <a:t>generate</a:t>
             </a:r>
-          </a:p>
-        </p:txBody>
-      </p:sp>
-      <p:sp>
-        <p:nvSpPr>
-          <p:cNvPr id="26" name="矩形 25">
-            <a:extLst>
-              <a:ext uri="{FF2B5EF4-FFF2-40B4-BE49-F238E27FC236}">
-                <a16:creationId xmlns:a16="http://schemas.microsoft.com/office/drawing/2014/main" id="{3FC4AC55-1A58-49E8-810D-6D9EA62718A1}"/>
-              </a:ext>
-            </a:extLst>
-          </p:cNvPr>
+            <a:endParaRPr lang="en-US" altLang="zh-CN" dirty="0"/>
+          </a:p>
+        </p:txBody>
+      </p:sp>
+      <p:sp>
+        <p:nvSpPr>
+          <p:cNvPr id="26" name="矩形 25"/>
           <p:cNvSpPr/>
           <p:nvPr/>
         </p:nvSpPr>
@@ -9981,15 +10083,8 @@
       </p:sp>
       <p:cxnSp>
         <p:nvCxnSpPr>
-          <p:cNvPr id="27" name="直接箭头连接符 26">
-            <a:extLst>
-              <a:ext uri="{FF2B5EF4-FFF2-40B4-BE49-F238E27FC236}">
-                <a16:creationId xmlns:a16="http://schemas.microsoft.com/office/drawing/2014/main" id="{371C33A7-A329-425B-A342-6631D12A93B8}"/>
-              </a:ext>
-            </a:extLst>
-          </p:cNvPr>
+          <p:cNvPr id="27" name="直接箭头连接符 26"/>
           <p:cNvCxnSpPr>
-            <a:cxnSpLocks/>
             <a:endCxn id="18" idx="1"/>
           </p:cNvCxnSpPr>
           <p:nvPr/>
@@ -10023,15 +10118,8 @@
       </p:cxnSp>
       <p:cxnSp>
         <p:nvCxnSpPr>
-          <p:cNvPr id="31" name="直接箭头连接符 30">
-            <a:extLst>
-              <a:ext uri="{FF2B5EF4-FFF2-40B4-BE49-F238E27FC236}">
-                <a16:creationId xmlns:a16="http://schemas.microsoft.com/office/drawing/2014/main" id="{3B7915F8-0D37-4C75-B5CA-7B7E572F7C9D}"/>
-              </a:ext>
-            </a:extLst>
-          </p:cNvPr>
+          <p:cNvPr id="31" name="直接箭头连接符 30"/>
           <p:cNvCxnSpPr>
-            <a:cxnSpLocks/>
             <a:stCxn id="18" idx="3"/>
             <a:endCxn id="21" idx="1"/>
           </p:cNvCxnSpPr>
@@ -10066,15 +10154,8 @@
       </p:cxnSp>
       <p:cxnSp>
         <p:nvCxnSpPr>
-          <p:cNvPr id="34" name="直接箭头连接符 33">
-            <a:extLst>
-              <a:ext uri="{FF2B5EF4-FFF2-40B4-BE49-F238E27FC236}">
-                <a16:creationId xmlns:a16="http://schemas.microsoft.com/office/drawing/2014/main" id="{729B0628-EC68-4139-9322-D2C579DA2E3F}"/>
-              </a:ext>
-            </a:extLst>
-          </p:cNvPr>
+          <p:cNvPr id="34" name="直接箭头连接符 33"/>
           <p:cNvCxnSpPr>
-            <a:cxnSpLocks/>
             <a:stCxn id="18" idx="3"/>
             <a:endCxn id="23" idx="1"/>
           </p:cNvCxnSpPr>
@@ -10109,13 +10190,7 @@
       </p:cxnSp>
       <p:sp>
         <p:nvSpPr>
-          <p:cNvPr id="43" name="矩形: 圆角 42">
-            <a:extLst>
-              <a:ext uri="{FF2B5EF4-FFF2-40B4-BE49-F238E27FC236}">
-                <a16:creationId xmlns:a16="http://schemas.microsoft.com/office/drawing/2014/main" id="{330F5973-1D89-446C-A687-29D2E4E813B1}"/>
-              </a:ext>
-            </a:extLst>
-          </p:cNvPr>
+          <p:cNvPr id="43" name="矩形: 圆角 42"/>
           <p:cNvSpPr/>
           <p:nvPr/>
         </p:nvSpPr>
@@ -10224,6 +10299,7 @@
               <a:rPr lang="zh-CN" altLang="en-US"/>
               <a:t>createCode</a:t>
             </a:r>
+            <a:endParaRPr lang="zh-CN" altLang="en-US"/>
           </a:p>
         </p:txBody>
       </p:sp>
@@ -10281,8 +10357,8 @@
         </p:nvSpPr>
         <p:spPr>
           <a:xfrm>
-            <a:off x="3485141" y="2962626"/>
-            <a:ext cx="4408789" cy="1858058"/>
+            <a:off x="3578225" y="2962910"/>
+            <a:ext cx="4230370" cy="1858010"/>
           </a:xfrm>
           <a:prstGeom prst="rect">
             <a:avLst/>
@@ -10315,6 +10391,9 @@
               </a:rPr>
               <a:t>createCode</a:t>
             </a:r>
+            <a:endParaRPr lang="zh-CN" altLang="en-US" dirty="0">
+              <a:sym typeface="+mn-ea"/>
+            </a:endParaRPr>
           </a:p>
           <a:p>
             <a:pPr algn="l"/>
@@ -10330,8 +10409,8 @@
         </p:nvSpPr>
         <p:spPr>
           <a:xfrm>
-            <a:off x="3601874" y="3569701"/>
-            <a:ext cx="4177982" cy="1026214"/>
+            <a:off x="3601720" y="3569970"/>
+            <a:ext cx="4177665" cy="1162685"/>
           </a:xfrm>
           <a:prstGeom prst="rect">
             <a:avLst/>
@@ -10498,7 +10577,7 @@
         </p:nvSpPr>
         <p:spPr>
           <a:xfrm>
-            <a:off x="152818" y="3441744"/>
+            <a:off x="152818" y="3215049"/>
             <a:ext cx="3294492" cy="646331"/>
           </a:xfrm>
           <a:prstGeom prst="rect">
@@ -10535,15 +10614,8 @@
       </p:sp>
       <p:cxnSp>
         <p:nvCxnSpPr>
-          <p:cNvPr id="3" name="直接箭头连接符 2">
-            <a:extLst>
-              <a:ext uri="{FF2B5EF4-FFF2-40B4-BE49-F238E27FC236}">
-                <a16:creationId xmlns:a16="http://schemas.microsoft.com/office/drawing/2014/main" id="{D2DB31AF-4789-48C6-B84D-A5F46E162B3E}"/>
-              </a:ext>
-            </a:extLst>
-          </p:cNvPr>
+          <p:cNvPr id="3" name="直接箭头连接符 2"/>
           <p:cNvCxnSpPr>
-            <a:cxnSpLocks/>
             <a:stCxn id="4" idx="2"/>
             <a:endCxn id="5" idx="0"/>
           </p:cNvCxnSpPr>
@@ -10578,15 +10650,8 @@
       </p:cxnSp>
       <p:cxnSp>
         <p:nvCxnSpPr>
-          <p:cNvPr id="16" name="直接箭头连接符 15">
-            <a:extLst>
-              <a:ext uri="{FF2B5EF4-FFF2-40B4-BE49-F238E27FC236}">
-                <a16:creationId xmlns:a16="http://schemas.microsoft.com/office/drawing/2014/main" id="{B1324D89-F22F-472F-B4B9-46C1A127153E}"/>
-              </a:ext>
-            </a:extLst>
-          </p:cNvPr>
+          <p:cNvPr id="16" name="直接箭头连接符 15"/>
           <p:cNvCxnSpPr>
-            <a:cxnSpLocks/>
             <a:stCxn id="5" idx="2"/>
             <a:endCxn id="6" idx="0"/>
           </p:cNvCxnSpPr>
@@ -10595,7 +10660,7 @@
         <p:spPr>
           <a:xfrm>
             <a:off x="5687050" y="2445561"/>
-            <a:ext cx="2486" cy="517065"/>
+            <a:ext cx="6350" cy="517525"/>
           </a:xfrm>
           <a:prstGeom prst="straightConnector1">
             <a:avLst/>
@@ -10621,13 +10686,7 @@
       </p:cxnSp>
       <p:sp>
         <p:nvSpPr>
-          <p:cNvPr id="26" name="矩形 25">
-            <a:extLst>
-              <a:ext uri="{FF2B5EF4-FFF2-40B4-BE49-F238E27FC236}">
-                <a16:creationId xmlns:a16="http://schemas.microsoft.com/office/drawing/2014/main" id="{3E9BDF39-374D-4DB6-900A-E4C83350F311}"/>
-              </a:ext>
-            </a:extLst>
-          </p:cNvPr>
+          <p:cNvPr id="26" name="矩形 25"/>
           <p:cNvSpPr/>
           <p:nvPr/>
         </p:nvSpPr>
@@ -10668,20 +10727,14 @@
               <a:rPr lang="zh-CN" altLang="en-US" dirty="0"/>
               <a:t>enerate</a:t>
             </a:r>
+            <a:endParaRPr lang="zh-CN" altLang="en-US" dirty="0"/>
           </a:p>
         </p:txBody>
       </p:sp>
       <p:cxnSp>
         <p:nvCxnSpPr>
-          <p:cNvPr id="30" name="直接箭头连接符 29">
-            <a:extLst>
-              <a:ext uri="{FF2B5EF4-FFF2-40B4-BE49-F238E27FC236}">
-                <a16:creationId xmlns:a16="http://schemas.microsoft.com/office/drawing/2014/main" id="{AF780DA6-9703-468B-A9C3-1FF16146131C}"/>
-              </a:ext>
-            </a:extLst>
-          </p:cNvPr>
+          <p:cNvPr id="30" name="直接箭头连接符 29"/>
           <p:cNvCxnSpPr>
-            <a:cxnSpLocks/>
             <a:endCxn id="26" idx="1"/>
           </p:cNvCxnSpPr>
           <p:nvPr/>
@@ -10715,13 +10768,7 @@
       </p:cxnSp>
       <p:sp>
         <p:nvSpPr>
-          <p:cNvPr id="38" name="矩形 37">
-            <a:extLst>
-              <a:ext uri="{FF2B5EF4-FFF2-40B4-BE49-F238E27FC236}">
-                <a16:creationId xmlns:a16="http://schemas.microsoft.com/office/drawing/2014/main" id="{BF53501A-1C38-4B6B-B08E-7667318ACCC3}"/>
-              </a:ext>
-            </a:extLst>
-          </p:cNvPr>
+          <p:cNvPr id="38" name="矩形 37"/>
           <p:cNvSpPr/>
           <p:nvPr/>
         </p:nvSpPr>
@@ -10767,23 +10814,16 @@
       </p:sp>
       <p:cxnSp>
         <p:nvCxnSpPr>
-          <p:cNvPr id="40" name="直接箭头连接符 39">
-            <a:extLst>
-              <a:ext uri="{FF2B5EF4-FFF2-40B4-BE49-F238E27FC236}">
-                <a16:creationId xmlns:a16="http://schemas.microsoft.com/office/drawing/2014/main" id="{3B8FCC40-FA2D-4C16-9039-2D608FA232D6}"/>
-              </a:ext>
-            </a:extLst>
-          </p:cNvPr>
+          <p:cNvPr id="40" name="直接箭头连接符 39"/>
           <p:cNvCxnSpPr>
-            <a:cxnSpLocks/>
             <a:endCxn id="38" idx="0"/>
           </p:cNvCxnSpPr>
           <p:nvPr/>
         </p:nvCxnSpPr>
         <p:spPr>
           <a:xfrm flipH="1">
-            <a:off x="3604443" y="4362450"/>
-            <a:ext cx="950738" cy="1258955"/>
+            <a:off x="3604260" y="4572635"/>
+            <a:ext cx="894080" cy="1049020"/>
           </a:xfrm>
           <a:prstGeom prst="straightConnector1">
             <a:avLst/>
@@ -10809,13 +10849,7 @@
       </p:cxnSp>
       <p:sp>
         <p:nvSpPr>
-          <p:cNvPr id="42" name="矩形 41">
-            <a:extLst>
-              <a:ext uri="{FF2B5EF4-FFF2-40B4-BE49-F238E27FC236}">
-                <a16:creationId xmlns:a16="http://schemas.microsoft.com/office/drawing/2014/main" id="{2A45AD00-7F55-4059-9C4D-AFBB2D992496}"/>
-              </a:ext>
-            </a:extLst>
-          </p:cNvPr>
+          <p:cNvPr id="42" name="矩形 41"/>
           <p:cNvSpPr/>
           <p:nvPr/>
         </p:nvSpPr>
@@ -10852,13 +10886,7 @@
       </p:sp>
       <p:sp>
         <p:nvSpPr>
-          <p:cNvPr id="44" name="矩形 43">
-            <a:extLst>
-              <a:ext uri="{FF2B5EF4-FFF2-40B4-BE49-F238E27FC236}">
-                <a16:creationId xmlns:a16="http://schemas.microsoft.com/office/drawing/2014/main" id="{915D899E-18E6-4F50-BBE5-3D1E4A3AE828}"/>
-              </a:ext>
-            </a:extLst>
-          </p:cNvPr>
+          <p:cNvPr id="44" name="矩形 43"/>
           <p:cNvSpPr/>
           <p:nvPr/>
         </p:nvSpPr>
@@ -10904,23 +10932,16 @@
       </p:sp>
       <p:cxnSp>
         <p:nvCxnSpPr>
-          <p:cNvPr id="46" name="直接箭头连接符 45">
-            <a:extLst>
-              <a:ext uri="{FF2B5EF4-FFF2-40B4-BE49-F238E27FC236}">
-                <a16:creationId xmlns:a16="http://schemas.microsoft.com/office/drawing/2014/main" id="{D271EB22-D03A-4B32-8938-EF1446C5E3DE}"/>
-              </a:ext>
-            </a:extLst>
-          </p:cNvPr>
+          <p:cNvPr id="46" name="直接箭头连接符 45"/>
           <p:cNvCxnSpPr>
-            <a:cxnSpLocks/>
             <a:endCxn id="44" idx="0"/>
           </p:cNvCxnSpPr>
           <p:nvPr/>
         </p:nvCxnSpPr>
         <p:spPr>
           <a:xfrm>
-            <a:off x="6011348" y="4284955"/>
-            <a:ext cx="1463702" cy="1336450"/>
+            <a:off x="5949315" y="3871595"/>
+            <a:ext cx="1525905" cy="1750060"/>
           </a:xfrm>
           <a:prstGeom prst="straightConnector1">
             <a:avLst/>
@@ -10946,13 +10967,7 @@
       </p:cxnSp>
       <p:sp>
         <p:nvSpPr>
-          <p:cNvPr id="52" name="矩形 51">
-            <a:extLst>
-              <a:ext uri="{FF2B5EF4-FFF2-40B4-BE49-F238E27FC236}">
-                <a16:creationId xmlns:a16="http://schemas.microsoft.com/office/drawing/2014/main" id="{D2D6E1D2-E65D-40E4-A6A6-A08F9B4DB0A6}"/>
-              </a:ext>
-            </a:extLst>
-          </p:cNvPr>
+          <p:cNvPr id="52" name="矩形 51"/>
           <p:cNvSpPr/>
           <p:nvPr/>
         </p:nvSpPr>
@@ -10981,13 +10996,7 @@
       </p:sp>
       <p:sp>
         <p:nvSpPr>
-          <p:cNvPr id="60" name="矩形 59">
-            <a:extLst>
-              <a:ext uri="{FF2B5EF4-FFF2-40B4-BE49-F238E27FC236}">
-                <a16:creationId xmlns:a16="http://schemas.microsoft.com/office/drawing/2014/main" id="{30D46339-1A87-419D-845A-C8B63B9EAF2A}"/>
-              </a:ext>
-            </a:extLst>
-          </p:cNvPr>
+          <p:cNvPr id="60" name="矩形 59"/>
           <p:cNvSpPr/>
           <p:nvPr/>
         </p:nvSpPr>
@@ -11016,13 +11025,7 @@
       </p:sp>
       <p:sp>
         <p:nvSpPr>
-          <p:cNvPr id="64" name="矩形 63">
-            <a:extLst>
-              <a:ext uri="{FF2B5EF4-FFF2-40B4-BE49-F238E27FC236}">
-                <a16:creationId xmlns:a16="http://schemas.microsoft.com/office/drawing/2014/main" id="{5C2A5E7E-0BAD-493A-93AB-9FAF8AD24CCA}"/>
-              </a:ext>
-            </a:extLst>
-          </p:cNvPr>
+          <p:cNvPr id="64" name="矩形 63"/>
           <p:cNvSpPr/>
           <p:nvPr/>
         </p:nvSpPr>
@@ -11063,18 +11066,13 @@
               <a:rPr lang="zh-CN" altLang="en-US" dirty="0"/>
               <a:t>enerate</a:t>
             </a:r>
-          </a:p>
-        </p:txBody>
-      </p:sp>
-      <p:sp>
-        <p:nvSpPr>
-          <p:cNvPr id="65" name="矩形 64">
-            <a:extLst>
-              <a:ext uri="{FF2B5EF4-FFF2-40B4-BE49-F238E27FC236}">
-                <a16:creationId xmlns:a16="http://schemas.microsoft.com/office/drawing/2014/main" id="{607781B2-99A6-4AD5-98D6-B7FAFE1389C0}"/>
-              </a:ext>
-            </a:extLst>
-          </p:cNvPr>
+            <a:endParaRPr lang="zh-CN" altLang="en-US" dirty="0"/>
+          </a:p>
+        </p:txBody>
+      </p:sp>
+      <p:sp>
+        <p:nvSpPr>
+          <p:cNvPr id="65" name="矩形 64"/>
           <p:cNvSpPr/>
           <p:nvPr/>
         </p:nvSpPr>
@@ -11111,13 +11109,7 @@
       </p:sp>
       <p:sp>
         <p:nvSpPr>
-          <p:cNvPr id="67" name="矩形 66">
-            <a:extLst>
-              <a:ext uri="{FF2B5EF4-FFF2-40B4-BE49-F238E27FC236}">
-                <a16:creationId xmlns:a16="http://schemas.microsoft.com/office/drawing/2014/main" id="{784B1E82-F556-467A-A91A-92B789BA1FDC}"/>
-              </a:ext>
-            </a:extLst>
-          </p:cNvPr>
+          <p:cNvPr id="67" name="矩形 66"/>
           <p:cNvSpPr/>
           <p:nvPr/>
         </p:nvSpPr>
@@ -11146,13 +11138,7 @@
       </p:sp>
       <p:sp>
         <p:nvSpPr>
-          <p:cNvPr id="68" name="矩形 67">
-            <a:extLst>
-              <a:ext uri="{FF2B5EF4-FFF2-40B4-BE49-F238E27FC236}">
-                <a16:creationId xmlns:a16="http://schemas.microsoft.com/office/drawing/2014/main" id="{CCB8B6B7-03C3-4BC3-9766-7C0236A7BF4D}"/>
-              </a:ext>
-            </a:extLst>
-          </p:cNvPr>
+          <p:cNvPr id="68" name="矩形 67"/>
           <p:cNvSpPr/>
           <p:nvPr/>
         </p:nvSpPr>
@@ -11193,20 +11179,14 @@
               <a:rPr lang="zh-CN" altLang="en-US" dirty="0"/>
               <a:t>enerate</a:t>
             </a:r>
+            <a:endParaRPr lang="zh-CN" altLang="en-US" dirty="0"/>
           </a:p>
         </p:txBody>
       </p:sp>
       <p:cxnSp>
         <p:nvCxnSpPr>
-          <p:cNvPr id="69" name="直接箭头连接符 68">
-            <a:extLst>
-              <a:ext uri="{FF2B5EF4-FFF2-40B4-BE49-F238E27FC236}">
-                <a16:creationId xmlns:a16="http://schemas.microsoft.com/office/drawing/2014/main" id="{50858277-F256-418C-99E0-995C50FF3EBF}"/>
-              </a:ext>
-            </a:extLst>
-          </p:cNvPr>
+          <p:cNvPr id="69" name="直接箭头连接符 68"/>
           <p:cNvCxnSpPr>
-            <a:cxnSpLocks/>
             <a:stCxn id="26" idx="2"/>
             <a:endCxn id="68" idx="1"/>
           </p:cNvCxnSpPr>
@@ -11241,15 +11221,8 @@
       </p:cxnSp>
       <p:cxnSp>
         <p:nvCxnSpPr>
-          <p:cNvPr id="75" name="直接箭头连接符 74">
-            <a:extLst>
-              <a:ext uri="{FF2B5EF4-FFF2-40B4-BE49-F238E27FC236}">
-                <a16:creationId xmlns:a16="http://schemas.microsoft.com/office/drawing/2014/main" id="{73F01D13-5C54-4B12-9A04-38BC9FAD524D}"/>
-              </a:ext>
-            </a:extLst>
-          </p:cNvPr>
+          <p:cNvPr id="75" name="直接箭头连接符 74"/>
           <p:cNvCxnSpPr>
-            <a:cxnSpLocks/>
             <a:stCxn id="26" idx="3"/>
             <a:endCxn id="64" idx="2"/>
           </p:cNvCxnSpPr>
@@ -11284,13 +11257,7 @@
       </p:cxnSp>
       <p:sp>
         <p:nvSpPr>
-          <p:cNvPr id="83" name="文本框 82">
-            <a:extLst>
-              <a:ext uri="{FF2B5EF4-FFF2-40B4-BE49-F238E27FC236}">
-                <a16:creationId xmlns:a16="http://schemas.microsoft.com/office/drawing/2014/main" id="{B1B5C335-6EE7-47F1-A137-805877D92773}"/>
-              </a:ext>
-            </a:extLst>
-          </p:cNvPr>
+          <p:cNvPr id="83" name="文本框 82"/>
           <p:cNvSpPr txBox="1"/>
           <p:nvPr/>
         </p:nvSpPr>
@@ -11318,18 +11285,17 @@
               </a:rPr>
               <a:t>图形验证码发送</a:t>
             </a:r>
-          </a:p>
-        </p:txBody>
-      </p:sp>
-      <p:sp>
-        <p:nvSpPr>
-          <p:cNvPr id="84" name="文本框 83">
-            <a:extLst>
-              <a:ext uri="{FF2B5EF4-FFF2-40B4-BE49-F238E27FC236}">
-                <a16:creationId xmlns:a16="http://schemas.microsoft.com/office/drawing/2014/main" id="{7293B380-E81D-4A8B-B313-4C3A69E59049}"/>
-              </a:ext>
-            </a:extLst>
-          </p:cNvPr>
+            <a:endParaRPr lang="zh-CN" altLang="en-US" dirty="0">
+              <a:solidFill>
+                <a:schemeClr val="accent2"/>
+              </a:solidFill>
+            </a:endParaRPr>
+          </a:p>
+        </p:txBody>
+      </p:sp>
+      <p:sp>
+        <p:nvSpPr>
+          <p:cNvPr id="84" name="文本框 83"/>
           <p:cNvSpPr txBox="1"/>
           <p:nvPr/>
         </p:nvSpPr>
@@ -11357,18 +11323,17 @@
               </a:rPr>
               <a:t>图形验证码生成</a:t>
             </a:r>
-          </a:p>
-        </p:txBody>
-      </p:sp>
-      <p:sp>
-        <p:nvSpPr>
-          <p:cNvPr id="85" name="矩形 84">
-            <a:extLst>
-              <a:ext uri="{FF2B5EF4-FFF2-40B4-BE49-F238E27FC236}">
-                <a16:creationId xmlns:a16="http://schemas.microsoft.com/office/drawing/2014/main" id="{ECEC51EE-36F6-42E5-AD71-73ADD17E69ED}"/>
-              </a:ext>
-            </a:extLst>
-          </p:cNvPr>
+            <a:endParaRPr lang="zh-CN" altLang="en-US" dirty="0">
+              <a:solidFill>
+                <a:schemeClr val="accent2"/>
+              </a:solidFill>
+            </a:endParaRPr>
+          </a:p>
+        </p:txBody>
+      </p:sp>
+      <p:sp>
+        <p:nvSpPr>
+          <p:cNvPr id="85" name="矩形 84"/>
           <p:cNvSpPr/>
           <p:nvPr/>
         </p:nvSpPr>
@@ -11391,18 +11356,13 @@
               <a:rPr lang="zh-CN" altLang="en-US" dirty="0"/>
               <a:t>短信验证码发送</a:t>
             </a:r>
-          </a:p>
-        </p:txBody>
-      </p:sp>
-      <p:sp>
-        <p:nvSpPr>
-          <p:cNvPr id="86" name="矩形 85">
-            <a:extLst>
-              <a:ext uri="{FF2B5EF4-FFF2-40B4-BE49-F238E27FC236}">
-                <a16:creationId xmlns:a16="http://schemas.microsoft.com/office/drawing/2014/main" id="{7114FFE1-DAD6-4DAA-AA92-B4A30CDAA909}"/>
-              </a:ext>
-            </a:extLst>
-          </p:cNvPr>
+            <a:endParaRPr lang="zh-CN" altLang="en-US" dirty="0"/>
+          </a:p>
+        </p:txBody>
+      </p:sp>
+      <p:sp>
+        <p:nvSpPr>
+          <p:cNvPr id="86" name="矩形 85"/>
           <p:cNvSpPr/>
           <p:nvPr/>
         </p:nvSpPr>
@@ -11425,18 +11385,13 @@
               <a:rPr lang="zh-CN" altLang="en-US" dirty="0"/>
               <a:t>短信验证码生成</a:t>
             </a:r>
-          </a:p>
-        </p:txBody>
-      </p:sp>
-      <p:sp>
-        <p:nvSpPr>
-          <p:cNvPr id="103" name="矩形 102">
-            <a:extLst>
-              <a:ext uri="{FF2B5EF4-FFF2-40B4-BE49-F238E27FC236}">
-                <a16:creationId xmlns:a16="http://schemas.microsoft.com/office/drawing/2014/main" id="{B2C18526-D504-4259-BDCC-60AA43687543}"/>
-              </a:ext>
-            </a:extLst>
-          </p:cNvPr>
+            <a:endParaRPr lang="zh-CN" altLang="en-US" dirty="0"/>
+          </a:p>
+        </p:txBody>
+      </p:sp>
+      <p:sp>
+        <p:nvSpPr>
+          <p:cNvPr id="103" name="矩形 102"/>
           <p:cNvSpPr/>
           <p:nvPr/>
         </p:nvSpPr>
@@ -11475,6 +11430,2264 @@
           </a:p>
         </p:txBody>
       </p:sp>
+    </p:spTree>
+  </p:cSld>
+  <p:clrMapOvr>
+    <a:masterClrMapping/>
+  </p:clrMapOvr>
+</p:sld>
+</file>
+
+<file path=ppt/slides/slide7.xml><?xml version="1.0" encoding="utf-8"?>
+<p:sld xmlns:a="http://schemas.openxmlformats.org/drawingml/2006/main" xmlns:r="http://schemas.openxmlformats.org/officeDocument/2006/relationships" xmlns:p="http://schemas.openxmlformats.org/presentationml/2006/main">
+  <p:cSld>
+    <p:spTree>
+      <p:nvGrpSpPr>
+        <p:cNvPr id="1" name=""/>
+        <p:cNvGrpSpPr/>
+        <p:nvPr/>
+      </p:nvGrpSpPr>
+      <p:grpSpPr>
+        <a:xfrm>
+          <a:off x="0" y="0"/>
+          <a:ext cx="0" cy="0"/>
+          <a:chOff x="0" y="0"/>
+          <a:chExt cx="0" cy="0"/>
+        </a:xfrm>
+      </p:grpSpPr>
+      <p:sp>
+        <p:nvSpPr>
+          <p:cNvPr id="4" name="矩形 3"/>
+          <p:cNvSpPr/>
+          <p:nvPr/>
+        </p:nvSpPr>
+        <p:spPr>
+          <a:xfrm>
+            <a:off x="1107440" y="901700"/>
+            <a:ext cx="4046220" cy="609600"/>
+          </a:xfrm>
+          <a:prstGeom prst="rect">
+            <a:avLst/>
+          </a:prstGeom>
+          <a:solidFill>
+            <a:srgbClr val="92D050"/>
+          </a:solidFill>
+        </p:spPr>
+        <p:style>
+          <a:lnRef idx="2">
+            <a:schemeClr val="accent1">
+              <a:shade val="50000"/>
+            </a:schemeClr>
+          </a:lnRef>
+          <a:fillRef idx="1">
+            <a:schemeClr val="accent1"/>
+          </a:fillRef>
+          <a:effectRef idx="0">
+            <a:schemeClr val="accent1"/>
+          </a:effectRef>
+          <a:fontRef idx="minor">
+            <a:schemeClr val="lt1"/>
+          </a:fontRef>
+        </p:style>
+        <p:txBody>
+          <a:bodyPr rtlCol="0" anchor="ctr"/>
+          <a:lstStyle/>
+          <a:p>
+            <a:pPr algn="ctr"/>
+            <a:r>
+              <a:rPr lang="en-US" altLang="zh-CN" dirty="0" err="1"/>
+              <a:t>SecurityContextPersistenceFilter</a:t>
+            </a:r>
+            <a:endParaRPr lang="zh-CN" altLang="en-US" dirty="0"/>
+          </a:p>
+        </p:txBody>
+      </p:sp>
+      <p:sp>
+        <p:nvSpPr>
+          <p:cNvPr id="12" name="矩形 11"/>
+          <p:cNvSpPr/>
+          <p:nvPr/>
+        </p:nvSpPr>
+        <p:spPr>
+          <a:xfrm>
+            <a:off x="789940" y="3559175"/>
+            <a:ext cx="4473575" cy="609600"/>
+          </a:xfrm>
+          <a:prstGeom prst="rect">
+            <a:avLst/>
+          </a:prstGeom>
+          <a:solidFill>
+            <a:srgbClr val="0070C0"/>
+          </a:solidFill>
+        </p:spPr>
+        <p:style>
+          <a:lnRef idx="2">
+            <a:schemeClr val="accent1">
+              <a:shade val="50000"/>
+            </a:schemeClr>
+          </a:lnRef>
+          <a:fillRef idx="1">
+            <a:schemeClr val="accent1"/>
+          </a:fillRef>
+          <a:effectRef idx="0">
+            <a:schemeClr val="accent1"/>
+          </a:effectRef>
+          <a:fontRef idx="minor">
+            <a:schemeClr val="lt1"/>
+          </a:fontRef>
+        </p:style>
+        <p:txBody>
+          <a:bodyPr rtlCol="0" anchor="ctr"/>
+          <a:lstStyle/>
+          <a:p>
+            <a:pPr algn="ctr"/>
+            <a:r>
+              <a:rPr lang="en-US" altLang="zh-CN" dirty="0" err="1"/>
+              <a:t>UsernamePasswordAuthenticationFilter</a:t>
+            </a:r>
+            <a:endParaRPr lang="zh-CN" altLang="en-US" dirty="0"/>
+          </a:p>
+        </p:txBody>
+      </p:sp>
+      <p:sp>
+        <p:nvSpPr>
+          <p:cNvPr id="13" name="矩形 12"/>
+          <p:cNvSpPr/>
+          <p:nvPr/>
+        </p:nvSpPr>
+        <p:spPr>
+          <a:xfrm>
+            <a:off x="1637665" y="4510405"/>
+            <a:ext cx="2780030" cy="609600"/>
+          </a:xfrm>
+          <a:prstGeom prst="rect">
+            <a:avLst/>
+          </a:prstGeom>
+        </p:spPr>
+        <p:style>
+          <a:lnRef idx="2">
+            <a:schemeClr val="accent1">
+              <a:shade val="50000"/>
+            </a:schemeClr>
+          </a:lnRef>
+          <a:fillRef idx="1">
+            <a:schemeClr val="accent1"/>
+          </a:fillRef>
+          <a:effectRef idx="0">
+            <a:schemeClr val="accent1"/>
+          </a:effectRef>
+          <a:fontRef idx="minor">
+            <a:schemeClr val="lt1"/>
+          </a:fontRef>
+        </p:style>
+        <p:txBody>
+          <a:bodyPr rtlCol="0" anchor="ctr"/>
+          <a:lstStyle/>
+          <a:p>
+            <a:pPr algn="ctr"/>
+            <a:r>
+              <a:rPr lang="en-US" altLang="zh-CN" dirty="0" err="1"/>
+              <a:t>AuthenticationManager</a:t>
+            </a:r>
+            <a:endParaRPr lang="zh-CN" altLang="en-US" dirty="0"/>
+          </a:p>
+        </p:txBody>
+      </p:sp>
+      <p:sp>
+        <p:nvSpPr>
+          <p:cNvPr id="14" name="矩形 13"/>
+          <p:cNvSpPr/>
+          <p:nvPr/>
+        </p:nvSpPr>
+        <p:spPr>
+          <a:xfrm>
+            <a:off x="2017395" y="5367020"/>
+            <a:ext cx="2020570" cy="609600"/>
+          </a:xfrm>
+          <a:prstGeom prst="rect">
+            <a:avLst/>
+          </a:prstGeom>
+        </p:spPr>
+        <p:style>
+          <a:lnRef idx="2">
+            <a:schemeClr val="accent1">
+              <a:shade val="50000"/>
+            </a:schemeClr>
+          </a:lnRef>
+          <a:fillRef idx="1">
+            <a:schemeClr val="accent1"/>
+          </a:fillRef>
+          <a:effectRef idx="0">
+            <a:schemeClr val="accent1"/>
+          </a:effectRef>
+          <a:fontRef idx="minor">
+            <a:schemeClr val="lt1"/>
+          </a:fontRef>
+        </p:style>
+        <p:txBody>
+          <a:bodyPr rtlCol="0" anchor="ctr"/>
+          <a:lstStyle/>
+          <a:p>
+            <a:pPr algn="ctr"/>
+            <a:r>
+              <a:rPr lang="en-US" altLang="zh-CN" dirty="0" err="1"/>
+              <a:t>ProviderManager</a:t>
+            </a:r>
+            <a:endParaRPr lang="zh-CN" altLang="en-US" dirty="0"/>
+          </a:p>
+        </p:txBody>
+      </p:sp>
+      <p:sp>
+        <p:nvSpPr>
+          <p:cNvPr id="15" name="矩形 14"/>
+          <p:cNvSpPr/>
+          <p:nvPr/>
+        </p:nvSpPr>
+        <p:spPr>
+          <a:xfrm>
+            <a:off x="5168900" y="4379595"/>
+            <a:ext cx="5126990" cy="609600"/>
+          </a:xfrm>
+          <a:prstGeom prst="rect">
+            <a:avLst/>
+          </a:prstGeom>
+          <a:solidFill>
+            <a:schemeClr val="accent1"/>
+          </a:solidFill>
+        </p:spPr>
+        <p:style>
+          <a:lnRef idx="2">
+            <a:schemeClr val="accent1">
+              <a:shade val="50000"/>
+            </a:schemeClr>
+          </a:lnRef>
+          <a:fillRef idx="1">
+            <a:schemeClr val="accent1"/>
+          </a:fillRef>
+          <a:effectRef idx="0">
+            <a:schemeClr val="accent1"/>
+          </a:effectRef>
+          <a:fontRef idx="minor">
+            <a:schemeClr val="lt1"/>
+          </a:fontRef>
+        </p:style>
+        <p:txBody>
+          <a:bodyPr rtlCol="0" anchor="ctr"/>
+          <a:lstStyle/>
+          <a:p>
+            <a:pPr algn="ctr"/>
+            <a:r>
+              <a:rPr lang="en-US" altLang="zh-CN" b="1" dirty="0" err="1"/>
+              <a:t>AbstractUserDetailsAuthenticationProvider</a:t>
+            </a:r>
+            <a:endParaRPr lang="zh-CN" altLang="en-US" b="1" dirty="0"/>
+          </a:p>
+        </p:txBody>
+      </p:sp>
+      <p:sp>
+        <p:nvSpPr>
+          <p:cNvPr id="16" name="矩形 15"/>
+          <p:cNvSpPr/>
+          <p:nvPr/>
+        </p:nvSpPr>
+        <p:spPr>
+          <a:xfrm>
+            <a:off x="6096635" y="3348990"/>
+            <a:ext cx="3270885" cy="609600"/>
+          </a:xfrm>
+          <a:prstGeom prst="rect">
+            <a:avLst/>
+          </a:prstGeom>
+        </p:spPr>
+        <p:style>
+          <a:lnRef idx="2">
+            <a:schemeClr val="accent1">
+              <a:shade val="50000"/>
+            </a:schemeClr>
+          </a:lnRef>
+          <a:fillRef idx="1">
+            <a:schemeClr val="accent1"/>
+          </a:fillRef>
+          <a:effectRef idx="0">
+            <a:schemeClr val="accent1"/>
+          </a:effectRef>
+          <a:fontRef idx="minor">
+            <a:schemeClr val="lt1"/>
+          </a:fontRef>
+        </p:style>
+        <p:txBody>
+          <a:bodyPr rtlCol="0" anchor="ctr"/>
+          <a:lstStyle/>
+          <a:p>
+            <a:pPr algn="ctr"/>
+            <a:r>
+              <a:rPr lang="en-US" altLang="zh-CN"/>
+              <a:t>DaoAuthenticationProvider</a:t>
+            </a:r>
+            <a:endParaRPr lang="zh-CN" altLang="en-US" dirty="0"/>
+          </a:p>
+        </p:txBody>
+      </p:sp>
+      <p:sp>
+        <p:nvSpPr>
+          <p:cNvPr id="17" name="矩形 16"/>
+          <p:cNvSpPr/>
+          <p:nvPr/>
+        </p:nvSpPr>
+        <p:spPr>
+          <a:xfrm>
+            <a:off x="6596249" y="1289223"/>
+            <a:ext cx="2271789" cy="609600"/>
+          </a:xfrm>
+          <a:prstGeom prst="rect">
+            <a:avLst/>
+          </a:prstGeom>
+          <a:solidFill>
+            <a:schemeClr val="accent4">
+              <a:lumMod val="60000"/>
+              <a:lumOff val="40000"/>
+            </a:schemeClr>
+          </a:solidFill>
+        </p:spPr>
+        <p:style>
+          <a:lnRef idx="2">
+            <a:schemeClr val="accent1">
+              <a:shade val="50000"/>
+            </a:schemeClr>
+          </a:lnRef>
+          <a:fillRef idx="1">
+            <a:schemeClr val="accent1"/>
+          </a:fillRef>
+          <a:effectRef idx="0">
+            <a:schemeClr val="accent1"/>
+          </a:effectRef>
+          <a:fontRef idx="minor">
+            <a:schemeClr val="lt1"/>
+          </a:fontRef>
+        </p:style>
+        <p:txBody>
+          <a:bodyPr rtlCol="0" anchor="ctr"/>
+          <a:lstStyle/>
+          <a:p>
+            <a:pPr algn="ctr"/>
+            <a:r>
+              <a:rPr lang="en-US" altLang="zh-CN" b="1" dirty="0" err="1">
+                <a:solidFill>
+                  <a:schemeClr val="tx1"/>
+                </a:solidFill>
+              </a:rPr>
+              <a:t>NRSCDetailsService</a:t>
+            </a:r>
+            <a:endParaRPr lang="zh-CN" altLang="en-US" b="1" dirty="0">
+              <a:solidFill>
+                <a:schemeClr val="tx1"/>
+              </a:solidFill>
+            </a:endParaRPr>
+          </a:p>
+        </p:txBody>
+      </p:sp>
+      <p:sp>
+        <p:nvSpPr>
+          <p:cNvPr id="20" name="矩形 19"/>
+          <p:cNvSpPr/>
+          <p:nvPr/>
+        </p:nvSpPr>
+        <p:spPr>
+          <a:xfrm>
+            <a:off x="6516119" y="2329735"/>
+            <a:ext cx="2432045" cy="609600"/>
+          </a:xfrm>
+          <a:prstGeom prst="rect">
+            <a:avLst/>
+          </a:prstGeom>
+        </p:spPr>
+        <p:style>
+          <a:lnRef idx="2">
+            <a:schemeClr val="accent1">
+              <a:shade val="50000"/>
+            </a:schemeClr>
+          </a:lnRef>
+          <a:fillRef idx="1">
+            <a:schemeClr val="accent1"/>
+          </a:fillRef>
+          <a:effectRef idx="0">
+            <a:schemeClr val="accent1"/>
+          </a:effectRef>
+          <a:fontRef idx="minor">
+            <a:schemeClr val="lt1"/>
+          </a:fontRef>
+        </p:style>
+        <p:txBody>
+          <a:bodyPr rtlCol="0" anchor="ctr"/>
+          <a:lstStyle/>
+          <a:p>
+            <a:pPr algn="ctr"/>
+            <a:r>
+              <a:rPr lang="en-US" altLang="zh-CN"/>
+              <a:t>UserDetailsService</a:t>
+            </a:r>
+            <a:endParaRPr lang="zh-CN" altLang="en-US" dirty="0"/>
+          </a:p>
+        </p:txBody>
+      </p:sp>
+      <p:cxnSp>
+        <p:nvCxnSpPr>
+          <p:cNvPr id="24" name="直接箭头连接符 23"/>
+          <p:cNvCxnSpPr>
+            <a:stCxn id="2" idx="2"/>
+            <a:endCxn id="12" idx="0"/>
+          </p:cNvCxnSpPr>
+          <p:nvPr/>
+        </p:nvCxnSpPr>
+        <p:spPr>
+          <a:xfrm flipH="1">
+            <a:off x="3027045" y="3348990"/>
+            <a:ext cx="1270" cy="210185"/>
+          </a:xfrm>
+          <a:prstGeom prst="straightConnector1">
+            <a:avLst/>
+          </a:prstGeom>
+          <a:ln>
+            <a:tailEnd type="triangle"/>
+          </a:ln>
+        </p:spPr>
+        <p:style>
+          <a:lnRef idx="1">
+            <a:schemeClr val="accent1"/>
+          </a:lnRef>
+          <a:fillRef idx="0">
+            <a:schemeClr val="accent1"/>
+          </a:fillRef>
+          <a:effectRef idx="0">
+            <a:schemeClr val="accent1"/>
+          </a:effectRef>
+          <a:fontRef idx="minor">
+            <a:schemeClr val="tx1"/>
+          </a:fontRef>
+        </p:style>
+      </p:cxnSp>
+      <p:cxnSp>
+        <p:nvCxnSpPr>
+          <p:cNvPr id="28" name="直接箭头连接符 27"/>
+          <p:cNvCxnSpPr>
+            <a:stCxn id="12" idx="2"/>
+            <a:endCxn id="13" idx="0"/>
+          </p:cNvCxnSpPr>
+          <p:nvPr/>
+        </p:nvCxnSpPr>
+        <p:spPr>
+          <a:xfrm>
+            <a:off x="3026978" y="4169038"/>
+            <a:ext cx="635" cy="341630"/>
+          </a:xfrm>
+          <a:prstGeom prst="straightConnector1">
+            <a:avLst/>
+          </a:prstGeom>
+          <a:ln>
+            <a:tailEnd type="triangle"/>
+          </a:ln>
+        </p:spPr>
+        <p:style>
+          <a:lnRef idx="1">
+            <a:schemeClr val="accent1"/>
+          </a:lnRef>
+          <a:fillRef idx="0">
+            <a:schemeClr val="accent1"/>
+          </a:fillRef>
+          <a:effectRef idx="0">
+            <a:schemeClr val="accent1"/>
+          </a:effectRef>
+          <a:fontRef idx="minor">
+            <a:schemeClr val="tx1"/>
+          </a:fontRef>
+        </p:style>
+      </p:cxnSp>
+      <p:cxnSp>
+        <p:nvCxnSpPr>
+          <p:cNvPr id="30" name="直接箭头连接符 29"/>
+          <p:cNvCxnSpPr>
+            <a:stCxn id="13" idx="2"/>
+            <a:endCxn id="14" idx="0"/>
+          </p:cNvCxnSpPr>
+          <p:nvPr/>
+        </p:nvCxnSpPr>
+        <p:spPr>
+          <a:xfrm>
+            <a:off x="3027611" y="5120248"/>
+            <a:ext cx="0" cy="247015"/>
+          </a:xfrm>
+          <a:prstGeom prst="straightConnector1">
+            <a:avLst/>
+          </a:prstGeom>
+          <a:ln>
+            <a:tailEnd type="triangle"/>
+          </a:ln>
+        </p:spPr>
+        <p:style>
+          <a:lnRef idx="1">
+            <a:schemeClr val="accent1"/>
+          </a:lnRef>
+          <a:fillRef idx="0">
+            <a:schemeClr val="accent1"/>
+          </a:fillRef>
+          <a:effectRef idx="0">
+            <a:schemeClr val="accent1"/>
+          </a:effectRef>
+          <a:fontRef idx="minor">
+            <a:schemeClr val="tx1"/>
+          </a:fontRef>
+        </p:style>
+      </p:cxnSp>
+      <p:cxnSp>
+        <p:nvCxnSpPr>
+          <p:cNvPr id="67" name="直接箭头连接符 66"/>
+          <p:cNvCxnSpPr>
+            <a:stCxn id="16" idx="0"/>
+            <a:endCxn id="20" idx="2"/>
+          </p:cNvCxnSpPr>
+          <p:nvPr/>
+        </p:nvCxnSpPr>
+        <p:spPr>
+          <a:xfrm flipV="1">
+            <a:off x="7732146" y="2939581"/>
+            <a:ext cx="0" cy="409575"/>
+          </a:xfrm>
+          <a:prstGeom prst="straightConnector1">
+            <a:avLst/>
+          </a:prstGeom>
+          <a:ln>
+            <a:tailEnd type="triangle"/>
+          </a:ln>
+        </p:spPr>
+        <p:style>
+          <a:lnRef idx="1">
+            <a:schemeClr val="accent1"/>
+          </a:lnRef>
+          <a:fillRef idx="0">
+            <a:schemeClr val="accent1"/>
+          </a:fillRef>
+          <a:effectRef idx="0">
+            <a:schemeClr val="accent1"/>
+          </a:effectRef>
+          <a:fontRef idx="minor">
+            <a:schemeClr val="tx1"/>
+          </a:fontRef>
+        </p:style>
+      </p:cxnSp>
+      <p:cxnSp>
+        <p:nvCxnSpPr>
+          <p:cNvPr id="69" name="直接箭头连接符 68"/>
+          <p:cNvCxnSpPr>
+            <a:stCxn id="20" idx="0"/>
+            <a:endCxn id="17" idx="2"/>
+          </p:cNvCxnSpPr>
+          <p:nvPr/>
+        </p:nvCxnSpPr>
+        <p:spPr>
+          <a:xfrm flipV="1">
+            <a:off x="7732142" y="1898823"/>
+            <a:ext cx="2" cy="430912"/>
+          </a:xfrm>
+          <a:prstGeom prst="straightConnector1">
+            <a:avLst/>
+          </a:prstGeom>
+          <a:ln>
+            <a:tailEnd type="triangle"/>
+          </a:ln>
+        </p:spPr>
+        <p:style>
+          <a:lnRef idx="1">
+            <a:schemeClr val="accent1"/>
+          </a:lnRef>
+          <a:fillRef idx="0">
+            <a:schemeClr val="accent1"/>
+          </a:fillRef>
+          <a:effectRef idx="0">
+            <a:schemeClr val="accent1"/>
+          </a:effectRef>
+          <a:fontRef idx="minor">
+            <a:schemeClr val="tx1"/>
+          </a:fontRef>
+        </p:style>
+      </p:cxnSp>
+      <p:cxnSp>
+        <p:nvCxnSpPr>
+          <p:cNvPr id="80" name="直接箭头连接符 79"/>
+          <p:cNvCxnSpPr>
+            <a:stCxn id="15" idx="0"/>
+            <a:endCxn id="16" idx="2"/>
+          </p:cNvCxnSpPr>
+          <p:nvPr/>
+        </p:nvCxnSpPr>
+        <p:spPr>
+          <a:xfrm flipV="1">
+            <a:off x="7732630" y="3958766"/>
+            <a:ext cx="0" cy="421005"/>
+          </a:xfrm>
+          <a:prstGeom prst="straightConnector1">
+            <a:avLst/>
+          </a:prstGeom>
+          <a:ln>
+            <a:tailEnd type="triangle"/>
+          </a:ln>
+        </p:spPr>
+        <p:style>
+          <a:lnRef idx="1">
+            <a:schemeClr val="accent1"/>
+          </a:lnRef>
+          <a:fillRef idx="0">
+            <a:schemeClr val="accent1"/>
+          </a:fillRef>
+          <a:effectRef idx="0">
+            <a:schemeClr val="accent1"/>
+          </a:effectRef>
+          <a:fontRef idx="minor">
+            <a:schemeClr val="tx1"/>
+          </a:fontRef>
+        </p:style>
+      </p:cxnSp>
+      <p:cxnSp>
+        <p:nvCxnSpPr>
+          <p:cNvPr id="100" name="直接箭头连接符 99"/>
+          <p:cNvCxnSpPr>
+            <a:endCxn id="4" idx="0"/>
+          </p:cNvCxnSpPr>
+          <p:nvPr/>
+        </p:nvCxnSpPr>
+        <p:spPr>
+          <a:xfrm>
+            <a:off x="3130483" y="493807"/>
+            <a:ext cx="0" cy="408066"/>
+          </a:xfrm>
+          <a:prstGeom prst="straightConnector1">
+            <a:avLst/>
+          </a:prstGeom>
+          <a:ln>
+            <a:tailEnd type="triangle"/>
+          </a:ln>
+        </p:spPr>
+        <p:style>
+          <a:lnRef idx="1">
+            <a:schemeClr val="accent1"/>
+          </a:lnRef>
+          <a:fillRef idx="0">
+            <a:schemeClr val="accent1"/>
+          </a:fillRef>
+          <a:effectRef idx="0">
+            <a:schemeClr val="accent1"/>
+          </a:effectRef>
+          <a:fontRef idx="minor">
+            <a:schemeClr val="tx1"/>
+          </a:fontRef>
+        </p:style>
+      </p:cxnSp>
+      <p:sp>
+        <p:nvSpPr>
+          <p:cNvPr id="23" name="矩形 22"/>
+          <p:cNvSpPr/>
+          <p:nvPr/>
+        </p:nvSpPr>
+        <p:spPr>
+          <a:xfrm>
+            <a:off x="5346103" y="5367243"/>
+            <a:ext cx="4772078" cy="609600"/>
+          </a:xfrm>
+          <a:prstGeom prst="rect">
+            <a:avLst/>
+          </a:prstGeom>
+          <a:solidFill>
+            <a:schemeClr val="accent1"/>
+          </a:solidFill>
+        </p:spPr>
+        <p:style>
+          <a:lnRef idx="2">
+            <a:schemeClr val="accent1">
+              <a:shade val="50000"/>
+            </a:schemeClr>
+          </a:lnRef>
+          <a:fillRef idx="1">
+            <a:schemeClr val="accent1"/>
+          </a:fillRef>
+          <a:effectRef idx="0">
+            <a:schemeClr val="accent1"/>
+          </a:effectRef>
+          <a:fontRef idx="minor">
+            <a:schemeClr val="lt1"/>
+          </a:fontRef>
+        </p:style>
+        <p:txBody>
+          <a:bodyPr rtlCol="0" anchor="ctr"/>
+          <a:lstStyle/>
+          <a:p>
+            <a:pPr algn="ctr"/>
+            <a:r>
+              <a:rPr lang="en-US" altLang="zh-CN" b="1" dirty="0" err="1"/>
+              <a:t>AuthenticationProvider</a:t>
+            </a:r>
+            <a:endParaRPr lang="zh-CN" altLang="en-US" b="1" dirty="0"/>
+          </a:p>
+        </p:txBody>
+      </p:sp>
+      <p:cxnSp>
+        <p:nvCxnSpPr>
+          <p:cNvPr id="9" name="直接箭头连接符 8"/>
+          <p:cNvCxnSpPr>
+            <a:stCxn id="14" idx="3"/>
+            <a:endCxn id="23" idx="1"/>
+          </p:cNvCxnSpPr>
+          <p:nvPr/>
+        </p:nvCxnSpPr>
+        <p:spPr>
+          <a:xfrm>
+            <a:off x="4037772" y="5672043"/>
+            <a:ext cx="1308100" cy="0"/>
+          </a:xfrm>
+          <a:prstGeom prst="straightConnector1">
+            <a:avLst/>
+          </a:prstGeom>
+          <a:ln>
+            <a:tailEnd type="triangle"/>
+          </a:ln>
+        </p:spPr>
+        <p:style>
+          <a:lnRef idx="1">
+            <a:schemeClr val="accent1"/>
+          </a:lnRef>
+          <a:fillRef idx="0">
+            <a:schemeClr val="accent1"/>
+          </a:fillRef>
+          <a:effectRef idx="0">
+            <a:schemeClr val="accent1"/>
+          </a:effectRef>
+          <a:fontRef idx="minor">
+            <a:schemeClr val="tx1"/>
+          </a:fontRef>
+        </p:style>
+      </p:cxnSp>
+      <p:cxnSp>
+        <p:nvCxnSpPr>
+          <p:cNvPr id="11" name="直接箭头连接符 10"/>
+          <p:cNvCxnSpPr>
+            <a:stCxn id="23" idx="0"/>
+            <a:endCxn id="15" idx="2"/>
+          </p:cNvCxnSpPr>
+          <p:nvPr/>
+        </p:nvCxnSpPr>
+        <p:spPr>
+          <a:xfrm flipV="1">
+            <a:off x="7732142" y="4989418"/>
+            <a:ext cx="0" cy="377825"/>
+          </a:xfrm>
+          <a:prstGeom prst="straightConnector1">
+            <a:avLst/>
+          </a:prstGeom>
+          <a:ln>
+            <a:tailEnd type="triangle"/>
+          </a:ln>
+        </p:spPr>
+        <p:style>
+          <a:lnRef idx="1">
+            <a:schemeClr val="accent1"/>
+          </a:lnRef>
+          <a:fillRef idx="0">
+            <a:schemeClr val="accent1"/>
+          </a:fillRef>
+          <a:effectRef idx="0">
+            <a:schemeClr val="accent1"/>
+          </a:effectRef>
+          <a:fontRef idx="minor">
+            <a:schemeClr val="tx1"/>
+          </a:fontRef>
+        </p:style>
+      </p:cxnSp>
+      <p:sp>
+        <p:nvSpPr>
+          <p:cNvPr id="7" name="矩形 6"/>
+          <p:cNvSpPr/>
+          <p:nvPr/>
+        </p:nvSpPr>
+        <p:spPr>
+          <a:xfrm>
+            <a:off x="789940" y="1815465"/>
+            <a:ext cx="4681855" cy="609600"/>
+          </a:xfrm>
+          <a:prstGeom prst="rect">
+            <a:avLst/>
+          </a:prstGeom>
+          <a:solidFill>
+            <a:schemeClr val="accent2">
+              <a:lumMod val="75000"/>
+            </a:schemeClr>
+          </a:solidFill>
+        </p:spPr>
+        <p:style>
+          <a:lnRef idx="2">
+            <a:schemeClr val="accent1">
+              <a:shade val="50000"/>
+            </a:schemeClr>
+          </a:lnRef>
+          <a:fillRef idx="1">
+            <a:schemeClr val="accent1"/>
+          </a:fillRef>
+          <a:effectRef idx="0">
+            <a:schemeClr val="accent1"/>
+          </a:effectRef>
+          <a:fontRef idx="minor">
+            <a:schemeClr val="lt1"/>
+          </a:fontRef>
+        </p:style>
+        <p:txBody>
+          <a:bodyPr rtlCol="0" anchor="ctr"/>
+          <a:p>
+            <a:pPr algn="ctr"/>
+            <a:r>
+              <a:rPr lang="zh-CN" altLang="zh-CN" b="1" dirty="0"/>
+              <a:t>图形验证码校验</a:t>
+            </a:r>
+            <a:r>
+              <a:rPr lang="en-US" altLang="zh-CN" b="1" dirty="0"/>
+              <a:t>Filter</a:t>
+            </a:r>
+            <a:endParaRPr lang="en-US" altLang="zh-CN" b="1" dirty="0"/>
+          </a:p>
+        </p:txBody>
+      </p:sp>
+      <p:sp>
+        <p:nvSpPr>
+          <p:cNvPr id="8" name="矩形 7"/>
+          <p:cNvSpPr/>
+          <p:nvPr/>
+        </p:nvSpPr>
+        <p:spPr>
+          <a:xfrm>
+            <a:off x="789940" y="2739390"/>
+            <a:ext cx="4681855" cy="609600"/>
+          </a:xfrm>
+          <a:prstGeom prst="rect">
+            <a:avLst/>
+          </a:prstGeom>
+          <a:solidFill>
+            <a:srgbClr val="0070C0"/>
+          </a:solidFill>
+        </p:spPr>
+        <p:style>
+          <a:lnRef idx="2">
+            <a:schemeClr val="accent1">
+              <a:shade val="50000"/>
+            </a:schemeClr>
+          </a:lnRef>
+          <a:fillRef idx="1">
+            <a:schemeClr val="accent1"/>
+          </a:fillRef>
+          <a:effectRef idx="0">
+            <a:schemeClr val="accent1"/>
+          </a:effectRef>
+          <a:fontRef idx="minor">
+            <a:schemeClr val="lt1"/>
+          </a:fontRef>
+        </p:style>
+        <p:txBody>
+          <a:bodyPr rtlCol="0" anchor="ctr"/>
+          <a:p>
+            <a:pPr algn="ctr"/>
+            <a:r>
+              <a:rPr lang="en-US" altLang="zh-CN" b="1" dirty="0" err="1"/>
+              <a:t>AbstractAuthenticationProcessingFilter</a:t>
+            </a:r>
+            <a:endParaRPr lang="zh-CN" altLang="en-US" b="1" dirty="0"/>
+          </a:p>
+        </p:txBody>
+      </p:sp>
+      <p:cxnSp>
+        <p:nvCxnSpPr>
+          <p:cNvPr id="10" name="直接箭头连接符 9"/>
+          <p:cNvCxnSpPr>
+            <a:stCxn id="4" idx="2"/>
+            <a:endCxn id="7" idx="0"/>
+          </p:cNvCxnSpPr>
+          <p:nvPr/>
+        </p:nvCxnSpPr>
+        <p:spPr>
+          <a:xfrm>
+            <a:off x="3130550" y="1511300"/>
+            <a:ext cx="635" cy="304165"/>
+          </a:xfrm>
+          <a:prstGeom prst="straightConnector1">
+            <a:avLst/>
+          </a:prstGeom>
+          <a:ln>
+            <a:tailEnd type="arrow"/>
+          </a:ln>
+        </p:spPr>
+        <p:style>
+          <a:lnRef idx="1">
+            <a:schemeClr val="accent1"/>
+          </a:lnRef>
+          <a:fillRef idx="0">
+            <a:schemeClr val="accent1"/>
+          </a:fillRef>
+          <a:effectRef idx="0">
+            <a:schemeClr val="accent1"/>
+          </a:effectRef>
+          <a:fontRef idx="minor">
+            <a:schemeClr val="tx1"/>
+          </a:fontRef>
+        </p:style>
+      </p:cxnSp>
+      <p:cxnSp>
+        <p:nvCxnSpPr>
+          <p:cNvPr id="18" name="直接箭头连接符 17"/>
+          <p:cNvCxnSpPr>
+            <a:stCxn id="7" idx="2"/>
+            <a:endCxn id="8" idx="0"/>
+          </p:cNvCxnSpPr>
+          <p:nvPr/>
+        </p:nvCxnSpPr>
+        <p:spPr>
+          <a:xfrm>
+            <a:off x="3131185" y="2425065"/>
+            <a:ext cx="0" cy="314325"/>
+          </a:xfrm>
+          <a:prstGeom prst="straightConnector1">
+            <a:avLst/>
+          </a:prstGeom>
+          <a:ln>
+            <a:tailEnd type="arrow"/>
+          </a:ln>
+        </p:spPr>
+        <p:style>
+          <a:lnRef idx="1">
+            <a:schemeClr val="accent1"/>
+          </a:lnRef>
+          <a:fillRef idx="0">
+            <a:schemeClr val="accent1"/>
+          </a:fillRef>
+          <a:effectRef idx="0">
+            <a:schemeClr val="accent1"/>
+          </a:effectRef>
+          <a:fontRef idx="minor">
+            <a:schemeClr val="tx1"/>
+          </a:fontRef>
+        </p:style>
+      </p:cxnSp>
+    </p:spTree>
+  </p:cSld>
+  <p:clrMapOvr>
+    <a:masterClrMapping/>
+  </p:clrMapOvr>
+</p:sld>
+</file>
+
+<file path=ppt/slides/slide8.xml><?xml version="1.0" encoding="utf-8"?>
+<p:sld xmlns:a="http://schemas.openxmlformats.org/drawingml/2006/main" xmlns:r="http://schemas.openxmlformats.org/officeDocument/2006/relationships" xmlns:p="http://schemas.openxmlformats.org/presentationml/2006/main">
+  <p:cSld>
+    <p:spTree>
+      <p:nvGrpSpPr>
+        <p:cNvPr id="1" name=""/>
+        <p:cNvGrpSpPr/>
+        <p:nvPr/>
+      </p:nvGrpSpPr>
+      <p:grpSpPr>
+        <a:xfrm>
+          <a:off x="0" y="0"/>
+          <a:ext cx="0" cy="0"/>
+          <a:chOff x="0" y="0"/>
+          <a:chExt cx="0" cy="0"/>
+        </a:xfrm>
+      </p:grpSpPr>
+      <p:sp>
+        <p:nvSpPr>
+          <p:cNvPr id="4" name="矩形 3"/>
+          <p:cNvSpPr/>
+          <p:nvPr/>
+        </p:nvSpPr>
+        <p:spPr>
+          <a:xfrm>
+            <a:off x="349498" y="168517"/>
+            <a:ext cx="4046220" cy="609600"/>
+          </a:xfrm>
+          <a:prstGeom prst="rect">
+            <a:avLst/>
+          </a:prstGeom>
+          <a:solidFill>
+            <a:srgbClr val="92D050"/>
+          </a:solidFill>
+        </p:spPr>
+        <p:style>
+          <a:lnRef idx="2">
+            <a:schemeClr val="accent1">
+              <a:shade val="50000"/>
+            </a:schemeClr>
+          </a:lnRef>
+          <a:fillRef idx="1">
+            <a:schemeClr val="accent1"/>
+          </a:fillRef>
+          <a:effectRef idx="0">
+            <a:schemeClr val="accent1"/>
+          </a:effectRef>
+          <a:fontRef idx="minor">
+            <a:schemeClr val="lt1"/>
+          </a:fontRef>
+        </p:style>
+        <p:txBody>
+          <a:bodyPr rtlCol="0" anchor="ctr"/>
+          <a:lstStyle/>
+          <a:p>
+            <a:pPr algn="ctr"/>
+            <a:r>
+              <a:rPr lang="en-US" altLang="zh-CN" dirty="0" err="1"/>
+              <a:t>SecurityContextPersistenceFilter</a:t>
+            </a:r>
+            <a:endParaRPr lang="zh-CN" altLang="en-US" dirty="0"/>
+          </a:p>
+        </p:txBody>
+      </p:sp>
+      <p:sp>
+        <p:nvSpPr>
+          <p:cNvPr id="6" name="矩形 5"/>
+          <p:cNvSpPr/>
+          <p:nvPr/>
+        </p:nvSpPr>
+        <p:spPr>
+          <a:xfrm>
+            <a:off x="63500" y="1809750"/>
+            <a:ext cx="4618355" cy="609600"/>
+          </a:xfrm>
+          <a:prstGeom prst="rect">
+            <a:avLst/>
+          </a:prstGeom>
+        </p:spPr>
+        <p:style>
+          <a:lnRef idx="2">
+            <a:schemeClr val="accent1">
+              <a:shade val="50000"/>
+            </a:schemeClr>
+          </a:lnRef>
+          <a:fillRef idx="1">
+            <a:schemeClr val="accent1"/>
+          </a:fillRef>
+          <a:effectRef idx="0">
+            <a:schemeClr val="accent1"/>
+          </a:effectRef>
+          <a:fontRef idx="minor">
+            <a:schemeClr val="lt1"/>
+          </a:fontRef>
+        </p:style>
+        <p:txBody>
+          <a:bodyPr rtlCol="0" anchor="ctr"/>
+          <a:lstStyle/>
+          <a:p>
+            <a:pPr algn="ctr"/>
+            <a:r>
+              <a:rPr lang="en-US" altLang="zh-CN" dirty="0" err="1"/>
+              <a:t>AbstractAuthenticationProcessingFilter</a:t>
+            </a:r>
+            <a:endParaRPr lang="zh-CN" altLang="en-US" dirty="0"/>
+          </a:p>
+        </p:txBody>
+      </p:sp>
+      <p:sp>
+        <p:nvSpPr>
+          <p:cNvPr id="12" name="矩形 11"/>
+          <p:cNvSpPr/>
+          <p:nvPr/>
+        </p:nvSpPr>
+        <p:spPr>
+          <a:xfrm>
+            <a:off x="132080" y="3262630"/>
+            <a:ext cx="4150995" cy="609600"/>
+          </a:xfrm>
+          <a:prstGeom prst="rect">
+            <a:avLst/>
+          </a:prstGeom>
+        </p:spPr>
+        <p:style>
+          <a:lnRef idx="2">
+            <a:schemeClr val="accent1">
+              <a:shade val="50000"/>
+            </a:schemeClr>
+          </a:lnRef>
+          <a:fillRef idx="1">
+            <a:schemeClr val="accent1"/>
+          </a:fillRef>
+          <a:effectRef idx="0">
+            <a:schemeClr val="accent1"/>
+          </a:effectRef>
+          <a:fontRef idx="minor">
+            <a:schemeClr val="lt1"/>
+          </a:fontRef>
+        </p:style>
+        <p:txBody>
+          <a:bodyPr rtlCol="0" anchor="ctr"/>
+          <a:lstStyle/>
+          <a:p>
+            <a:pPr algn="ctr"/>
+            <a:r>
+              <a:rPr lang="en-US" altLang="zh-CN" sz="1700" dirty="0" err="1"/>
+              <a:t>UsernamePasswordAuthenticationFilter</a:t>
+            </a:r>
+            <a:endParaRPr lang="en-US" altLang="zh-CN" sz="1700" dirty="0" err="1"/>
+          </a:p>
+        </p:txBody>
+      </p:sp>
+      <p:sp>
+        <p:nvSpPr>
+          <p:cNvPr id="13" name="矩形 12"/>
+          <p:cNvSpPr/>
+          <p:nvPr/>
+        </p:nvSpPr>
+        <p:spPr>
+          <a:xfrm>
+            <a:off x="276860" y="4987290"/>
+            <a:ext cx="2683510" cy="609600"/>
+          </a:xfrm>
+          <a:prstGeom prst="rect">
+            <a:avLst/>
+          </a:prstGeom>
+        </p:spPr>
+        <p:style>
+          <a:lnRef idx="2">
+            <a:schemeClr val="accent1">
+              <a:shade val="50000"/>
+            </a:schemeClr>
+          </a:lnRef>
+          <a:fillRef idx="1">
+            <a:schemeClr val="accent1"/>
+          </a:fillRef>
+          <a:effectRef idx="0">
+            <a:schemeClr val="accent1"/>
+          </a:effectRef>
+          <a:fontRef idx="minor">
+            <a:schemeClr val="lt1"/>
+          </a:fontRef>
+        </p:style>
+        <p:txBody>
+          <a:bodyPr rtlCol="0" anchor="ctr"/>
+          <a:lstStyle/>
+          <a:p>
+            <a:pPr algn="ctr"/>
+            <a:r>
+              <a:rPr lang="en-US" altLang="zh-CN" dirty="0" err="1"/>
+              <a:t>AuthenticationManager</a:t>
+            </a:r>
+            <a:endParaRPr lang="zh-CN" altLang="en-US" dirty="0"/>
+          </a:p>
+        </p:txBody>
+      </p:sp>
+      <p:sp>
+        <p:nvSpPr>
+          <p:cNvPr id="14" name="矩形 13"/>
+          <p:cNvSpPr/>
+          <p:nvPr/>
+        </p:nvSpPr>
+        <p:spPr>
+          <a:xfrm>
+            <a:off x="615574" y="6150257"/>
+            <a:ext cx="1913641" cy="609600"/>
+          </a:xfrm>
+          <a:prstGeom prst="rect">
+            <a:avLst/>
+          </a:prstGeom>
+        </p:spPr>
+        <p:style>
+          <a:lnRef idx="2">
+            <a:schemeClr val="accent1">
+              <a:shade val="50000"/>
+            </a:schemeClr>
+          </a:lnRef>
+          <a:fillRef idx="1">
+            <a:schemeClr val="accent1"/>
+          </a:fillRef>
+          <a:effectRef idx="0">
+            <a:schemeClr val="accent1"/>
+          </a:effectRef>
+          <a:fontRef idx="minor">
+            <a:schemeClr val="lt1"/>
+          </a:fontRef>
+        </p:style>
+        <p:txBody>
+          <a:bodyPr rtlCol="0" anchor="ctr"/>
+          <a:lstStyle/>
+          <a:p>
+            <a:pPr algn="ctr"/>
+            <a:r>
+              <a:rPr lang="en-US" altLang="zh-CN" dirty="0" err="1"/>
+              <a:t>ProviderManager</a:t>
+            </a:r>
+            <a:endParaRPr lang="zh-CN" altLang="en-US" dirty="0"/>
+          </a:p>
+        </p:txBody>
+      </p:sp>
+      <p:sp>
+        <p:nvSpPr>
+          <p:cNvPr id="17" name="矩形 16"/>
+          <p:cNvSpPr/>
+          <p:nvPr/>
+        </p:nvSpPr>
+        <p:spPr>
+          <a:xfrm>
+            <a:off x="8062595" y="495300"/>
+            <a:ext cx="3479800" cy="1315085"/>
+          </a:xfrm>
+          <a:prstGeom prst="rect">
+            <a:avLst/>
+          </a:prstGeom>
+          <a:solidFill>
+            <a:schemeClr val="accent4">
+              <a:lumMod val="60000"/>
+              <a:lumOff val="40000"/>
+            </a:schemeClr>
+          </a:solidFill>
+        </p:spPr>
+        <p:style>
+          <a:lnRef idx="2">
+            <a:schemeClr val="accent1">
+              <a:shade val="50000"/>
+            </a:schemeClr>
+          </a:lnRef>
+          <a:fillRef idx="1">
+            <a:schemeClr val="accent1"/>
+          </a:fillRef>
+          <a:effectRef idx="0">
+            <a:schemeClr val="accent1"/>
+          </a:effectRef>
+          <a:fontRef idx="minor">
+            <a:schemeClr val="lt1"/>
+          </a:fontRef>
+        </p:style>
+        <p:txBody>
+          <a:bodyPr rtlCol="0" anchor="t" anchorCtr="0"/>
+          <a:lstStyle/>
+          <a:p>
+            <a:pPr algn="just"/>
+            <a:r>
+              <a:rPr lang="en-US" altLang="zh-CN" b="1" dirty="0" err="1">
+                <a:solidFill>
+                  <a:schemeClr val="tx1"/>
+                </a:solidFill>
+              </a:rPr>
+              <a:t>NRSCDetailsService</a:t>
+            </a:r>
+            <a:endParaRPr lang="en-US" altLang="zh-CN" b="1" dirty="0" err="1">
+              <a:solidFill>
+                <a:schemeClr val="tx1"/>
+              </a:solidFill>
+            </a:endParaRPr>
+          </a:p>
+          <a:p>
+            <a:pPr algn="just"/>
+            <a:r>
+              <a:rPr lang="zh-CN" altLang="en-US" b="1" dirty="0" err="1">
+                <a:solidFill>
+                  <a:schemeClr val="tx1"/>
+                </a:solidFill>
+              </a:rPr>
+              <a:t>除了进行用户名和密码校验外</a:t>
+            </a:r>
+            <a:endParaRPr lang="zh-CN" altLang="en-US" b="1" dirty="0" err="1">
+              <a:solidFill>
+                <a:schemeClr val="tx1"/>
+              </a:solidFill>
+            </a:endParaRPr>
+          </a:p>
+          <a:p>
+            <a:pPr algn="just"/>
+            <a:r>
+              <a:rPr lang="zh-CN" altLang="en-US" b="1" dirty="0" err="1">
+                <a:solidFill>
+                  <a:schemeClr val="tx1"/>
+                </a:solidFill>
+              </a:rPr>
+              <a:t>这里还应该包括电话号码的校验即数据库里有没有该电话</a:t>
+            </a:r>
+            <a:endParaRPr lang="en-US" altLang="zh-CN" b="1" dirty="0" err="1">
+              <a:solidFill>
+                <a:schemeClr val="tx1"/>
+              </a:solidFill>
+            </a:endParaRPr>
+          </a:p>
+          <a:p>
+            <a:pPr algn="just"/>
+            <a:endParaRPr lang="zh-CN" altLang="en-US" b="1" dirty="0">
+              <a:solidFill>
+                <a:schemeClr val="tx1"/>
+              </a:solidFill>
+            </a:endParaRPr>
+          </a:p>
+        </p:txBody>
+      </p:sp>
+      <p:sp>
+        <p:nvSpPr>
+          <p:cNvPr id="20" name="矩形 19"/>
+          <p:cNvSpPr/>
+          <p:nvPr/>
+        </p:nvSpPr>
+        <p:spPr>
+          <a:xfrm>
+            <a:off x="8839070" y="2203516"/>
+            <a:ext cx="2432045" cy="609600"/>
+          </a:xfrm>
+          <a:prstGeom prst="rect">
+            <a:avLst/>
+          </a:prstGeom>
+          <a:solidFill>
+            <a:schemeClr val="accent4">
+              <a:lumMod val="60000"/>
+              <a:lumOff val="40000"/>
+            </a:schemeClr>
+          </a:solidFill>
+        </p:spPr>
+        <p:style>
+          <a:lnRef idx="2">
+            <a:schemeClr val="accent1">
+              <a:shade val="50000"/>
+            </a:schemeClr>
+          </a:lnRef>
+          <a:fillRef idx="1">
+            <a:schemeClr val="accent1"/>
+          </a:fillRef>
+          <a:effectRef idx="0">
+            <a:schemeClr val="accent1"/>
+          </a:effectRef>
+          <a:fontRef idx="minor">
+            <a:schemeClr val="lt1"/>
+          </a:fontRef>
+        </p:style>
+        <p:txBody>
+          <a:bodyPr rtlCol="0" anchor="ctr"/>
+          <a:lstStyle/>
+          <a:p>
+            <a:pPr algn="ctr"/>
+            <a:r>
+              <a:rPr lang="en-US" altLang="zh-CN" b="1" dirty="0" err="1">
+                <a:solidFill>
+                  <a:schemeClr val="tx1"/>
+                </a:solidFill>
+              </a:rPr>
+              <a:t>UserDetailsService</a:t>
+            </a:r>
+            <a:endParaRPr lang="zh-CN" altLang="en-US" b="1" dirty="0">
+              <a:solidFill>
+                <a:schemeClr val="tx1"/>
+              </a:solidFill>
+            </a:endParaRPr>
+          </a:p>
+        </p:txBody>
+      </p:sp>
+      <p:cxnSp>
+        <p:nvCxnSpPr>
+          <p:cNvPr id="24" name="直接箭头连接符 23"/>
+          <p:cNvCxnSpPr>
+            <a:stCxn id="6" idx="2"/>
+            <a:endCxn id="12" idx="0"/>
+          </p:cNvCxnSpPr>
+          <p:nvPr/>
+        </p:nvCxnSpPr>
+        <p:spPr>
+          <a:xfrm flipH="1">
+            <a:off x="2208143" y="2419062"/>
+            <a:ext cx="165100" cy="843280"/>
+          </a:xfrm>
+          <a:prstGeom prst="straightConnector1">
+            <a:avLst/>
+          </a:prstGeom>
+          <a:ln>
+            <a:tailEnd type="triangle"/>
+          </a:ln>
+        </p:spPr>
+        <p:style>
+          <a:lnRef idx="1">
+            <a:schemeClr val="accent1"/>
+          </a:lnRef>
+          <a:fillRef idx="0">
+            <a:schemeClr val="accent1"/>
+          </a:fillRef>
+          <a:effectRef idx="0">
+            <a:schemeClr val="accent1"/>
+          </a:effectRef>
+          <a:fontRef idx="minor">
+            <a:schemeClr val="tx1"/>
+          </a:fontRef>
+        </p:style>
+      </p:cxnSp>
+      <p:cxnSp>
+        <p:nvCxnSpPr>
+          <p:cNvPr id="28" name="直接箭头连接符 27"/>
+          <p:cNvCxnSpPr>
+            <a:stCxn id="12" idx="2"/>
+            <a:endCxn id="13" idx="0"/>
+          </p:cNvCxnSpPr>
+          <p:nvPr/>
+        </p:nvCxnSpPr>
+        <p:spPr>
+          <a:xfrm flipH="1">
+            <a:off x="1618710" y="3872484"/>
+            <a:ext cx="589280" cy="1115060"/>
+          </a:xfrm>
+          <a:prstGeom prst="straightConnector1">
+            <a:avLst/>
+          </a:prstGeom>
+          <a:ln>
+            <a:tailEnd type="triangle"/>
+          </a:ln>
+        </p:spPr>
+        <p:style>
+          <a:lnRef idx="1">
+            <a:schemeClr val="accent1"/>
+          </a:lnRef>
+          <a:fillRef idx="0">
+            <a:schemeClr val="accent1"/>
+          </a:fillRef>
+          <a:effectRef idx="0">
+            <a:schemeClr val="accent1"/>
+          </a:effectRef>
+          <a:fontRef idx="minor">
+            <a:schemeClr val="tx1"/>
+          </a:fontRef>
+        </p:style>
+      </p:cxnSp>
+      <p:cxnSp>
+        <p:nvCxnSpPr>
+          <p:cNvPr id="30" name="直接箭头连接符 29"/>
+          <p:cNvCxnSpPr>
+            <a:stCxn id="13" idx="2"/>
+            <a:endCxn id="14" idx="0"/>
+          </p:cNvCxnSpPr>
+          <p:nvPr/>
+        </p:nvCxnSpPr>
+        <p:spPr>
+          <a:xfrm flipH="1">
+            <a:off x="1572395" y="5596994"/>
+            <a:ext cx="46355" cy="553085"/>
+          </a:xfrm>
+          <a:prstGeom prst="straightConnector1">
+            <a:avLst/>
+          </a:prstGeom>
+          <a:ln>
+            <a:tailEnd type="triangle"/>
+          </a:ln>
+        </p:spPr>
+        <p:style>
+          <a:lnRef idx="1">
+            <a:schemeClr val="accent1"/>
+          </a:lnRef>
+          <a:fillRef idx="0">
+            <a:schemeClr val="accent1"/>
+          </a:fillRef>
+          <a:effectRef idx="0">
+            <a:schemeClr val="accent1"/>
+          </a:effectRef>
+          <a:fontRef idx="minor">
+            <a:schemeClr val="tx1"/>
+          </a:fontRef>
+        </p:style>
+      </p:cxnSp>
+      <p:cxnSp>
+        <p:nvCxnSpPr>
+          <p:cNvPr id="69" name="直接箭头连接符 68"/>
+          <p:cNvCxnSpPr>
+            <a:stCxn id="20" idx="0"/>
+            <a:endCxn id="17" idx="2"/>
+          </p:cNvCxnSpPr>
+          <p:nvPr/>
+        </p:nvCxnSpPr>
+        <p:spPr>
+          <a:xfrm flipH="1" flipV="1">
+            <a:off x="9802363" y="1810451"/>
+            <a:ext cx="252730" cy="393065"/>
+          </a:xfrm>
+          <a:prstGeom prst="straightConnector1">
+            <a:avLst/>
+          </a:prstGeom>
+          <a:ln>
+            <a:tailEnd type="triangle"/>
+          </a:ln>
+        </p:spPr>
+        <p:style>
+          <a:lnRef idx="1">
+            <a:schemeClr val="accent1"/>
+          </a:lnRef>
+          <a:fillRef idx="0">
+            <a:schemeClr val="accent1"/>
+          </a:fillRef>
+          <a:effectRef idx="0">
+            <a:schemeClr val="accent1"/>
+          </a:effectRef>
+          <a:fontRef idx="minor">
+            <a:schemeClr val="tx1"/>
+          </a:fontRef>
+        </p:style>
+      </p:cxnSp>
+      <p:cxnSp>
+        <p:nvCxnSpPr>
+          <p:cNvPr id="100" name="直接箭头连接符 99"/>
+          <p:cNvCxnSpPr>
+            <a:endCxn id="4" idx="0"/>
+          </p:cNvCxnSpPr>
+          <p:nvPr/>
+        </p:nvCxnSpPr>
+        <p:spPr>
+          <a:xfrm>
+            <a:off x="2372360" y="2540"/>
+            <a:ext cx="0" cy="165735"/>
+          </a:xfrm>
+          <a:prstGeom prst="straightConnector1">
+            <a:avLst/>
+          </a:prstGeom>
+          <a:ln>
+            <a:tailEnd type="triangle"/>
+          </a:ln>
+        </p:spPr>
+        <p:style>
+          <a:lnRef idx="1">
+            <a:schemeClr val="accent1"/>
+          </a:lnRef>
+          <a:fillRef idx="0">
+            <a:schemeClr val="accent1"/>
+          </a:fillRef>
+          <a:effectRef idx="0">
+            <a:schemeClr val="accent1"/>
+          </a:effectRef>
+          <a:fontRef idx="minor">
+            <a:schemeClr val="tx1"/>
+          </a:fontRef>
+        </p:style>
+      </p:cxnSp>
+      <p:sp>
+        <p:nvSpPr>
+          <p:cNvPr id="23" name="矩形 22"/>
+          <p:cNvSpPr/>
+          <p:nvPr/>
+        </p:nvSpPr>
+        <p:spPr>
+          <a:xfrm>
+            <a:off x="6596256" y="6149563"/>
+            <a:ext cx="4772078" cy="609600"/>
+          </a:xfrm>
+          <a:prstGeom prst="rect">
+            <a:avLst/>
+          </a:prstGeom>
+          <a:solidFill>
+            <a:schemeClr val="accent1"/>
+          </a:solidFill>
+        </p:spPr>
+        <p:style>
+          <a:lnRef idx="2">
+            <a:schemeClr val="accent1">
+              <a:shade val="50000"/>
+            </a:schemeClr>
+          </a:lnRef>
+          <a:fillRef idx="1">
+            <a:schemeClr val="accent1"/>
+          </a:fillRef>
+          <a:effectRef idx="0">
+            <a:schemeClr val="accent1"/>
+          </a:effectRef>
+          <a:fontRef idx="minor">
+            <a:schemeClr val="lt1"/>
+          </a:fontRef>
+        </p:style>
+        <p:txBody>
+          <a:bodyPr rtlCol="0" anchor="ctr"/>
+          <a:lstStyle/>
+          <a:p>
+            <a:pPr algn="ctr"/>
+            <a:r>
+              <a:rPr lang="en-US" altLang="zh-CN" b="1" dirty="0" err="1"/>
+              <a:t>AuthenticationProvider</a:t>
+            </a:r>
+            <a:endParaRPr lang="zh-CN" altLang="en-US" b="1" dirty="0"/>
+          </a:p>
+        </p:txBody>
+      </p:sp>
+      <p:cxnSp>
+        <p:nvCxnSpPr>
+          <p:cNvPr id="9" name="直接箭头连接符 8"/>
+          <p:cNvCxnSpPr>
+            <a:stCxn id="14" idx="3"/>
+            <a:endCxn id="23" idx="1"/>
+          </p:cNvCxnSpPr>
+          <p:nvPr/>
+        </p:nvCxnSpPr>
+        <p:spPr>
+          <a:xfrm flipV="1">
+            <a:off x="2529215" y="6454422"/>
+            <a:ext cx="4067175" cy="635"/>
+          </a:xfrm>
+          <a:prstGeom prst="straightConnector1">
+            <a:avLst/>
+          </a:prstGeom>
+          <a:ln>
+            <a:tailEnd type="triangle"/>
+          </a:ln>
+        </p:spPr>
+        <p:style>
+          <a:lnRef idx="1">
+            <a:schemeClr val="accent1"/>
+          </a:lnRef>
+          <a:fillRef idx="0">
+            <a:schemeClr val="accent1"/>
+          </a:fillRef>
+          <a:effectRef idx="0">
+            <a:schemeClr val="accent1"/>
+          </a:effectRef>
+          <a:fontRef idx="minor">
+            <a:schemeClr val="tx1"/>
+          </a:fontRef>
+        </p:style>
+      </p:cxnSp>
+      <p:sp>
+        <p:nvSpPr>
+          <p:cNvPr id="26" name="矩形 25"/>
+          <p:cNvSpPr/>
+          <p:nvPr/>
+        </p:nvSpPr>
+        <p:spPr>
+          <a:xfrm>
+            <a:off x="4283710" y="2597785"/>
+            <a:ext cx="3384550" cy="609600"/>
+          </a:xfrm>
+          <a:prstGeom prst="rect">
+            <a:avLst/>
+          </a:prstGeom>
+          <a:solidFill>
+            <a:schemeClr val="bg2">
+              <a:lumMod val="50000"/>
+            </a:schemeClr>
+          </a:solidFill>
+        </p:spPr>
+        <p:style>
+          <a:lnRef idx="2">
+            <a:schemeClr val="accent1">
+              <a:shade val="50000"/>
+            </a:schemeClr>
+          </a:lnRef>
+          <a:fillRef idx="1">
+            <a:schemeClr val="accent1"/>
+          </a:fillRef>
+          <a:effectRef idx="0">
+            <a:schemeClr val="accent1"/>
+          </a:effectRef>
+          <a:fontRef idx="minor">
+            <a:schemeClr val="lt1"/>
+          </a:fontRef>
+        </p:style>
+        <p:txBody>
+          <a:bodyPr rtlCol="0" anchor="ctr"/>
+          <a:lstStyle/>
+          <a:p>
+            <a:pPr algn="ctr"/>
+            <a:r>
+              <a:rPr lang="en-US" altLang="zh-CN" dirty="0" err="1"/>
+              <a:t>SmsCodeAuthenticationFilter</a:t>
+            </a:r>
+            <a:endParaRPr lang="zh-CN" altLang="en-US" dirty="0"/>
+          </a:p>
+        </p:txBody>
+      </p:sp>
+      <p:cxnSp>
+        <p:nvCxnSpPr>
+          <p:cNvPr id="19" name="直接箭头连接符 18"/>
+          <p:cNvCxnSpPr>
+            <a:stCxn id="6" idx="2"/>
+            <a:endCxn id="26" idx="0"/>
+          </p:cNvCxnSpPr>
+          <p:nvPr/>
+        </p:nvCxnSpPr>
+        <p:spPr>
+          <a:xfrm>
+            <a:off x="2373243" y="2419062"/>
+            <a:ext cx="3602990" cy="178435"/>
+          </a:xfrm>
+          <a:prstGeom prst="straightConnector1">
+            <a:avLst/>
+          </a:prstGeom>
+          <a:ln w="44450" cap="flat" cmpd="sng" algn="ctr">
+            <a:solidFill>
+              <a:schemeClr val="tx1">
+                <a:lumMod val="65000"/>
+                <a:lumOff val="35000"/>
+              </a:schemeClr>
+            </a:solidFill>
+            <a:prstDash val="dash"/>
+            <a:round/>
+            <a:headEnd type="none" w="med" len="med"/>
+            <a:tailEnd type="stealth" w="med" len="med"/>
+          </a:ln>
+        </p:spPr>
+        <p:style>
+          <a:lnRef idx="0">
+            <a:scrgbClr r="0" g="0" b="0"/>
+          </a:lnRef>
+          <a:fillRef idx="0">
+            <a:scrgbClr r="0" g="0" b="0"/>
+          </a:fillRef>
+          <a:effectRef idx="0">
+            <a:scrgbClr r="0" g="0" b="0"/>
+          </a:effectRef>
+          <a:fontRef idx="minor">
+            <a:schemeClr val="tx1"/>
+          </a:fontRef>
+        </p:style>
+      </p:cxnSp>
+      <p:cxnSp>
+        <p:nvCxnSpPr>
+          <p:cNvPr id="33" name="直接箭头连接符 32"/>
+          <p:cNvCxnSpPr>
+            <a:stCxn id="26" idx="2"/>
+            <a:endCxn id="13" idx="0"/>
+          </p:cNvCxnSpPr>
+          <p:nvPr/>
+        </p:nvCxnSpPr>
+        <p:spPr>
+          <a:xfrm flipH="1">
+            <a:off x="1618336" y="3207629"/>
+            <a:ext cx="4357370" cy="1779905"/>
+          </a:xfrm>
+          <a:prstGeom prst="straightConnector1">
+            <a:avLst/>
+          </a:prstGeom>
+          <a:ln w="44450" cap="flat" cmpd="sng" algn="ctr">
+            <a:solidFill>
+              <a:schemeClr val="tx1">
+                <a:lumMod val="75000"/>
+                <a:lumOff val="25000"/>
+              </a:schemeClr>
+            </a:solidFill>
+            <a:prstDash val="dash"/>
+            <a:round/>
+            <a:headEnd type="none" w="med" len="med"/>
+            <a:tailEnd type="stealth" w="med" len="med"/>
+          </a:ln>
+        </p:spPr>
+        <p:style>
+          <a:lnRef idx="0">
+            <a:scrgbClr r="0" g="0" b="0"/>
+          </a:lnRef>
+          <a:fillRef idx="0">
+            <a:scrgbClr r="0" g="0" b="0"/>
+          </a:fillRef>
+          <a:effectRef idx="0">
+            <a:scrgbClr r="0" g="0" b="0"/>
+          </a:effectRef>
+          <a:fontRef idx="minor">
+            <a:schemeClr val="tx1"/>
+          </a:fontRef>
+        </p:style>
+      </p:cxnSp>
+      <p:sp>
+        <p:nvSpPr>
+          <p:cNvPr id="52" name="矩形 51"/>
+          <p:cNvSpPr/>
+          <p:nvPr/>
+        </p:nvSpPr>
+        <p:spPr>
+          <a:xfrm>
+            <a:off x="3344723" y="4536377"/>
+            <a:ext cx="3583514" cy="609600"/>
+          </a:xfrm>
+          <a:prstGeom prst="rect">
+            <a:avLst/>
+          </a:prstGeom>
+          <a:solidFill>
+            <a:schemeClr val="bg2">
+              <a:lumMod val="50000"/>
+            </a:schemeClr>
+          </a:solidFill>
+        </p:spPr>
+        <p:style>
+          <a:lnRef idx="2">
+            <a:schemeClr val="accent1">
+              <a:shade val="50000"/>
+            </a:schemeClr>
+          </a:lnRef>
+          <a:fillRef idx="1">
+            <a:schemeClr val="accent1"/>
+          </a:fillRef>
+          <a:effectRef idx="0">
+            <a:schemeClr val="accent1"/>
+          </a:effectRef>
+          <a:fontRef idx="minor">
+            <a:schemeClr val="lt1"/>
+          </a:fontRef>
+        </p:style>
+        <p:txBody>
+          <a:bodyPr rtlCol="0" anchor="ctr"/>
+          <a:lstStyle/>
+          <a:p>
+            <a:pPr algn="ctr"/>
+            <a:r>
+              <a:rPr lang="en-US" altLang="zh-CN" b="1" dirty="0" err="1"/>
+              <a:t>SmsCodeAuthenticationProvider</a:t>
+            </a:r>
+            <a:endParaRPr lang="zh-CN" altLang="en-US" b="1" dirty="0"/>
+          </a:p>
+        </p:txBody>
+      </p:sp>
+      <p:sp>
+        <p:nvSpPr>
+          <p:cNvPr id="103" name="矩形 102"/>
+          <p:cNvSpPr/>
+          <p:nvPr/>
+        </p:nvSpPr>
+        <p:spPr>
+          <a:xfrm>
+            <a:off x="7094220" y="3990975"/>
+            <a:ext cx="4983480" cy="1854200"/>
+          </a:xfrm>
+          <a:prstGeom prst="rect">
+            <a:avLst/>
+          </a:prstGeom>
+          <a:solidFill>
+            <a:schemeClr val="tx1">
+              <a:lumMod val="50000"/>
+              <a:lumOff val="50000"/>
+            </a:schemeClr>
+          </a:solidFill>
+          <a:ln w="25400">
+            <a:solidFill>
+              <a:schemeClr val="tx1">
+                <a:lumMod val="50000"/>
+                <a:lumOff val="50000"/>
+              </a:schemeClr>
+            </a:solidFill>
+            <a:prstDash val="solid"/>
+          </a:ln>
+        </p:spPr>
+        <p:style>
+          <a:lnRef idx="2">
+            <a:schemeClr val="accent1">
+              <a:shade val="50000"/>
+            </a:schemeClr>
+          </a:lnRef>
+          <a:fillRef idx="1">
+            <a:schemeClr val="accent1"/>
+          </a:fillRef>
+          <a:effectRef idx="0">
+            <a:schemeClr val="accent1"/>
+          </a:effectRef>
+          <a:fontRef idx="minor">
+            <a:schemeClr val="lt1"/>
+          </a:fontRef>
+        </p:style>
+        <p:txBody>
+          <a:bodyPr rtlCol="0" anchor="ctr"/>
+          <a:lstStyle/>
+          <a:p>
+            <a:pPr algn="ctr"/>
+            <a:endParaRPr lang="zh-CN" altLang="en-US" dirty="0"/>
+          </a:p>
+        </p:txBody>
+      </p:sp>
+      <p:sp>
+        <p:nvSpPr>
+          <p:cNvPr id="107" name="矩形 106"/>
+          <p:cNvSpPr/>
+          <p:nvPr/>
+        </p:nvSpPr>
+        <p:spPr>
+          <a:xfrm>
+            <a:off x="7153910" y="5052060"/>
+            <a:ext cx="4895215" cy="609600"/>
+          </a:xfrm>
+          <a:prstGeom prst="rect">
+            <a:avLst/>
+          </a:prstGeom>
+        </p:spPr>
+        <p:style>
+          <a:lnRef idx="2">
+            <a:schemeClr val="accent1">
+              <a:shade val="50000"/>
+            </a:schemeClr>
+          </a:lnRef>
+          <a:fillRef idx="1">
+            <a:schemeClr val="accent1"/>
+          </a:fillRef>
+          <a:effectRef idx="0">
+            <a:schemeClr val="accent1"/>
+          </a:effectRef>
+          <a:fontRef idx="minor">
+            <a:schemeClr val="lt1"/>
+          </a:fontRef>
+        </p:style>
+        <p:txBody>
+          <a:bodyPr rtlCol="0" anchor="ctr"/>
+          <a:lstStyle/>
+          <a:p>
+            <a:pPr algn="ctr"/>
+            <a:r>
+              <a:rPr lang="en-US" altLang="zh-CN" sz="1700" dirty="0" err="1"/>
+              <a:t>AbstractUserDetailsAuthenticationProvider</a:t>
+            </a:r>
+            <a:endParaRPr lang="en-US" altLang="zh-CN" sz="1700" dirty="0" err="1"/>
+          </a:p>
+        </p:txBody>
+      </p:sp>
+      <p:sp>
+        <p:nvSpPr>
+          <p:cNvPr id="108" name="矩形 107"/>
+          <p:cNvSpPr/>
+          <p:nvPr/>
+        </p:nvSpPr>
+        <p:spPr>
+          <a:xfrm>
+            <a:off x="7931150" y="4129405"/>
+            <a:ext cx="3340100" cy="609600"/>
+          </a:xfrm>
+          <a:prstGeom prst="rect">
+            <a:avLst/>
+          </a:prstGeom>
+        </p:spPr>
+        <p:style>
+          <a:lnRef idx="2">
+            <a:schemeClr val="accent1">
+              <a:shade val="50000"/>
+            </a:schemeClr>
+          </a:lnRef>
+          <a:fillRef idx="1">
+            <a:schemeClr val="accent1"/>
+          </a:fillRef>
+          <a:effectRef idx="0">
+            <a:schemeClr val="accent1"/>
+          </a:effectRef>
+          <a:fontRef idx="minor">
+            <a:schemeClr val="lt1"/>
+          </a:fontRef>
+        </p:style>
+        <p:txBody>
+          <a:bodyPr rtlCol="0" anchor="ctr"/>
+          <a:lstStyle/>
+          <a:p>
+            <a:pPr algn="ctr"/>
+            <a:r>
+              <a:rPr lang="en-US" altLang="zh-CN" dirty="0" err="1"/>
+              <a:t>DaoAuthenticationProvider</a:t>
+            </a:r>
+            <a:endParaRPr lang="zh-CN" altLang="en-US" dirty="0"/>
+          </a:p>
+        </p:txBody>
+      </p:sp>
+      <p:cxnSp>
+        <p:nvCxnSpPr>
+          <p:cNvPr id="109" name="直接箭头连接符 108"/>
+          <p:cNvCxnSpPr>
+            <a:stCxn id="108" idx="0"/>
+            <a:endCxn id="20" idx="2"/>
+          </p:cNvCxnSpPr>
+          <p:nvPr/>
+        </p:nvCxnSpPr>
+        <p:spPr>
+          <a:xfrm flipV="1">
+            <a:off x="9601489" y="2813154"/>
+            <a:ext cx="454025" cy="1316355"/>
+          </a:xfrm>
+          <a:prstGeom prst="straightConnector1">
+            <a:avLst/>
+          </a:prstGeom>
+          <a:ln>
+            <a:tailEnd type="triangle"/>
+          </a:ln>
+        </p:spPr>
+        <p:style>
+          <a:lnRef idx="1">
+            <a:schemeClr val="accent1"/>
+          </a:lnRef>
+          <a:fillRef idx="0">
+            <a:schemeClr val="accent1"/>
+          </a:fillRef>
+          <a:effectRef idx="0">
+            <a:schemeClr val="accent1"/>
+          </a:effectRef>
+          <a:fontRef idx="minor">
+            <a:schemeClr val="tx1"/>
+          </a:fontRef>
+        </p:style>
+      </p:cxnSp>
+      <p:cxnSp>
+        <p:nvCxnSpPr>
+          <p:cNvPr id="110" name="直接箭头连接符 109"/>
+          <p:cNvCxnSpPr>
+            <a:stCxn id="107" idx="0"/>
+            <a:endCxn id="108" idx="2"/>
+          </p:cNvCxnSpPr>
+          <p:nvPr/>
+        </p:nvCxnSpPr>
+        <p:spPr>
+          <a:xfrm flipH="1" flipV="1">
+            <a:off x="9601490" y="4738836"/>
+            <a:ext cx="635" cy="313055"/>
+          </a:xfrm>
+          <a:prstGeom prst="straightConnector1">
+            <a:avLst/>
+          </a:prstGeom>
+          <a:ln>
+            <a:tailEnd type="triangle"/>
+          </a:ln>
+        </p:spPr>
+        <p:style>
+          <a:lnRef idx="1">
+            <a:schemeClr val="accent1"/>
+          </a:lnRef>
+          <a:fillRef idx="0">
+            <a:schemeClr val="accent1"/>
+          </a:fillRef>
+          <a:effectRef idx="0">
+            <a:schemeClr val="accent1"/>
+          </a:effectRef>
+          <a:fontRef idx="minor">
+            <a:schemeClr val="tx1"/>
+          </a:fontRef>
+        </p:style>
+      </p:cxnSp>
+      <p:cxnSp>
+        <p:nvCxnSpPr>
+          <p:cNvPr id="111" name="直接箭头连接符 110"/>
+          <p:cNvCxnSpPr>
+            <a:endCxn id="107" idx="2"/>
+          </p:cNvCxnSpPr>
+          <p:nvPr/>
+        </p:nvCxnSpPr>
+        <p:spPr>
+          <a:xfrm flipV="1">
+            <a:off x="8930860" y="5661491"/>
+            <a:ext cx="671265" cy="488072"/>
+          </a:xfrm>
+          <a:prstGeom prst="straightConnector1">
+            <a:avLst/>
+          </a:prstGeom>
+          <a:ln>
+            <a:tailEnd type="triangle"/>
+          </a:ln>
+        </p:spPr>
+        <p:style>
+          <a:lnRef idx="1">
+            <a:schemeClr val="accent1"/>
+          </a:lnRef>
+          <a:fillRef idx="0">
+            <a:schemeClr val="accent1"/>
+          </a:fillRef>
+          <a:effectRef idx="0">
+            <a:schemeClr val="accent1"/>
+          </a:effectRef>
+          <a:fontRef idx="minor">
+            <a:schemeClr val="tx1"/>
+          </a:fontRef>
+        </p:style>
+      </p:cxnSp>
+      <p:cxnSp>
+        <p:nvCxnSpPr>
+          <p:cNvPr id="112" name="直接箭头连接符 111"/>
+          <p:cNvCxnSpPr>
+            <a:stCxn id="23" idx="1"/>
+            <a:endCxn id="52" idx="2"/>
+          </p:cNvCxnSpPr>
+          <p:nvPr/>
+        </p:nvCxnSpPr>
+        <p:spPr>
+          <a:xfrm flipH="1" flipV="1">
+            <a:off x="5136480" y="5145977"/>
+            <a:ext cx="1459776" cy="1308386"/>
+          </a:xfrm>
+          <a:prstGeom prst="straightConnector1">
+            <a:avLst/>
+          </a:prstGeom>
+          <a:ln w="44450" cap="flat" cmpd="sng" algn="ctr">
+            <a:solidFill>
+              <a:schemeClr val="tx1">
+                <a:lumMod val="75000"/>
+                <a:lumOff val="25000"/>
+              </a:schemeClr>
+            </a:solidFill>
+            <a:prstDash val="dash"/>
+            <a:round/>
+            <a:headEnd type="none" w="med" len="med"/>
+            <a:tailEnd type="stealth" w="med" len="med"/>
+          </a:ln>
+        </p:spPr>
+        <p:style>
+          <a:lnRef idx="0">
+            <a:scrgbClr r="0" g="0" b="0"/>
+          </a:lnRef>
+          <a:fillRef idx="0">
+            <a:scrgbClr r="0" g="0" b="0"/>
+          </a:fillRef>
+          <a:effectRef idx="0">
+            <a:scrgbClr r="0" g="0" b="0"/>
+          </a:effectRef>
+          <a:fontRef idx="minor">
+            <a:schemeClr val="tx1"/>
+          </a:fontRef>
+        </p:style>
+      </p:cxnSp>
+      <p:cxnSp>
+        <p:nvCxnSpPr>
+          <p:cNvPr id="115" name="直接箭头连接符 114"/>
+          <p:cNvCxnSpPr>
+            <a:stCxn id="52" idx="0"/>
+            <a:endCxn id="20" idx="2"/>
+          </p:cNvCxnSpPr>
+          <p:nvPr/>
+        </p:nvCxnSpPr>
+        <p:spPr>
+          <a:xfrm flipV="1">
+            <a:off x="5136480" y="2812987"/>
+            <a:ext cx="4918710" cy="1723390"/>
+          </a:xfrm>
+          <a:prstGeom prst="straightConnector1">
+            <a:avLst/>
+          </a:prstGeom>
+          <a:ln w="44450" cap="flat" cmpd="sng" algn="ctr">
+            <a:solidFill>
+              <a:schemeClr val="tx1">
+                <a:lumMod val="75000"/>
+                <a:lumOff val="25000"/>
+              </a:schemeClr>
+            </a:solidFill>
+            <a:prstDash val="dash"/>
+            <a:round/>
+            <a:headEnd type="none" w="med" len="med"/>
+            <a:tailEnd type="stealth" w="med" len="med"/>
+          </a:ln>
+        </p:spPr>
+        <p:style>
+          <a:lnRef idx="0">
+            <a:scrgbClr r="0" g="0" b="0"/>
+          </a:lnRef>
+          <a:fillRef idx="0">
+            <a:scrgbClr r="0" g="0" b="0"/>
+          </a:fillRef>
+          <a:effectRef idx="0">
+            <a:scrgbClr r="0" g="0" b="0"/>
+          </a:effectRef>
+          <a:fontRef idx="minor">
+            <a:schemeClr val="tx1"/>
+          </a:fontRef>
+        </p:style>
+      </p:cxnSp>
+      <p:sp>
+        <p:nvSpPr>
+          <p:cNvPr id="2" name="矩形 1"/>
+          <p:cNvSpPr/>
+          <p:nvPr/>
+        </p:nvSpPr>
+        <p:spPr>
+          <a:xfrm>
+            <a:off x="63500" y="953135"/>
+            <a:ext cx="4618355" cy="609600"/>
+          </a:xfrm>
+          <a:prstGeom prst="rect">
+            <a:avLst/>
+          </a:prstGeom>
+          <a:solidFill>
+            <a:schemeClr val="accent2">
+              <a:lumMod val="75000"/>
+            </a:schemeClr>
+          </a:solidFill>
+        </p:spPr>
+        <p:style>
+          <a:lnRef idx="2">
+            <a:schemeClr val="accent2">
+              <a:shade val="50000"/>
+            </a:schemeClr>
+          </a:lnRef>
+          <a:fillRef idx="1">
+            <a:schemeClr val="accent2"/>
+          </a:fillRef>
+          <a:effectRef idx="0">
+            <a:schemeClr val="accent2"/>
+          </a:effectRef>
+          <a:fontRef idx="minor">
+            <a:schemeClr val="lt1"/>
+          </a:fontRef>
+        </p:style>
+        <p:txBody>
+          <a:bodyPr rtlCol="0" anchor="ctr"/>
+          <a:p>
+            <a:pPr algn="ctr"/>
+            <a:r>
+              <a:rPr lang="zh-CN" altLang="zh-CN" dirty="0"/>
+              <a:t>短信验证码校验</a:t>
+            </a:r>
+            <a:r>
+              <a:rPr lang="en-US" altLang="zh-CN" dirty="0"/>
+              <a:t>Filter</a:t>
+            </a:r>
+            <a:endParaRPr lang="en-US" altLang="zh-CN" dirty="0"/>
+          </a:p>
+        </p:txBody>
+      </p:sp>
+      <p:cxnSp>
+        <p:nvCxnSpPr>
+          <p:cNvPr id="5" name="直接箭头连接符 4"/>
+          <p:cNvCxnSpPr>
+            <a:stCxn id="4" idx="2"/>
+            <a:endCxn id="2" idx="0"/>
+          </p:cNvCxnSpPr>
+          <p:nvPr/>
+        </p:nvCxnSpPr>
+        <p:spPr>
+          <a:xfrm>
+            <a:off x="2372360" y="777875"/>
+            <a:ext cx="635" cy="175260"/>
+          </a:xfrm>
+          <a:prstGeom prst="straightConnector1">
+            <a:avLst/>
+          </a:prstGeom>
+          <a:ln>
+            <a:tailEnd type="arrow"/>
+          </a:ln>
+        </p:spPr>
+        <p:style>
+          <a:lnRef idx="1">
+            <a:schemeClr val="accent1"/>
+          </a:lnRef>
+          <a:fillRef idx="0">
+            <a:schemeClr val="accent1"/>
+          </a:fillRef>
+          <a:effectRef idx="0">
+            <a:schemeClr val="accent1"/>
+          </a:effectRef>
+          <a:fontRef idx="minor">
+            <a:schemeClr val="tx1"/>
+          </a:fontRef>
+        </p:style>
+      </p:cxnSp>
+      <p:cxnSp>
+        <p:nvCxnSpPr>
+          <p:cNvPr id="7" name="直接箭头连接符 6"/>
+          <p:cNvCxnSpPr>
+            <a:stCxn id="2" idx="2"/>
+            <a:endCxn id="6" idx="0"/>
+          </p:cNvCxnSpPr>
+          <p:nvPr/>
+        </p:nvCxnSpPr>
+        <p:spPr>
+          <a:xfrm>
+            <a:off x="2372995" y="1562735"/>
+            <a:ext cx="0" cy="247015"/>
+          </a:xfrm>
+          <a:prstGeom prst="straightConnector1">
+            <a:avLst/>
+          </a:prstGeom>
+          <a:ln>
+            <a:tailEnd type="arrow"/>
+          </a:ln>
+        </p:spPr>
+        <p:style>
+          <a:lnRef idx="1">
+            <a:schemeClr val="accent1"/>
+          </a:lnRef>
+          <a:fillRef idx="0">
+            <a:schemeClr val="accent1"/>
+          </a:fillRef>
+          <a:effectRef idx="0">
+            <a:schemeClr val="accent1"/>
+          </a:effectRef>
+          <a:fontRef idx="minor">
+            <a:schemeClr val="tx1"/>
+          </a:fontRef>
+        </p:style>
+      </p:cxnSp>
     </p:spTree>
   </p:cSld>
   <p:clrMapOvr>
@@ -11491,7 +13704,7 @@
         <a:sysClr val="windowText" lastClr="000000"/>
       </a:dk1>
       <a:lt1>
-        <a:sysClr val="window" lastClr="CCE8CF"/>
+        <a:sysClr val="window" lastClr="FFFFFF"/>
       </a:lt1>
       <a:dk2>
         <a:srgbClr val="44546A"/>
@@ -11734,8 +13947,6 @@
       </a:bgFillStyleLst>
     </a:fmtScheme>
   </a:themeElements>
-  <a:objectDefaults/>
-  <a:extraClrSchemeLst/>
   <a:extLst>
     <a:ext uri="{05A4C25C-085E-4340-85A3-A5531E510DB2}">
       <thm15:themeFamily xmlns:thm15="http://schemas.microsoft.com/office/thememl/2012/main" name="Office Theme" id="{62F939B6-93AF-4DB8-9C6B-D6C7DFDC589F}" vid="{4A3C46E8-61CC-4603-A589-7422A47A8E4A}"/>
@@ -11752,7 +13963,7 @@
         <a:sysClr val="windowText" lastClr="000000"/>
       </a:dk1>
       <a:lt1>
-        <a:sysClr val="window" lastClr="CCE8CF"/>
+        <a:sysClr val="window" lastClr="FFFFFF"/>
       </a:lt1>
       <a:dk2>
         <a:srgbClr val="44546A"/>
@@ -11995,8 +14206,6 @@
       </a:bgFillStyleLst>
     </a:fmtScheme>
   </a:themeElements>
-  <a:objectDefaults/>
-  <a:extraClrSchemeLst/>
   <a:extLst>
     <a:ext uri="{05A4C25C-085E-4340-85A3-A5531E510DB2}">
       <thm15:themeFamily xmlns:thm15="http://schemas.microsoft.com/office/thememl/2012/main" name="Office Theme" id="{62F939B6-93AF-4DB8-9C6B-D6C7DFDC589F}" vid="{4A3C46E8-61CC-4603-A589-7422A47A8E4A}"/>
@@ -12013,7 +14222,7 @@
         <a:sysClr val="windowText" lastClr="000000"/>
       </a:dk1>
       <a:lt1>
-        <a:sysClr val="window" lastClr="CCE8CF"/>
+        <a:sysClr val="window" lastClr="FFFFFF"/>
       </a:lt1>
       <a:dk2>
         <a:srgbClr val="44546A"/>
@@ -12256,8 +14465,6 @@
       </a:bgFillStyleLst>
     </a:fmtScheme>
   </a:themeElements>
-  <a:objectDefaults/>
-  <a:extraClrSchemeLst/>
   <a:extLst>
     <a:ext uri="{05A4C25C-085E-4340-85A3-A5531E510DB2}">
       <thm15:themeFamily xmlns:thm15="http://schemas.microsoft.com/office/thememl/2012/main" name="Office Theme" id="{62F939B6-93AF-4DB8-9C6B-D6C7DFDC589F}" vid="{4A3C46E8-61CC-4603-A589-7422A47A8E4A}"/>

--- a/src/main/resources/docs/表单登陆认证、spring-security原理图.pptx
+++ b/src/main/resources/docs/表单登陆认证、spring-security原理图.pptx
@@ -3,20 +3,21 @@
 <p:presentation xmlns:a="http://schemas.openxmlformats.org/drawingml/2006/main" xmlns:r="http://schemas.openxmlformats.org/officeDocument/2006/relationships" xmlns:p="http://schemas.openxmlformats.org/presentationml/2006/main">
   <p:sldMasterIdLst>
     <p:sldMasterId id="2147483648" r:id="rId1"/>
-    <p:sldMasterId id="2147483660" r:id="rId3"/>
+    <p:sldMasterId id="2147483660" r:id="rId2"/>
   </p:sldMasterIdLst>
   <p:notesMasterIdLst>
     <p:notesMasterId r:id="rId12"/>
   </p:notesMasterIdLst>
   <p:sldIdLst>
-    <p:sldId id="258" r:id="rId4"/>
-    <p:sldId id="261" r:id="rId5"/>
-    <p:sldId id="263" r:id="rId6"/>
-    <p:sldId id="264" r:id="rId7"/>
-    <p:sldId id="266" r:id="rId8"/>
-    <p:sldId id="265" r:id="rId9"/>
-    <p:sldId id="270" r:id="rId10"/>
-    <p:sldId id="268" r:id="rId11"/>
+    <p:sldId id="258" r:id="rId3"/>
+    <p:sldId id="261" r:id="rId4"/>
+    <p:sldId id="263" r:id="rId5"/>
+    <p:sldId id="264" r:id="rId6"/>
+    <p:sldId id="266" r:id="rId7"/>
+    <p:sldId id="265" r:id="rId8"/>
+    <p:sldId id="270" r:id="rId9"/>
+    <p:sldId id="268" r:id="rId10"/>
+    <p:sldId id="272" r:id="rId11"/>
   </p:sldIdLst>
   <p:sldSz cx="12192000" cy="6858000"/>
   <p:notesSz cx="6858000" cy="9144000"/>
@@ -115,6 +116,11 @@
       </a:defRPr>
     </a:lvl9pPr>
   </p:defaultTextStyle>
+  <p:extLst>
+    <p:ext uri="{EFAFB233-063F-42B5-8137-9DF3F51BA10A}">
+      <p15:sldGuideLst xmlns:p15="http://schemas.microsoft.com/office/powerpoint/2012/main"/>
+    </p:ext>
+  </p:extLst>
 </p:presentation>
 </file>
 
@@ -200,6 +206,7 @@
           <a:p>
             <a:fld id="{D2A48B96-639E-45A3-A0BA-2464DFDB1FAA}" type="datetimeFigureOut">
               <a:rPr lang="zh-CN" altLang="en-US" smtClean="0"/>
+              <a:t>2019/9/5</a:t>
             </a:fld>
             <a:endParaRPr lang="zh-CN" altLang="en-US"/>
           </a:p>
@@ -266,7 +273,6 @@
               <a:rPr lang="zh-CN" altLang="en-US"/>
               <a:t>单击此处编辑母版文本样式</a:t>
             </a:r>
-            <a:endParaRPr lang="zh-CN" altLang="en-US"/>
           </a:p>
           <a:p>
             <a:pPr lvl="1"/>
@@ -274,7 +280,6 @@
               <a:rPr lang="zh-CN" altLang="en-US"/>
               <a:t>第二级</a:t>
             </a:r>
-            <a:endParaRPr lang="zh-CN" altLang="en-US"/>
           </a:p>
           <a:p>
             <a:pPr lvl="2"/>
@@ -282,7 +287,6 @@
               <a:rPr lang="zh-CN" altLang="en-US"/>
               <a:t>第三级</a:t>
             </a:r>
-            <a:endParaRPr lang="zh-CN" altLang="en-US"/>
           </a:p>
           <a:p>
             <a:pPr lvl="3"/>
@@ -290,7 +294,6 @@
               <a:rPr lang="zh-CN" altLang="en-US"/>
               <a:t>第四级</a:t>
             </a:r>
-            <a:endParaRPr lang="zh-CN" altLang="en-US"/>
           </a:p>
           <a:p>
             <a:pPr lvl="4"/>
@@ -298,7 +301,6 @@
               <a:rPr lang="zh-CN" altLang="en-US"/>
               <a:t>第五级</a:t>
             </a:r>
-            <a:endParaRPr lang="zh-CN" altLang="en-US"/>
           </a:p>
         </p:txBody>
       </p:sp>
@@ -362,12 +364,18 @@
           <a:p>
             <a:fld id="{A6837353-30EB-4A48-80EB-173D804AEFBD}" type="slidenum">
               <a:rPr lang="zh-CN" altLang="en-US" smtClean="0"/>
+              <a:t>‹#›</a:t>
             </a:fld>
             <a:endParaRPr lang="zh-CN" altLang="en-US"/>
           </a:p>
         </p:txBody>
       </p:sp>
     </p:spTree>
+    <p:extLst>
+      <p:ext uri="{BB962C8B-B14F-4D97-AF65-F5344CB8AC3E}">
+        <p14:creationId xmlns:p14="http://schemas.microsoft.com/office/powerpoint/2010/main" val="1551739307"/>
+      </p:ext>
+    </p:extLst>
   </p:cSld>
   <p:clrMap bg1="lt1" tx1="dk1" bg2="lt2" tx2="dk2" accent1="accent1" accent2="accent2" accent3="accent3" accent4="accent4" accent5="accent5" accent6="accent6" hlink="hlink" folHlink="folHlink"/>
   <p:notesStyle>
@@ -510,7 +518,6 @@
               <a:rPr lang="zh-CN" altLang="en-US"/>
               <a:t>单击此处编辑母版标题样式</a:t>
             </a:r>
-            <a:endParaRPr lang="zh-CN" altLang="en-US"/>
           </a:p>
         </p:txBody>
       </p:sp>
@@ -575,7 +582,6 @@
               <a:rPr lang="zh-CN" altLang="en-US"/>
               <a:t>单击此处编辑母版副标题样式</a:t>
             </a:r>
-            <a:endParaRPr lang="zh-CN" altLang="en-US"/>
           </a:p>
         </p:txBody>
       </p:sp>
@@ -596,6 +602,7 @@
           <a:p>
             <a:fld id="{D96F5486-16C2-4901-8944-7ACDDDAAE09D}" type="datetimeFigureOut">
               <a:rPr lang="zh-CN" altLang="en-US" smtClean="0"/>
+              <a:t>2019/9/5</a:t>
             </a:fld>
             <a:endParaRPr lang="zh-CN" altLang="en-US"/>
           </a:p>
@@ -637,6 +644,7 @@
           <a:p>
             <a:fld id="{58AB1745-11A7-4016-818B-4B2639D76C27}" type="slidenum">
               <a:rPr lang="zh-CN" altLang="en-US" smtClean="0"/>
+              <a:t>‹#›</a:t>
             </a:fld>
             <a:endParaRPr lang="zh-CN" altLang="en-US"/>
           </a:p>
@@ -686,7 +694,6 @@
               <a:rPr lang="zh-CN" altLang="en-US"/>
               <a:t>单击此处编辑母版标题样式</a:t>
             </a:r>
-            <a:endParaRPr lang="zh-CN" altLang="en-US"/>
           </a:p>
         </p:txBody>
       </p:sp>
@@ -710,7 +717,6 @@
               <a:rPr lang="zh-CN" altLang="en-US"/>
               <a:t>单击此处编辑母版文本样式</a:t>
             </a:r>
-            <a:endParaRPr lang="zh-CN" altLang="en-US"/>
           </a:p>
           <a:p>
             <a:pPr lvl="1"/>
@@ -718,7 +724,6 @@
               <a:rPr lang="zh-CN" altLang="en-US"/>
               <a:t>二级</a:t>
             </a:r>
-            <a:endParaRPr lang="zh-CN" altLang="en-US"/>
           </a:p>
           <a:p>
             <a:pPr lvl="2"/>
@@ -726,7 +731,6 @@
               <a:rPr lang="zh-CN" altLang="en-US"/>
               <a:t>三级</a:t>
             </a:r>
-            <a:endParaRPr lang="zh-CN" altLang="en-US"/>
           </a:p>
           <a:p>
             <a:pPr lvl="3"/>
@@ -734,7 +738,6 @@
               <a:rPr lang="zh-CN" altLang="en-US"/>
               <a:t>四级</a:t>
             </a:r>
-            <a:endParaRPr lang="zh-CN" altLang="en-US"/>
           </a:p>
           <a:p>
             <a:pPr lvl="4"/>
@@ -742,7 +745,6 @@
               <a:rPr lang="zh-CN" altLang="en-US"/>
               <a:t>五级</a:t>
             </a:r>
-            <a:endParaRPr lang="zh-CN" altLang="en-US"/>
           </a:p>
         </p:txBody>
       </p:sp>
@@ -763,6 +765,7 @@
           <a:p>
             <a:fld id="{D96F5486-16C2-4901-8944-7ACDDDAAE09D}" type="datetimeFigureOut">
               <a:rPr lang="zh-CN" altLang="en-US" smtClean="0"/>
+              <a:t>2019/9/5</a:t>
             </a:fld>
             <a:endParaRPr lang="zh-CN" altLang="en-US"/>
           </a:p>
@@ -804,6 +807,7 @@
           <a:p>
             <a:fld id="{58AB1745-11A7-4016-818B-4B2639D76C27}" type="slidenum">
               <a:rPr lang="zh-CN" altLang="en-US" smtClean="0"/>
+              <a:t>‹#›</a:t>
             </a:fld>
             <a:endParaRPr lang="zh-CN" altLang="en-US"/>
           </a:p>
@@ -858,7 +862,6 @@
               <a:rPr lang="zh-CN" altLang="en-US"/>
               <a:t>单击此处编辑母版标题样式</a:t>
             </a:r>
-            <a:endParaRPr lang="zh-CN" altLang="en-US"/>
           </a:p>
         </p:txBody>
       </p:sp>
@@ -887,7 +890,6 @@
               <a:rPr lang="zh-CN" altLang="en-US"/>
               <a:t>单击此处编辑母版文本样式</a:t>
             </a:r>
-            <a:endParaRPr lang="zh-CN" altLang="en-US"/>
           </a:p>
           <a:p>
             <a:pPr lvl="1"/>
@@ -895,7 +897,6 @@
               <a:rPr lang="zh-CN" altLang="en-US"/>
               <a:t>二级</a:t>
             </a:r>
-            <a:endParaRPr lang="zh-CN" altLang="en-US"/>
           </a:p>
           <a:p>
             <a:pPr lvl="2"/>
@@ -903,7 +904,6 @@
               <a:rPr lang="zh-CN" altLang="en-US"/>
               <a:t>三级</a:t>
             </a:r>
-            <a:endParaRPr lang="zh-CN" altLang="en-US"/>
           </a:p>
           <a:p>
             <a:pPr lvl="3"/>
@@ -911,7 +911,6 @@
               <a:rPr lang="zh-CN" altLang="en-US"/>
               <a:t>四级</a:t>
             </a:r>
-            <a:endParaRPr lang="zh-CN" altLang="en-US"/>
           </a:p>
           <a:p>
             <a:pPr lvl="4"/>
@@ -919,7 +918,6 @@
               <a:rPr lang="zh-CN" altLang="en-US"/>
               <a:t>五级</a:t>
             </a:r>
-            <a:endParaRPr lang="zh-CN" altLang="en-US"/>
           </a:p>
         </p:txBody>
       </p:sp>
@@ -940,6 +938,7 @@
           <a:p>
             <a:fld id="{D96F5486-16C2-4901-8944-7ACDDDAAE09D}" type="datetimeFigureOut">
               <a:rPr lang="zh-CN" altLang="en-US" smtClean="0"/>
+              <a:t>2019/9/5</a:t>
             </a:fld>
             <a:endParaRPr lang="zh-CN" altLang="en-US"/>
           </a:p>
@@ -981,6 +980,7 @@
           <a:p>
             <a:fld id="{58AB1745-11A7-4016-818B-4B2639D76C27}" type="slidenum">
               <a:rPr lang="zh-CN" altLang="en-US" smtClean="0"/>
+              <a:t>‹#›</a:t>
             </a:fld>
             <a:endParaRPr lang="zh-CN" altLang="en-US"/>
           </a:p>
@@ -1039,7 +1039,6 @@
               <a:rPr lang="zh-CN" altLang="en-US"/>
               <a:t>单击此处编辑母版标题样式</a:t>
             </a:r>
-            <a:endParaRPr lang="zh-CN" altLang="en-US"/>
           </a:p>
         </p:txBody>
       </p:sp>
@@ -1104,7 +1103,6 @@
               <a:rPr lang="zh-CN" altLang="en-US"/>
               <a:t>单击此处编辑母版副标题样式</a:t>
             </a:r>
-            <a:endParaRPr lang="zh-CN" altLang="en-US"/>
           </a:p>
         </p:txBody>
       </p:sp>
@@ -1125,6 +1123,7 @@
           <a:p>
             <a:fld id="{D96F5486-16C2-4901-8944-7ACDDDAAE09D}" type="datetimeFigureOut">
               <a:rPr lang="zh-CN" altLang="en-US" smtClean="0"/>
+              <a:t>2019/9/5</a:t>
             </a:fld>
             <a:endParaRPr lang="zh-CN" altLang="en-US"/>
           </a:p>
@@ -1166,6 +1165,7 @@
           <a:p>
             <a:fld id="{58AB1745-11A7-4016-818B-4B2639D76C27}" type="slidenum">
               <a:rPr lang="zh-CN" altLang="en-US" smtClean="0"/>
+              <a:t>‹#›</a:t>
             </a:fld>
             <a:endParaRPr lang="zh-CN" altLang="en-US"/>
           </a:p>
@@ -1215,7 +1215,6 @@
               <a:rPr lang="zh-CN" altLang="en-US"/>
               <a:t>单击此处编辑母版标题样式</a:t>
             </a:r>
-            <a:endParaRPr lang="zh-CN" altLang="en-US"/>
           </a:p>
         </p:txBody>
       </p:sp>
@@ -1239,7 +1238,6 @@
               <a:rPr lang="zh-CN" altLang="en-US"/>
               <a:t>单击此处编辑母版文本样式</a:t>
             </a:r>
-            <a:endParaRPr lang="zh-CN" altLang="en-US"/>
           </a:p>
           <a:p>
             <a:pPr lvl="1"/>
@@ -1247,7 +1245,6 @@
               <a:rPr lang="zh-CN" altLang="en-US"/>
               <a:t>二级</a:t>
             </a:r>
-            <a:endParaRPr lang="zh-CN" altLang="en-US"/>
           </a:p>
           <a:p>
             <a:pPr lvl="2"/>
@@ -1255,7 +1252,6 @@
               <a:rPr lang="zh-CN" altLang="en-US"/>
               <a:t>三级</a:t>
             </a:r>
-            <a:endParaRPr lang="zh-CN" altLang="en-US"/>
           </a:p>
           <a:p>
             <a:pPr lvl="3"/>
@@ -1263,7 +1259,6 @@
               <a:rPr lang="zh-CN" altLang="en-US"/>
               <a:t>四级</a:t>
             </a:r>
-            <a:endParaRPr lang="zh-CN" altLang="en-US"/>
           </a:p>
           <a:p>
             <a:pPr lvl="4"/>
@@ -1271,7 +1266,6 @@
               <a:rPr lang="zh-CN" altLang="en-US"/>
               <a:t>五级</a:t>
             </a:r>
-            <a:endParaRPr lang="zh-CN" altLang="en-US"/>
           </a:p>
         </p:txBody>
       </p:sp>
@@ -1292,6 +1286,7 @@
           <a:p>
             <a:fld id="{D96F5486-16C2-4901-8944-7ACDDDAAE09D}" type="datetimeFigureOut">
               <a:rPr lang="zh-CN" altLang="en-US" smtClean="0"/>
+              <a:t>2019/9/5</a:t>
             </a:fld>
             <a:endParaRPr lang="zh-CN" altLang="en-US"/>
           </a:p>
@@ -1333,6 +1328,7 @@
           <a:p>
             <a:fld id="{58AB1745-11A7-4016-818B-4B2639D76C27}" type="slidenum">
               <a:rPr lang="zh-CN" altLang="en-US" smtClean="0"/>
+              <a:t>‹#›</a:t>
             </a:fld>
             <a:endParaRPr lang="zh-CN" altLang="en-US"/>
           </a:p>
@@ -1391,7 +1387,6 @@
               <a:rPr lang="zh-CN" altLang="en-US"/>
               <a:t>单击此处编辑母版标题样式</a:t>
             </a:r>
-            <a:endParaRPr lang="zh-CN" altLang="en-US"/>
           </a:p>
         </p:txBody>
       </p:sp>
@@ -1511,7 +1506,6 @@
               <a:rPr lang="zh-CN" altLang="en-US"/>
               <a:t>单击此处编辑母版文本样式</a:t>
             </a:r>
-            <a:endParaRPr lang="zh-CN" altLang="en-US"/>
           </a:p>
         </p:txBody>
       </p:sp>
@@ -1532,6 +1526,7 @@
           <a:p>
             <a:fld id="{D96F5486-16C2-4901-8944-7ACDDDAAE09D}" type="datetimeFigureOut">
               <a:rPr lang="zh-CN" altLang="en-US" smtClean="0"/>
+              <a:t>2019/9/5</a:t>
             </a:fld>
             <a:endParaRPr lang="zh-CN" altLang="en-US"/>
           </a:p>
@@ -1573,6 +1568,7 @@
           <a:p>
             <a:fld id="{58AB1745-11A7-4016-818B-4B2639D76C27}" type="slidenum">
               <a:rPr lang="zh-CN" altLang="en-US" smtClean="0"/>
+              <a:t>‹#›</a:t>
             </a:fld>
             <a:endParaRPr lang="zh-CN" altLang="en-US"/>
           </a:p>
@@ -1622,7 +1618,6 @@
               <a:rPr lang="zh-CN" altLang="en-US"/>
               <a:t>单击此处编辑母版标题样式</a:t>
             </a:r>
-            <a:endParaRPr lang="zh-CN" altLang="en-US"/>
           </a:p>
         </p:txBody>
       </p:sp>
@@ -1651,7 +1646,6 @@
               <a:rPr lang="zh-CN" altLang="en-US"/>
               <a:t>单击此处编辑母版文本样式</a:t>
             </a:r>
-            <a:endParaRPr lang="zh-CN" altLang="en-US"/>
           </a:p>
           <a:p>
             <a:pPr lvl="1"/>
@@ -1659,7 +1653,6 @@
               <a:rPr lang="zh-CN" altLang="en-US"/>
               <a:t>二级</a:t>
             </a:r>
-            <a:endParaRPr lang="zh-CN" altLang="en-US"/>
           </a:p>
           <a:p>
             <a:pPr lvl="2"/>
@@ -1667,7 +1660,6 @@
               <a:rPr lang="zh-CN" altLang="en-US"/>
               <a:t>三级</a:t>
             </a:r>
-            <a:endParaRPr lang="zh-CN" altLang="en-US"/>
           </a:p>
           <a:p>
             <a:pPr lvl="3"/>
@@ -1675,7 +1667,6 @@
               <a:rPr lang="zh-CN" altLang="en-US"/>
               <a:t>四级</a:t>
             </a:r>
-            <a:endParaRPr lang="zh-CN" altLang="en-US"/>
           </a:p>
           <a:p>
             <a:pPr lvl="4"/>
@@ -1683,7 +1674,6 @@
               <a:rPr lang="zh-CN" altLang="en-US"/>
               <a:t>五级</a:t>
             </a:r>
-            <a:endParaRPr lang="zh-CN" altLang="en-US"/>
           </a:p>
         </p:txBody>
       </p:sp>
@@ -1712,7 +1702,6 @@
               <a:rPr lang="zh-CN" altLang="en-US"/>
               <a:t>单击此处编辑母版文本样式</a:t>
             </a:r>
-            <a:endParaRPr lang="zh-CN" altLang="en-US"/>
           </a:p>
           <a:p>
             <a:pPr lvl="1"/>
@@ -1720,7 +1709,6 @@
               <a:rPr lang="zh-CN" altLang="en-US"/>
               <a:t>二级</a:t>
             </a:r>
-            <a:endParaRPr lang="zh-CN" altLang="en-US"/>
           </a:p>
           <a:p>
             <a:pPr lvl="2"/>
@@ -1728,7 +1716,6 @@
               <a:rPr lang="zh-CN" altLang="en-US"/>
               <a:t>三级</a:t>
             </a:r>
-            <a:endParaRPr lang="zh-CN" altLang="en-US"/>
           </a:p>
           <a:p>
             <a:pPr lvl="3"/>
@@ -1736,7 +1723,6 @@
               <a:rPr lang="zh-CN" altLang="en-US"/>
               <a:t>四级</a:t>
             </a:r>
-            <a:endParaRPr lang="zh-CN" altLang="en-US"/>
           </a:p>
           <a:p>
             <a:pPr lvl="4"/>
@@ -1744,7 +1730,6 @@
               <a:rPr lang="zh-CN" altLang="en-US"/>
               <a:t>五级</a:t>
             </a:r>
-            <a:endParaRPr lang="zh-CN" altLang="en-US"/>
           </a:p>
         </p:txBody>
       </p:sp>
@@ -1765,6 +1750,7 @@
           <a:p>
             <a:fld id="{D96F5486-16C2-4901-8944-7ACDDDAAE09D}" type="datetimeFigureOut">
               <a:rPr lang="zh-CN" altLang="en-US" smtClean="0"/>
+              <a:t>2019/9/5</a:t>
             </a:fld>
             <a:endParaRPr lang="zh-CN" altLang="en-US"/>
           </a:p>
@@ -1806,6 +1792,7 @@
           <a:p>
             <a:fld id="{58AB1745-11A7-4016-818B-4B2639D76C27}" type="slidenum">
               <a:rPr lang="zh-CN" altLang="en-US" smtClean="0"/>
+              <a:t>‹#›</a:t>
             </a:fld>
             <a:endParaRPr lang="zh-CN" altLang="en-US"/>
           </a:p>
@@ -1860,7 +1847,6 @@
               <a:rPr lang="zh-CN" altLang="en-US"/>
               <a:t>单击此处编辑母版标题样式</a:t>
             </a:r>
-            <a:endParaRPr lang="zh-CN" altLang="en-US"/>
           </a:p>
         </p:txBody>
       </p:sp>
@@ -1926,7 +1912,6 @@
               <a:rPr lang="zh-CN" altLang="en-US"/>
               <a:t>单击此处编辑母版文本样式</a:t>
             </a:r>
-            <a:endParaRPr lang="zh-CN" altLang="en-US"/>
           </a:p>
         </p:txBody>
       </p:sp>
@@ -1955,7 +1940,6 @@
               <a:rPr lang="zh-CN" altLang="en-US"/>
               <a:t>单击此处编辑母版文本样式</a:t>
             </a:r>
-            <a:endParaRPr lang="zh-CN" altLang="en-US"/>
           </a:p>
           <a:p>
             <a:pPr lvl="1"/>
@@ -1963,7 +1947,6 @@
               <a:rPr lang="zh-CN" altLang="en-US"/>
               <a:t>二级</a:t>
             </a:r>
-            <a:endParaRPr lang="zh-CN" altLang="en-US"/>
           </a:p>
           <a:p>
             <a:pPr lvl="2"/>
@@ -1971,7 +1954,6 @@
               <a:rPr lang="zh-CN" altLang="en-US"/>
               <a:t>三级</a:t>
             </a:r>
-            <a:endParaRPr lang="zh-CN" altLang="en-US"/>
           </a:p>
           <a:p>
             <a:pPr lvl="3"/>
@@ -1979,7 +1961,6 @@
               <a:rPr lang="zh-CN" altLang="en-US"/>
               <a:t>四级</a:t>
             </a:r>
-            <a:endParaRPr lang="zh-CN" altLang="en-US"/>
           </a:p>
           <a:p>
             <a:pPr lvl="4"/>
@@ -1987,7 +1968,6 @@
               <a:rPr lang="zh-CN" altLang="en-US"/>
               <a:t>五级</a:t>
             </a:r>
-            <a:endParaRPr lang="zh-CN" altLang="en-US"/>
           </a:p>
         </p:txBody>
       </p:sp>
@@ -2053,7 +2033,6 @@
               <a:rPr lang="zh-CN" altLang="en-US"/>
               <a:t>单击此处编辑母版文本样式</a:t>
             </a:r>
-            <a:endParaRPr lang="zh-CN" altLang="en-US"/>
           </a:p>
         </p:txBody>
       </p:sp>
@@ -2082,7 +2061,6 @@
               <a:rPr lang="zh-CN" altLang="en-US"/>
               <a:t>单击此处编辑母版文本样式</a:t>
             </a:r>
-            <a:endParaRPr lang="zh-CN" altLang="en-US"/>
           </a:p>
           <a:p>
             <a:pPr lvl="1"/>
@@ -2090,7 +2068,6 @@
               <a:rPr lang="zh-CN" altLang="en-US"/>
               <a:t>二级</a:t>
             </a:r>
-            <a:endParaRPr lang="zh-CN" altLang="en-US"/>
           </a:p>
           <a:p>
             <a:pPr lvl="2"/>
@@ -2098,7 +2075,6 @@
               <a:rPr lang="zh-CN" altLang="en-US"/>
               <a:t>三级</a:t>
             </a:r>
-            <a:endParaRPr lang="zh-CN" altLang="en-US"/>
           </a:p>
           <a:p>
             <a:pPr lvl="3"/>
@@ -2106,7 +2082,6 @@
               <a:rPr lang="zh-CN" altLang="en-US"/>
               <a:t>四级</a:t>
             </a:r>
-            <a:endParaRPr lang="zh-CN" altLang="en-US"/>
           </a:p>
           <a:p>
             <a:pPr lvl="4"/>
@@ -2114,7 +2089,6 @@
               <a:rPr lang="zh-CN" altLang="en-US"/>
               <a:t>五级</a:t>
             </a:r>
-            <a:endParaRPr lang="zh-CN" altLang="en-US"/>
           </a:p>
         </p:txBody>
       </p:sp>
@@ -2135,6 +2109,7 @@
           <a:p>
             <a:fld id="{D96F5486-16C2-4901-8944-7ACDDDAAE09D}" type="datetimeFigureOut">
               <a:rPr lang="zh-CN" altLang="en-US" smtClean="0"/>
+              <a:t>2019/9/5</a:t>
             </a:fld>
             <a:endParaRPr lang="zh-CN" altLang="en-US"/>
           </a:p>
@@ -2176,6 +2151,7 @@
           <a:p>
             <a:fld id="{58AB1745-11A7-4016-818B-4B2639D76C27}" type="slidenum">
               <a:rPr lang="zh-CN" altLang="en-US" smtClean="0"/>
+              <a:t>‹#›</a:t>
             </a:fld>
             <a:endParaRPr lang="zh-CN" altLang="en-US"/>
           </a:p>
@@ -2225,7 +2201,6 @@
               <a:rPr lang="zh-CN" altLang="en-US"/>
               <a:t>单击此处编辑母版标题样式</a:t>
             </a:r>
-            <a:endParaRPr lang="zh-CN" altLang="en-US"/>
           </a:p>
         </p:txBody>
       </p:sp>
@@ -2246,6 +2221,7 @@
           <a:p>
             <a:fld id="{D96F5486-16C2-4901-8944-7ACDDDAAE09D}" type="datetimeFigureOut">
               <a:rPr lang="zh-CN" altLang="en-US" smtClean="0"/>
+              <a:t>2019/9/5</a:t>
             </a:fld>
             <a:endParaRPr lang="zh-CN" altLang="en-US"/>
           </a:p>
@@ -2287,6 +2263,7 @@
           <a:p>
             <a:fld id="{58AB1745-11A7-4016-818B-4B2639D76C27}" type="slidenum">
               <a:rPr lang="zh-CN" altLang="en-US" smtClean="0"/>
+              <a:t>‹#›</a:t>
             </a:fld>
             <a:endParaRPr lang="zh-CN" altLang="en-US"/>
           </a:p>
@@ -2334,6 +2311,7 @@
           <a:p>
             <a:fld id="{D96F5486-16C2-4901-8944-7ACDDDAAE09D}" type="datetimeFigureOut">
               <a:rPr lang="zh-CN" altLang="en-US" smtClean="0"/>
+              <a:t>2019/9/5</a:t>
             </a:fld>
             <a:endParaRPr lang="zh-CN" altLang="en-US"/>
           </a:p>
@@ -2375,6 +2353,7 @@
           <a:p>
             <a:fld id="{58AB1745-11A7-4016-818B-4B2639D76C27}" type="slidenum">
               <a:rPr lang="zh-CN" altLang="en-US" smtClean="0"/>
+              <a:t>‹#›</a:t>
             </a:fld>
             <a:endParaRPr lang="zh-CN" altLang="en-US"/>
           </a:p>
@@ -2433,7 +2412,6 @@
               <a:rPr lang="zh-CN" altLang="en-US"/>
               <a:t>单击此处编辑母版标题样式</a:t>
             </a:r>
-            <a:endParaRPr lang="zh-CN" altLang="en-US"/>
           </a:p>
         </p:txBody>
       </p:sp>
@@ -2490,7 +2468,6 @@
               <a:rPr lang="zh-CN" altLang="en-US"/>
               <a:t>单击此处编辑母版文本样式</a:t>
             </a:r>
-            <a:endParaRPr lang="zh-CN" altLang="en-US"/>
           </a:p>
           <a:p>
             <a:pPr lvl="1"/>
@@ -2498,7 +2475,6 @@
               <a:rPr lang="zh-CN" altLang="en-US"/>
               <a:t>二级</a:t>
             </a:r>
-            <a:endParaRPr lang="zh-CN" altLang="en-US"/>
           </a:p>
           <a:p>
             <a:pPr lvl="2"/>
@@ -2506,7 +2482,6 @@
               <a:rPr lang="zh-CN" altLang="en-US"/>
               <a:t>三级</a:t>
             </a:r>
-            <a:endParaRPr lang="zh-CN" altLang="en-US"/>
           </a:p>
           <a:p>
             <a:pPr lvl="3"/>
@@ -2514,7 +2489,6 @@
               <a:rPr lang="zh-CN" altLang="en-US"/>
               <a:t>四级</a:t>
             </a:r>
-            <a:endParaRPr lang="zh-CN" altLang="en-US"/>
           </a:p>
           <a:p>
             <a:pPr lvl="4"/>
@@ -2522,7 +2496,6 @@
               <a:rPr lang="zh-CN" altLang="en-US"/>
               <a:t>五级</a:t>
             </a:r>
-            <a:endParaRPr lang="zh-CN" altLang="en-US"/>
           </a:p>
         </p:txBody>
       </p:sp>
@@ -2588,7 +2561,6 @@
               <a:rPr lang="zh-CN" altLang="en-US"/>
               <a:t>单击此处编辑母版文本样式</a:t>
             </a:r>
-            <a:endParaRPr lang="zh-CN" altLang="en-US"/>
           </a:p>
         </p:txBody>
       </p:sp>
@@ -2609,6 +2581,7 @@
           <a:p>
             <a:fld id="{D96F5486-16C2-4901-8944-7ACDDDAAE09D}" type="datetimeFigureOut">
               <a:rPr lang="zh-CN" altLang="en-US" smtClean="0"/>
+              <a:t>2019/9/5</a:t>
             </a:fld>
             <a:endParaRPr lang="zh-CN" altLang="en-US"/>
           </a:p>
@@ -2650,6 +2623,7 @@
           <a:p>
             <a:fld id="{58AB1745-11A7-4016-818B-4B2639D76C27}" type="slidenum">
               <a:rPr lang="zh-CN" altLang="en-US" smtClean="0"/>
+              <a:t>‹#›</a:t>
             </a:fld>
             <a:endParaRPr lang="zh-CN" altLang="en-US"/>
           </a:p>
@@ -2699,7 +2673,6 @@
               <a:rPr lang="zh-CN" altLang="en-US"/>
               <a:t>单击此处编辑母版标题样式</a:t>
             </a:r>
-            <a:endParaRPr lang="zh-CN" altLang="en-US"/>
           </a:p>
         </p:txBody>
       </p:sp>
@@ -2723,7 +2696,6 @@
               <a:rPr lang="zh-CN" altLang="en-US"/>
               <a:t>单击此处编辑母版文本样式</a:t>
             </a:r>
-            <a:endParaRPr lang="zh-CN" altLang="en-US"/>
           </a:p>
           <a:p>
             <a:pPr lvl="1"/>
@@ -2731,7 +2703,6 @@
               <a:rPr lang="zh-CN" altLang="en-US"/>
               <a:t>二级</a:t>
             </a:r>
-            <a:endParaRPr lang="zh-CN" altLang="en-US"/>
           </a:p>
           <a:p>
             <a:pPr lvl="2"/>
@@ -2739,7 +2710,6 @@
               <a:rPr lang="zh-CN" altLang="en-US"/>
               <a:t>三级</a:t>
             </a:r>
-            <a:endParaRPr lang="zh-CN" altLang="en-US"/>
           </a:p>
           <a:p>
             <a:pPr lvl="3"/>
@@ -2747,7 +2717,6 @@
               <a:rPr lang="zh-CN" altLang="en-US"/>
               <a:t>四级</a:t>
             </a:r>
-            <a:endParaRPr lang="zh-CN" altLang="en-US"/>
           </a:p>
           <a:p>
             <a:pPr lvl="4"/>
@@ -2755,7 +2724,6 @@
               <a:rPr lang="zh-CN" altLang="en-US"/>
               <a:t>五级</a:t>
             </a:r>
-            <a:endParaRPr lang="zh-CN" altLang="en-US"/>
           </a:p>
         </p:txBody>
       </p:sp>
@@ -2776,6 +2744,7 @@
           <a:p>
             <a:fld id="{D96F5486-16C2-4901-8944-7ACDDDAAE09D}" type="datetimeFigureOut">
               <a:rPr lang="zh-CN" altLang="en-US" smtClean="0"/>
+              <a:t>2019/9/5</a:t>
             </a:fld>
             <a:endParaRPr lang="zh-CN" altLang="en-US"/>
           </a:p>
@@ -2817,6 +2786,7 @@
           <a:p>
             <a:fld id="{58AB1745-11A7-4016-818B-4B2639D76C27}" type="slidenum">
               <a:rPr lang="zh-CN" altLang="en-US" smtClean="0"/>
+              <a:t>‹#›</a:t>
             </a:fld>
             <a:endParaRPr lang="zh-CN" altLang="en-US"/>
           </a:p>
@@ -2875,7 +2845,6 @@
               <a:rPr lang="zh-CN" altLang="en-US"/>
               <a:t>单击此处编辑母版标题样式</a:t>
             </a:r>
-            <a:endParaRPr lang="zh-CN" altLang="en-US"/>
           </a:p>
         </p:txBody>
       </p:sp>
@@ -3002,7 +2971,6 @@
               <a:rPr lang="zh-CN" altLang="en-US"/>
               <a:t>单击此处编辑母版文本样式</a:t>
             </a:r>
-            <a:endParaRPr lang="zh-CN" altLang="en-US"/>
           </a:p>
         </p:txBody>
       </p:sp>
@@ -3023,6 +2991,7 @@
           <a:p>
             <a:fld id="{D96F5486-16C2-4901-8944-7ACDDDAAE09D}" type="datetimeFigureOut">
               <a:rPr lang="zh-CN" altLang="en-US" smtClean="0"/>
+              <a:t>2019/9/5</a:t>
             </a:fld>
             <a:endParaRPr lang="zh-CN" altLang="en-US"/>
           </a:p>
@@ -3064,6 +3033,7 @@
           <a:p>
             <a:fld id="{58AB1745-11A7-4016-818B-4B2639D76C27}" type="slidenum">
               <a:rPr lang="zh-CN" altLang="en-US" smtClean="0"/>
+              <a:t>‹#›</a:t>
             </a:fld>
             <a:endParaRPr lang="zh-CN" altLang="en-US"/>
           </a:p>
@@ -3113,7 +3083,6 @@
               <a:rPr lang="zh-CN" altLang="en-US"/>
               <a:t>单击此处编辑母版标题样式</a:t>
             </a:r>
-            <a:endParaRPr lang="zh-CN" altLang="en-US"/>
           </a:p>
         </p:txBody>
       </p:sp>
@@ -3137,7 +3106,6 @@
               <a:rPr lang="zh-CN" altLang="en-US"/>
               <a:t>单击此处编辑母版文本样式</a:t>
             </a:r>
-            <a:endParaRPr lang="zh-CN" altLang="en-US"/>
           </a:p>
           <a:p>
             <a:pPr lvl="1"/>
@@ -3145,7 +3113,6 @@
               <a:rPr lang="zh-CN" altLang="en-US"/>
               <a:t>二级</a:t>
             </a:r>
-            <a:endParaRPr lang="zh-CN" altLang="en-US"/>
           </a:p>
           <a:p>
             <a:pPr lvl="2"/>
@@ -3153,7 +3120,6 @@
               <a:rPr lang="zh-CN" altLang="en-US"/>
               <a:t>三级</a:t>
             </a:r>
-            <a:endParaRPr lang="zh-CN" altLang="en-US"/>
           </a:p>
           <a:p>
             <a:pPr lvl="3"/>
@@ -3161,7 +3127,6 @@
               <a:rPr lang="zh-CN" altLang="en-US"/>
               <a:t>四级</a:t>
             </a:r>
-            <a:endParaRPr lang="zh-CN" altLang="en-US"/>
           </a:p>
           <a:p>
             <a:pPr lvl="4"/>
@@ -3169,7 +3134,6 @@
               <a:rPr lang="zh-CN" altLang="en-US"/>
               <a:t>五级</a:t>
             </a:r>
-            <a:endParaRPr lang="zh-CN" altLang="en-US"/>
           </a:p>
         </p:txBody>
       </p:sp>
@@ -3190,6 +3154,7 @@
           <a:p>
             <a:fld id="{D96F5486-16C2-4901-8944-7ACDDDAAE09D}" type="datetimeFigureOut">
               <a:rPr lang="zh-CN" altLang="en-US" smtClean="0"/>
+              <a:t>2019/9/5</a:t>
             </a:fld>
             <a:endParaRPr lang="zh-CN" altLang="en-US"/>
           </a:p>
@@ -3231,6 +3196,7 @@
           <a:p>
             <a:fld id="{58AB1745-11A7-4016-818B-4B2639D76C27}" type="slidenum">
               <a:rPr lang="zh-CN" altLang="en-US" smtClean="0"/>
+              <a:t>‹#›</a:t>
             </a:fld>
             <a:endParaRPr lang="zh-CN" altLang="en-US"/>
           </a:p>
@@ -3285,7 +3251,6 @@
               <a:rPr lang="zh-CN" altLang="en-US"/>
               <a:t>单击此处编辑母版标题样式</a:t>
             </a:r>
-            <a:endParaRPr lang="zh-CN" altLang="en-US"/>
           </a:p>
         </p:txBody>
       </p:sp>
@@ -3314,7 +3279,6 @@
               <a:rPr lang="zh-CN" altLang="en-US"/>
               <a:t>单击此处编辑母版文本样式</a:t>
             </a:r>
-            <a:endParaRPr lang="zh-CN" altLang="en-US"/>
           </a:p>
           <a:p>
             <a:pPr lvl="1"/>
@@ -3322,7 +3286,6 @@
               <a:rPr lang="zh-CN" altLang="en-US"/>
               <a:t>二级</a:t>
             </a:r>
-            <a:endParaRPr lang="zh-CN" altLang="en-US"/>
           </a:p>
           <a:p>
             <a:pPr lvl="2"/>
@@ -3330,7 +3293,6 @@
               <a:rPr lang="zh-CN" altLang="en-US"/>
               <a:t>三级</a:t>
             </a:r>
-            <a:endParaRPr lang="zh-CN" altLang="en-US"/>
           </a:p>
           <a:p>
             <a:pPr lvl="3"/>
@@ -3338,7 +3300,6 @@
               <a:rPr lang="zh-CN" altLang="en-US"/>
               <a:t>四级</a:t>
             </a:r>
-            <a:endParaRPr lang="zh-CN" altLang="en-US"/>
           </a:p>
           <a:p>
             <a:pPr lvl="4"/>
@@ -3346,7 +3307,6 @@
               <a:rPr lang="zh-CN" altLang="en-US"/>
               <a:t>五级</a:t>
             </a:r>
-            <a:endParaRPr lang="zh-CN" altLang="en-US"/>
           </a:p>
         </p:txBody>
       </p:sp>
@@ -3367,6 +3327,7 @@
           <a:p>
             <a:fld id="{D96F5486-16C2-4901-8944-7ACDDDAAE09D}" type="datetimeFigureOut">
               <a:rPr lang="zh-CN" altLang="en-US" smtClean="0"/>
+              <a:t>2019/9/5</a:t>
             </a:fld>
             <a:endParaRPr lang="zh-CN" altLang="en-US"/>
           </a:p>
@@ -3408,6 +3369,7 @@
           <a:p>
             <a:fld id="{58AB1745-11A7-4016-818B-4B2639D76C27}" type="slidenum">
               <a:rPr lang="zh-CN" altLang="en-US" smtClean="0"/>
+              <a:t>‹#›</a:t>
             </a:fld>
             <a:endParaRPr lang="zh-CN" altLang="en-US"/>
           </a:p>
@@ -3466,7 +3428,6 @@
               <a:rPr lang="zh-CN" altLang="en-US"/>
               <a:t>单击此处编辑母版标题样式</a:t>
             </a:r>
-            <a:endParaRPr lang="zh-CN" altLang="en-US"/>
           </a:p>
         </p:txBody>
       </p:sp>
@@ -3586,7 +3547,6 @@
               <a:rPr lang="zh-CN" altLang="en-US"/>
               <a:t>单击此处编辑母版文本样式</a:t>
             </a:r>
-            <a:endParaRPr lang="zh-CN" altLang="en-US"/>
           </a:p>
         </p:txBody>
       </p:sp>
@@ -3607,6 +3567,7 @@
           <a:p>
             <a:fld id="{D96F5486-16C2-4901-8944-7ACDDDAAE09D}" type="datetimeFigureOut">
               <a:rPr lang="zh-CN" altLang="en-US" smtClean="0"/>
+              <a:t>2019/9/5</a:t>
             </a:fld>
             <a:endParaRPr lang="zh-CN" altLang="en-US"/>
           </a:p>
@@ -3648,6 +3609,7 @@
           <a:p>
             <a:fld id="{58AB1745-11A7-4016-818B-4B2639D76C27}" type="slidenum">
               <a:rPr lang="zh-CN" altLang="en-US" smtClean="0"/>
+              <a:t>‹#›</a:t>
             </a:fld>
             <a:endParaRPr lang="zh-CN" altLang="en-US"/>
           </a:p>
@@ -3697,7 +3659,6 @@
               <a:rPr lang="zh-CN" altLang="en-US"/>
               <a:t>单击此处编辑母版标题样式</a:t>
             </a:r>
-            <a:endParaRPr lang="zh-CN" altLang="en-US"/>
           </a:p>
         </p:txBody>
       </p:sp>
@@ -3726,7 +3687,6 @@
               <a:rPr lang="zh-CN" altLang="en-US"/>
               <a:t>单击此处编辑母版文本样式</a:t>
             </a:r>
-            <a:endParaRPr lang="zh-CN" altLang="en-US"/>
           </a:p>
           <a:p>
             <a:pPr lvl="1"/>
@@ -3734,7 +3694,6 @@
               <a:rPr lang="zh-CN" altLang="en-US"/>
               <a:t>二级</a:t>
             </a:r>
-            <a:endParaRPr lang="zh-CN" altLang="en-US"/>
           </a:p>
           <a:p>
             <a:pPr lvl="2"/>
@@ -3742,7 +3701,6 @@
               <a:rPr lang="zh-CN" altLang="en-US"/>
               <a:t>三级</a:t>
             </a:r>
-            <a:endParaRPr lang="zh-CN" altLang="en-US"/>
           </a:p>
           <a:p>
             <a:pPr lvl="3"/>
@@ -3750,7 +3708,6 @@
               <a:rPr lang="zh-CN" altLang="en-US"/>
               <a:t>四级</a:t>
             </a:r>
-            <a:endParaRPr lang="zh-CN" altLang="en-US"/>
           </a:p>
           <a:p>
             <a:pPr lvl="4"/>
@@ -3758,7 +3715,6 @@
               <a:rPr lang="zh-CN" altLang="en-US"/>
               <a:t>五级</a:t>
             </a:r>
-            <a:endParaRPr lang="zh-CN" altLang="en-US"/>
           </a:p>
         </p:txBody>
       </p:sp>
@@ -3787,7 +3743,6 @@
               <a:rPr lang="zh-CN" altLang="en-US"/>
               <a:t>单击此处编辑母版文本样式</a:t>
             </a:r>
-            <a:endParaRPr lang="zh-CN" altLang="en-US"/>
           </a:p>
           <a:p>
             <a:pPr lvl="1"/>
@@ -3795,7 +3750,6 @@
               <a:rPr lang="zh-CN" altLang="en-US"/>
               <a:t>二级</a:t>
             </a:r>
-            <a:endParaRPr lang="zh-CN" altLang="en-US"/>
           </a:p>
           <a:p>
             <a:pPr lvl="2"/>
@@ -3803,7 +3757,6 @@
               <a:rPr lang="zh-CN" altLang="en-US"/>
               <a:t>三级</a:t>
             </a:r>
-            <a:endParaRPr lang="zh-CN" altLang="en-US"/>
           </a:p>
           <a:p>
             <a:pPr lvl="3"/>
@@ -3811,7 +3764,6 @@
               <a:rPr lang="zh-CN" altLang="en-US"/>
               <a:t>四级</a:t>
             </a:r>
-            <a:endParaRPr lang="zh-CN" altLang="en-US"/>
           </a:p>
           <a:p>
             <a:pPr lvl="4"/>
@@ -3819,7 +3771,6 @@
               <a:rPr lang="zh-CN" altLang="en-US"/>
               <a:t>五级</a:t>
             </a:r>
-            <a:endParaRPr lang="zh-CN" altLang="en-US"/>
           </a:p>
         </p:txBody>
       </p:sp>
@@ -3840,6 +3791,7 @@
           <a:p>
             <a:fld id="{D96F5486-16C2-4901-8944-7ACDDDAAE09D}" type="datetimeFigureOut">
               <a:rPr lang="zh-CN" altLang="en-US" smtClean="0"/>
+              <a:t>2019/9/5</a:t>
             </a:fld>
             <a:endParaRPr lang="zh-CN" altLang="en-US"/>
           </a:p>
@@ -3881,6 +3833,7 @@
           <a:p>
             <a:fld id="{58AB1745-11A7-4016-818B-4B2639D76C27}" type="slidenum">
               <a:rPr lang="zh-CN" altLang="en-US" smtClean="0"/>
+              <a:t>‹#›</a:t>
             </a:fld>
             <a:endParaRPr lang="zh-CN" altLang="en-US"/>
           </a:p>
@@ -3935,7 +3888,6 @@
               <a:rPr lang="zh-CN" altLang="en-US"/>
               <a:t>单击此处编辑母版标题样式</a:t>
             </a:r>
-            <a:endParaRPr lang="zh-CN" altLang="en-US"/>
           </a:p>
         </p:txBody>
       </p:sp>
@@ -4001,7 +3953,6 @@
               <a:rPr lang="zh-CN" altLang="en-US"/>
               <a:t>单击此处编辑母版文本样式</a:t>
             </a:r>
-            <a:endParaRPr lang="zh-CN" altLang="en-US"/>
           </a:p>
         </p:txBody>
       </p:sp>
@@ -4030,7 +3981,6 @@
               <a:rPr lang="zh-CN" altLang="en-US"/>
               <a:t>单击此处编辑母版文本样式</a:t>
             </a:r>
-            <a:endParaRPr lang="zh-CN" altLang="en-US"/>
           </a:p>
           <a:p>
             <a:pPr lvl="1"/>
@@ -4038,7 +3988,6 @@
               <a:rPr lang="zh-CN" altLang="en-US"/>
               <a:t>二级</a:t>
             </a:r>
-            <a:endParaRPr lang="zh-CN" altLang="en-US"/>
           </a:p>
           <a:p>
             <a:pPr lvl="2"/>
@@ -4046,7 +3995,6 @@
               <a:rPr lang="zh-CN" altLang="en-US"/>
               <a:t>三级</a:t>
             </a:r>
-            <a:endParaRPr lang="zh-CN" altLang="en-US"/>
           </a:p>
           <a:p>
             <a:pPr lvl="3"/>
@@ -4054,7 +4002,6 @@
               <a:rPr lang="zh-CN" altLang="en-US"/>
               <a:t>四级</a:t>
             </a:r>
-            <a:endParaRPr lang="zh-CN" altLang="en-US"/>
           </a:p>
           <a:p>
             <a:pPr lvl="4"/>
@@ -4062,7 +4009,6 @@
               <a:rPr lang="zh-CN" altLang="en-US"/>
               <a:t>五级</a:t>
             </a:r>
-            <a:endParaRPr lang="zh-CN" altLang="en-US"/>
           </a:p>
         </p:txBody>
       </p:sp>
@@ -4128,7 +4074,6 @@
               <a:rPr lang="zh-CN" altLang="en-US"/>
               <a:t>单击此处编辑母版文本样式</a:t>
             </a:r>
-            <a:endParaRPr lang="zh-CN" altLang="en-US"/>
           </a:p>
         </p:txBody>
       </p:sp>
@@ -4157,7 +4102,6 @@
               <a:rPr lang="zh-CN" altLang="en-US"/>
               <a:t>单击此处编辑母版文本样式</a:t>
             </a:r>
-            <a:endParaRPr lang="zh-CN" altLang="en-US"/>
           </a:p>
           <a:p>
             <a:pPr lvl="1"/>
@@ -4165,7 +4109,6 @@
               <a:rPr lang="zh-CN" altLang="en-US"/>
               <a:t>二级</a:t>
             </a:r>
-            <a:endParaRPr lang="zh-CN" altLang="en-US"/>
           </a:p>
           <a:p>
             <a:pPr lvl="2"/>
@@ -4173,7 +4116,6 @@
               <a:rPr lang="zh-CN" altLang="en-US"/>
               <a:t>三级</a:t>
             </a:r>
-            <a:endParaRPr lang="zh-CN" altLang="en-US"/>
           </a:p>
           <a:p>
             <a:pPr lvl="3"/>
@@ -4181,7 +4123,6 @@
               <a:rPr lang="zh-CN" altLang="en-US"/>
               <a:t>四级</a:t>
             </a:r>
-            <a:endParaRPr lang="zh-CN" altLang="en-US"/>
           </a:p>
           <a:p>
             <a:pPr lvl="4"/>
@@ -4189,7 +4130,6 @@
               <a:rPr lang="zh-CN" altLang="en-US"/>
               <a:t>五级</a:t>
             </a:r>
-            <a:endParaRPr lang="zh-CN" altLang="en-US"/>
           </a:p>
         </p:txBody>
       </p:sp>
@@ -4210,6 +4150,7 @@
           <a:p>
             <a:fld id="{D96F5486-16C2-4901-8944-7ACDDDAAE09D}" type="datetimeFigureOut">
               <a:rPr lang="zh-CN" altLang="en-US" smtClean="0"/>
+              <a:t>2019/9/5</a:t>
             </a:fld>
             <a:endParaRPr lang="zh-CN" altLang="en-US"/>
           </a:p>
@@ -4251,6 +4192,7 @@
           <a:p>
             <a:fld id="{58AB1745-11A7-4016-818B-4B2639D76C27}" type="slidenum">
               <a:rPr lang="zh-CN" altLang="en-US" smtClean="0"/>
+              <a:t>‹#›</a:t>
             </a:fld>
             <a:endParaRPr lang="zh-CN" altLang="en-US"/>
           </a:p>
@@ -4300,7 +4242,6 @@
               <a:rPr lang="zh-CN" altLang="en-US"/>
               <a:t>单击此处编辑母版标题样式</a:t>
             </a:r>
-            <a:endParaRPr lang="zh-CN" altLang="en-US"/>
           </a:p>
         </p:txBody>
       </p:sp>
@@ -4321,6 +4262,7 @@
           <a:p>
             <a:fld id="{D96F5486-16C2-4901-8944-7ACDDDAAE09D}" type="datetimeFigureOut">
               <a:rPr lang="zh-CN" altLang="en-US" smtClean="0"/>
+              <a:t>2019/9/5</a:t>
             </a:fld>
             <a:endParaRPr lang="zh-CN" altLang="en-US"/>
           </a:p>
@@ -4362,6 +4304,7 @@
           <a:p>
             <a:fld id="{58AB1745-11A7-4016-818B-4B2639D76C27}" type="slidenum">
               <a:rPr lang="zh-CN" altLang="en-US" smtClean="0"/>
+              <a:t>‹#›</a:t>
             </a:fld>
             <a:endParaRPr lang="zh-CN" altLang="en-US"/>
           </a:p>
@@ -4409,6 +4352,7 @@
           <a:p>
             <a:fld id="{D96F5486-16C2-4901-8944-7ACDDDAAE09D}" type="datetimeFigureOut">
               <a:rPr lang="zh-CN" altLang="en-US" smtClean="0"/>
+              <a:t>2019/9/5</a:t>
             </a:fld>
             <a:endParaRPr lang="zh-CN" altLang="en-US"/>
           </a:p>
@@ -4450,6 +4394,7 @@
           <a:p>
             <a:fld id="{58AB1745-11A7-4016-818B-4B2639D76C27}" type="slidenum">
               <a:rPr lang="zh-CN" altLang="en-US" smtClean="0"/>
+              <a:t>‹#›</a:t>
             </a:fld>
             <a:endParaRPr lang="zh-CN" altLang="en-US"/>
           </a:p>
@@ -4508,7 +4453,6 @@
               <a:rPr lang="zh-CN" altLang="en-US"/>
               <a:t>单击此处编辑母版标题样式</a:t>
             </a:r>
-            <a:endParaRPr lang="zh-CN" altLang="en-US"/>
           </a:p>
         </p:txBody>
       </p:sp>
@@ -4565,7 +4509,6 @@
               <a:rPr lang="zh-CN" altLang="en-US"/>
               <a:t>单击此处编辑母版文本样式</a:t>
             </a:r>
-            <a:endParaRPr lang="zh-CN" altLang="en-US"/>
           </a:p>
           <a:p>
             <a:pPr lvl="1"/>
@@ -4573,7 +4516,6 @@
               <a:rPr lang="zh-CN" altLang="en-US"/>
               <a:t>二级</a:t>
             </a:r>
-            <a:endParaRPr lang="zh-CN" altLang="en-US"/>
           </a:p>
           <a:p>
             <a:pPr lvl="2"/>
@@ -4581,7 +4523,6 @@
               <a:rPr lang="zh-CN" altLang="en-US"/>
               <a:t>三级</a:t>
             </a:r>
-            <a:endParaRPr lang="zh-CN" altLang="en-US"/>
           </a:p>
           <a:p>
             <a:pPr lvl="3"/>
@@ -4589,7 +4530,6 @@
               <a:rPr lang="zh-CN" altLang="en-US"/>
               <a:t>四级</a:t>
             </a:r>
-            <a:endParaRPr lang="zh-CN" altLang="en-US"/>
           </a:p>
           <a:p>
             <a:pPr lvl="4"/>
@@ -4597,7 +4537,6 @@
               <a:rPr lang="zh-CN" altLang="en-US"/>
               <a:t>五级</a:t>
             </a:r>
-            <a:endParaRPr lang="zh-CN" altLang="en-US"/>
           </a:p>
         </p:txBody>
       </p:sp>
@@ -4663,7 +4602,6 @@
               <a:rPr lang="zh-CN" altLang="en-US"/>
               <a:t>单击此处编辑母版文本样式</a:t>
             </a:r>
-            <a:endParaRPr lang="zh-CN" altLang="en-US"/>
           </a:p>
         </p:txBody>
       </p:sp>
@@ -4684,6 +4622,7 @@
           <a:p>
             <a:fld id="{D96F5486-16C2-4901-8944-7ACDDDAAE09D}" type="datetimeFigureOut">
               <a:rPr lang="zh-CN" altLang="en-US" smtClean="0"/>
+              <a:t>2019/9/5</a:t>
             </a:fld>
             <a:endParaRPr lang="zh-CN" altLang="en-US"/>
           </a:p>
@@ -4725,6 +4664,7 @@
           <a:p>
             <a:fld id="{58AB1745-11A7-4016-818B-4B2639D76C27}" type="slidenum">
               <a:rPr lang="zh-CN" altLang="en-US" smtClean="0"/>
+              <a:t>‹#›</a:t>
             </a:fld>
             <a:endParaRPr lang="zh-CN" altLang="en-US"/>
           </a:p>
@@ -4783,7 +4723,6 @@
               <a:rPr lang="zh-CN" altLang="en-US"/>
               <a:t>单击此处编辑母版标题样式</a:t>
             </a:r>
-            <a:endParaRPr lang="zh-CN" altLang="en-US"/>
           </a:p>
         </p:txBody>
       </p:sp>
@@ -4910,7 +4849,6 @@
               <a:rPr lang="zh-CN" altLang="en-US"/>
               <a:t>单击此处编辑母版文本样式</a:t>
             </a:r>
-            <a:endParaRPr lang="zh-CN" altLang="en-US"/>
           </a:p>
         </p:txBody>
       </p:sp>
@@ -4931,6 +4869,7 @@
           <a:p>
             <a:fld id="{D96F5486-16C2-4901-8944-7ACDDDAAE09D}" type="datetimeFigureOut">
               <a:rPr lang="zh-CN" altLang="en-US" smtClean="0"/>
+              <a:t>2019/9/5</a:t>
             </a:fld>
             <a:endParaRPr lang="zh-CN" altLang="en-US"/>
           </a:p>
@@ -4972,6 +4911,7 @@
           <a:p>
             <a:fld id="{58AB1745-11A7-4016-818B-4B2639D76C27}" type="slidenum">
               <a:rPr lang="zh-CN" altLang="en-US" smtClean="0"/>
+              <a:t>‹#›</a:t>
             </a:fld>
             <a:endParaRPr lang="zh-CN" altLang="en-US"/>
           </a:p>
@@ -5036,7 +4976,6 @@
               <a:rPr lang="zh-CN" altLang="en-US"/>
               <a:t>单击此处编辑母版标题样式</a:t>
             </a:r>
-            <a:endParaRPr lang="zh-CN" altLang="en-US"/>
           </a:p>
         </p:txBody>
       </p:sp>
@@ -5070,7 +5009,6 @@
               <a:rPr lang="zh-CN" altLang="en-US"/>
               <a:t>单击此处编辑母版文本样式</a:t>
             </a:r>
-            <a:endParaRPr lang="zh-CN" altLang="en-US"/>
           </a:p>
           <a:p>
             <a:pPr lvl="1"/>
@@ -5078,7 +5016,6 @@
               <a:rPr lang="zh-CN" altLang="en-US"/>
               <a:t>二级</a:t>
             </a:r>
-            <a:endParaRPr lang="zh-CN" altLang="en-US"/>
           </a:p>
           <a:p>
             <a:pPr lvl="2"/>
@@ -5086,7 +5023,6 @@
               <a:rPr lang="zh-CN" altLang="en-US"/>
               <a:t>三级</a:t>
             </a:r>
-            <a:endParaRPr lang="zh-CN" altLang="en-US"/>
           </a:p>
           <a:p>
             <a:pPr lvl="3"/>
@@ -5094,7 +5030,6 @@
               <a:rPr lang="zh-CN" altLang="en-US"/>
               <a:t>四级</a:t>
             </a:r>
-            <a:endParaRPr lang="zh-CN" altLang="en-US"/>
           </a:p>
           <a:p>
             <a:pPr lvl="4"/>
@@ -5102,7 +5037,6 @@
               <a:rPr lang="zh-CN" altLang="en-US"/>
               <a:t>五级</a:t>
             </a:r>
-            <a:endParaRPr lang="zh-CN" altLang="en-US"/>
           </a:p>
         </p:txBody>
       </p:sp>
@@ -5141,6 +5075,7 @@
           <a:p>
             <a:fld id="{D96F5486-16C2-4901-8944-7ACDDDAAE09D}" type="datetimeFigureOut">
               <a:rPr lang="zh-CN" altLang="en-US" smtClean="0"/>
+              <a:t>2019/9/5</a:t>
             </a:fld>
             <a:endParaRPr lang="zh-CN" altLang="en-US"/>
           </a:p>
@@ -5218,6 +5153,7 @@
           <a:p>
             <a:fld id="{58AB1745-11A7-4016-818B-4B2639D76C27}" type="slidenum">
               <a:rPr lang="zh-CN" altLang="en-US" smtClean="0"/>
+              <a:t>‹#›</a:t>
             </a:fld>
             <a:endParaRPr lang="zh-CN" altLang="en-US"/>
           </a:p>
@@ -5573,7 +5509,6 @@
               <a:rPr lang="zh-CN" altLang="en-US"/>
               <a:t>单击此处编辑母版标题样式</a:t>
             </a:r>
-            <a:endParaRPr lang="zh-CN" altLang="en-US"/>
           </a:p>
         </p:txBody>
       </p:sp>
@@ -5607,7 +5542,6 @@
               <a:rPr lang="zh-CN" altLang="en-US"/>
               <a:t>单击此处编辑母版文本样式</a:t>
             </a:r>
-            <a:endParaRPr lang="zh-CN" altLang="en-US"/>
           </a:p>
           <a:p>
             <a:pPr lvl="1"/>
@@ -5615,7 +5549,6 @@
               <a:rPr lang="zh-CN" altLang="en-US"/>
               <a:t>二级</a:t>
             </a:r>
-            <a:endParaRPr lang="zh-CN" altLang="en-US"/>
           </a:p>
           <a:p>
             <a:pPr lvl="2"/>
@@ -5623,7 +5556,6 @@
               <a:rPr lang="zh-CN" altLang="en-US"/>
               <a:t>三级</a:t>
             </a:r>
-            <a:endParaRPr lang="zh-CN" altLang="en-US"/>
           </a:p>
           <a:p>
             <a:pPr lvl="3"/>
@@ -5631,7 +5563,6 @@
               <a:rPr lang="zh-CN" altLang="en-US"/>
               <a:t>四级</a:t>
             </a:r>
-            <a:endParaRPr lang="zh-CN" altLang="en-US"/>
           </a:p>
           <a:p>
             <a:pPr lvl="4"/>
@@ -5639,7 +5570,6 @@
               <a:rPr lang="zh-CN" altLang="en-US"/>
               <a:t>五级</a:t>
             </a:r>
-            <a:endParaRPr lang="zh-CN" altLang="en-US"/>
           </a:p>
         </p:txBody>
       </p:sp>
@@ -5678,6 +5608,7 @@
           <a:p>
             <a:fld id="{D96F5486-16C2-4901-8944-7ACDDDAAE09D}" type="datetimeFigureOut">
               <a:rPr lang="zh-CN" altLang="en-US" smtClean="0"/>
+              <a:t>2019/9/5</a:t>
             </a:fld>
             <a:endParaRPr lang="zh-CN" altLang="en-US"/>
           </a:p>
@@ -5755,6 +5686,7 @@
           <a:p>
             <a:fld id="{58AB1745-11A7-4016-818B-4B2639D76C27}" type="slidenum">
               <a:rPr lang="zh-CN" altLang="en-US" smtClean="0"/>
+              <a:t>‹#›</a:t>
             </a:fld>
             <a:endParaRPr lang="zh-CN" altLang="en-US"/>
           </a:p>
@@ -7198,7 +7130,6 @@
               <a:rPr lang="zh-CN" altLang="en-US" b="1" dirty="0"/>
               <a:t>。。。</a:t>
             </a:r>
-            <a:endParaRPr lang="zh-CN" altLang="en-US" b="1" dirty="0"/>
           </a:p>
         </p:txBody>
       </p:sp>
@@ -7449,7 +7380,6 @@
               <a:rPr lang="zh-CN" altLang="en-US" b="1" dirty="0"/>
               <a:t>。。。</a:t>
             </a:r>
-            <a:endParaRPr lang="zh-CN" altLang="en-US" b="1" dirty="0"/>
           </a:p>
         </p:txBody>
       </p:sp>
@@ -7679,7 +7609,6 @@
               <a:rPr lang="zh-CN" altLang="en-US" dirty="0"/>
               <a:t>的配置类</a:t>
             </a:r>
-            <a:endParaRPr lang="zh-CN" altLang="en-US" dirty="0"/>
           </a:p>
         </p:txBody>
       </p:sp>
@@ -7882,7 +7811,6 @@
               <a:rPr lang="zh-CN" altLang="en-US" dirty="0"/>
               <a:t>服务</a:t>
             </a:r>
-            <a:endParaRPr lang="zh-CN" altLang="en-US" dirty="0"/>
           </a:p>
         </p:txBody>
       </p:sp>
@@ -8172,9 +8100,6 @@
               </a:rPr>
               <a:t>返回时校验SecurityContextHolder中是否有securityContext，有则放入session</a:t>
             </a:r>
-            <a:endParaRPr lang="zh-CN" altLang="en-US" sz="1300" b="1" dirty="0">
-              <a:sym typeface="+mn-ea"/>
-            </a:endParaRPr>
           </a:p>
           <a:p>
             <a:pPr algn="l"/>
@@ -8224,7 +8149,6 @@
               <a:rPr lang="zh-CN" altLang="en-US" sz="1300" b="1" dirty="0"/>
               <a:t>从而实现了认证信息在多个请求中共享的目的</a:t>
             </a:r>
-            <a:endParaRPr lang="zh-CN" altLang="en-US" sz="1300" b="1" dirty="0"/>
           </a:p>
           <a:p>
             <a:pPr algn="l"/>
@@ -8438,7 +8362,6 @@
               <a:rPr lang="zh-CN" altLang="zh-CN"/>
               <a:t>认证成功</a:t>
             </a:r>
-            <a:endParaRPr lang="zh-CN" altLang="zh-CN"/>
           </a:p>
         </p:txBody>
       </p:sp>
@@ -8511,7 +8434,6 @@
               <a:rPr lang="zh-CN" altLang="en-US"/>
               <a:t>请求发起者</a:t>
             </a:r>
-            <a:endParaRPr lang="zh-CN" altLang="en-US"/>
           </a:p>
         </p:txBody>
       </p:sp>
@@ -8545,11 +8467,6 @@
               </a:rPr>
               <a:t>认证请求</a:t>
             </a:r>
-            <a:endParaRPr lang="zh-CN" altLang="en-US">
-              <a:solidFill>
-                <a:schemeClr val="accent5"/>
-              </a:solidFill>
-            </a:endParaRPr>
           </a:p>
         </p:txBody>
       </p:sp>
@@ -8665,11 +8582,6 @@
               </a:rPr>
               <a:t>字符串</a:t>
             </a:r>
-            <a:endParaRPr lang="zh-CN" altLang="en-US">
-              <a:solidFill>
-                <a:schemeClr val="accent2"/>
-              </a:solidFill>
-            </a:endParaRPr>
           </a:p>
         </p:txBody>
       </p:sp>
@@ -8732,7 +8644,6 @@
               <a:rPr lang="zh-CN" altLang="en-US"/>
               <a:t>其他请求</a:t>
             </a:r>
-            <a:endParaRPr lang="zh-CN" altLang="en-US"/>
           </a:p>
         </p:txBody>
       </p:sp>
@@ -8890,9 +8801,6 @@
               </a:rPr>
               <a:t>返回时校验SecurityContextHolder中是否有securityContext，有则放入session</a:t>
             </a:r>
-            <a:endParaRPr lang="zh-CN" altLang="en-US" sz="1300" b="1" dirty="0">
-              <a:sym typeface="+mn-ea"/>
-            </a:endParaRPr>
           </a:p>
           <a:p>
             <a:pPr algn="l"/>
@@ -8950,7 +8858,6 @@
               <a:rPr lang="zh-CN" altLang="en-US" sz="1300" b="1" dirty="0"/>
               <a:t>从而实现了认证信息在多个请求中共享的目的</a:t>
             </a:r>
-            <a:endParaRPr lang="zh-CN" altLang="en-US" sz="1300" b="1" dirty="0"/>
           </a:p>
           <a:p>
             <a:pPr algn="l"/>
@@ -9115,11 +9022,6 @@
               </a:rPr>
               <a:t>重定向到引发认证的请求上去</a:t>
             </a:r>
-            <a:endParaRPr lang="zh-CN" altLang="en-US" b="1" dirty="0">
-              <a:solidFill>
-                <a:schemeClr val="accent2"/>
-              </a:solidFill>
-            </a:endParaRPr>
           </a:p>
         </p:txBody>
       </p:sp>
@@ -9149,7 +9051,6 @@
               <a:rPr lang="zh-CN" altLang="zh-CN"/>
               <a:t>认证成功</a:t>
             </a:r>
-            <a:endParaRPr lang="zh-CN" altLang="zh-CN"/>
           </a:p>
         </p:txBody>
       </p:sp>
@@ -9222,7 +9123,6 @@
               <a:rPr lang="zh-CN" altLang="en-US"/>
               <a:t>请求发起者</a:t>
             </a:r>
-            <a:endParaRPr lang="zh-CN" altLang="en-US"/>
           </a:p>
         </p:txBody>
       </p:sp>
@@ -9256,11 +9156,6 @@
               </a:rPr>
               <a:t>认证请求</a:t>
             </a:r>
-            <a:endParaRPr lang="zh-CN" altLang="en-US">
-              <a:solidFill>
-                <a:schemeClr val="accent5"/>
-              </a:solidFill>
-            </a:endParaRPr>
           </a:p>
         </p:txBody>
       </p:sp>
@@ -9367,11 +9262,6 @@
               </a:rPr>
               <a:t>重定向之前会先穿过</a:t>
             </a:r>
-            <a:endParaRPr lang="zh-CN" altLang="en-US" sz="1400">
-              <a:solidFill>
-                <a:schemeClr val="accent2"/>
-              </a:solidFill>
-            </a:endParaRPr>
           </a:p>
           <a:p>
             <a:endParaRPr lang="en-US" altLang="zh-CN" sz="1400" b="1" dirty="0" err="1">
@@ -9391,12 +9281,6 @@
               </a:rPr>
               <a:t>SecurityContextPersistence</a:t>
             </a:r>
-            <a:endParaRPr lang="en-US" altLang="zh-CN" sz="1400" b="1" dirty="0" err="1">
-              <a:solidFill>
-                <a:schemeClr val="accent2"/>
-              </a:solidFill>
-              <a:sym typeface="+mn-ea"/>
-            </a:endParaRPr>
           </a:p>
           <a:p>
             <a:r>
@@ -9408,12 +9292,6 @@
               </a:rPr>
               <a:t>Filter</a:t>
             </a:r>
-            <a:endParaRPr lang="en-US" altLang="zh-CN" sz="1400" b="1" dirty="0" err="1">
-              <a:solidFill>
-                <a:schemeClr val="accent2"/>
-              </a:solidFill>
-              <a:sym typeface="+mn-ea"/>
-            </a:endParaRPr>
           </a:p>
         </p:txBody>
       </p:sp>
@@ -9476,7 +9354,6 @@
               <a:rPr lang="zh-CN" altLang="en-US"/>
               <a:t>重定向后的请求</a:t>
             </a:r>
-            <a:endParaRPr lang="zh-CN" altLang="en-US"/>
           </a:p>
           <a:p>
             <a:endParaRPr lang="zh-CN" altLang="en-US"/>
@@ -9490,11 +9367,6 @@
               </a:rPr>
               <a:t>以及其他请求</a:t>
             </a:r>
-            <a:endParaRPr lang="zh-CN" altLang="en-US">
-              <a:solidFill>
-                <a:srgbClr val="FF33CC"/>
-              </a:solidFill>
-            </a:endParaRPr>
           </a:p>
         </p:txBody>
       </p:sp>
@@ -9585,9 +9457,6 @@
               </a:rPr>
               <a:t>ValidateCodeController</a:t>
             </a:r>
-            <a:endParaRPr lang="zh-CN" altLang="en-US" b="1" dirty="0">
-              <a:sym typeface="+mn-ea"/>
-            </a:endParaRPr>
           </a:p>
         </p:txBody>
       </p:sp>
@@ -9635,7 +9504,6 @@
               <a:rPr lang="zh-CN" altLang="en-US" dirty="0"/>
               <a:t>createImageCode</a:t>
             </a:r>
-            <a:endParaRPr lang="zh-CN" altLang="en-US" dirty="0"/>
           </a:p>
           <a:p>
             <a:pPr algn="l">
@@ -9651,7 +9519,6 @@
               <a:rPr lang="zh-CN" altLang="en-US" dirty="0"/>
               <a:t>生成图形验证码对象</a:t>
             </a:r>
-            <a:endParaRPr lang="zh-CN" altLang="en-US" dirty="0"/>
           </a:p>
           <a:p>
             <a:pPr algn="l">
@@ -9671,7 +9538,6 @@
               <a:rPr lang="en-US" altLang="zh-CN" dirty="0"/>
               <a:t>session</a:t>
             </a:r>
-            <a:endParaRPr lang="en-US" altLang="zh-CN" dirty="0"/>
           </a:p>
           <a:p>
             <a:pPr algn="l">
@@ -9923,7 +9789,6 @@
               <a:rPr lang="en-US" altLang="zh-CN" dirty="0"/>
               <a:t>generate</a:t>
             </a:r>
-            <a:endParaRPr lang="en-US" altLang="zh-CN" dirty="0"/>
           </a:p>
         </p:txBody>
       </p:sp>
@@ -9971,7 +9836,6 @@
               <a:rPr lang="en-US" altLang="zh-CN" dirty="0"/>
               <a:t>generate</a:t>
             </a:r>
-            <a:endParaRPr lang="en-US" altLang="zh-CN" dirty="0"/>
           </a:p>
         </p:txBody>
       </p:sp>
@@ -10048,7 +9912,6 @@
               <a:rPr lang="en-US" altLang="zh-CN" dirty="0"/>
               <a:t>generate</a:t>
             </a:r>
-            <a:endParaRPr lang="en-US" altLang="zh-CN" dirty="0"/>
           </a:p>
         </p:txBody>
       </p:sp>
@@ -10299,7 +10162,6 @@
               <a:rPr lang="zh-CN" altLang="en-US"/>
               <a:t>createCode</a:t>
             </a:r>
-            <a:endParaRPr lang="zh-CN" altLang="en-US"/>
           </a:p>
         </p:txBody>
       </p:sp>
@@ -10391,9 +10253,6 @@
               </a:rPr>
               <a:t>createCode</a:t>
             </a:r>
-            <a:endParaRPr lang="zh-CN" altLang="en-US" dirty="0">
-              <a:sym typeface="+mn-ea"/>
-            </a:endParaRPr>
           </a:p>
           <a:p>
             <a:pPr algn="l"/>
@@ -10727,7 +10586,6 @@
               <a:rPr lang="zh-CN" altLang="en-US" dirty="0"/>
               <a:t>enerate</a:t>
             </a:r>
-            <a:endParaRPr lang="zh-CN" altLang="en-US" dirty="0"/>
           </a:p>
         </p:txBody>
       </p:sp>
@@ -11066,7 +10924,6 @@
               <a:rPr lang="zh-CN" altLang="en-US" dirty="0"/>
               <a:t>enerate</a:t>
             </a:r>
-            <a:endParaRPr lang="zh-CN" altLang="en-US" dirty="0"/>
           </a:p>
         </p:txBody>
       </p:sp>
@@ -11179,7 +11036,6 @@
               <a:rPr lang="zh-CN" altLang="en-US" dirty="0"/>
               <a:t>enerate</a:t>
             </a:r>
-            <a:endParaRPr lang="zh-CN" altLang="en-US" dirty="0"/>
           </a:p>
         </p:txBody>
       </p:sp>
@@ -11285,11 +11141,6 @@
               </a:rPr>
               <a:t>图形验证码发送</a:t>
             </a:r>
-            <a:endParaRPr lang="zh-CN" altLang="en-US" dirty="0">
-              <a:solidFill>
-                <a:schemeClr val="accent2"/>
-              </a:solidFill>
-            </a:endParaRPr>
           </a:p>
         </p:txBody>
       </p:sp>
@@ -11323,11 +11174,6 @@
               </a:rPr>
               <a:t>图形验证码生成</a:t>
             </a:r>
-            <a:endParaRPr lang="zh-CN" altLang="en-US" dirty="0">
-              <a:solidFill>
-                <a:schemeClr val="accent2"/>
-              </a:solidFill>
-            </a:endParaRPr>
           </a:p>
         </p:txBody>
       </p:sp>
@@ -11356,7 +11202,6 @@
               <a:rPr lang="zh-CN" altLang="en-US" dirty="0"/>
               <a:t>短信验证码发送</a:t>
             </a:r>
-            <a:endParaRPr lang="zh-CN" altLang="en-US" dirty="0"/>
           </a:p>
         </p:txBody>
       </p:sp>
@@ -11385,7 +11230,6 @@
               <a:rPr lang="zh-CN" altLang="en-US" dirty="0"/>
               <a:t>短信验证码生成</a:t>
             </a:r>
-            <a:endParaRPr lang="zh-CN" altLang="en-US" dirty="0"/>
           </a:p>
         </p:txBody>
       </p:sp>
@@ -12238,6 +12082,7 @@
         </p:style>
         <p:txBody>
           <a:bodyPr rtlCol="0" anchor="ctr"/>
+          <a:lstStyle/>
           <a:p>
             <a:pPr algn="ctr"/>
             <a:r>
@@ -12248,7 +12093,6 @@
               <a:rPr lang="en-US" altLang="zh-CN" b="1" dirty="0"/>
               <a:t>Filter</a:t>
             </a:r>
-            <a:endParaRPr lang="en-US" altLang="zh-CN" b="1" dirty="0"/>
           </a:p>
         </p:txBody>
       </p:sp>
@@ -12288,6 +12132,7 @@
         </p:style>
         <p:txBody>
           <a:bodyPr rtlCol="0" anchor="ctr"/>
+          <a:lstStyle/>
           <a:p>
             <a:pPr algn="ctr"/>
             <a:r>
@@ -12526,7 +12371,6 @@
               <a:rPr lang="en-US" altLang="zh-CN" sz="1700" dirty="0" err="1"/>
               <a:t>UsernamePasswordAuthenticationFilter</a:t>
             </a:r>
-            <a:endParaRPr lang="en-US" altLang="zh-CN" sz="1700" dirty="0" err="1"/>
           </a:p>
         </p:txBody>
       </p:sp>
@@ -12668,11 +12512,6 @@
               </a:rPr>
               <a:t>NRSCDetailsService</a:t>
             </a:r>
-            <a:endParaRPr lang="en-US" altLang="zh-CN" b="1" dirty="0" err="1">
-              <a:solidFill>
-                <a:schemeClr val="tx1"/>
-              </a:solidFill>
-            </a:endParaRPr>
           </a:p>
           <a:p>
             <a:pPr algn="just"/>
@@ -12684,11 +12523,6 @@
               </a:rPr>
               <a:t>除了进行用户名和密码校验外</a:t>
             </a:r>
-            <a:endParaRPr lang="zh-CN" altLang="en-US" b="1" dirty="0" err="1">
-              <a:solidFill>
-                <a:schemeClr val="tx1"/>
-              </a:solidFill>
-            </a:endParaRPr>
           </a:p>
           <a:p>
             <a:pPr algn="just"/>
@@ -13319,7 +13153,6 @@
               <a:rPr lang="en-US" altLang="zh-CN" sz="1700" dirty="0" err="1"/>
               <a:t>AbstractUserDetailsAuthenticationProvider</a:t>
             </a:r>
-            <a:endParaRPr lang="en-US" altLang="zh-CN" sz="1700" dirty="0" err="1"/>
           </a:p>
         </p:txBody>
       </p:sp>
@@ -13602,6 +13435,7 @@
         </p:style>
         <p:txBody>
           <a:bodyPr rtlCol="0" anchor="ctr"/>
+          <a:lstStyle/>
           <a:p>
             <a:pPr algn="ctr"/>
             <a:r>
@@ -13612,7 +13446,6 @@
               <a:rPr lang="en-US" altLang="zh-CN" dirty="0"/>
               <a:t>Filter</a:t>
             </a:r>
-            <a:endParaRPr lang="en-US" altLang="zh-CN" dirty="0"/>
           </a:p>
         </p:txBody>
       </p:sp>
@@ -13689,6 +13522,1357 @@
         </p:style>
       </p:cxnSp>
     </p:spTree>
+  </p:cSld>
+  <p:clrMapOvr>
+    <a:masterClrMapping/>
+  </p:clrMapOvr>
+</p:sld>
+</file>
+
+<file path=ppt/slides/slide9.xml><?xml version="1.0" encoding="utf-8"?>
+<p:sld xmlns:a="http://schemas.openxmlformats.org/drawingml/2006/main" xmlns:r="http://schemas.openxmlformats.org/officeDocument/2006/relationships" xmlns:p="http://schemas.openxmlformats.org/presentationml/2006/main">
+  <p:cSld>
+    <p:bg>
+      <p:bgPr>
+        <a:solidFill>
+          <a:schemeClr val="bg1"/>
+        </a:solidFill>
+        <a:effectLst/>
+      </p:bgPr>
+    </p:bg>
+    <p:spTree>
+      <p:nvGrpSpPr>
+        <p:cNvPr id="1" name=""/>
+        <p:cNvGrpSpPr/>
+        <p:nvPr/>
+      </p:nvGrpSpPr>
+      <p:grpSpPr>
+        <a:xfrm>
+          <a:off x="0" y="0"/>
+          <a:ext cx="0" cy="0"/>
+          <a:chOff x="0" y="0"/>
+          <a:chExt cx="0" cy="0"/>
+        </a:xfrm>
+      </p:grpSpPr>
+      <p:sp>
+        <p:nvSpPr>
+          <p:cNvPr id="4" name="矩形 3"/>
+          <p:cNvSpPr/>
+          <p:nvPr/>
+        </p:nvSpPr>
+        <p:spPr>
+          <a:xfrm>
+            <a:off x="577562" y="223894"/>
+            <a:ext cx="4464000" cy="540000"/>
+          </a:xfrm>
+          <a:prstGeom prst="rect">
+            <a:avLst/>
+          </a:prstGeom>
+          <a:solidFill>
+            <a:srgbClr val="92D050"/>
+          </a:solidFill>
+        </p:spPr>
+        <p:style>
+          <a:lnRef idx="2">
+            <a:schemeClr val="accent1">
+              <a:shade val="50000"/>
+            </a:schemeClr>
+          </a:lnRef>
+          <a:fillRef idx="1">
+            <a:schemeClr val="accent1"/>
+          </a:fillRef>
+          <a:effectRef idx="0">
+            <a:schemeClr val="accent1"/>
+          </a:effectRef>
+          <a:fontRef idx="minor">
+            <a:schemeClr val="lt1"/>
+          </a:fontRef>
+        </p:style>
+        <p:txBody>
+          <a:bodyPr rtlCol="0" anchor="ctr"/>
+          <a:lstStyle/>
+          <a:p>
+            <a:pPr algn="ctr"/>
+            <a:r>
+              <a:rPr lang="en-US" altLang="zh-CN" b="1" dirty="0" err="1"/>
+              <a:t>SecurityContextPersistenceFilter</a:t>
+            </a:r>
+            <a:endParaRPr lang="zh-CN" altLang="en-US" b="1" dirty="0"/>
+          </a:p>
+        </p:txBody>
+      </p:sp>
+      <p:sp>
+        <p:nvSpPr>
+          <p:cNvPr id="6" name="矩形 5"/>
+          <p:cNvSpPr/>
+          <p:nvPr/>
+        </p:nvSpPr>
+        <p:spPr>
+          <a:xfrm>
+            <a:off x="449168" y="975844"/>
+            <a:ext cx="4716000" cy="540000"/>
+          </a:xfrm>
+          <a:prstGeom prst="rect">
+            <a:avLst/>
+          </a:prstGeom>
+          <a:solidFill>
+            <a:schemeClr val="accent2">
+              <a:lumMod val="75000"/>
+            </a:schemeClr>
+          </a:solidFill>
+        </p:spPr>
+        <p:style>
+          <a:lnRef idx="2">
+            <a:schemeClr val="accent1">
+              <a:shade val="50000"/>
+            </a:schemeClr>
+          </a:lnRef>
+          <a:fillRef idx="1">
+            <a:schemeClr val="accent1"/>
+          </a:fillRef>
+          <a:effectRef idx="0">
+            <a:schemeClr val="accent1"/>
+          </a:effectRef>
+          <a:fontRef idx="minor">
+            <a:schemeClr val="lt1"/>
+          </a:fontRef>
+        </p:style>
+        <p:txBody>
+          <a:bodyPr rtlCol="0" anchor="ctr"/>
+          <a:lstStyle/>
+          <a:p>
+            <a:pPr algn="ctr"/>
+            <a:r>
+              <a:rPr lang="en-US" altLang="zh-CN" b="1" dirty="0" err="1"/>
+              <a:t>AbstractAuthenticationProcessingFilter</a:t>
+            </a:r>
+            <a:endParaRPr lang="zh-CN" altLang="en-US" b="1" dirty="0"/>
+          </a:p>
+        </p:txBody>
+      </p:sp>
+      <p:sp>
+        <p:nvSpPr>
+          <p:cNvPr id="12" name="矩形 11"/>
+          <p:cNvSpPr/>
+          <p:nvPr/>
+        </p:nvSpPr>
+        <p:spPr>
+          <a:xfrm>
+            <a:off x="577562" y="1758620"/>
+            <a:ext cx="4464819" cy="540000"/>
+          </a:xfrm>
+          <a:prstGeom prst="rect">
+            <a:avLst/>
+          </a:prstGeom>
+          <a:solidFill>
+            <a:schemeClr val="bg2">
+              <a:lumMod val="50000"/>
+            </a:schemeClr>
+          </a:solidFill>
+        </p:spPr>
+        <p:style>
+          <a:lnRef idx="2">
+            <a:schemeClr val="accent1">
+              <a:shade val="50000"/>
+            </a:schemeClr>
+          </a:lnRef>
+          <a:fillRef idx="1">
+            <a:schemeClr val="accent1"/>
+          </a:fillRef>
+          <a:effectRef idx="0">
+            <a:schemeClr val="accent1"/>
+          </a:effectRef>
+          <a:fontRef idx="minor">
+            <a:schemeClr val="lt1"/>
+          </a:fontRef>
+        </p:style>
+        <p:txBody>
+          <a:bodyPr rtlCol="0" anchor="ctr"/>
+          <a:lstStyle/>
+          <a:p>
+            <a:pPr algn="ctr"/>
+            <a:r>
+              <a:rPr lang="en-US" altLang="zh-CN" b="1" dirty="0" err="1"/>
+              <a:t>SocialAuthenticationFilter</a:t>
+            </a:r>
+            <a:endParaRPr lang="zh-CN" altLang="en-US" b="1" dirty="0"/>
+          </a:p>
+        </p:txBody>
+      </p:sp>
+      <p:sp>
+        <p:nvSpPr>
+          <p:cNvPr id="13" name="矩形 12"/>
+          <p:cNvSpPr/>
+          <p:nvPr/>
+        </p:nvSpPr>
+        <p:spPr>
+          <a:xfrm>
+            <a:off x="577562" y="2545399"/>
+            <a:ext cx="4464000" cy="667582"/>
+          </a:xfrm>
+          <a:prstGeom prst="rect">
+            <a:avLst/>
+          </a:prstGeom>
+        </p:spPr>
+        <p:style>
+          <a:lnRef idx="2">
+            <a:schemeClr val="accent1">
+              <a:shade val="50000"/>
+            </a:schemeClr>
+          </a:lnRef>
+          <a:fillRef idx="1">
+            <a:schemeClr val="accent1"/>
+          </a:fillRef>
+          <a:effectRef idx="0">
+            <a:schemeClr val="accent1"/>
+          </a:effectRef>
+          <a:fontRef idx="minor">
+            <a:schemeClr val="lt1"/>
+          </a:fontRef>
+        </p:style>
+        <p:txBody>
+          <a:bodyPr rtlCol="0" anchor="ctr"/>
+          <a:lstStyle/>
+          <a:p>
+            <a:pPr algn="ctr"/>
+            <a:r>
+              <a:rPr lang="en-US" altLang="zh-CN" b="1" dirty="0" err="1"/>
+              <a:t>SocialAuthenticationService</a:t>
+            </a:r>
+            <a:endParaRPr lang="en-US" altLang="zh-CN" b="1" dirty="0"/>
+          </a:p>
+          <a:p>
+            <a:pPr algn="ctr"/>
+            <a:r>
+              <a:rPr lang="en-US" altLang="zh-CN" b="1" dirty="0"/>
+              <a:t>(OAuth2AuthenticationService)</a:t>
+            </a:r>
+            <a:endParaRPr lang="zh-CN" altLang="en-US" b="1" dirty="0"/>
+          </a:p>
+        </p:txBody>
+      </p:sp>
+      <p:sp>
+        <p:nvSpPr>
+          <p:cNvPr id="15" name="矩形 14"/>
+          <p:cNvSpPr/>
+          <p:nvPr/>
+        </p:nvSpPr>
+        <p:spPr>
+          <a:xfrm>
+            <a:off x="6449499" y="5807119"/>
+            <a:ext cx="4464001" cy="848695"/>
+          </a:xfrm>
+          <a:prstGeom prst="rect">
+            <a:avLst/>
+          </a:prstGeom>
+          <a:solidFill>
+            <a:schemeClr val="accent1"/>
+          </a:solidFill>
+        </p:spPr>
+        <p:style>
+          <a:lnRef idx="2">
+            <a:schemeClr val="accent1">
+              <a:shade val="50000"/>
+            </a:schemeClr>
+          </a:lnRef>
+          <a:fillRef idx="1">
+            <a:schemeClr val="accent1"/>
+          </a:fillRef>
+          <a:effectRef idx="0">
+            <a:schemeClr val="accent1"/>
+          </a:effectRef>
+          <a:fontRef idx="minor">
+            <a:schemeClr val="lt1"/>
+          </a:fontRef>
+        </p:style>
+        <p:txBody>
+          <a:bodyPr rtlCol="0" anchor="ctr"/>
+          <a:lstStyle/>
+          <a:p>
+            <a:pPr algn="ctr"/>
+            <a:r>
+              <a:rPr lang="en-US" altLang="zh-CN" b="1" dirty="0" err="1"/>
+              <a:t>AuthenticationProvider</a:t>
+            </a:r>
+            <a:endParaRPr lang="en-US" altLang="zh-CN" b="1" dirty="0"/>
+          </a:p>
+          <a:p>
+            <a:pPr algn="ctr"/>
+            <a:r>
+              <a:rPr lang="en-US" altLang="zh-CN" b="1" dirty="0"/>
+              <a:t>(</a:t>
+            </a:r>
+            <a:r>
+              <a:rPr lang="en-US" altLang="zh-CN" b="1" dirty="0" err="1"/>
+              <a:t>SocialAuthenticationProvider</a:t>
+            </a:r>
+            <a:r>
+              <a:rPr lang="en-US" altLang="zh-CN" b="1" dirty="0"/>
+              <a:t>)</a:t>
+            </a:r>
+            <a:endParaRPr lang="zh-CN" altLang="en-US" b="1" dirty="0"/>
+          </a:p>
+        </p:txBody>
+      </p:sp>
+      <p:cxnSp>
+        <p:nvCxnSpPr>
+          <p:cNvPr id="22" name="直接箭头连接符 21"/>
+          <p:cNvCxnSpPr>
+            <a:stCxn id="4" idx="2"/>
+            <a:endCxn id="6" idx="0"/>
+          </p:cNvCxnSpPr>
+          <p:nvPr/>
+        </p:nvCxnSpPr>
+        <p:spPr>
+          <a:xfrm flipH="1">
+            <a:off x="2807168" y="763894"/>
+            <a:ext cx="2394" cy="211950"/>
+          </a:xfrm>
+          <a:prstGeom prst="straightConnector1">
+            <a:avLst/>
+          </a:prstGeom>
+          <a:ln>
+            <a:tailEnd type="triangle"/>
+          </a:ln>
+        </p:spPr>
+        <p:style>
+          <a:lnRef idx="1">
+            <a:schemeClr val="accent1"/>
+          </a:lnRef>
+          <a:fillRef idx="0">
+            <a:schemeClr val="accent1"/>
+          </a:fillRef>
+          <a:effectRef idx="0">
+            <a:schemeClr val="accent1"/>
+          </a:effectRef>
+          <a:fontRef idx="minor">
+            <a:schemeClr val="tx1"/>
+          </a:fontRef>
+        </p:style>
+      </p:cxnSp>
+      <p:cxnSp>
+        <p:nvCxnSpPr>
+          <p:cNvPr id="24" name="直接箭头连接符 23"/>
+          <p:cNvCxnSpPr>
+            <a:stCxn id="6" idx="2"/>
+            <a:endCxn id="12" idx="0"/>
+          </p:cNvCxnSpPr>
+          <p:nvPr/>
+        </p:nvCxnSpPr>
+        <p:spPr>
+          <a:xfrm>
+            <a:off x="2807168" y="1515844"/>
+            <a:ext cx="2804" cy="242776"/>
+          </a:xfrm>
+          <a:prstGeom prst="straightConnector1">
+            <a:avLst/>
+          </a:prstGeom>
+          <a:ln>
+            <a:tailEnd type="triangle"/>
+          </a:ln>
+        </p:spPr>
+        <p:style>
+          <a:lnRef idx="1">
+            <a:schemeClr val="accent1"/>
+          </a:lnRef>
+          <a:fillRef idx="0">
+            <a:schemeClr val="accent1"/>
+          </a:fillRef>
+          <a:effectRef idx="0">
+            <a:schemeClr val="accent1"/>
+          </a:effectRef>
+          <a:fontRef idx="minor">
+            <a:schemeClr val="tx1"/>
+          </a:fontRef>
+        </p:style>
+      </p:cxnSp>
+      <p:cxnSp>
+        <p:nvCxnSpPr>
+          <p:cNvPr id="28" name="直接箭头连接符 27"/>
+          <p:cNvCxnSpPr>
+            <a:stCxn id="12" idx="2"/>
+            <a:endCxn id="13" idx="0"/>
+          </p:cNvCxnSpPr>
+          <p:nvPr/>
+        </p:nvCxnSpPr>
+        <p:spPr>
+          <a:xfrm flipH="1">
+            <a:off x="2809562" y="2298620"/>
+            <a:ext cx="410" cy="246779"/>
+          </a:xfrm>
+          <a:prstGeom prst="straightConnector1">
+            <a:avLst/>
+          </a:prstGeom>
+          <a:ln>
+            <a:tailEnd type="triangle"/>
+          </a:ln>
+        </p:spPr>
+        <p:style>
+          <a:lnRef idx="1">
+            <a:schemeClr val="accent1"/>
+          </a:lnRef>
+          <a:fillRef idx="0">
+            <a:schemeClr val="accent1"/>
+          </a:fillRef>
+          <a:effectRef idx="0">
+            <a:schemeClr val="accent1"/>
+          </a:effectRef>
+          <a:fontRef idx="minor">
+            <a:schemeClr val="tx1"/>
+          </a:fontRef>
+        </p:style>
+      </p:cxnSp>
+      <p:cxnSp>
+        <p:nvCxnSpPr>
+          <p:cNvPr id="30" name="直接箭头连接符 29"/>
+          <p:cNvCxnSpPr>
+            <a:stCxn id="13" idx="2"/>
+            <a:endCxn id="42" idx="0"/>
+          </p:cNvCxnSpPr>
+          <p:nvPr/>
+        </p:nvCxnSpPr>
+        <p:spPr>
+          <a:xfrm>
+            <a:off x="2809562" y="3212981"/>
+            <a:ext cx="0" cy="272704"/>
+          </a:xfrm>
+          <a:prstGeom prst="straightConnector1">
+            <a:avLst/>
+          </a:prstGeom>
+          <a:ln>
+            <a:tailEnd type="triangle"/>
+          </a:ln>
+        </p:spPr>
+        <p:style>
+          <a:lnRef idx="1">
+            <a:schemeClr val="accent1"/>
+          </a:lnRef>
+          <a:fillRef idx="0">
+            <a:schemeClr val="accent1"/>
+          </a:fillRef>
+          <a:effectRef idx="0">
+            <a:schemeClr val="accent1"/>
+          </a:effectRef>
+          <a:fontRef idx="minor">
+            <a:schemeClr val="tx1"/>
+          </a:fontRef>
+        </p:style>
+      </p:cxnSp>
+      <p:cxnSp>
+        <p:nvCxnSpPr>
+          <p:cNvPr id="100" name="直接箭头连接符 99"/>
+          <p:cNvCxnSpPr>
+            <a:cxnSpLocks/>
+            <a:endCxn id="4" idx="0"/>
+          </p:cNvCxnSpPr>
+          <p:nvPr/>
+        </p:nvCxnSpPr>
+        <p:spPr>
+          <a:xfrm>
+            <a:off x="2809562" y="28067"/>
+            <a:ext cx="0" cy="195827"/>
+          </a:xfrm>
+          <a:prstGeom prst="straightConnector1">
+            <a:avLst/>
+          </a:prstGeom>
+          <a:ln>
+            <a:tailEnd type="triangle"/>
+          </a:ln>
+        </p:spPr>
+        <p:style>
+          <a:lnRef idx="1">
+            <a:schemeClr val="accent1"/>
+          </a:lnRef>
+          <a:fillRef idx="0">
+            <a:schemeClr val="accent1"/>
+          </a:fillRef>
+          <a:effectRef idx="0">
+            <a:schemeClr val="accent1"/>
+          </a:effectRef>
+          <a:fontRef idx="minor">
+            <a:schemeClr val="tx1"/>
+          </a:fontRef>
+        </p:style>
+      </p:cxnSp>
+      <p:sp>
+        <p:nvSpPr>
+          <p:cNvPr id="23" name="矩形 22"/>
+          <p:cNvSpPr/>
+          <p:nvPr/>
+        </p:nvSpPr>
+        <p:spPr>
+          <a:xfrm>
+            <a:off x="582348" y="5793658"/>
+            <a:ext cx="4464000" cy="862156"/>
+          </a:xfrm>
+          <a:prstGeom prst="rect">
+            <a:avLst/>
+          </a:prstGeom>
+          <a:solidFill>
+            <a:schemeClr val="accent1"/>
+          </a:solidFill>
+        </p:spPr>
+        <p:style>
+          <a:lnRef idx="2">
+            <a:schemeClr val="accent1">
+              <a:shade val="50000"/>
+            </a:schemeClr>
+          </a:lnRef>
+          <a:fillRef idx="1">
+            <a:schemeClr val="accent1"/>
+          </a:fillRef>
+          <a:effectRef idx="0">
+            <a:schemeClr val="accent1"/>
+          </a:effectRef>
+          <a:fontRef idx="minor">
+            <a:schemeClr val="lt1"/>
+          </a:fontRef>
+        </p:style>
+        <p:txBody>
+          <a:bodyPr rtlCol="0" anchor="ctr"/>
+          <a:lstStyle/>
+          <a:p>
+            <a:pPr algn="ctr"/>
+            <a:r>
+              <a:rPr lang="en-US" altLang="zh-CN" b="1" dirty="0" err="1"/>
+              <a:t>AuthenticationManager</a:t>
+            </a:r>
+            <a:endParaRPr lang="en-US" altLang="zh-CN" b="1" dirty="0"/>
+          </a:p>
+          <a:p>
+            <a:pPr algn="ctr"/>
+            <a:r>
+              <a:rPr lang="en-US" altLang="zh-CN" b="1" dirty="0"/>
+              <a:t>(</a:t>
+            </a:r>
+            <a:r>
+              <a:rPr lang="en-US" altLang="zh-CN" b="1" dirty="0" err="1"/>
+              <a:t>ProviderManager</a:t>
+            </a:r>
+            <a:r>
+              <a:rPr lang="en-US" altLang="zh-CN" b="1" dirty="0"/>
+              <a:t>)</a:t>
+            </a:r>
+            <a:endParaRPr lang="zh-CN" altLang="en-US" b="1" dirty="0"/>
+          </a:p>
+        </p:txBody>
+      </p:sp>
+      <p:cxnSp>
+        <p:nvCxnSpPr>
+          <p:cNvPr id="9" name="直接箭头连接符 8"/>
+          <p:cNvCxnSpPr>
+            <a:cxnSpLocks/>
+            <a:stCxn id="74" idx="2"/>
+            <a:endCxn id="23" idx="0"/>
+          </p:cNvCxnSpPr>
+          <p:nvPr/>
+        </p:nvCxnSpPr>
+        <p:spPr>
+          <a:xfrm>
+            <a:off x="2809562" y="5533828"/>
+            <a:ext cx="4786" cy="259830"/>
+          </a:xfrm>
+          <a:prstGeom prst="straightConnector1">
+            <a:avLst/>
+          </a:prstGeom>
+          <a:ln>
+            <a:tailEnd type="triangle"/>
+          </a:ln>
+        </p:spPr>
+        <p:style>
+          <a:lnRef idx="1">
+            <a:schemeClr val="accent1"/>
+          </a:lnRef>
+          <a:fillRef idx="0">
+            <a:schemeClr val="accent1"/>
+          </a:fillRef>
+          <a:effectRef idx="0">
+            <a:schemeClr val="accent1"/>
+          </a:effectRef>
+          <a:fontRef idx="minor">
+            <a:schemeClr val="tx1"/>
+          </a:fontRef>
+        </p:style>
+      </p:cxnSp>
+      <p:cxnSp>
+        <p:nvCxnSpPr>
+          <p:cNvPr id="11" name="直接箭头连接符 10"/>
+          <p:cNvCxnSpPr>
+            <a:cxnSpLocks/>
+            <a:stCxn id="23" idx="3"/>
+            <a:endCxn id="15" idx="1"/>
+          </p:cNvCxnSpPr>
+          <p:nvPr/>
+        </p:nvCxnSpPr>
+        <p:spPr>
+          <a:xfrm>
+            <a:off x="5046348" y="6224736"/>
+            <a:ext cx="1403151" cy="6731"/>
+          </a:xfrm>
+          <a:prstGeom prst="straightConnector1">
+            <a:avLst/>
+          </a:prstGeom>
+          <a:ln>
+            <a:tailEnd type="triangle"/>
+          </a:ln>
+        </p:spPr>
+        <p:style>
+          <a:lnRef idx="1">
+            <a:schemeClr val="accent1"/>
+          </a:lnRef>
+          <a:fillRef idx="0">
+            <a:schemeClr val="accent1"/>
+          </a:fillRef>
+          <a:effectRef idx="0">
+            <a:schemeClr val="accent1"/>
+          </a:effectRef>
+          <a:fontRef idx="minor">
+            <a:schemeClr val="tx1"/>
+          </a:fontRef>
+        </p:style>
+      </p:cxnSp>
+      <p:sp>
+        <p:nvSpPr>
+          <p:cNvPr id="42" name="矩形 41"/>
+          <p:cNvSpPr/>
+          <p:nvPr/>
+        </p:nvSpPr>
+        <p:spPr>
+          <a:xfrm>
+            <a:off x="577562" y="3485685"/>
+            <a:ext cx="4464000" cy="540000"/>
+          </a:xfrm>
+          <a:prstGeom prst="rect">
+            <a:avLst/>
+          </a:prstGeom>
+        </p:spPr>
+        <p:style>
+          <a:lnRef idx="2">
+            <a:schemeClr val="accent1">
+              <a:shade val="50000"/>
+            </a:schemeClr>
+          </a:lnRef>
+          <a:fillRef idx="1">
+            <a:schemeClr val="accent1"/>
+          </a:fillRef>
+          <a:effectRef idx="0">
+            <a:schemeClr val="accent1"/>
+          </a:effectRef>
+          <a:fontRef idx="minor">
+            <a:schemeClr val="lt1"/>
+          </a:fontRef>
+        </p:style>
+        <p:txBody>
+          <a:bodyPr rtlCol="0" anchor="ctr"/>
+          <a:lstStyle/>
+          <a:p>
+            <a:pPr algn="ctr"/>
+            <a:r>
+              <a:rPr lang="en-US" altLang="zh-CN" b="1" dirty="0" err="1"/>
+              <a:t>ConnectionFactory</a:t>
+            </a:r>
+            <a:endParaRPr lang="zh-CN" altLang="en-US" b="1" dirty="0"/>
+          </a:p>
+        </p:txBody>
+      </p:sp>
+      <p:cxnSp>
+        <p:nvCxnSpPr>
+          <p:cNvPr id="44" name="直接箭头连接符 43"/>
+          <p:cNvCxnSpPr>
+            <a:stCxn id="42" idx="2"/>
+            <a:endCxn id="74" idx="0"/>
+          </p:cNvCxnSpPr>
+          <p:nvPr/>
+        </p:nvCxnSpPr>
+        <p:spPr>
+          <a:xfrm>
+            <a:off x="2809562" y="4025685"/>
+            <a:ext cx="0" cy="285767"/>
+          </a:xfrm>
+          <a:prstGeom prst="straightConnector1">
+            <a:avLst/>
+          </a:prstGeom>
+          <a:ln>
+            <a:tailEnd type="triangle"/>
+          </a:ln>
+        </p:spPr>
+        <p:style>
+          <a:lnRef idx="1">
+            <a:schemeClr val="accent1"/>
+          </a:lnRef>
+          <a:fillRef idx="0">
+            <a:schemeClr val="accent1"/>
+          </a:fillRef>
+          <a:effectRef idx="0">
+            <a:schemeClr val="accent1"/>
+          </a:effectRef>
+          <a:fontRef idx="minor">
+            <a:schemeClr val="tx1"/>
+          </a:fontRef>
+        </p:style>
+      </p:cxnSp>
+      <p:sp>
+        <p:nvSpPr>
+          <p:cNvPr id="74" name="矩形 73"/>
+          <p:cNvSpPr/>
+          <p:nvPr/>
+        </p:nvSpPr>
+        <p:spPr>
+          <a:xfrm>
+            <a:off x="577562" y="4311452"/>
+            <a:ext cx="4464000" cy="1222376"/>
+          </a:xfrm>
+          <a:prstGeom prst="rect">
+            <a:avLst/>
+          </a:prstGeom>
+        </p:spPr>
+        <p:style>
+          <a:lnRef idx="2">
+            <a:schemeClr val="accent1">
+              <a:shade val="50000"/>
+            </a:schemeClr>
+          </a:lnRef>
+          <a:fillRef idx="1">
+            <a:schemeClr val="accent1"/>
+          </a:fillRef>
+          <a:effectRef idx="0">
+            <a:schemeClr val="accent1"/>
+          </a:effectRef>
+          <a:fontRef idx="minor">
+            <a:schemeClr val="lt1"/>
+          </a:fontRef>
+        </p:style>
+        <p:txBody>
+          <a:bodyPr rtlCol="0" anchor="t" anchorCtr="0"/>
+          <a:lstStyle/>
+          <a:p>
+            <a:pPr algn="ctr"/>
+            <a:r>
+              <a:rPr lang="en-US" altLang="zh-CN" b="1" dirty="0"/>
+              <a:t>Authentication</a:t>
+            </a:r>
+          </a:p>
+          <a:p>
+            <a:pPr algn="ctr"/>
+            <a:r>
+              <a:rPr lang="en-US" altLang="zh-CN" b="1" dirty="0"/>
+              <a:t>(</a:t>
+            </a:r>
+            <a:r>
+              <a:rPr lang="en-US" altLang="zh-CN" b="1" dirty="0" err="1"/>
+              <a:t>SocialAuthenticationToken</a:t>
+            </a:r>
+            <a:r>
+              <a:rPr lang="en-US" altLang="zh-CN" b="1" dirty="0"/>
+              <a:t>)</a:t>
+            </a:r>
+          </a:p>
+          <a:p>
+            <a:pPr algn="ctr"/>
+            <a:endParaRPr lang="zh-CN" altLang="en-US" b="1" dirty="0"/>
+          </a:p>
+        </p:txBody>
+      </p:sp>
+      <p:sp>
+        <p:nvSpPr>
+          <p:cNvPr id="77" name="矩形 76"/>
+          <p:cNvSpPr/>
+          <p:nvPr/>
+        </p:nvSpPr>
+        <p:spPr>
+          <a:xfrm>
+            <a:off x="1750612" y="4963754"/>
+            <a:ext cx="2127473" cy="501591"/>
+          </a:xfrm>
+          <a:prstGeom prst="rect">
+            <a:avLst/>
+          </a:prstGeom>
+        </p:spPr>
+        <p:style>
+          <a:lnRef idx="1">
+            <a:schemeClr val="accent5"/>
+          </a:lnRef>
+          <a:fillRef idx="2">
+            <a:schemeClr val="accent5"/>
+          </a:fillRef>
+          <a:effectRef idx="1">
+            <a:schemeClr val="accent5"/>
+          </a:effectRef>
+          <a:fontRef idx="minor">
+            <a:schemeClr val="dk1"/>
+          </a:fontRef>
+        </p:style>
+        <p:txBody>
+          <a:bodyPr rtlCol="0" anchor="ctr"/>
+          <a:lstStyle/>
+          <a:p>
+            <a:pPr algn="ctr"/>
+            <a:r>
+              <a:rPr lang="en-US" altLang="zh-CN" b="1" dirty="0"/>
+              <a:t>Connection</a:t>
+            </a:r>
+            <a:endParaRPr lang="zh-CN" altLang="en-US" b="1" dirty="0"/>
+          </a:p>
+        </p:txBody>
+      </p:sp>
+      <p:sp>
+        <p:nvSpPr>
+          <p:cNvPr id="153" name="矩形 152">
+            <a:extLst>
+              <a:ext uri="{FF2B5EF4-FFF2-40B4-BE49-F238E27FC236}">
+                <a16:creationId xmlns:a16="http://schemas.microsoft.com/office/drawing/2014/main" id="{1D324D22-2CF0-4531-9A66-C6C46E1EFE79}"/>
+              </a:ext>
+            </a:extLst>
+          </p:cNvPr>
+          <p:cNvSpPr/>
+          <p:nvPr/>
+        </p:nvSpPr>
+        <p:spPr>
+          <a:xfrm>
+            <a:off x="5368837" y="264280"/>
+            <a:ext cx="6270259" cy="5416797"/>
+          </a:xfrm>
+          <a:prstGeom prst="rect">
+            <a:avLst/>
+          </a:prstGeom>
+          <a:gradFill>
+            <a:gsLst>
+              <a:gs pos="0">
+                <a:schemeClr val="accent5">
+                  <a:lumMod val="110000"/>
+                  <a:satMod val="105000"/>
+                  <a:tint val="67000"/>
+                </a:schemeClr>
+              </a:gs>
+              <a:gs pos="50000">
+                <a:schemeClr val="accent5">
+                  <a:lumMod val="105000"/>
+                  <a:satMod val="103000"/>
+                  <a:tint val="73000"/>
+                </a:schemeClr>
+              </a:gs>
+              <a:gs pos="100000">
+                <a:schemeClr val="accent5">
+                  <a:lumMod val="105000"/>
+                  <a:satMod val="109000"/>
+                  <a:tint val="81000"/>
+                </a:schemeClr>
+              </a:gs>
+            </a:gsLst>
+            <a:lin ang="5400000" scaled="0"/>
+          </a:gradFill>
+        </p:spPr>
+        <p:style>
+          <a:lnRef idx="2">
+            <a:schemeClr val="accent1">
+              <a:shade val="50000"/>
+            </a:schemeClr>
+          </a:lnRef>
+          <a:fillRef idx="1">
+            <a:schemeClr val="accent1"/>
+          </a:fillRef>
+          <a:effectRef idx="0">
+            <a:schemeClr val="accent1"/>
+          </a:effectRef>
+          <a:fontRef idx="minor">
+            <a:schemeClr val="lt1"/>
+          </a:fontRef>
+        </p:style>
+        <p:txBody>
+          <a:bodyPr rtlCol="0" anchor="t" anchorCtr="0"/>
+          <a:lstStyle/>
+          <a:p>
+            <a:r>
+              <a:rPr lang="en-US" altLang="zh-CN" b="1" dirty="0" err="1">
+                <a:solidFill>
+                  <a:srgbClr val="FF0000"/>
+                </a:solidFill>
+              </a:rPr>
+              <a:t>SocialAuthenticationProvider</a:t>
+            </a:r>
+            <a:r>
+              <a:rPr lang="zh-CN" altLang="en-US" b="1" dirty="0">
+                <a:solidFill>
+                  <a:srgbClr val="FF0000"/>
+                </a:solidFill>
+              </a:rPr>
+              <a:t>对象中的</a:t>
+            </a:r>
+            <a:r>
+              <a:rPr lang="en-US" altLang="zh-CN" b="1" dirty="0">
+                <a:solidFill>
+                  <a:srgbClr val="FF0000"/>
+                </a:solidFill>
+              </a:rPr>
+              <a:t> </a:t>
+            </a:r>
+          </a:p>
+          <a:p>
+            <a:r>
+              <a:rPr lang="en-US" altLang="zh-CN" b="1" dirty="0">
+                <a:solidFill>
+                  <a:srgbClr val="FF0000"/>
+                </a:solidFill>
+              </a:rPr>
+              <a:t>authenticate</a:t>
+            </a:r>
+            <a:r>
+              <a:rPr lang="zh-CN" altLang="en-US" b="1" dirty="0">
+                <a:solidFill>
+                  <a:srgbClr val="FF0000"/>
+                </a:solidFill>
+              </a:rPr>
+              <a:t>方法</a:t>
+            </a:r>
+          </a:p>
+        </p:txBody>
+      </p:sp>
+      <p:sp>
+        <p:nvSpPr>
+          <p:cNvPr id="158" name="矩形 157">
+            <a:extLst>
+              <a:ext uri="{FF2B5EF4-FFF2-40B4-BE49-F238E27FC236}">
+                <a16:creationId xmlns:a16="http://schemas.microsoft.com/office/drawing/2014/main" id="{B5186E87-69F1-4CB2-BD20-942EDE47CB14}"/>
+              </a:ext>
+            </a:extLst>
+          </p:cNvPr>
+          <p:cNvSpPr/>
+          <p:nvPr/>
+        </p:nvSpPr>
+        <p:spPr>
+          <a:xfrm>
+            <a:off x="6449499" y="2588186"/>
+            <a:ext cx="4463999" cy="744245"/>
+          </a:xfrm>
+          <a:prstGeom prst="rect">
+            <a:avLst/>
+          </a:prstGeom>
+        </p:spPr>
+        <p:style>
+          <a:lnRef idx="2">
+            <a:schemeClr val="accent1">
+              <a:shade val="50000"/>
+            </a:schemeClr>
+          </a:lnRef>
+          <a:fillRef idx="1">
+            <a:schemeClr val="accent1"/>
+          </a:fillRef>
+          <a:effectRef idx="0">
+            <a:schemeClr val="accent1"/>
+          </a:effectRef>
+          <a:fontRef idx="minor">
+            <a:schemeClr val="lt1"/>
+          </a:fontRef>
+        </p:style>
+        <p:txBody>
+          <a:bodyPr rtlCol="0" anchor="ctr"/>
+          <a:lstStyle/>
+          <a:p>
+            <a:pPr algn="ctr"/>
+            <a:r>
+              <a:rPr lang="en-US" altLang="zh-CN" b="1" dirty="0" err="1"/>
+              <a:t>SocialUserDetailsService</a:t>
+            </a:r>
+            <a:endParaRPr lang="en-US" altLang="zh-CN" b="1" dirty="0"/>
+          </a:p>
+          <a:p>
+            <a:pPr algn="ctr"/>
+            <a:r>
+              <a:rPr lang="zh-CN" altLang="en-US" b="1" dirty="0"/>
+              <a:t>（</a:t>
+            </a:r>
+            <a:r>
+              <a:rPr lang="en-US" altLang="zh-CN" b="1" dirty="0">
+                <a:solidFill>
+                  <a:schemeClr val="tx1"/>
+                </a:solidFill>
+              </a:rPr>
+              <a:t> </a:t>
+            </a:r>
+            <a:r>
+              <a:rPr lang="en-US" altLang="zh-CN" b="1" dirty="0" err="1">
+                <a:solidFill>
+                  <a:schemeClr val="tx1"/>
+                </a:solidFill>
+              </a:rPr>
+              <a:t>NRSCDetailsService</a:t>
+            </a:r>
+            <a:r>
+              <a:rPr lang="en-US" altLang="zh-CN" b="1" dirty="0">
+                <a:solidFill>
+                  <a:schemeClr val="tx1"/>
+                </a:solidFill>
+              </a:rPr>
+              <a:t> </a:t>
+            </a:r>
+            <a:r>
+              <a:rPr lang="zh-CN" altLang="en-US" b="1" dirty="0"/>
+              <a:t>）</a:t>
+            </a:r>
+          </a:p>
+        </p:txBody>
+      </p:sp>
+      <p:sp>
+        <p:nvSpPr>
+          <p:cNvPr id="160" name="矩形 159">
+            <a:extLst>
+              <a:ext uri="{FF2B5EF4-FFF2-40B4-BE49-F238E27FC236}">
+                <a16:creationId xmlns:a16="http://schemas.microsoft.com/office/drawing/2014/main" id="{5F3360AB-153F-4017-8A17-5D43E5BC6052}"/>
+              </a:ext>
+            </a:extLst>
+          </p:cNvPr>
+          <p:cNvSpPr/>
+          <p:nvPr/>
+        </p:nvSpPr>
+        <p:spPr>
+          <a:xfrm>
+            <a:off x="6449502" y="4356151"/>
+            <a:ext cx="4464000" cy="767805"/>
+          </a:xfrm>
+          <a:prstGeom prst="rect">
+            <a:avLst/>
+          </a:prstGeom>
+          <a:solidFill>
+            <a:schemeClr val="accent1"/>
+          </a:solidFill>
+        </p:spPr>
+        <p:style>
+          <a:lnRef idx="2">
+            <a:schemeClr val="accent1">
+              <a:shade val="50000"/>
+            </a:schemeClr>
+          </a:lnRef>
+          <a:fillRef idx="1">
+            <a:schemeClr val="accent1"/>
+          </a:fillRef>
+          <a:effectRef idx="0">
+            <a:schemeClr val="accent1"/>
+          </a:effectRef>
+          <a:fontRef idx="minor">
+            <a:schemeClr val="lt1"/>
+          </a:fontRef>
+        </p:style>
+        <p:txBody>
+          <a:bodyPr rtlCol="0" anchor="ctr"/>
+          <a:lstStyle/>
+          <a:p>
+            <a:pPr algn="ctr"/>
+            <a:r>
+              <a:rPr lang="en-US" altLang="zh-CN" b="1" dirty="0" err="1"/>
+              <a:t>UsersConnectionRepository</a:t>
+            </a:r>
+            <a:endParaRPr lang="en-US" altLang="zh-CN" b="1" dirty="0"/>
+          </a:p>
+          <a:p>
+            <a:pPr algn="ctr"/>
+            <a:r>
+              <a:rPr lang="en-US" altLang="zh-CN" b="1" dirty="0"/>
+              <a:t>(</a:t>
+            </a:r>
+            <a:r>
+              <a:rPr lang="en-US" altLang="zh-CN" b="1" dirty="0" err="1"/>
+              <a:t>JdbcUsersConnectionRepository</a:t>
+            </a:r>
+            <a:r>
+              <a:rPr lang="en-US" altLang="zh-CN" b="1" dirty="0"/>
+              <a:t>)</a:t>
+            </a:r>
+            <a:endParaRPr lang="zh-CN" altLang="en-US" b="1" dirty="0"/>
+          </a:p>
+        </p:txBody>
+      </p:sp>
+      <p:cxnSp>
+        <p:nvCxnSpPr>
+          <p:cNvPr id="162" name="直接箭头连接符 161">
+            <a:extLst>
+              <a:ext uri="{FF2B5EF4-FFF2-40B4-BE49-F238E27FC236}">
+                <a16:creationId xmlns:a16="http://schemas.microsoft.com/office/drawing/2014/main" id="{FDADA3B9-CB24-4406-9CDB-6163BFCD4B17}"/>
+              </a:ext>
+            </a:extLst>
+          </p:cNvPr>
+          <p:cNvCxnSpPr>
+            <a:cxnSpLocks/>
+            <a:stCxn id="160" idx="0"/>
+            <a:endCxn id="158" idx="2"/>
+          </p:cNvCxnSpPr>
+          <p:nvPr/>
+        </p:nvCxnSpPr>
+        <p:spPr>
+          <a:xfrm flipH="1" flipV="1">
+            <a:off x="8681499" y="3332431"/>
+            <a:ext cx="3" cy="1023720"/>
+          </a:xfrm>
+          <a:prstGeom prst="straightConnector1">
+            <a:avLst/>
+          </a:prstGeom>
+          <a:ln>
+            <a:tailEnd type="triangle"/>
+          </a:ln>
+        </p:spPr>
+        <p:style>
+          <a:lnRef idx="1">
+            <a:schemeClr val="accent1"/>
+          </a:lnRef>
+          <a:fillRef idx="0">
+            <a:schemeClr val="accent1"/>
+          </a:fillRef>
+          <a:effectRef idx="0">
+            <a:schemeClr val="accent1"/>
+          </a:effectRef>
+          <a:fontRef idx="minor">
+            <a:schemeClr val="tx1"/>
+          </a:fontRef>
+        </p:style>
+      </p:cxnSp>
+      <p:cxnSp>
+        <p:nvCxnSpPr>
+          <p:cNvPr id="163" name="直接箭头连接符 162">
+            <a:extLst>
+              <a:ext uri="{FF2B5EF4-FFF2-40B4-BE49-F238E27FC236}">
+                <a16:creationId xmlns:a16="http://schemas.microsoft.com/office/drawing/2014/main" id="{43AA64BC-ED46-4154-ABF3-52B5908B4D75}"/>
+              </a:ext>
+            </a:extLst>
+          </p:cNvPr>
+          <p:cNvCxnSpPr>
+            <a:cxnSpLocks/>
+            <a:stCxn id="15" idx="0"/>
+            <a:endCxn id="160" idx="2"/>
+          </p:cNvCxnSpPr>
+          <p:nvPr/>
+        </p:nvCxnSpPr>
+        <p:spPr>
+          <a:xfrm flipV="1">
+            <a:off x="8681500" y="5123956"/>
+            <a:ext cx="2" cy="683163"/>
+          </a:xfrm>
+          <a:prstGeom prst="straightConnector1">
+            <a:avLst/>
+          </a:prstGeom>
+          <a:ln>
+            <a:tailEnd type="stealth"/>
+          </a:ln>
+        </p:spPr>
+        <p:style>
+          <a:lnRef idx="1">
+            <a:schemeClr val="accent1"/>
+          </a:lnRef>
+          <a:fillRef idx="0">
+            <a:schemeClr val="accent1"/>
+          </a:fillRef>
+          <a:effectRef idx="0">
+            <a:schemeClr val="accent1"/>
+          </a:effectRef>
+          <a:fontRef idx="minor">
+            <a:schemeClr val="tx1"/>
+          </a:fontRef>
+        </p:style>
+      </p:cxnSp>
+      <p:cxnSp>
+        <p:nvCxnSpPr>
+          <p:cNvPr id="205" name="直接箭头连接符 204">
+            <a:extLst>
+              <a:ext uri="{FF2B5EF4-FFF2-40B4-BE49-F238E27FC236}">
+                <a16:creationId xmlns:a16="http://schemas.microsoft.com/office/drawing/2014/main" id="{12F081DF-95F4-4F2E-B5EA-3CF067105FA4}"/>
+              </a:ext>
+            </a:extLst>
+          </p:cNvPr>
+          <p:cNvCxnSpPr>
+            <a:cxnSpLocks/>
+            <a:stCxn id="158" idx="0"/>
+          </p:cNvCxnSpPr>
+          <p:nvPr/>
+        </p:nvCxnSpPr>
+        <p:spPr>
+          <a:xfrm flipH="1" flipV="1">
+            <a:off x="8681498" y="1792892"/>
+            <a:ext cx="1" cy="795294"/>
+          </a:xfrm>
+          <a:prstGeom prst="straightConnector1">
+            <a:avLst/>
+          </a:prstGeom>
+          <a:ln>
+            <a:tailEnd type="triangle"/>
+          </a:ln>
+        </p:spPr>
+        <p:style>
+          <a:lnRef idx="1">
+            <a:schemeClr val="accent1"/>
+          </a:lnRef>
+          <a:fillRef idx="0">
+            <a:schemeClr val="accent1"/>
+          </a:fillRef>
+          <a:effectRef idx="0">
+            <a:schemeClr val="accent1"/>
+          </a:effectRef>
+          <a:fontRef idx="minor">
+            <a:schemeClr val="tx1"/>
+          </a:fontRef>
+        </p:style>
+      </p:cxnSp>
+      <p:sp>
+        <p:nvSpPr>
+          <p:cNvPr id="209" name="文本框 208">
+            <a:extLst>
+              <a:ext uri="{FF2B5EF4-FFF2-40B4-BE49-F238E27FC236}">
+                <a16:creationId xmlns:a16="http://schemas.microsoft.com/office/drawing/2014/main" id="{485C586E-461E-4413-9E18-50E0DC5F84A8}"/>
+              </a:ext>
+            </a:extLst>
+          </p:cNvPr>
+          <p:cNvSpPr txBox="1"/>
+          <p:nvPr/>
+        </p:nvSpPr>
+        <p:spPr>
+          <a:xfrm>
+            <a:off x="5884015" y="5185702"/>
+            <a:ext cx="5755081" cy="369332"/>
+          </a:xfrm>
+          <a:prstGeom prst="rect">
+            <a:avLst/>
+          </a:prstGeom>
+          <a:noFill/>
+        </p:spPr>
+        <p:txBody>
+          <a:bodyPr wrap="square" rtlCol="0">
+            <a:spAutoFit/>
+          </a:bodyPr>
+          <a:lstStyle/>
+          <a:p>
+            <a:r>
+              <a:rPr lang="zh-CN" altLang="en-US" b="1" dirty="0"/>
+              <a:t>①拿着</a:t>
+            </a:r>
+            <a:r>
+              <a:rPr lang="en-US" altLang="zh-CN" b="1" dirty="0"/>
+              <a:t>Connection</a:t>
+            </a:r>
+            <a:r>
+              <a:rPr lang="zh-CN" altLang="en-US" b="1" dirty="0"/>
+              <a:t>对象去</a:t>
+            </a:r>
+            <a:r>
+              <a:rPr lang="en-US" altLang="zh-CN" b="1" dirty="0" err="1"/>
+              <a:t>userconnection</a:t>
+            </a:r>
+            <a:r>
+              <a:rPr lang="zh-CN" altLang="en-US" b="1" dirty="0"/>
+              <a:t>表里拿</a:t>
+            </a:r>
+            <a:r>
+              <a:rPr lang="en-US" altLang="zh-CN" b="1" dirty="0" err="1"/>
+              <a:t>userId</a:t>
+            </a:r>
+            <a:endParaRPr lang="zh-CN" altLang="en-US" b="1" dirty="0"/>
+          </a:p>
+        </p:txBody>
+      </p:sp>
+      <p:sp>
+        <p:nvSpPr>
+          <p:cNvPr id="212" name="文本框 211">
+            <a:extLst>
+              <a:ext uri="{FF2B5EF4-FFF2-40B4-BE49-F238E27FC236}">
+                <a16:creationId xmlns:a16="http://schemas.microsoft.com/office/drawing/2014/main" id="{315657E8-F49C-4557-A044-08722141221B}"/>
+              </a:ext>
+            </a:extLst>
+          </p:cNvPr>
+          <p:cNvSpPr txBox="1"/>
+          <p:nvPr/>
+        </p:nvSpPr>
+        <p:spPr>
+          <a:xfrm>
+            <a:off x="5894910" y="3573494"/>
+            <a:ext cx="5602146" cy="646331"/>
+          </a:xfrm>
+          <a:prstGeom prst="rect">
+            <a:avLst/>
+          </a:prstGeom>
+          <a:noFill/>
+        </p:spPr>
+        <p:txBody>
+          <a:bodyPr wrap="square" rtlCol="0">
+            <a:spAutoFit/>
+          </a:bodyPr>
+          <a:lstStyle/>
+          <a:p>
+            <a:r>
+              <a:rPr lang="zh-CN" altLang="en-US" b="1" dirty="0"/>
+              <a:t>②拿着①中获取的</a:t>
+            </a:r>
+            <a:r>
+              <a:rPr lang="en-US" altLang="zh-CN" b="1" dirty="0" err="1"/>
+              <a:t>userId</a:t>
+            </a:r>
+            <a:r>
+              <a:rPr lang="zh-CN" altLang="en-US" b="1" dirty="0"/>
+              <a:t>去数据库的具体业务表去拿真正的用户信息</a:t>
+            </a:r>
+          </a:p>
+        </p:txBody>
+      </p:sp>
+      <p:sp>
+        <p:nvSpPr>
+          <p:cNvPr id="216" name="文本框 215">
+            <a:extLst>
+              <a:ext uri="{FF2B5EF4-FFF2-40B4-BE49-F238E27FC236}">
+                <a16:creationId xmlns:a16="http://schemas.microsoft.com/office/drawing/2014/main" id="{715D8E72-88EC-4B77-97DD-D2A3A74B3153}"/>
+              </a:ext>
+            </a:extLst>
+          </p:cNvPr>
+          <p:cNvSpPr txBox="1"/>
+          <p:nvPr/>
+        </p:nvSpPr>
+        <p:spPr>
+          <a:xfrm>
+            <a:off x="5950422" y="1339996"/>
+            <a:ext cx="5491121" cy="923330"/>
+          </a:xfrm>
+          <a:prstGeom prst="rect">
+            <a:avLst/>
+          </a:prstGeom>
+          <a:noFill/>
+        </p:spPr>
+        <p:txBody>
+          <a:bodyPr wrap="square" rtlCol="0">
+            <a:spAutoFit/>
+          </a:bodyPr>
+          <a:lstStyle/>
+          <a:p>
+            <a:r>
+              <a:rPr lang="zh-CN" altLang="en-US" b="1" dirty="0"/>
+              <a:t>③对获得的用户数据进行一系列校验</a:t>
+            </a:r>
+            <a:r>
+              <a:rPr lang="en-US" altLang="zh-CN" b="1" dirty="0"/>
+              <a:t>(</a:t>
+            </a:r>
+            <a:r>
+              <a:rPr lang="zh-CN" altLang="en-US" b="1" dirty="0"/>
+              <a:t>如账户是否过期等</a:t>
+            </a:r>
+            <a:r>
+              <a:rPr lang="en-US" altLang="zh-CN" b="1" dirty="0"/>
+              <a:t>),</a:t>
+            </a:r>
+            <a:r>
+              <a:rPr lang="zh-CN" altLang="en-US" b="1" dirty="0"/>
+              <a:t>如校验成功则将用户信息封装成一个标识为校验成功的</a:t>
+            </a:r>
+            <a:r>
+              <a:rPr lang="en-US" altLang="zh-CN" b="1" dirty="0"/>
+              <a:t>Authentication</a:t>
+            </a:r>
+            <a:r>
+              <a:rPr lang="zh-CN" altLang="en-US" b="1" dirty="0"/>
+              <a:t>对象</a:t>
+            </a:r>
+          </a:p>
+        </p:txBody>
+      </p:sp>
+    </p:spTree>
+    <p:extLst>
+      <p:ext uri="{BB962C8B-B14F-4D97-AF65-F5344CB8AC3E}">
+        <p14:creationId xmlns:p14="http://schemas.microsoft.com/office/powerpoint/2010/main" val="1120455794"/>
+      </p:ext>
+    </p:extLst>
   </p:cSld>
   <p:clrMapOvr>
     <a:masterClrMapping/>
@@ -13704,7 +14888,7 @@
         <a:sysClr val="windowText" lastClr="000000"/>
       </a:dk1>
       <a:lt1>
-        <a:sysClr val="window" lastClr="FFFFFF"/>
+        <a:sysClr val="window" lastClr="CCE8CF"/>
       </a:lt1>
       <a:dk2>
         <a:srgbClr val="44546A"/>
@@ -13947,6 +15131,8 @@
       </a:bgFillStyleLst>
     </a:fmtScheme>
   </a:themeElements>
+  <a:objectDefaults/>
+  <a:extraClrSchemeLst/>
   <a:extLst>
     <a:ext uri="{05A4C25C-085E-4340-85A3-A5531E510DB2}">
       <thm15:themeFamily xmlns:thm15="http://schemas.microsoft.com/office/thememl/2012/main" name="Office Theme" id="{62F939B6-93AF-4DB8-9C6B-D6C7DFDC589F}" vid="{4A3C46E8-61CC-4603-A589-7422A47A8E4A}"/>
@@ -13963,7 +15149,7 @@
         <a:sysClr val="windowText" lastClr="000000"/>
       </a:dk1>
       <a:lt1>
-        <a:sysClr val="window" lastClr="FFFFFF"/>
+        <a:sysClr val="window" lastClr="CCE8CF"/>
       </a:lt1>
       <a:dk2>
         <a:srgbClr val="44546A"/>
@@ -14206,6 +15392,8 @@
       </a:bgFillStyleLst>
     </a:fmtScheme>
   </a:themeElements>
+  <a:objectDefaults/>
+  <a:extraClrSchemeLst/>
   <a:extLst>
     <a:ext uri="{05A4C25C-085E-4340-85A3-A5531E510DB2}">
       <thm15:themeFamily xmlns:thm15="http://schemas.microsoft.com/office/thememl/2012/main" name="Office Theme" id="{62F939B6-93AF-4DB8-9C6B-D6C7DFDC589F}" vid="{4A3C46E8-61CC-4603-A589-7422A47A8E4A}"/>
@@ -14222,7 +15410,7 @@
         <a:sysClr val="windowText" lastClr="000000"/>
       </a:dk1>
       <a:lt1>
-        <a:sysClr val="window" lastClr="FFFFFF"/>
+        <a:sysClr val="window" lastClr="CCE8CF"/>
       </a:lt1>
       <a:dk2>
         <a:srgbClr val="44546A"/>
@@ -14465,6 +15653,8 @@
       </a:bgFillStyleLst>
     </a:fmtScheme>
   </a:themeElements>
+  <a:objectDefaults/>
+  <a:extraClrSchemeLst/>
   <a:extLst>
     <a:ext uri="{05A4C25C-085E-4340-85A3-A5531E510DB2}">
       <thm15:themeFamily xmlns:thm15="http://schemas.microsoft.com/office/thememl/2012/main" name="Office Theme" id="{62F939B6-93AF-4DB8-9C6B-D6C7DFDC589F}" vid="{4A3C46E8-61CC-4603-A589-7422A47A8E4A}"/>
